--- a/Slides/4.KRY-ANLP_11Mayis.pptx
+++ b/Slides/4.KRY-ANLP_11Mayis.pptx
@@ -5,12 +5,14 @@
     <p:sldMasterId id="2147483648" r:id="rId1"/>
   </p:sldMasterIdLst>
   <p:notesMasterIdLst>
-    <p:notesMasterId r:id="rId5"/>
+    <p:notesMasterId r:id="rId7"/>
   </p:notesMasterIdLst>
   <p:sldIdLst>
     <p:sldId id="405" r:id="rId2"/>
     <p:sldId id="407" r:id="rId3"/>
     <p:sldId id="421" r:id="rId4"/>
+    <p:sldId id="422" r:id="rId5"/>
+    <p:sldId id="423" r:id="rId6"/>
   </p:sldIdLst>
   <p:sldSz cx="12192000" cy="6858000"/>
   <p:notesSz cx="6858000" cy="9144000"/>
@@ -710,6 +712,90 @@
     <p:extLst>
       <p:ext uri="{BB962C8B-B14F-4D97-AF65-F5344CB8AC3E}">
         <p14:creationId xmlns:p14="http://schemas.microsoft.com/office/powerpoint/2010/main" val="3073099121"/>
+      </p:ext>
+    </p:extLst>
+  </p:cSld>
+  <p:clrMapOvr>
+    <a:masterClrMapping/>
+  </p:clrMapOvr>
+</p:notes>
+</file>
+
+<file path=ppt/notesSlides/notesSlide4.xml><?xml version="1.0" encoding="utf-8"?>
+<p:notes xmlns:a="http://schemas.openxmlformats.org/drawingml/2006/main" xmlns:r="http://schemas.openxmlformats.org/officeDocument/2006/relationships" xmlns:p="http://schemas.openxmlformats.org/presentationml/2006/main">
+  <p:cSld>
+    <p:spTree>
+      <p:nvGrpSpPr>
+        <p:cNvPr id="1" name=""/>
+        <p:cNvGrpSpPr/>
+        <p:nvPr/>
+      </p:nvGrpSpPr>
+      <p:grpSpPr>
+        <a:xfrm>
+          <a:off x="0" y="0"/>
+          <a:ext cx="0" cy="0"/>
+          <a:chOff x="0" y="0"/>
+          <a:chExt cx="0" cy="0"/>
+        </a:xfrm>
+      </p:grpSpPr>
+      <p:sp>
+        <p:nvSpPr>
+          <p:cNvPr id="2" name="Slide Image Placeholder 1"/>
+          <p:cNvSpPr>
+            <a:spLocks noGrp="1" noRot="1" noChangeAspect="1"/>
+          </p:cNvSpPr>
+          <p:nvPr>
+            <p:ph type="sldImg"/>
+          </p:nvPr>
+        </p:nvSpPr>
+        <p:spPr/>
+      </p:sp>
+      <p:sp>
+        <p:nvSpPr>
+          <p:cNvPr id="3" name="Notes Placeholder 2"/>
+          <p:cNvSpPr>
+            <a:spLocks noGrp="1"/>
+          </p:cNvSpPr>
+          <p:nvPr>
+            <p:ph type="body" idx="1"/>
+          </p:nvPr>
+        </p:nvSpPr>
+        <p:spPr/>
+        <p:txBody>
+          <a:bodyPr/>
+          <a:lstStyle/>
+          <a:p>
+            <a:endParaRPr lang="en-TR" dirty="0"/>
+          </a:p>
+        </p:txBody>
+      </p:sp>
+      <p:sp>
+        <p:nvSpPr>
+          <p:cNvPr id="4" name="Slide Number Placeholder 3"/>
+          <p:cNvSpPr>
+            <a:spLocks noGrp="1"/>
+          </p:cNvSpPr>
+          <p:nvPr>
+            <p:ph type="sldNum" sz="quarter" idx="5"/>
+          </p:nvPr>
+        </p:nvSpPr>
+        <p:spPr/>
+        <p:txBody>
+          <a:bodyPr/>
+          <a:lstStyle/>
+          <a:p>
+            <a:fld id="{BCD8CB87-4CAB-6F45-A742-A8794678E0A6}" type="slidenum">
+              <a:rPr lang="en-TR" smtClean="0"/>
+              <a:t>5</a:t>
+            </a:fld>
+            <a:endParaRPr lang="en-TR"/>
+          </a:p>
+        </p:txBody>
+      </p:sp>
+    </p:spTree>
+    <p:extLst>
+      <p:ext uri="{BB962C8B-B14F-4D97-AF65-F5344CB8AC3E}">
+        <p14:creationId xmlns:p14="http://schemas.microsoft.com/office/powerpoint/2010/main" val="448128374"/>
       </p:ext>
     </p:extLst>
   </p:cSld>
@@ -4908,6 +4994,8312 @@
     <p:extLst>
       <p:ext uri="{BB962C8B-B14F-4D97-AF65-F5344CB8AC3E}">
         <p14:creationId xmlns:p14="http://schemas.microsoft.com/office/powerpoint/2010/main" val="3379274640"/>
+      </p:ext>
+    </p:extLst>
+  </p:cSld>
+  <p:clrMapOvr>
+    <a:masterClrMapping/>
+  </p:clrMapOvr>
+</p:sld>
+</file>
+
+<file path=ppt/slides/slide4.xml><?xml version="1.0" encoding="utf-8"?>
+<p:sld xmlns:a="http://schemas.openxmlformats.org/drawingml/2006/main" xmlns:r="http://schemas.openxmlformats.org/officeDocument/2006/relationships" xmlns:p="http://schemas.openxmlformats.org/presentationml/2006/main">
+  <p:cSld>
+    <p:spTree>
+      <p:nvGrpSpPr>
+        <p:cNvPr id="1" name=""/>
+        <p:cNvGrpSpPr/>
+        <p:nvPr/>
+      </p:nvGrpSpPr>
+      <p:grpSpPr>
+        <a:xfrm>
+          <a:off x="0" y="0"/>
+          <a:ext cx="0" cy="0"/>
+          <a:chOff x="0" y="0"/>
+          <a:chExt cx="0" cy="0"/>
+        </a:xfrm>
+      </p:grpSpPr>
+      <p:sp>
+        <p:nvSpPr>
+          <p:cNvPr id="3" name="TextBox 2">
+            <a:extLst>
+              <a:ext uri="{FF2B5EF4-FFF2-40B4-BE49-F238E27FC236}">
+                <a16:creationId xmlns:a16="http://schemas.microsoft.com/office/drawing/2014/main" id="{B47BED57-D293-48A1-2B62-08D61862F427}"/>
+              </a:ext>
+            </a:extLst>
+          </p:cNvPr>
+          <p:cNvSpPr txBox="1"/>
+          <p:nvPr/>
+        </p:nvSpPr>
+        <p:spPr>
+          <a:xfrm>
+            <a:off x="414528" y="87481"/>
+            <a:ext cx="11362944" cy="7109639"/>
+          </a:xfrm>
+          <a:prstGeom prst="rect">
+            <a:avLst/>
+          </a:prstGeom>
+          <a:noFill/>
+        </p:spPr>
+        <p:txBody>
+          <a:bodyPr wrap="square">
+            <a:spAutoFit/>
+          </a:bodyPr>
+          <a:lstStyle/>
+          <a:p>
+            <a:pPr algn="l">
+              <a:spcAft>
+                <a:spcPts val="0"/>
+              </a:spcAft>
+            </a:pPr>
+            <a:r>
+              <a:rPr lang="en-US" sz="1200" b="1" i="0" u="none" strike="noStrike" dirty="0" err="1">
+                <a:solidFill>
+                  <a:srgbClr val="212121"/>
+                </a:solidFill>
+                <a:effectLst/>
+                <a:latin typeface="Calibri" panose="020F0502020204030204" pitchFamily="34" charset="0"/>
+                <a:cs typeface="Calibri" panose="020F0502020204030204" pitchFamily="34" charset="0"/>
+              </a:rPr>
+              <a:t>Konu</a:t>
+            </a:r>
+            <a:r>
+              <a:rPr lang="en-US" sz="1200" b="0" i="0" u="none" strike="noStrike" dirty="0">
+                <a:solidFill>
+                  <a:srgbClr val="212121"/>
+                </a:solidFill>
+                <a:effectLst/>
+                <a:latin typeface="Calibri" panose="020F0502020204030204" pitchFamily="34" charset="0"/>
+                <a:cs typeface="Calibri" panose="020F0502020204030204" pitchFamily="34" charset="0"/>
+              </a:rPr>
+              <a:t> : </a:t>
+            </a:r>
+            <a:r>
+              <a:rPr lang="en-US" sz="1200" b="0" i="0" u="sng" strike="noStrike" dirty="0">
+                <a:solidFill>
+                  <a:srgbClr val="DCA10D"/>
+                </a:solidFill>
+                <a:effectLst/>
+                <a:latin typeface="Calibri" panose="020F0502020204030204" pitchFamily="34" charset="0"/>
+                <a:cs typeface="Calibri" panose="020F0502020204030204" pitchFamily="34" charset="0"/>
+                <a:hlinkClick r:id="rId2" tooltip="http://Kariyer.net"/>
+              </a:rPr>
+              <a:t>Kariyer.net</a:t>
+            </a:r>
+            <a:r>
+              <a:rPr lang="en-US" sz="1200" b="0" i="0" u="none" strike="noStrike" dirty="0">
+                <a:solidFill>
+                  <a:srgbClr val="212121"/>
+                </a:solidFill>
+                <a:effectLst/>
+                <a:latin typeface="Calibri" panose="020F0502020204030204" pitchFamily="34" charset="0"/>
+                <a:cs typeface="Calibri" panose="020F0502020204030204" pitchFamily="34" charset="0"/>
+              </a:rPr>
+              <a:t> ‘in </a:t>
+            </a:r>
+            <a:r>
+              <a:rPr lang="en-US" sz="1200" b="0" i="0" u="none" strike="noStrike" dirty="0" err="1">
+                <a:solidFill>
+                  <a:srgbClr val="212121"/>
+                </a:solidFill>
+                <a:effectLst/>
+                <a:latin typeface="Calibri" panose="020F0502020204030204" pitchFamily="34" charset="0"/>
+                <a:cs typeface="Calibri" panose="020F0502020204030204" pitchFamily="34" charset="0"/>
+              </a:rPr>
+              <a:t>sunduğu</a:t>
+            </a:r>
+            <a:r>
+              <a:rPr lang="en-US" sz="1200" b="0" i="0" u="none" strike="noStrike" dirty="0">
+                <a:solidFill>
+                  <a:srgbClr val="212121"/>
+                </a:solidFill>
+                <a:effectLst/>
+                <a:latin typeface="Calibri" panose="020F0502020204030204" pitchFamily="34" charset="0"/>
+                <a:cs typeface="Calibri" panose="020F0502020204030204" pitchFamily="34" charset="0"/>
+              </a:rPr>
+              <a:t> </a:t>
+            </a:r>
+            <a:r>
+              <a:rPr lang="en-US" sz="1200" b="0" i="0" u="none" strike="noStrike" dirty="0" err="1">
+                <a:solidFill>
+                  <a:srgbClr val="212121"/>
+                </a:solidFill>
+                <a:effectLst/>
+                <a:latin typeface="Calibri" panose="020F0502020204030204" pitchFamily="34" charset="0"/>
+                <a:cs typeface="Calibri" panose="020F0502020204030204" pitchFamily="34" charset="0"/>
+              </a:rPr>
+              <a:t>ürünler</a:t>
+            </a:r>
+            <a:r>
+              <a:rPr lang="en-US" sz="1200" b="0" i="0" u="none" strike="noStrike" dirty="0">
+                <a:solidFill>
+                  <a:srgbClr val="212121"/>
+                </a:solidFill>
+                <a:effectLst/>
+                <a:latin typeface="Calibri" panose="020F0502020204030204" pitchFamily="34" charset="0"/>
+                <a:cs typeface="Calibri" panose="020F0502020204030204" pitchFamily="34" charset="0"/>
+              </a:rPr>
+              <a:t> </a:t>
+            </a:r>
+            <a:r>
+              <a:rPr lang="en-US" sz="1200" b="0" i="0" u="none" strike="noStrike" dirty="0" err="1">
+                <a:solidFill>
+                  <a:srgbClr val="212121"/>
+                </a:solidFill>
+                <a:effectLst/>
+                <a:latin typeface="Calibri" panose="020F0502020204030204" pitchFamily="34" charset="0"/>
+                <a:cs typeface="Calibri" panose="020F0502020204030204" pitchFamily="34" charset="0"/>
+              </a:rPr>
+              <a:t>için</a:t>
+            </a:r>
+            <a:r>
+              <a:rPr lang="en-US" sz="1200" b="0" i="0" u="none" strike="noStrike" dirty="0">
+                <a:solidFill>
+                  <a:srgbClr val="212121"/>
+                </a:solidFill>
+                <a:effectLst/>
+                <a:latin typeface="Calibri" panose="020F0502020204030204" pitchFamily="34" charset="0"/>
+                <a:cs typeface="Calibri" panose="020F0502020204030204" pitchFamily="34" charset="0"/>
+              </a:rPr>
+              <a:t> </a:t>
+            </a:r>
+            <a:r>
+              <a:rPr lang="en-US" sz="1200" b="0" i="0" u="none" strike="noStrike" dirty="0" err="1">
+                <a:solidFill>
+                  <a:srgbClr val="212121"/>
+                </a:solidFill>
+                <a:effectLst/>
+                <a:latin typeface="Calibri" panose="020F0502020204030204" pitchFamily="34" charset="0"/>
+                <a:cs typeface="Calibri" panose="020F0502020204030204" pitchFamily="34" charset="0"/>
+              </a:rPr>
+              <a:t>iyileştirmenin</a:t>
+            </a:r>
+            <a:r>
+              <a:rPr lang="en-US" sz="1200" b="0" i="0" u="none" strike="noStrike" dirty="0">
+                <a:solidFill>
+                  <a:srgbClr val="212121"/>
+                </a:solidFill>
+                <a:effectLst/>
+                <a:latin typeface="Calibri" panose="020F0502020204030204" pitchFamily="34" charset="0"/>
+                <a:cs typeface="Calibri" panose="020F0502020204030204" pitchFamily="34" charset="0"/>
+              </a:rPr>
+              <a:t> </a:t>
+            </a:r>
+            <a:r>
+              <a:rPr lang="en-US" sz="1200" b="0" i="0" u="none" strike="noStrike" dirty="0" err="1">
+                <a:solidFill>
+                  <a:srgbClr val="212121"/>
+                </a:solidFill>
+                <a:effectLst/>
+                <a:latin typeface="Calibri" panose="020F0502020204030204" pitchFamily="34" charset="0"/>
+                <a:cs typeface="Calibri" panose="020F0502020204030204" pitchFamily="34" charset="0"/>
+              </a:rPr>
+              <a:t>ya</a:t>
+            </a:r>
+            <a:r>
+              <a:rPr lang="en-US" sz="1200" b="0" i="0" u="none" strike="noStrike" dirty="0">
+                <a:solidFill>
+                  <a:srgbClr val="212121"/>
+                </a:solidFill>
+                <a:effectLst/>
+                <a:latin typeface="Calibri" panose="020F0502020204030204" pitchFamily="34" charset="0"/>
+                <a:cs typeface="Calibri" panose="020F0502020204030204" pitchFamily="34" charset="0"/>
+              </a:rPr>
+              <a:t> da yeni </a:t>
+            </a:r>
+            <a:r>
+              <a:rPr lang="en-US" sz="1200" b="0" i="0" u="none" strike="noStrike" dirty="0" err="1">
+                <a:solidFill>
+                  <a:srgbClr val="212121"/>
+                </a:solidFill>
+                <a:effectLst/>
+                <a:latin typeface="Calibri" panose="020F0502020204030204" pitchFamily="34" charset="0"/>
+                <a:cs typeface="Calibri" panose="020F0502020204030204" pitchFamily="34" charset="0"/>
+              </a:rPr>
+              <a:t>bir</a:t>
+            </a:r>
+            <a:r>
+              <a:rPr lang="en-US" sz="1200" b="0" i="0" u="none" strike="noStrike" dirty="0">
+                <a:solidFill>
+                  <a:srgbClr val="212121"/>
+                </a:solidFill>
+                <a:effectLst/>
+                <a:latin typeface="Calibri" panose="020F0502020204030204" pitchFamily="34" charset="0"/>
+                <a:cs typeface="Calibri" panose="020F0502020204030204" pitchFamily="34" charset="0"/>
+              </a:rPr>
+              <a:t> </a:t>
+            </a:r>
+            <a:r>
+              <a:rPr lang="en-US" sz="1200" b="0" i="0" u="none" strike="noStrike" dirty="0" err="1">
+                <a:solidFill>
+                  <a:srgbClr val="212121"/>
+                </a:solidFill>
+                <a:effectLst/>
+                <a:latin typeface="Calibri" panose="020F0502020204030204" pitchFamily="34" charset="0"/>
+                <a:cs typeface="Calibri" panose="020F0502020204030204" pitchFamily="34" charset="0"/>
+              </a:rPr>
+              <a:t>ürünün</a:t>
+            </a:r>
+            <a:r>
+              <a:rPr lang="en-US" sz="1200" b="0" i="0" u="none" strike="noStrike" dirty="0">
+                <a:solidFill>
+                  <a:srgbClr val="212121"/>
+                </a:solidFill>
+                <a:effectLst/>
+                <a:latin typeface="Calibri" panose="020F0502020204030204" pitchFamily="34" charset="0"/>
+                <a:cs typeface="Calibri" panose="020F0502020204030204" pitchFamily="34" charset="0"/>
+              </a:rPr>
+              <a:t> </a:t>
+            </a:r>
+            <a:r>
+              <a:rPr lang="en-US" sz="1200" b="0" i="0" u="none" strike="noStrike" dirty="0" err="1">
+                <a:solidFill>
+                  <a:srgbClr val="212121"/>
+                </a:solidFill>
+                <a:effectLst/>
+                <a:latin typeface="Calibri" panose="020F0502020204030204" pitchFamily="34" charset="0"/>
+                <a:cs typeface="Calibri" panose="020F0502020204030204" pitchFamily="34" charset="0"/>
+              </a:rPr>
+              <a:t>bilinen</a:t>
+            </a:r>
+            <a:r>
+              <a:rPr lang="en-US" sz="1200" b="0" i="0" u="none" strike="noStrike" dirty="0">
+                <a:solidFill>
+                  <a:srgbClr val="212121"/>
+                </a:solidFill>
+                <a:effectLst/>
+                <a:latin typeface="Calibri" panose="020F0502020204030204" pitchFamily="34" charset="0"/>
+                <a:cs typeface="Calibri" panose="020F0502020204030204" pitchFamily="34" charset="0"/>
+              </a:rPr>
+              <a:t> </a:t>
+            </a:r>
+            <a:r>
+              <a:rPr lang="en-US" sz="1200" b="0" i="0" u="none" strike="noStrike" dirty="0" err="1">
+                <a:solidFill>
+                  <a:srgbClr val="212121"/>
+                </a:solidFill>
+                <a:effectLst/>
+                <a:latin typeface="Calibri" panose="020F0502020204030204" pitchFamily="34" charset="0"/>
+                <a:cs typeface="Calibri" panose="020F0502020204030204" pitchFamily="34" charset="0"/>
+              </a:rPr>
+              <a:t>yapay</a:t>
+            </a:r>
+            <a:r>
+              <a:rPr lang="en-US" sz="1200" b="0" i="0" u="none" strike="noStrike" dirty="0">
+                <a:solidFill>
+                  <a:srgbClr val="212121"/>
+                </a:solidFill>
+                <a:effectLst/>
+                <a:latin typeface="Calibri" panose="020F0502020204030204" pitchFamily="34" charset="0"/>
+                <a:cs typeface="Calibri" panose="020F0502020204030204" pitchFamily="34" charset="0"/>
+              </a:rPr>
+              <a:t> </a:t>
+            </a:r>
+            <a:r>
+              <a:rPr lang="en-US" sz="1200" b="0" i="0" u="none" strike="noStrike" dirty="0" err="1">
+                <a:solidFill>
+                  <a:srgbClr val="212121"/>
+                </a:solidFill>
+                <a:effectLst/>
+                <a:latin typeface="Calibri" panose="020F0502020204030204" pitchFamily="34" charset="0"/>
+                <a:cs typeface="Calibri" panose="020F0502020204030204" pitchFamily="34" charset="0"/>
+              </a:rPr>
+              <a:t>zeka</a:t>
+            </a:r>
+            <a:r>
+              <a:rPr lang="en-US" sz="1200" b="0" i="0" u="none" strike="noStrike" dirty="0">
+                <a:solidFill>
+                  <a:srgbClr val="212121"/>
+                </a:solidFill>
+                <a:effectLst/>
+                <a:latin typeface="Calibri" panose="020F0502020204030204" pitchFamily="34" charset="0"/>
+                <a:cs typeface="Calibri" panose="020F0502020204030204" pitchFamily="34" charset="0"/>
+              </a:rPr>
+              <a:t> </a:t>
+            </a:r>
+            <a:r>
+              <a:rPr lang="en-US" sz="1200" b="0" i="0" u="none" strike="noStrike" dirty="0" err="1">
+                <a:solidFill>
+                  <a:srgbClr val="212121"/>
+                </a:solidFill>
+                <a:effectLst/>
+                <a:latin typeface="Calibri" panose="020F0502020204030204" pitchFamily="34" charset="0"/>
+                <a:cs typeface="Calibri" panose="020F0502020204030204" pitchFamily="34" charset="0"/>
+              </a:rPr>
+              <a:t>yöntemleriyle</a:t>
+            </a:r>
+            <a:r>
+              <a:rPr lang="en-US" sz="1200" b="0" i="0" u="none" strike="noStrike" dirty="0">
+                <a:solidFill>
+                  <a:srgbClr val="212121"/>
+                </a:solidFill>
+                <a:effectLst/>
+                <a:latin typeface="Calibri" panose="020F0502020204030204" pitchFamily="34" charset="0"/>
+                <a:cs typeface="Calibri" panose="020F0502020204030204" pitchFamily="34" charset="0"/>
+              </a:rPr>
+              <a:t> </a:t>
+            </a:r>
+          </a:p>
+          <a:p>
+            <a:pPr algn="l">
+              <a:spcAft>
+                <a:spcPts val="0"/>
+              </a:spcAft>
+            </a:pPr>
+            <a:r>
+              <a:rPr lang="en-US" sz="1200" b="0" i="0" u="none" strike="noStrike" dirty="0">
+                <a:solidFill>
+                  <a:srgbClr val="212121"/>
+                </a:solidFill>
+                <a:effectLst/>
+                <a:latin typeface="Calibri" panose="020F0502020204030204" pitchFamily="34" charset="0"/>
+                <a:cs typeface="Calibri" panose="020F0502020204030204" pitchFamily="34" charset="0"/>
+              </a:rPr>
+              <a:t> </a:t>
+            </a:r>
+          </a:p>
+          <a:p>
+            <a:pPr algn="l">
+              <a:spcAft>
+                <a:spcPts val="0"/>
+              </a:spcAft>
+            </a:pPr>
+            <a:r>
+              <a:rPr lang="en-US" sz="1200" b="1" i="0" u="none" strike="noStrike" dirty="0" err="1">
+                <a:solidFill>
+                  <a:srgbClr val="212121"/>
+                </a:solidFill>
+                <a:effectLst/>
+                <a:latin typeface="Calibri" panose="020F0502020204030204" pitchFamily="34" charset="0"/>
+                <a:cs typeface="Calibri" panose="020F0502020204030204" pitchFamily="34" charset="0"/>
+              </a:rPr>
+              <a:t>Hedef</a:t>
+            </a:r>
+            <a:r>
+              <a:rPr lang="en-US" sz="1200" b="0" i="0" u="none" strike="noStrike" dirty="0">
+                <a:solidFill>
+                  <a:srgbClr val="212121"/>
+                </a:solidFill>
+                <a:effectLst/>
+                <a:latin typeface="Calibri" panose="020F0502020204030204" pitchFamily="34" charset="0"/>
+                <a:cs typeface="Calibri" panose="020F0502020204030204" pitchFamily="34" charset="0"/>
+              </a:rPr>
+              <a:t> : </a:t>
+            </a:r>
+            <a:r>
+              <a:rPr lang="en-US" sz="1200" b="0" i="0" u="none" strike="noStrike" dirty="0" err="1">
+                <a:solidFill>
+                  <a:srgbClr val="212121"/>
+                </a:solidFill>
+                <a:effectLst/>
+                <a:latin typeface="Calibri" panose="020F0502020204030204" pitchFamily="34" charset="0"/>
+                <a:cs typeface="Calibri" panose="020F0502020204030204" pitchFamily="34" charset="0"/>
+              </a:rPr>
+              <a:t>Günde</a:t>
+            </a:r>
+            <a:r>
+              <a:rPr lang="en-US" sz="1200" b="0" i="0" u="none" strike="noStrike" dirty="0">
+                <a:solidFill>
+                  <a:srgbClr val="212121"/>
+                </a:solidFill>
+                <a:effectLst/>
+                <a:latin typeface="Calibri" panose="020F0502020204030204" pitchFamily="34" charset="0"/>
+                <a:cs typeface="Calibri" panose="020F0502020204030204" pitchFamily="34" charset="0"/>
+              </a:rPr>
+              <a:t> 300.000 den </a:t>
+            </a:r>
+            <a:r>
+              <a:rPr lang="en-US" sz="1200" b="0" i="0" u="none" strike="noStrike" dirty="0" err="1">
+                <a:solidFill>
+                  <a:srgbClr val="212121"/>
+                </a:solidFill>
+                <a:effectLst/>
+                <a:latin typeface="Calibri" panose="020F0502020204030204" pitchFamily="34" charset="0"/>
+                <a:cs typeface="Calibri" panose="020F0502020204030204" pitchFamily="34" charset="0"/>
+              </a:rPr>
+              <a:t>fazla</a:t>
+            </a:r>
+            <a:r>
+              <a:rPr lang="en-US" sz="1200" b="0" i="0" u="none" strike="noStrike" dirty="0">
+                <a:solidFill>
+                  <a:srgbClr val="212121"/>
+                </a:solidFill>
+                <a:effectLst/>
+                <a:latin typeface="Calibri" panose="020F0502020204030204" pitchFamily="34" charset="0"/>
+                <a:cs typeface="Calibri" panose="020F0502020204030204" pitchFamily="34" charset="0"/>
+              </a:rPr>
+              <a:t> </a:t>
+            </a:r>
+            <a:r>
+              <a:rPr lang="en-US" sz="1200" b="0" i="0" u="none" strike="noStrike" dirty="0" err="1">
+                <a:solidFill>
+                  <a:srgbClr val="212121"/>
+                </a:solidFill>
+                <a:effectLst/>
+                <a:latin typeface="Calibri" panose="020F0502020204030204" pitchFamily="34" charset="0"/>
+                <a:cs typeface="Calibri" panose="020F0502020204030204" pitchFamily="34" charset="0"/>
+              </a:rPr>
+              <a:t>iş</a:t>
+            </a:r>
+            <a:r>
+              <a:rPr lang="en-US" sz="1200" b="0" i="0" u="none" strike="noStrike" dirty="0">
+                <a:solidFill>
+                  <a:srgbClr val="212121"/>
+                </a:solidFill>
+                <a:effectLst/>
+                <a:latin typeface="Calibri" panose="020F0502020204030204" pitchFamily="34" charset="0"/>
+                <a:cs typeface="Calibri" panose="020F0502020204030204" pitchFamily="34" charset="0"/>
+              </a:rPr>
+              <a:t> </a:t>
+            </a:r>
+            <a:r>
+              <a:rPr lang="en-US" sz="1200" b="0" i="0" u="none" strike="noStrike" dirty="0" err="1">
+                <a:solidFill>
+                  <a:srgbClr val="212121"/>
+                </a:solidFill>
+                <a:effectLst/>
+                <a:latin typeface="Calibri" panose="020F0502020204030204" pitchFamily="34" charset="0"/>
+                <a:cs typeface="Calibri" panose="020F0502020204030204" pitchFamily="34" charset="0"/>
+              </a:rPr>
+              <a:t>başvurusunun</a:t>
+            </a:r>
+            <a:r>
+              <a:rPr lang="en-US" sz="1200" b="0" i="0" u="none" strike="noStrike" dirty="0">
+                <a:solidFill>
+                  <a:srgbClr val="212121"/>
+                </a:solidFill>
+                <a:effectLst/>
+                <a:latin typeface="Calibri" panose="020F0502020204030204" pitchFamily="34" charset="0"/>
+                <a:cs typeface="Calibri" panose="020F0502020204030204" pitchFamily="34" charset="0"/>
+              </a:rPr>
+              <a:t> </a:t>
+            </a:r>
+            <a:r>
+              <a:rPr lang="en-US" sz="1200" b="0" i="0" u="none" strike="noStrike" dirty="0" err="1">
+                <a:solidFill>
+                  <a:srgbClr val="212121"/>
+                </a:solidFill>
+                <a:effectLst/>
+                <a:latin typeface="Calibri" panose="020F0502020204030204" pitchFamily="34" charset="0"/>
+                <a:cs typeface="Calibri" panose="020F0502020204030204" pitchFamily="34" charset="0"/>
+              </a:rPr>
+              <a:t>olduğu</a:t>
+            </a:r>
+            <a:r>
+              <a:rPr lang="en-US" sz="1200" b="0" i="0" u="none" strike="noStrike" dirty="0">
+                <a:solidFill>
+                  <a:srgbClr val="212121"/>
+                </a:solidFill>
+                <a:effectLst/>
+                <a:latin typeface="Calibri" panose="020F0502020204030204" pitchFamily="34" charset="0"/>
+                <a:cs typeface="Calibri" panose="020F0502020204030204" pitchFamily="34" charset="0"/>
+              </a:rPr>
+              <a:t> </a:t>
+            </a:r>
+            <a:r>
+              <a:rPr lang="en-US" sz="1200" b="0" i="0" u="sng" strike="noStrike" dirty="0" err="1">
+                <a:solidFill>
+                  <a:srgbClr val="DCA10D"/>
+                </a:solidFill>
+                <a:effectLst/>
+                <a:latin typeface="Calibri" panose="020F0502020204030204" pitchFamily="34" charset="0"/>
+                <a:cs typeface="Calibri" panose="020F0502020204030204" pitchFamily="34" charset="0"/>
+                <a:hlinkClick r:id="rId2" tooltip="http://Kariyer.net"/>
+              </a:rPr>
+              <a:t>Kariyer.net</a:t>
+            </a:r>
+            <a:r>
+              <a:rPr lang="en-US" sz="1200" b="0" i="0" u="none" strike="noStrike" dirty="0" err="1">
+                <a:solidFill>
+                  <a:srgbClr val="212121"/>
+                </a:solidFill>
+                <a:effectLst/>
+                <a:latin typeface="Calibri" panose="020F0502020204030204" pitchFamily="34" charset="0"/>
+                <a:cs typeface="Calibri" panose="020F0502020204030204" pitchFamily="34" charset="0"/>
+              </a:rPr>
+              <a:t>’te</a:t>
+            </a:r>
+            <a:r>
+              <a:rPr lang="en-US" sz="1200" b="0" i="0" u="none" strike="noStrike" dirty="0">
+                <a:solidFill>
+                  <a:srgbClr val="212121"/>
+                </a:solidFill>
+                <a:effectLst/>
+                <a:latin typeface="Calibri" panose="020F0502020204030204" pitchFamily="34" charset="0"/>
+                <a:cs typeface="Calibri" panose="020F0502020204030204" pitchFamily="34" charset="0"/>
+              </a:rPr>
+              <a:t>, </a:t>
+            </a:r>
+            <a:r>
+              <a:rPr lang="en-US" sz="1200" b="0" i="0" u="none" strike="noStrike" dirty="0" err="1">
+                <a:solidFill>
+                  <a:srgbClr val="212121"/>
+                </a:solidFill>
+                <a:effectLst/>
+                <a:latin typeface="Calibri" panose="020F0502020204030204" pitchFamily="34" charset="0"/>
+                <a:cs typeface="Calibri" panose="020F0502020204030204" pitchFamily="34" charset="0"/>
+              </a:rPr>
+              <a:t>iş</a:t>
+            </a:r>
+            <a:r>
+              <a:rPr lang="en-US" sz="1200" b="0" i="0" u="none" strike="noStrike" dirty="0">
+                <a:solidFill>
+                  <a:srgbClr val="212121"/>
+                </a:solidFill>
+                <a:effectLst/>
+                <a:latin typeface="Calibri" panose="020F0502020204030204" pitchFamily="34" charset="0"/>
+                <a:cs typeface="Calibri" panose="020F0502020204030204" pitchFamily="34" charset="0"/>
+              </a:rPr>
+              <a:t> </a:t>
+            </a:r>
+            <a:r>
+              <a:rPr lang="en-US" sz="1200" b="0" i="0" u="none" strike="noStrike" dirty="0" err="1">
+                <a:solidFill>
+                  <a:srgbClr val="212121"/>
+                </a:solidFill>
+                <a:effectLst/>
+                <a:latin typeface="Calibri" panose="020F0502020204030204" pitchFamily="34" charset="0"/>
+                <a:cs typeface="Calibri" panose="020F0502020204030204" pitchFamily="34" charset="0"/>
+              </a:rPr>
+              <a:t>arayanların</a:t>
+            </a:r>
+            <a:r>
+              <a:rPr lang="en-US" sz="1200" b="0" i="0" u="none" strike="noStrike" dirty="0">
+                <a:solidFill>
+                  <a:srgbClr val="212121"/>
+                </a:solidFill>
+                <a:effectLst/>
+                <a:latin typeface="Calibri" panose="020F0502020204030204" pitchFamily="34" charset="0"/>
+                <a:cs typeface="Calibri" panose="020F0502020204030204" pitchFamily="34" charset="0"/>
+              </a:rPr>
+              <a:t> </a:t>
+            </a:r>
+            <a:r>
+              <a:rPr lang="en-US" sz="1200" b="0" i="0" u="none" strike="noStrike" dirty="0" err="1">
+                <a:solidFill>
+                  <a:srgbClr val="212121"/>
+                </a:solidFill>
+                <a:effectLst/>
+                <a:latin typeface="Calibri" panose="020F0502020204030204" pitchFamily="34" charset="0"/>
+                <a:cs typeface="Calibri" panose="020F0502020204030204" pitchFamily="34" charset="0"/>
+              </a:rPr>
+              <a:t>ya</a:t>
+            </a:r>
+            <a:r>
+              <a:rPr lang="en-US" sz="1200" b="0" i="0" u="none" strike="noStrike" dirty="0">
+                <a:solidFill>
+                  <a:srgbClr val="212121"/>
+                </a:solidFill>
+                <a:effectLst/>
+                <a:latin typeface="Calibri" panose="020F0502020204030204" pitchFamily="34" charset="0"/>
+                <a:cs typeface="Calibri" panose="020F0502020204030204" pitchFamily="34" charset="0"/>
+              </a:rPr>
+              <a:t> da </a:t>
+            </a:r>
+            <a:r>
+              <a:rPr lang="en-US" sz="1200" b="0" i="0" u="none" strike="noStrike" dirty="0" err="1">
+                <a:solidFill>
+                  <a:srgbClr val="212121"/>
+                </a:solidFill>
+                <a:effectLst/>
+                <a:latin typeface="Calibri" panose="020F0502020204030204" pitchFamily="34" charset="0"/>
+                <a:cs typeface="Calibri" panose="020F0502020204030204" pitchFamily="34" charset="0"/>
+              </a:rPr>
+              <a:t>işverenlerin</a:t>
+            </a:r>
+            <a:r>
+              <a:rPr lang="en-US" sz="1200" b="0" i="0" u="none" strike="noStrike" dirty="0">
+                <a:solidFill>
+                  <a:srgbClr val="212121"/>
+                </a:solidFill>
+                <a:effectLst/>
+                <a:latin typeface="Calibri" panose="020F0502020204030204" pitchFamily="34" charset="0"/>
+                <a:cs typeface="Calibri" panose="020F0502020204030204" pitchFamily="34" charset="0"/>
+              </a:rPr>
+              <a:t> </a:t>
+            </a:r>
+            <a:r>
+              <a:rPr lang="en-US" sz="1200" b="0" i="0" u="none" strike="noStrike" dirty="0" err="1">
+                <a:solidFill>
+                  <a:srgbClr val="212121"/>
+                </a:solidFill>
+                <a:effectLst/>
+                <a:latin typeface="Calibri" panose="020F0502020204030204" pitchFamily="34" charset="0"/>
+                <a:cs typeface="Calibri" panose="020F0502020204030204" pitchFamily="34" charset="0"/>
+              </a:rPr>
+              <a:t>hayatının</a:t>
+            </a:r>
+            <a:r>
+              <a:rPr lang="en-US" sz="1200" b="0" i="0" u="none" strike="noStrike" dirty="0">
+                <a:solidFill>
+                  <a:srgbClr val="212121"/>
+                </a:solidFill>
+                <a:effectLst/>
+                <a:latin typeface="Calibri" panose="020F0502020204030204" pitchFamily="34" charset="0"/>
+                <a:cs typeface="Calibri" panose="020F0502020204030204" pitchFamily="34" charset="0"/>
+              </a:rPr>
+              <a:t> </a:t>
+            </a:r>
+            <a:r>
+              <a:rPr lang="en-US" sz="1200" b="0" i="0" u="none" strike="noStrike" dirty="0" err="1">
+                <a:solidFill>
+                  <a:srgbClr val="212121"/>
+                </a:solidFill>
+                <a:effectLst/>
+                <a:latin typeface="Calibri" panose="020F0502020204030204" pitchFamily="34" charset="0"/>
+                <a:cs typeface="Calibri" panose="020F0502020204030204" pitchFamily="34" charset="0"/>
+              </a:rPr>
+              <a:t>kolaylaştırılması</a:t>
+            </a:r>
+            <a:r>
+              <a:rPr lang="en-US" sz="1200" b="0" i="0" u="none" strike="noStrike" dirty="0">
+                <a:solidFill>
+                  <a:srgbClr val="212121"/>
+                </a:solidFill>
+                <a:effectLst/>
+                <a:latin typeface="Calibri" panose="020F0502020204030204" pitchFamily="34" charset="0"/>
+                <a:cs typeface="Calibri" panose="020F0502020204030204" pitchFamily="34" charset="0"/>
+              </a:rPr>
+              <a:t>, </a:t>
+            </a:r>
+            <a:r>
+              <a:rPr lang="en-US" sz="1200" b="0" i="0" u="none" strike="noStrike" dirty="0" err="1">
+                <a:solidFill>
+                  <a:srgbClr val="212121"/>
+                </a:solidFill>
+                <a:effectLst/>
+                <a:latin typeface="Calibri" panose="020F0502020204030204" pitchFamily="34" charset="0"/>
+                <a:cs typeface="Calibri" panose="020F0502020204030204" pitchFamily="34" charset="0"/>
+              </a:rPr>
+              <a:t>verimlerinin</a:t>
+            </a:r>
+            <a:r>
+              <a:rPr lang="en-US" sz="1200" b="0" i="0" u="none" strike="noStrike" dirty="0">
+                <a:solidFill>
+                  <a:srgbClr val="212121"/>
+                </a:solidFill>
+                <a:effectLst/>
+                <a:latin typeface="Calibri" panose="020F0502020204030204" pitchFamily="34" charset="0"/>
+                <a:cs typeface="Calibri" panose="020F0502020204030204" pitchFamily="34" charset="0"/>
+              </a:rPr>
+              <a:t> </a:t>
+            </a:r>
+            <a:r>
+              <a:rPr lang="en-US" sz="1200" b="0" i="0" u="none" strike="noStrike" dirty="0" err="1">
+                <a:solidFill>
+                  <a:srgbClr val="212121"/>
+                </a:solidFill>
+                <a:effectLst/>
+                <a:latin typeface="Calibri" panose="020F0502020204030204" pitchFamily="34" charset="0"/>
+                <a:cs typeface="Calibri" panose="020F0502020204030204" pitchFamily="34" charset="0"/>
+              </a:rPr>
+              <a:t>arttırılması</a:t>
+            </a:r>
+            <a:r>
+              <a:rPr lang="en-US" sz="1200" b="0" i="0" u="none" strike="noStrike" dirty="0">
+                <a:solidFill>
+                  <a:srgbClr val="212121"/>
+                </a:solidFill>
+                <a:effectLst/>
+                <a:latin typeface="Calibri" panose="020F0502020204030204" pitchFamily="34" charset="0"/>
+                <a:cs typeface="Calibri" panose="020F0502020204030204" pitchFamily="34" charset="0"/>
+              </a:rPr>
+              <a:t>, </a:t>
+            </a:r>
+            <a:r>
+              <a:rPr lang="en-US" sz="1200" b="0" i="0" u="none" strike="noStrike" dirty="0" err="1">
+                <a:solidFill>
+                  <a:srgbClr val="212121"/>
+                </a:solidFill>
+                <a:effectLst/>
+                <a:latin typeface="Calibri" panose="020F0502020204030204" pitchFamily="34" charset="0"/>
+                <a:cs typeface="Calibri" panose="020F0502020204030204" pitchFamily="34" charset="0"/>
+              </a:rPr>
+              <a:t>gelire</a:t>
+            </a:r>
+            <a:r>
+              <a:rPr lang="en-US" sz="1200" b="0" i="0" u="none" strike="noStrike" dirty="0">
+                <a:solidFill>
+                  <a:srgbClr val="212121"/>
+                </a:solidFill>
+                <a:effectLst/>
+                <a:latin typeface="Calibri" panose="020F0502020204030204" pitchFamily="34" charset="0"/>
+                <a:cs typeface="Calibri" panose="020F0502020204030204" pitchFamily="34" charset="0"/>
+              </a:rPr>
+              <a:t> </a:t>
+            </a:r>
+            <a:r>
+              <a:rPr lang="en-US" sz="1200" b="0" i="0" u="none" strike="noStrike" dirty="0" err="1">
+                <a:solidFill>
+                  <a:srgbClr val="212121"/>
+                </a:solidFill>
+                <a:effectLst/>
+                <a:latin typeface="Calibri" panose="020F0502020204030204" pitchFamily="34" charset="0"/>
+                <a:cs typeface="Calibri" panose="020F0502020204030204" pitchFamily="34" charset="0"/>
+              </a:rPr>
+              <a:t>pozitif</a:t>
+            </a:r>
+            <a:r>
+              <a:rPr lang="en-US" sz="1200" b="0" i="0" u="none" strike="noStrike" dirty="0">
+                <a:solidFill>
+                  <a:srgbClr val="212121"/>
+                </a:solidFill>
+                <a:effectLst/>
+                <a:latin typeface="Calibri" panose="020F0502020204030204" pitchFamily="34" charset="0"/>
+                <a:cs typeface="Calibri" panose="020F0502020204030204" pitchFamily="34" charset="0"/>
+              </a:rPr>
+              <a:t> </a:t>
+            </a:r>
+            <a:r>
+              <a:rPr lang="en-US" sz="1200" b="0" i="0" u="none" strike="noStrike" dirty="0" err="1">
+                <a:solidFill>
+                  <a:srgbClr val="212121"/>
+                </a:solidFill>
+                <a:effectLst/>
+                <a:latin typeface="Calibri" panose="020F0502020204030204" pitchFamily="34" charset="0"/>
+                <a:cs typeface="Calibri" panose="020F0502020204030204" pitchFamily="34" charset="0"/>
+              </a:rPr>
+              <a:t>etki</a:t>
+            </a:r>
+            <a:r>
+              <a:rPr lang="en-US" sz="1200" b="0" i="0" u="none" strike="noStrike" dirty="0">
+                <a:solidFill>
+                  <a:srgbClr val="212121"/>
+                </a:solidFill>
+                <a:effectLst/>
+                <a:latin typeface="Calibri" panose="020F0502020204030204" pitchFamily="34" charset="0"/>
+                <a:cs typeface="Calibri" panose="020F0502020204030204" pitchFamily="34" charset="0"/>
+              </a:rPr>
+              <a:t>. </a:t>
+            </a:r>
+            <a:r>
+              <a:rPr lang="en-US" sz="1200" b="0" i="0" u="none" strike="noStrike" dirty="0" err="1">
+                <a:solidFill>
+                  <a:srgbClr val="212121"/>
+                </a:solidFill>
+                <a:effectLst/>
+                <a:latin typeface="Calibri" panose="020F0502020204030204" pitchFamily="34" charset="0"/>
+                <a:cs typeface="Calibri" panose="020F0502020204030204" pitchFamily="34" charset="0"/>
+              </a:rPr>
+              <a:t>Doğru</a:t>
+            </a:r>
+            <a:r>
+              <a:rPr lang="en-US" sz="1200" b="0" i="0" u="none" strike="noStrike" dirty="0">
+                <a:solidFill>
+                  <a:srgbClr val="212121"/>
+                </a:solidFill>
+                <a:effectLst/>
+                <a:latin typeface="Calibri" panose="020F0502020204030204" pitchFamily="34" charset="0"/>
+                <a:cs typeface="Calibri" panose="020F0502020204030204" pitchFamily="34" charset="0"/>
+              </a:rPr>
+              <a:t> </a:t>
+            </a:r>
+            <a:r>
+              <a:rPr lang="en-US" sz="1200" b="0" i="0" u="none" strike="noStrike" dirty="0" err="1">
+                <a:solidFill>
+                  <a:srgbClr val="212121"/>
+                </a:solidFill>
+                <a:effectLst/>
+                <a:latin typeface="Calibri" panose="020F0502020204030204" pitchFamily="34" charset="0"/>
+                <a:cs typeface="Calibri" panose="020F0502020204030204" pitchFamily="34" charset="0"/>
+              </a:rPr>
+              <a:t>adayın</a:t>
+            </a:r>
+            <a:r>
+              <a:rPr lang="en-US" sz="1200" b="0" i="0" u="none" strike="noStrike" dirty="0">
+                <a:solidFill>
+                  <a:srgbClr val="212121"/>
+                </a:solidFill>
+                <a:effectLst/>
+                <a:latin typeface="Calibri" panose="020F0502020204030204" pitchFamily="34" charset="0"/>
+                <a:cs typeface="Calibri" panose="020F0502020204030204" pitchFamily="34" charset="0"/>
+              </a:rPr>
+              <a:t> </a:t>
+            </a:r>
+            <a:r>
+              <a:rPr lang="en-US" sz="1200" b="0" i="0" u="none" strike="noStrike" dirty="0" err="1">
+                <a:solidFill>
+                  <a:srgbClr val="212121"/>
+                </a:solidFill>
+                <a:effectLst/>
+                <a:latin typeface="Calibri" panose="020F0502020204030204" pitchFamily="34" charset="0"/>
+                <a:cs typeface="Calibri" panose="020F0502020204030204" pitchFamily="34" charset="0"/>
+              </a:rPr>
+              <a:t>en</a:t>
+            </a:r>
+            <a:r>
+              <a:rPr lang="en-US" sz="1200" b="0" i="0" u="none" strike="noStrike" dirty="0">
+                <a:solidFill>
+                  <a:srgbClr val="212121"/>
+                </a:solidFill>
+                <a:effectLst/>
+                <a:latin typeface="Calibri" panose="020F0502020204030204" pitchFamily="34" charset="0"/>
+                <a:cs typeface="Calibri" panose="020F0502020204030204" pitchFamily="34" charset="0"/>
+              </a:rPr>
+              <a:t> </a:t>
+            </a:r>
+            <a:r>
+              <a:rPr lang="en-US" sz="1200" b="0" i="0" u="none" strike="noStrike" dirty="0" err="1">
+                <a:solidFill>
+                  <a:srgbClr val="212121"/>
+                </a:solidFill>
+                <a:effectLst/>
+                <a:latin typeface="Calibri" panose="020F0502020204030204" pitchFamily="34" charset="0"/>
+                <a:cs typeface="Calibri" panose="020F0502020204030204" pitchFamily="34" charset="0"/>
+              </a:rPr>
+              <a:t>kısa</a:t>
+            </a:r>
+            <a:r>
+              <a:rPr lang="en-US" sz="1200" b="0" i="0" u="none" strike="noStrike" dirty="0">
+                <a:solidFill>
+                  <a:srgbClr val="212121"/>
+                </a:solidFill>
+                <a:effectLst/>
+                <a:latin typeface="Calibri" panose="020F0502020204030204" pitchFamily="34" charset="0"/>
+                <a:cs typeface="Calibri" panose="020F0502020204030204" pitchFamily="34" charset="0"/>
+              </a:rPr>
+              <a:t> </a:t>
+            </a:r>
+            <a:r>
+              <a:rPr lang="en-US" sz="1200" b="0" i="0" u="none" strike="noStrike" dirty="0" err="1">
+                <a:solidFill>
+                  <a:srgbClr val="212121"/>
+                </a:solidFill>
+                <a:effectLst/>
+                <a:latin typeface="Calibri" panose="020F0502020204030204" pitchFamily="34" charset="0"/>
+                <a:cs typeface="Calibri" panose="020F0502020204030204" pitchFamily="34" charset="0"/>
+              </a:rPr>
+              <a:t>sürede</a:t>
+            </a:r>
+            <a:r>
+              <a:rPr lang="en-US" sz="1200" b="0" i="0" u="none" strike="noStrike" dirty="0">
+                <a:solidFill>
+                  <a:srgbClr val="212121"/>
+                </a:solidFill>
+                <a:effectLst/>
+                <a:latin typeface="Calibri" panose="020F0502020204030204" pitchFamily="34" charset="0"/>
+                <a:cs typeface="Calibri" panose="020F0502020204030204" pitchFamily="34" charset="0"/>
+              </a:rPr>
+              <a:t> </a:t>
+            </a:r>
+            <a:r>
+              <a:rPr lang="en-US" sz="1200" b="0" i="0" u="none" strike="noStrike" dirty="0" err="1">
+                <a:solidFill>
+                  <a:srgbClr val="212121"/>
+                </a:solidFill>
+                <a:effectLst/>
+                <a:latin typeface="Calibri" panose="020F0502020204030204" pitchFamily="34" charset="0"/>
+                <a:cs typeface="Calibri" panose="020F0502020204030204" pitchFamily="34" charset="0"/>
+              </a:rPr>
+              <a:t>doğru</a:t>
+            </a:r>
+            <a:r>
+              <a:rPr lang="en-US" sz="1200" b="0" i="0" u="none" strike="noStrike" dirty="0">
+                <a:solidFill>
+                  <a:srgbClr val="212121"/>
+                </a:solidFill>
+                <a:effectLst/>
+                <a:latin typeface="Calibri" panose="020F0502020204030204" pitchFamily="34" charset="0"/>
+                <a:cs typeface="Calibri" panose="020F0502020204030204" pitchFamily="34" charset="0"/>
+              </a:rPr>
+              <a:t> </a:t>
+            </a:r>
+            <a:r>
+              <a:rPr lang="en-US" sz="1200" b="0" i="0" u="none" strike="noStrike" dirty="0" err="1">
+                <a:solidFill>
+                  <a:srgbClr val="212121"/>
+                </a:solidFill>
+                <a:effectLst/>
+                <a:latin typeface="Calibri" panose="020F0502020204030204" pitchFamily="34" charset="0"/>
+                <a:cs typeface="Calibri" panose="020F0502020204030204" pitchFamily="34" charset="0"/>
+              </a:rPr>
+              <a:t>işverenle</a:t>
+            </a:r>
+            <a:r>
+              <a:rPr lang="en-US" sz="1200" b="0" i="0" u="none" strike="noStrike" dirty="0">
+                <a:solidFill>
+                  <a:srgbClr val="212121"/>
+                </a:solidFill>
+                <a:effectLst/>
+                <a:latin typeface="Calibri" panose="020F0502020204030204" pitchFamily="34" charset="0"/>
+                <a:cs typeface="Calibri" panose="020F0502020204030204" pitchFamily="34" charset="0"/>
+              </a:rPr>
+              <a:t> </a:t>
+            </a:r>
+            <a:r>
+              <a:rPr lang="en-US" sz="1200" b="0" i="0" u="none" strike="noStrike" dirty="0" err="1">
+                <a:solidFill>
+                  <a:srgbClr val="212121"/>
+                </a:solidFill>
+                <a:effectLst/>
+                <a:latin typeface="Calibri" panose="020F0502020204030204" pitchFamily="34" charset="0"/>
+                <a:cs typeface="Calibri" panose="020F0502020204030204" pitchFamily="34" charset="0"/>
+              </a:rPr>
+              <a:t>buluşturulması</a:t>
+            </a:r>
+            <a:endParaRPr lang="en-US" sz="1200" b="0" i="0" u="none" strike="noStrike" dirty="0">
+              <a:solidFill>
+                <a:srgbClr val="212121"/>
+              </a:solidFill>
+              <a:effectLst/>
+              <a:latin typeface="Calibri" panose="020F0502020204030204" pitchFamily="34" charset="0"/>
+              <a:cs typeface="Calibri" panose="020F0502020204030204" pitchFamily="34" charset="0"/>
+            </a:endParaRPr>
+          </a:p>
+          <a:p>
+            <a:pPr algn="l">
+              <a:spcAft>
+                <a:spcPts val="0"/>
+              </a:spcAft>
+            </a:pPr>
+            <a:r>
+              <a:rPr lang="en-US" sz="1200" b="0" i="0" u="none" strike="noStrike" dirty="0">
+                <a:solidFill>
+                  <a:srgbClr val="212121"/>
+                </a:solidFill>
+                <a:effectLst/>
+                <a:latin typeface="Calibri" panose="020F0502020204030204" pitchFamily="34" charset="0"/>
+                <a:cs typeface="Calibri" panose="020F0502020204030204" pitchFamily="34" charset="0"/>
+              </a:rPr>
+              <a:t> </a:t>
+            </a:r>
+          </a:p>
+          <a:p>
+            <a:pPr algn="l">
+              <a:spcAft>
+                <a:spcPts val="0"/>
+              </a:spcAft>
+            </a:pPr>
+            <a:r>
+              <a:rPr lang="en-US" sz="1200" b="1" i="0" u="none" strike="noStrike" dirty="0" err="1">
+                <a:solidFill>
+                  <a:srgbClr val="212121"/>
+                </a:solidFill>
+                <a:effectLst/>
+                <a:latin typeface="Calibri" panose="020F0502020204030204" pitchFamily="34" charset="0"/>
+                <a:cs typeface="Calibri" panose="020F0502020204030204" pitchFamily="34" charset="0"/>
+              </a:rPr>
+              <a:t>Örnek</a:t>
+            </a:r>
+            <a:r>
+              <a:rPr lang="en-US" sz="1200" b="1" i="0" u="none" strike="noStrike" dirty="0">
+                <a:solidFill>
+                  <a:srgbClr val="212121"/>
+                </a:solidFill>
+                <a:effectLst/>
+                <a:latin typeface="Calibri" panose="020F0502020204030204" pitchFamily="34" charset="0"/>
+                <a:cs typeface="Calibri" panose="020F0502020204030204" pitchFamily="34" charset="0"/>
+              </a:rPr>
+              <a:t> </a:t>
+            </a:r>
+            <a:r>
+              <a:rPr lang="en-US" sz="1200" b="1" i="0" u="none" strike="noStrike" dirty="0" err="1">
+                <a:solidFill>
+                  <a:srgbClr val="212121"/>
+                </a:solidFill>
+                <a:effectLst/>
+                <a:latin typeface="Calibri" panose="020F0502020204030204" pitchFamily="34" charset="0"/>
+                <a:cs typeface="Calibri" panose="020F0502020204030204" pitchFamily="34" charset="0"/>
+              </a:rPr>
+              <a:t>problemler</a:t>
+            </a:r>
+            <a:r>
+              <a:rPr lang="en-US" sz="1200" b="1" i="0" u="none" strike="noStrike" dirty="0">
+                <a:solidFill>
+                  <a:srgbClr val="212121"/>
+                </a:solidFill>
+                <a:effectLst/>
+                <a:latin typeface="Calibri" panose="020F0502020204030204" pitchFamily="34" charset="0"/>
+                <a:cs typeface="Calibri" panose="020F0502020204030204" pitchFamily="34" charset="0"/>
+              </a:rPr>
+              <a:t> : </a:t>
+            </a:r>
+            <a:endParaRPr lang="en-US" sz="1200" b="0" i="0" u="none" strike="noStrike" dirty="0">
+              <a:solidFill>
+                <a:srgbClr val="212121"/>
+              </a:solidFill>
+              <a:effectLst/>
+              <a:latin typeface="Calibri" panose="020F0502020204030204" pitchFamily="34" charset="0"/>
+              <a:cs typeface="Calibri" panose="020F0502020204030204" pitchFamily="34" charset="0"/>
+            </a:endParaRPr>
+          </a:p>
+          <a:p>
+            <a:pPr algn="l">
+              <a:spcAft>
+                <a:spcPts val="0"/>
+              </a:spcAft>
+              <a:buFont typeface="Arial" panose="020B0604020202020204" pitchFamily="34" charset="0"/>
+              <a:buChar char="•"/>
+            </a:pPr>
+            <a:r>
+              <a:rPr lang="en-US" sz="1200" b="0" i="0" u="none" strike="noStrike" dirty="0">
+                <a:solidFill>
+                  <a:srgbClr val="212121"/>
+                </a:solidFill>
+                <a:effectLst/>
+                <a:latin typeface="Calibri" panose="020F0502020204030204" pitchFamily="34" charset="0"/>
+                <a:cs typeface="Calibri" panose="020F0502020204030204" pitchFamily="34" charset="0"/>
+              </a:rPr>
+              <a:t>Az </a:t>
+            </a:r>
+            <a:r>
+              <a:rPr lang="en-US" sz="1200" b="0" i="0" u="none" strike="noStrike" dirty="0" err="1">
+                <a:solidFill>
+                  <a:srgbClr val="212121"/>
+                </a:solidFill>
+                <a:effectLst/>
+                <a:latin typeface="Calibri" panose="020F0502020204030204" pitchFamily="34" charset="0"/>
+                <a:cs typeface="Calibri" panose="020F0502020204030204" pitchFamily="34" charset="0"/>
+              </a:rPr>
+              <a:t>başvuru</a:t>
+            </a:r>
+            <a:endParaRPr lang="en-US" sz="1200" b="0" i="0" u="none" strike="noStrike" dirty="0">
+              <a:solidFill>
+                <a:srgbClr val="212121"/>
+              </a:solidFill>
+              <a:effectLst/>
+              <a:latin typeface="Calibri" panose="020F0502020204030204" pitchFamily="34" charset="0"/>
+              <a:cs typeface="Calibri" panose="020F0502020204030204" pitchFamily="34" charset="0"/>
+            </a:endParaRPr>
+          </a:p>
+          <a:p>
+            <a:pPr algn="l">
+              <a:spcAft>
+                <a:spcPts val="0"/>
+              </a:spcAft>
+              <a:buFont typeface="Arial" panose="020B0604020202020204" pitchFamily="34" charset="0"/>
+              <a:buChar char="•"/>
+            </a:pPr>
+            <a:r>
+              <a:rPr lang="en-US" sz="1200" b="0" i="0" u="none" strike="noStrike" dirty="0" err="1">
+                <a:solidFill>
+                  <a:srgbClr val="212121"/>
+                </a:solidFill>
+                <a:effectLst/>
+                <a:latin typeface="Calibri" panose="020F0502020204030204" pitchFamily="34" charset="0"/>
+                <a:cs typeface="Calibri" panose="020F0502020204030204" pitchFamily="34" charset="0"/>
+              </a:rPr>
+              <a:t>Alakasız</a:t>
+            </a:r>
+            <a:r>
+              <a:rPr lang="en-US" sz="1200" b="0" i="0" u="none" strike="noStrike" dirty="0">
+                <a:solidFill>
+                  <a:srgbClr val="212121"/>
+                </a:solidFill>
+                <a:effectLst/>
+                <a:latin typeface="Calibri" panose="020F0502020204030204" pitchFamily="34" charset="0"/>
+                <a:cs typeface="Calibri" panose="020F0502020204030204" pitchFamily="34" charset="0"/>
+              </a:rPr>
+              <a:t> </a:t>
+            </a:r>
+            <a:r>
+              <a:rPr lang="en-US" sz="1200" b="0" i="0" u="none" strike="noStrike" dirty="0" err="1">
+                <a:solidFill>
+                  <a:srgbClr val="212121"/>
+                </a:solidFill>
+                <a:effectLst/>
+                <a:latin typeface="Calibri" panose="020F0502020204030204" pitchFamily="34" charset="0"/>
+                <a:cs typeface="Calibri" panose="020F0502020204030204" pitchFamily="34" charset="0"/>
+              </a:rPr>
+              <a:t>başvuru</a:t>
+            </a:r>
+            <a:endParaRPr lang="en-US" sz="1200" b="0" i="0" u="none" strike="noStrike" dirty="0">
+              <a:solidFill>
+                <a:srgbClr val="212121"/>
+              </a:solidFill>
+              <a:effectLst/>
+              <a:latin typeface="Calibri" panose="020F0502020204030204" pitchFamily="34" charset="0"/>
+              <a:cs typeface="Calibri" panose="020F0502020204030204" pitchFamily="34" charset="0"/>
+            </a:endParaRPr>
+          </a:p>
+          <a:p>
+            <a:pPr algn="l">
+              <a:spcAft>
+                <a:spcPts val="0"/>
+              </a:spcAft>
+              <a:buFont typeface="Arial" panose="020B0604020202020204" pitchFamily="34" charset="0"/>
+              <a:buChar char="•"/>
+            </a:pPr>
+            <a:r>
+              <a:rPr lang="en-US" sz="1200" b="0" i="0" u="none" strike="noStrike" dirty="0">
+                <a:solidFill>
+                  <a:srgbClr val="212121"/>
+                </a:solidFill>
+                <a:effectLst/>
+                <a:latin typeface="Calibri" panose="020F0502020204030204" pitchFamily="34" charset="0"/>
+                <a:cs typeface="Calibri" panose="020F0502020204030204" pitchFamily="34" charset="0"/>
+              </a:rPr>
+              <a:t>Teknik </a:t>
+            </a:r>
+            <a:r>
+              <a:rPr lang="en-US" sz="1200" b="0" i="0" u="none" strike="noStrike" dirty="0" err="1">
+                <a:solidFill>
+                  <a:srgbClr val="212121"/>
+                </a:solidFill>
+                <a:effectLst/>
+                <a:latin typeface="Calibri" panose="020F0502020204030204" pitchFamily="34" charset="0"/>
+                <a:cs typeface="Calibri" panose="020F0502020204030204" pitchFamily="34" charset="0"/>
+              </a:rPr>
+              <a:t>ve</a:t>
+            </a:r>
+            <a:r>
+              <a:rPr lang="en-US" sz="1200" b="0" i="0" u="none" strike="noStrike" dirty="0">
+                <a:solidFill>
+                  <a:srgbClr val="212121"/>
+                </a:solidFill>
+                <a:effectLst/>
+                <a:latin typeface="Calibri" panose="020F0502020204030204" pitchFamily="34" charset="0"/>
+                <a:cs typeface="Calibri" panose="020F0502020204030204" pitchFamily="34" charset="0"/>
+              </a:rPr>
+              <a:t> </a:t>
+            </a:r>
+            <a:r>
+              <a:rPr lang="en-US" sz="1200" b="0" i="0" u="none" strike="noStrike" dirty="0" err="1">
+                <a:solidFill>
+                  <a:srgbClr val="212121"/>
+                </a:solidFill>
+                <a:effectLst/>
+                <a:latin typeface="Calibri" panose="020F0502020204030204" pitchFamily="34" charset="0"/>
+                <a:cs typeface="Calibri" panose="020F0502020204030204" pitchFamily="34" charset="0"/>
+              </a:rPr>
+              <a:t>akademik</a:t>
+            </a:r>
+            <a:r>
+              <a:rPr lang="en-US" sz="1200" b="0" i="0" u="none" strike="noStrike" dirty="0">
+                <a:solidFill>
+                  <a:srgbClr val="212121"/>
+                </a:solidFill>
+                <a:effectLst/>
+                <a:latin typeface="Calibri" panose="020F0502020204030204" pitchFamily="34" charset="0"/>
+                <a:cs typeface="Calibri" panose="020F0502020204030204" pitchFamily="34" charset="0"/>
+              </a:rPr>
+              <a:t> </a:t>
+            </a:r>
+            <a:r>
+              <a:rPr lang="en-US" sz="1200" b="0" i="0" u="none" strike="noStrike" dirty="0" err="1">
+                <a:solidFill>
+                  <a:srgbClr val="212121"/>
+                </a:solidFill>
+                <a:effectLst/>
+                <a:latin typeface="Calibri" panose="020F0502020204030204" pitchFamily="34" charset="0"/>
+                <a:cs typeface="Calibri" panose="020F0502020204030204" pitchFamily="34" charset="0"/>
+              </a:rPr>
+              <a:t>kişiler</a:t>
+            </a:r>
+            <a:r>
+              <a:rPr lang="en-US" sz="1200" b="0" i="0" u="none" strike="noStrike" dirty="0">
+                <a:solidFill>
+                  <a:srgbClr val="212121"/>
+                </a:solidFill>
+                <a:effectLst/>
+                <a:latin typeface="Calibri" panose="020F0502020204030204" pitchFamily="34" charset="0"/>
+                <a:cs typeface="Calibri" panose="020F0502020204030204" pitchFamily="34" charset="0"/>
+              </a:rPr>
+              <a:t> </a:t>
+            </a:r>
+            <a:r>
+              <a:rPr lang="en-US" sz="1200" b="0" i="0" u="none" strike="noStrike" dirty="0" err="1">
+                <a:solidFill>
+                  <a:srgbClr val="212121"/>
+                </a:solidFill>
+                <a:effectLst/>
+                <a:latin typeface="Calibri" panose="020F0502020204030204" pitchFamily="34" charset="0"/>
+                <a:cs typeface="Calibri" panose="020F0502020204030204" pitchFamily="34" charset="0"/>
+              </a:rPr>
+              <a:t>için</a:t>
+            </a:r>
+            <a:r>
+              <a:rPr lang="en-US" sz="1200" b="0" i="0" u="none" strike="noStrike" dirty="0">
+                <a:solidFill>
+                  <a:srgbClr val="212121"/>
+                </a:solidFill>
+                <a:effectLst/>
+                <a:latin typeface="Calibri" panose="020F0502020204030204" pitchFamily="34" charset="0"/>
+                <a:cs typeface="Calibri" panose="020F0502020204030204" pitchFamily="34" charset="0"/>
+              </a:rPr>
+              <a:t> </a:t>
+            </a:r>
+            <a:r>
+              <a:rPr lang="en-US" sz="1200" b="0" i="0" u="none" strike="noStrike" dirty="0" err="1">
+                <a:solidFill>
+                  <a:srgbClr val="212121"/>
+                </a:solidFill>
+                <a:effectLst/>
+                <a:latin typeface="Calibri" panose="020F0502020204030204" pitchFamily="34" charset="0"/>
+                <a:cs typeface="Calibri" panose="020F0502020204030204" pitchFamily="34" charset="0"/>
+              </a:rPr>
+              <a:t>rakiplerin</a:t>
+            </a:r>
+            <a:r>
+              <a:rPr lang="en-US" sz="1200" b="0" i="0" u="none" strike="noStrike" dirty="0">
+                <a:solidFill>
+                  <a:srgbClr val="212121"/>
+                </a:solidFill>
+                <a:effectLst/>
+                <a:latin typeface="Calibri" panose="020F0502020204030204" pitchFamily="34" charset="0"/>
+                <a:cs typeface="Calibri" panose="020F0502020204030204" pitchFamily="34" charset="0"/>
+              </a:rPr>
+              <a:t> </a:t>
+            </a:r>
+            <a:r>
+              <a:rPr lang="en-US" sz="1200" b="0" i="0" u="none" strike="noStrike" dirty="0" err="1">
+                <a:solidFill>
+                  <a:srgbClr val="212121"/>
+                </a:solidFill>
+                <a:effectLst/>
+                <a:latin typeface="Calibri" panose="020F0502020204030204" pitchFamily="34" charset="0"/>
+                <a:cs typeface="Calibri" panose="020F0502020204030204" pitchFamily="34" charset="0"/>
+              </a:rPr>
+              <a:t>rekabetçi</a:t>
+            </a:r>
+            <a:r>
+              <a:rPr lang="en-US" sz="1200" b="0" i="0" u="none" strike="noStrike" dirty="0">
+                <a:solidFill>
+                  <a:srgbClr val="212121"/>
+                </a:solidFill>
+                <a:effectLst/>
+                <a:latin typeface="Calibri" panose="020F0502020204030204" pitchFamily="34" charset="0"/>
+                <a:cs typeface="Calibri" panose="020F0502020204030204" pitchFamily="34" charset="0"/>
+              </a:rPr>
+              <a:t> </a:t>
+            </a:r>
+            <a:r>
+              <a:rPr lang="en-US" sz="1200" b="0" i="0" u="none" strike="noStrike" dirty="0" err="1">
+                <a:solidFill>
+                  <a:srgbClr val="212121"/>
+                </a:solidFill>
+                <a:effectLst/>
+                <a:latin typeface="Calibri" panose="020F0502020204030204" pitchFamily="34" charset="0"/>
+                <a:cs typeface="Calibri" panose="020F0502020204030204" pitchFamily="34" charset="0"/>
+              </a:rPr>
+              <a:t>olması</a:t>
+            </a:r>
+            <a:endParaRPr lang="en-US" sz="1200" b="0" i="0" u="none" strike="noStrike" dirty="0">
+              <a:solidFill>
+                <a:srgbClr val="212121"/>
+              </a:solidFill>
+              <a:effectLst/>
+              <a:latin typeface="Calibri" panose="020F0502020204030204" pitchFamily="34" charset="0"/>
+              <a:cs typeface="Calibri" panose="020F0502020204030204" pitchFamily="34" charset="0"/>
+            </a:endParaRPr>
+          </a:p>
+          <a:p>
+            <a:pPr algn="l">
+              <a:spcAft>
+                <a:spcPts val="0"/>
+              </a:spcAft>
+              <a:buFont typeface="Arial" panose="020B0604020202020204" pitchFamily="34" charset="0"/>
+              <a:buChar char="•"/>
+            </a:pPr>
+            <a:r>
+              <a:rPr lang="en-US" sz="1200" b="0" i="0" u="none" strike="noStrike" dirty="0" err="1">
+                <a:solidFill>
+                  <a:srgbClr val="212121"/>
+                </a:solidFill>
+                <a:effectLst/>
+                <a:latin typeface="Calibri" panose="020F0502020204030204" pitchFamily="34" charset="0"/>
+                <a:cs typeface="Calibri" panose="020F0502020204030204" pitchFamily="34" charset="0"/>
+              </a:rPr>
+              <a:t>Herhangi</a:t>
+            </a:r>
+            <a:r>
+              <a:rPr lang="en-US" sz="1200" b="0" i="0" u="none" strike="noStrike" dirty="0">
+                <a:solidFill>
+                  <a:srgbClr val="212121"/>
+                </a:solidFill>
+                <a:effectLst/>
+                <a:latin typeface="Calibri" panose="020F0502020204030204" pitchFamily="34" charset="0"/>
+                <a:cs typeface="Calibri" panose="020F0502020204030204" pitchFamily="34" charset="0"/>
+              </a:rPr>
+              <a:t> </a:t>
+            </a:r>
+            <a:r>
+              <a:rPr lang="en-US" sz="1200" b="0" i="0" u="none" strike="noStrike" dirty="0" err="1">
+                <a:solidFill>
+                  <a:srgbClr val="212121"/>
+                </a:solidFill>
+                <a:effectLst/>
+                <a:latin typeface="Calibri" panose="020F0502020204030204" pitchFamily="34" charset="0"/>
+                <a:cs typeface="Calibri" panose="020F0502020204030204" pitchFamily="34" charset="0"/>
+              </a:rPr>
+              <a:t>bir</a:t>
+            </a:r>
+            <a:r>
+              <a:rPr lang="en-US" sz="1200" b="0" i="0" u="none" strike="noStrike" dirty="0">
+                <a:solidFill>
+                  <a:srgbClr val="212121"/>
+                </a:solidFill>
+                <a:effectLst/>
+                <a:latin typeface="Calibri" panose="020F0502020204030204" pitchFamily="34" charset="0"/>
+                <a:cs typeface="Calibri" panose="020F0502020204030204" pitchFamily="34" charset="0"/>
+              </a:rPr>
+              <a:t> </a:t>
+            </a:r>
+            <a:r>
+              <a:rPr lang="en-US" sz="1200" b="0" i="0" u="none" strike="noStrike" dirty="0" err="1">
+                <a:solidFill>
+                  <a:srgbClr val="212121"/>
+                </a:solidFill>
+                <a:effectLst/>
+                <a:latin typeface="Calibri" panose="020F0502020204030204" pitchFamily="34" charset="0"/>
+                <a:cs typeface="Calibri" panose="020F0502020204030204" pitchFamily="34" charset="0"/>
+              </a:rPr>
+              <a:t>seviye</a:t>
+            </a:r>
+            <a:r>
+              <a:rPr lang="en-US" sz="1200" b="0" i="0" u="none" strike="noStrike" dirty="0">
+                <a:solidFill>
+                  <a:srgbClr val="212121"/>
+                </a:solidFill>
+                <a:effectLst/>
+                <a:latin typeface="Calibri" panose="020F0502020204030204" pitchFamily="34" charset="0"/>
+                <a:cs typeface="Calibri" panose="020F0502020204030204" pitchFamily="34" charset="0"/>
+              </a:rPr>
+              <a:t> </a:t>
+            </a:r>
+            <a:r>
+              <a:rPr lang="en-US" sz="1200" b="0" i="0" u="none" strike="noStrike" dirty="0" err="1">
+                <a:solidFill>
+                  <a:srgbClr val="212121"/>
+                </a:solidFill>
+                <a:effectLst/>
+                <a:latin typeface="Calibri" panose="020F0502020204030204" pitchFamily="34" charset="0"/>
+                <a:cs typeface="Calibri" panose="020F0502020204030204" pitchFamily="34" charset="0"/>
+              </a:rPr>
+              <a:t>için</a:t>
+            </a:r>
+            <a:r>
+              <a:rPr lang="en-US" sz="1200" b="0" i="0" u="none" strike="noStrike" dirty="0">
+                <a:solidFill>
+                  <a:srgbClr val="212121"/>
+                </a:solidFill>
+                <a:effectLst/>
+                <a:latin typeface="Calibri" panose="020F0502020204030204" pitchFamily="34" charset="0"/>
+                <a:cs typeface="Calibri" panose="020F0502020204030204" pitchFamily="34" charset="0"/>
+              </a:rPr>
+              <a:t> </a:t>
+            </a:r>
+            <a:r>
+              <a:rPr lang="en-US" sz="1200" b="0" i="0" u="none" strike="noStrike" dirty="0" err="1">
+                <a:solidFill>
+                  <a:srgbClr val="212121"/>
+                </a:solidFill>
+                <a:effectLst/>
+                <a:latin typeface="Calibri" panose="020F0502020204030204" pitchFamily="34" charset="0"/>
+                <a:cs typeface="Calibri" panose="020F0502020204030204" pitchFamily="34" charset="0"/>
+              </a:rPr>
+              <a:t>adayların</a:t>
+            </a:r>
+            <a:r>
+              <a:rPr lang="en-US" sz="1200" b="0" i="0" u="none" strike="noStrike" dirty="0">
+                <a:solidFill>
+                  <a:srgbClr val="212121"/>
+                </a:solidFill>
+                <a:effectLst/>
+                <a:latin typeface="Calibri" panose="020F0502020204030204" pitchFamily="34" charset="0"/>
+                <a:cs typeface="Calibri" panose="020F0502020204030204" pitchFamily="34" charset="0"/>
+              </a:rPr>
+              <a:t> </a:t>
+            </a:r>
+            <a:r>
+              <a:rPr lang="en-US" sz="1200" b="0" i="0" u="none" strike="noStrike" dirty="0" err="1">
+                <a:solidFill>
+                  <a:srgbClr val="212121"/>
+                </a:solidFill>
+                <a:effectLst/>
+                <a:latin typeface="Calibri" panose="020F0502020204030204" pitchFamily="34" charset="0"/>
+                <a:cs typeface="Calibri" panose="020F0502020204030204" pitchFamily="34" charset="0"/>
+              </a:rPr>
+              <a:t>iş</a:t>
+            </a:r>
+            <a:r>
+              <a:rPr lang="en-US" sz="1200" b="0" i="0" u="none" strike="noStrike" dirty="0">
+                <a:solidFill>
+                  <a:srgbClr val="212121"/>
+                </a:solidFill>
+                <a:effectLst/>
+                <a:latin typeface="Calibri" panose="020F0502020204030204" pitchFamily="34" charset="0"/>
+                <a:cs typeface="Calibri" panose="020F0502020204030204" pitchFamily="34" charset="0"/>
+              </a:rPr>
+              <a:t> </a:t>
+            </a:r>
+            <a:r>
+              <a:rPr lang="en-US" sz="1200" b="0" i="0" u="none" strike="noStrike" dirty="0" err="1">
+                <a:solidFill>
+                  <a:srgbClr val="212121"/>
+                </a:solidFill>
+                <a:effectLst/>
+                <a:latin typeface="Calibri" panose="020F0502020204030204" pitchFamily="34" charset="0"/>
+                <a:cs typeface="Calibri" panose="020F0502020204030204" pitchFamily="34" charset="0"/>
+              </a:rPr>
+              <a:t>arama</a:t>
+            </a:r>
+            <a:r>
+              <a:rPr lang="en-US" sz="1200" b="0" i="0" u="none" strike="noStrike" dirty="0">
+                <a:solidFill>
+                  <a:srgbClr val="212121"/>
+                </a:solidFill>
+                <a:effectLst/>
+                <a:latin typeface="Calibri" panose="020F0502020204030204" pitchFamily="34" charset="0"/>
+                <a:cs typeface="Calibri" panose="020F0502020204030204" pitchFamily="34" charset="0"/>
+              </a:rPr>
+              <a:t> </a:t>
+            </a:r>
+            <a:r>
+              <a:rPr lang="en-US" sz="1200" b="0" i="0" u="none" strike="noStrike" dirty="0" err="1">
+                <a:solidFill>
+                  <a:srgbClr val="212121"/>
+                </a:solidFill>
+                <a:effectLst/>
+                <a:latin typeface="Calibri" panose="020F0502020204030204" pitchFamily="34" charset="0"/>
+                <a:cs typeface="Calibri" panose="020F0502020204030204" pitchFamily="34" charset="0"/>
+              </a:rPr>
+              <a:t>süreçlerinde</a:t>
+            </a:r>
+            <a:r>
+              <a:rPr lang="en-US" sz="1200" b="0" i="0" u="none" strike="noStrike" dirty="0">
+                <a:solidFill>
+                  <a:srgbClr val="212121"/>
+                </a:solidFill>
+                <a:effectLst/>
+                <a:latin typeface="Calibri" panose="020F0502020204030204" pitchFamily="34" charset="0"/>
+                <a:cs typeface="Calibri" panose="020F0502020204030204" pitchFamily="34" charset="0"/>
+              </a:rPr>
+              <a:t> </a:t>
+            </a:r>
+            <a:r>
+              <a:rPr lang="en-US" sz="1200" b="0" i="0" u="none" strike="noStrike" dirty="0" err="1">
+                <a:solidFill>
+                  <a:srgbClr val="212121"/>
+                </a:solidFill>
+                <a:effectLst/>
+                <a:latin typeface="Calibri" panose="020F0502020204030204" pitchFamily="34" charset="0"/>
+                <a:cs typeface="Calibri" panose="020F0502020204030204" pitchFamily="34" charset="0"/>
+              </a:rPr>
+              <a:t>teknolojinin</a:t>
+            </a:r>
+            <a:r>
+              <a:rPr lang="en-US" sz="1200" b="0" i="0" u="none" strike="noStrike" dirty="0">
+                <a:solidFill>
+                  <a:srgbClr val="212121"/>
+                </a:solidFill>
+                <a:effectLst/>
+                <a:latin typeface="Calibri" panose="020F0502020204030204" pitchFamily="34" charset="0"/>
+                <a:cs typeface="Calibri" panose="020F0502020204030204" pitchFamily="34" charset="0"/>
+              </a:rPr>
+              <a:t> </a:t>
+            </a:r>
+            <a:r>
+              <a:rPr lang="en-US" sz="1200" b="0" i="0" u="none" strike="noStrike" dirty="0" err="1">
+                <a:solidFill>
+                  <a:srgbClr val="212121"/>
+                </a:solidFill>
+                <a:effectLst/>
+                <a:latin typeface="Calibri" panose="020F0502020204030204" pitchFamily="34" charset="0"/>
+                <a:cs typeface="Calibri" panose="020F0502020204030204" pitchFamily="34" charset="0"/>
+              </a:rPr>
+              <a:t>daha</a:t>
+            </a:r>
+            <a:r>
+              <a:rPr lang="en-US" sz="1200" b="0" i="0" u="none" strike="noStrike" dirty="0">
+                <a:solidFill>
+                  <a:srgbClr val="212121"/>
+                </a:solidFill>
+                <a:effectLst/>
+                <a:latin typeface="Calibri" panose="020F0502020204030204" pitchFamily="34" charset="0"/>
+                <a:cs typeface="Calibri" panose="020F0502020204030204" pitchFamily="34" charset="0"/>
+              </a:rPr>
+              <a:t> </a:t>
+            </a:r>
+            <a:r>
+              <a:rPr lang="en-US" sz="1200" b="0" i="0" u="none" strike="noStrike" dirty="0" err="1">
+                <a:solidFill>
+                  <a:srgbClr val="212121"/>
+                </a:solidFill>
+                <a:effectLst/>
+                <a:latin typeface="Calibri" panose="020F0502020204030204" pitchFamily="34" charset="0"/>
+                <a:cs typeface="Calibri" panose="020F0502020204030204" pitchFamily="34" charset="0"/>
+              </a:rPr>
+              <a:t>fazla</a:t>
+            </a:r>
+            <a:r>
+              <a:rPr lang="en-US" sz="1200" b="0" i="0" u="none" strike="noStrike" dirty="0">
+                <a:solidFill>
+                  <a:srgbClr val="212121"/>
+                </a:solidFill>
+                <a:effectLst/>
+                <a:latin typeface="Calibri" panose="020F0502020204030204" pitchFamily="34" charset="0"/>
+                <a:cs typeface="Calibri" panose="020F0502020204030204" pitchFamily="34" charset="0"/>
+              </a:rPr>
+              <a:t> </a:t>
+            </a:r>
+            <a:r>
+              <a:rPr lang="en-US" sz="1200" b="0" i="0" u="none" strike="noStrike" dirty="0" err="1">
+                <a:solidFill>
+                  <a:srgbClr val="212121"/>
+                </a:solidFill>
+                <a:effectLst/>
+                <a:latin typeface="Calibri" panose="020F0502020204030204" pitchFamily="34" charset="0"/>
+                <a:cs typeface="Calibri" panose="020F0502020204030204" pitchFamily="34" charset="0"/>
+              </a:rPr>
+              <a:t>entegre</a:t>
+            </a:r>
+            <a:r>
+              <a:rPr lang="en-US" sz="1200" b="0" i="0" u="none" strike="noStrike" dirty="0">
+                <a:solidFill>
+                  <a:srgbClr val="212121"/>
+                </a:solidFill>
+                <a:effectLst/>
+                <a:latin typeface="Calibri" panose="020F0502020204030204" pitchFamily="34" charset="0"/>
+                <a:cs typeface="Calibri" panose="020F0502020204030204" pitchFamily="34" charset="0"/>
+              </a:rPr>
+              <a:t> </a:t>
+            </a:r>
+            <a:r>
+              <a:rPr lang="en-US" sz="1200" b="0" i="0" u="none" strike="noStrike" dirty="0" err="1">
+                <a:solidFill>
+                  <a:srgbClr val="212121"/>
+                </a:solidFill>
+                <a:effectLst/>
+                <a:latin typeface="Calibri" panose="020F0502020204030204" pitchFamily="34" charset="0"/>
+                <a:cs typeface="Calibri" panose="020F0502020204030204" pitchFamily="34" charset="0"/>
+              </a:rPr>
+              <a:t>edilmesi</a:t>
+            </a:r>
+            <a:r>
+              <a:rPr lang="en-US" sz="1200" b="0" i="0" u="none" strike="noStrike" dirty="0">
+                <a:solidFill>
+                  <a:srgbClr val="212121"/>
+                </a:solidFill>
+                <a:effectLst/>
+                <a:latin typeface="Calibri" panose="020F0502020204030204" pitchFamily="34" charset="0"/>
+                <a:cs typeface="Calibri" panose="020F0502020204030204" pitchFamily="34" charset="0"/>
+              </a:rPr>
+              <a:t>, </a:t>
+            </a:r>
+            <a:r>
+              <a:rPr lang="en-US" sz="1200" b="0" i="0" u="none" strike="noStrike" dirty="0" err="1">
+                <a:solidFill>
+                  <a:srgbClr val="212121"/>
+                </a:solidFill>
+                <a:effectLst/>
+                <a:latin typeface="Calibri" panose="020F0502020204030204" pitchFamily="34" charset="0"/>
+                <a:cs typeface="Calibri" panose="020F0502020204030204" pitchFamily="34" charset="0"/>
+              </a:rPr>
+              <a:t>üyelik</a:t>
+            </a:r>
+            <a:r>
+              <a:rPr lang="en-US" sz="1200" b="0" i="0" u="none" strike="noStrike" dirty="0">
+                <a:solidFill>
+                  <a:srgbClr val="212121"/>
+                </a:solidFill>
+                <a:effectLst/>
+                <a:latin typeface="Calibri" panose="020F0502020204030204" pitchFamily="34" charset="0"/>
+                <a:cs typeface="Calibri" panose="020F0502020204030204" pitchFamily="34" charset="0"/>
+              </a:rPr>
+              <a:t>, cv </a:t>
+            </a:r>
+            <a:r>
+              <a:rPr lang="en-US" sz="1200" b="0" i="0" u="none" strike="noStrike" dirty="0" err="1">
+                <a:solidFill>
+                  <a:srgbClr val="212121"/>
+                </a:solidFill>
+                <a:effectLst/>
+                <a:latin typeface="Calibri" panose="020F0502020204030204" pitchFamily="34" charset="0"/>
+                <a:cs typeface="Calibri" panose="020F0502020204030204" pitchFamily="34" charset="0"/>
+              </a:rPr>
+              <a:t>hazırlama</a:t>
+            </a:r>
+            <a:r>
+              <a:rPr lang="en-US" sz="1200" b="0" i="0" u="none" strike="noStrike" dirty="0">
+                <a:solidFill>
+                  <a:srgbClr val="212121"/>
+                </a:solidFill>
+                <a:effectLst/>
+                <a:latin typeface="Calibri" panose="020F0502020204030204" pitchFamily="34" charset="0"/>
+                <a:cs typeface="Calibri" panose="020F0502020204030204" pitchFamily="34" charset="0"/>
+              </a:rPr>
+              <a:t>, </a:t>
+            </a:r>
+            <a:r>
+              <a:rPr lang="en-US" sz="1200" b="0" i="0" u="none" strike="noStrike" dirty="0" err="1">
+                <a:solidFill>
+                  <a:srgbClr val="212121"/>
+                </a:solidFill>
+                <a:effectLst/>
+                <a:latin typeface="Calibri" panose="020F0502020204030204" pitchFamily="34" charset="0"/>
+                <a:cs typeface="Calibri" panose="020F0502020204030204" pitchFamily="34" charset="0"/>
+              </a:rPr>
+              <a:t>ilan</a:t>
+            </a:r>
+            <a:r>
+              <a:rPr lang="en-US" sz="1200" b="0" i="0" u="none" strike="noStrike" dirty="0">
+                <a:solidFill>
+                  <a:srgbClr val="212121"/>
+                </a:solidFill>
+                <a:effectLst/>
+                <a:latin typeface="Calibri" panose="020F0502020204030204" pitchFamily="34" charset="0"/>
+                <a:cs typeface="Calibri" panose="020F0502020204030204" pitchFamily="34" charset="0"/>
+              </a:rPr>
+              <a:t> </a:t>
+            </a:r>
+            <a:r>
+              <a:rPr lang="en-US" sz="1200" b="0" i="0" u="none" strike="noStrike" dirty="0" err="1">
+                <a:solidFill>
+                  <a:srgbClr val="212121"/>
+                </a:solidFill>
+                <a:effectLst/>
+                <a:latin typeface="Calibri" panose="020F0502020204030204" pitchFamily="34" charset="0"/>
+                <a:cs typeface="Calibri" panose="020F0502020204030204" pitchFamily="34" charset="0"/>
+              </a:rPr>
+              <a:t>arama</a:t>
+            </a:r>
+            <a:r>
+              <a:rPr lang="en-US" sz="1200" b="0" i="0" u="none" strike="noStrike" dirty="0">
+                <a:solidFill>
+                  <a:srgbClr val="212121"/>
+                </a:solidFill>
+                <a:effectLst/>
+                <a:latin typeface="Calibri" panose="020F0502020204030204" pitchFamily="34" charset="0"/>
+                <a:cs typeface="Calibri" panose="020F0502020204030204" pitchFamily="34" charset="0"/>
+              </a:rPr>
+              <a:t>, </a:t>
+            </a:r>
+            <a:r>
+              <a:rPr lang="en-US" sz="1200" b="0" i="0" u="none" strike="noStrike" dirty="0" err="1">
+                <a:solidFill>
+                  <a:srgbClr val="212121"/>
+                </a:solidFill>
+                <a:effectLst/>
+                <a:latin typeface="Calibri" panose="020F0502020204030204" pitchFamily="34" charset="0"/>
+                <a:cs typeface="Calibri" panose="020F0502020204030204" pitchFamily="34" charset="0"/>
+              </a:rPr>
+              <a:t>ön</a:t>
+            </a:r>
+            <a:r>
+              <a:rPr lang="en-US" sz="1200" b="0" i="0" u="none" strike="noStrike" dirty="0">
+                <a:solidFill>
+                  <a:srgbClr val="212121"/>
+                </a:solidFill>
+                <a:effectLst/>
+                <a:latin typeface="Calibri" panose="020F0502020204030204" pitchFamily="34" charset="0"/>
+                <a:cs typeface="Calibri" panose="020F0502020204030204" pitchFamily="34" charset="0"/>
+              </a:rPr>
+              <a:t> </a:t>
+            </a:r>
+            <a:r>
+              <a:rPr lang="en-US" sz="1200" b="0" i="0" u="none" strike="noStrike" dirty="0" err="1">
+                <a:solidFill>
+                  <a:srgbClr val="212121"/>
+                </a:solidFill>
+                <a:effectLst/>
+                <a:latin typeface="Calibri" panose="020F0502020204030204" pitchFamily="34" charset="0"/>
+                <a:cs typeface="Calibri" panose="020F0502020204030204" pitchFamily="34" charset="0"/>
+              </a:rPr>
+              <a:t>yazı</a:t>
+            </a:r>
+            <a:r>
+              <a:rPr lang="en-US" sz="1200" b="0" i="0" u="none" strike="noStrike" dirty="0">
+                <a:solidFill>
+                  <a:srgbClr val="212121"/>
+                </a:solidFill>
+                <a:effectLst/>
+                <a:latin typeface="Calibri" panose="020F0502020204030204" pitchFamily="34" charset="0"/>
+                <a:cs typeface="Calibri" panose="020F0502020204030204" pitchFamily="34" charset="0"/>
+              </a:rPr>
+              <a:t>, </a:t>
+            </a:r>
+            <a:r>
+              <a:rPr lang="en-US" sz="1200" b="0" i="0" u="none" strike="noStrike" dirty="0" err="1">
+                <a:solidFill>
+                  <a:srgbClr val="212121"/>
+                </a:solidFill>
+                <a:effectLst/>
+                <a:latin typeface="Calibri" panose="020F0502020204030204" pitchFamily="34" charset="0"/>
+                <a:cs typeface="Calibri" panose="020F0502020204030204" pitchFamily="34" charset="0"/>
+              </a:rPr>
+              <a:t>başvuru</a:t>
+            </a:r>
+            <a:r>
+              <a:rPr lang="en-US" sz="1200" b="0" i="0" u="none" strike="noStrike" dirty="0">
+                <a:solidFill>
+                  <a:srgbClr val="212121"/>
+                </a:solidFill>
+                <a:effectLst/>
+                <a:latin typeface="Calibri" panose="020F0502020204030204" pitchFamily="34" charset="0"/>
+                <a:cs typeface="Calibri" panose="020F0502020204030204" pitchFamily="34" charset="0"/>
+              </a:rPr>
+              <a:t> vs..</a:t>
+            </a:r>
+          </a:p>
+          <a:p>
+            <a:pPr algn="l">
+              <a:spcAft>
+                <a:spcPts val="0"/>
+              </a:spcAft>
+              <a:buFont typeface="Arial" panose="020B0604020202020204" pitchFamily="34" charset="0"/>
+              <a:buChar char="•"/>
+            </a:pPr>
+            <a:r>
+              <a:rPr lang="en-US" sz="1200" b="0" i="0" u="none" strike="noStrike" dirty="0" err="1">
+                <a:solidFill>
+                  <a:srgbClr val="212121"/>
+                </a:solidFill>
+                <a:effectLst/>
+                <a:latin typeface="Calibri" panose="020F0502020204030204" pitchFamily="34" charset="0"/>
+                <a:cs typeface="Calibri" panose="020F0502020204030204" pitchFamily="34" charset="0"/>
+              </a:rPr>
+              <a:t>İlan</a:t>
+            </a:r>
+            <a:r>
+              <a:rPr lang="en-US" sz="1200" b="0" i="0" u="none" strike="noStrike" dirty="0">
+                <a:solidFill>
+                  <a:srgbClr val="212121"/>
+                </a:solidFill>
+                <a:effectLst/>
+                <a:latin typeface="Calibri" panose="020F0502020204030204" pitchFamily="34" charset="0"/>
+                <a:cs typeface="Calibri" panose="020F0502020204030204" pitchFamily="34" charset="0"/>
+              </a:rPr>
+              <a:t> </a:t>
+            </a:r>
+            <a:r>
+              <a:rPr lang="en-US" sz="1200" b="0" i="0" u="none" strike="noStrike" dirty="0" err="1">
+                <a:solidFill>
+                  <a:srgbClr val="212121"/>
+                </a:solidFill>
+                <a:effectLst/>
+                <a:latin typeface="Calibri" panose="020F0502020204030204" pitchFamily="34" charset="0"/>
+                <a:cs typeface="Calibri" panose="020F0502020204030204" pitchFamily="34" charset="0"/>
+              </a:rPr>
+              <a:t>hazırlama</a:t>
+            </a:r>
+            <a:endParaRPr lang="en-US" sz="1200" b="0" i="0" u="none" strike="noStrike" dirty="0">
+              <a:solidFill>
+                <a:srgbClr val="212121"/>
+              </a:solidFill>
+              <a:effectLst/>
+              <a:latin typeface="Calibri" panose="020F0502020204030204" pitchFamily="34" charset="0"/>
+              <a:cs typeface="Calibri" panose="020F0502020204030204" pitchFamily="34" charset="0"/>
+            </a:endParaRPr>
+          </a:p>
+          <a:p>
+            <a:pPr algn="l">
+              <a:spcAft>
+                <a:spcPts val="0"/>
+              </a:spcAft>
+              <a:buFont typeface="Arial" panose="020B0604020202020204" pitchFamily="34" charset="0"/>
+              <a:buChar char="•"/>
+            </a:pPr>
+            <a:r>
+              <a:rPr lang="en-US" sz="1200" b="0" i="0" u="none" strike="noStrike" dirty="0" err="1">
+                <a:solidFill>
+                  <a:srgbClr val="212121"/>
+                </a:solidFill>
+                <a:effectLst/>
+                <a:latin typeface="Calibri" panose="020F0502020204030204" pitchFamily="34" charset="0"/>
+                <a:cs typeface="Calibri" panose="020F0502020204030204" pitchFamily="34" charset="0"/>
+              </a:rPr>
+              <a:t>Aday</a:t>
+            </a:r>
+            <a:r>
+              <a:rPr lang="en-US" sz="1200" b="0" i="0" u="none" strike="noStrike" dirty="0">
+                <a:solidFill>
+                  <a:srgbClr val="212121"/>
+                </a:solidFill>
+                <a:effectLst/>
+                <a:latin typeface="Calibri" panose="020F0502020204030204" pitchFamily="34" charset="0"/>
+                <a:cs typeface="Calibri" panose="020F0502020204030204" pitchFamily="34" charset="0"/>
+              </a:rPr>
+              <a:t> </a:t>
+            </a:r>
+            <a:r>
+              <a:rPr lang="en-US" sz="1200" b="0" i="0" u="none" strike="noStrike" dirty="0" err="1">
+                <a:solidFill>
+                  <a:srgbClr val="212121"/>
+                </a:solidFill>
+                <a:effectLst/>
+                <a:latin typeface="Calibri" panose="020F0502020204030204" pitchFamily="34" charset="0"/>
+                <a:cs typeface="Calibri" panose="020F0502020204030204" pitchFamily="34" charset="0"/>
+              </a:rPr>
+              <a:t>arama</a:t>
+            </a:r>
+            <a:r>
+              <a:rPr lang="en-US" sz="1200" b="0" i="0" u="none" strike="noStrike" dirty="0">
+                <a:solidFill>
+                  <a:srgbClr val="212121"/>
+                </a:solidFill>
+                <a:effectLst/>
+                <a:latin typeface="Calibri" panose="020F0502020204030204" pitchFamily="34" charset="0"/>
+                <a:cs typeface="Calibri" panose="020F0502020204030204" pitchFamily="34" charset="0"/>
+              </a:rPr>
+              <a:t> </a:t>
+            </a:r>
+          </a:p>
+          <a:p>
+            <a:pPr algn="l">
+              <a:spcAft>
+                <a:spcPts val="0"/>
+              </a:spcAft>
+              <a:buFont typeface="Arial" panose="020B0604020202020204" pitchFamily="34" charset="0"/>
+              <a:buChar char="•"/>
+            </a:pPr>
+            <a:r>
+              <a:rPr lang="en-US" sz="1200" b="0" i="0" u="none" strike="noStrike" dirty="0" err="1">
+                <a:solidFill>
+                  <a:srgbClr val="212121"/>
+                </a:solidFill>
+                <a:effectLst/>
+                <a:latin typeface="Calibri" panose="020F0502020204030204" pitchFamily="34" charset="0"/>
+                <a:cs typeface="Calibri" panose="020F0502020204030204" pitchFamily="34" charset="0"/>
+              </a:rPr>
+              <a:t>İhtiyaçlarını</a:t>
+            </a:r>
+            <a:r>
+              <a:rPr lang="en-US" sz="1200" b="0" i="0" u="none" strike="noStrike" dirty="0">
+                <a:solidFill>
+                  <a:srgbClr val="212121"/>
+                </a:solidFill>
+                <a:effectLst/>
+                <a:latin typeface="Calibri" panose="020F0502020204030204" pitchFamily="34" charset="0"/>
+                <a:cs typeface="Calibri" panose="020F0502020204030204" pitchFamily="34" charset="0"/>
+              </a:rPr>
+              <a:t> </a:t>
+            </a:r>
+            <a:r>
+              <a:rPr lang="en-US" sz="1200" b="0" i="0" u="none" strike="noStrike" dirty="0" err="1">
+                <a:solidFill>
+                  <a:srgbClr val="212121"/>
+                </a:solidFill>
+                <a:effectLst/>
+                <a:latin typeface="Calibri" panose="020F0502020204030204" pitchFamily="34" charset="0"/>
+                <a:cs typeface="Calibri" panose="020F0502020204030204" pitchFamily="34" charset="0"/>
+              </a:rPr>
+              <a:t>düzgün</a:t>
+            </a:r>
+            <a:r>
+              <a:rPr lang="en-US" sz="1200" b="0" i="0" u="none" strike="noStrike" dirty="0">
+                <a:solidFill>
+                  <a:srgbClr val="212121"/>
+                </a:solidFill>
+                <a:effectLst/>
+                <a:latin typeface="Calibri" panose="020F0502020204030204" pitchFamily="34" charset="0"/>
+                <a:cs typeface="Calibri" panose="020F0502020204030204" pitchFamily="34" charset="0"/>
+              </a:rPr>
+              <a:t> </a:t>
+            </a:r>
+            <a:r>
+              <a:rPr lang="en-US" sz="1200" b="0" i="0" u="none" strike="noStrike" dirty="0" err="1">
+                <a:solidFill>
+                  <a:srgbClr val="212121"/>
+                </a:solidFill>
+                <a:effectLst/>
+                <a:latin typeface="Calibri" panose="020F0502020204030204" pitchFamily="34" charset="0"/>
+                <a:cs typeface="Calibri" panose="020F0502020204030204" pitchFamily="34" charset="0"/>
+              </a:rPr>
+              <a:t>ifade</a:t>
+            </a:r>
+            <a:r>
+              <a:rPr lang="en-US" sz="1200" b="0" i="0" u="none" strike="noStrike" dirty="0">
+                <a:solidFill>
+                  <a:srgbClr val="212121"/>
+                </a:solidFill>
+                <a:effectLst/>
+                <a:latin typeface="Calibri" panose="020F0502020204030204" pitchFamily="34" charset="0"/>
+                <a:cs typeface="Calibri" panose="020F0502020204030204" pitchFamily="34" charset="0"/>
+              </a:rPr>
+              <a:t> </a:t>
+            </a:r>
+            <a:r>
+              <a:rPr lang="en-US" sz="1200" b="0" i="0" u="none" strike="noStrike" dirty="0" err="1">
+                <a:solidFill>
+                  <a:srgbClr val="212121"/>
+                </a:solidFill>
+                <a:effectLst/>
+                <a:latin typeface="Calibri" panose="020F0502020204030204" pitchFamily="34" charset="0"/>
+                <a:cs typeface="Calibri" panose="020F0502020204030204" pitchFamily="34" charset="0"/>
+              </a:rPr>
+              <a:t>etme</a:t>
+            </a:r>
+            <a:r>
+              <a:rPr lang="en-US" sz="1200" b="0" i="0" u="none" strike="noStrike" dirty="0">
+                <a:solidFill>
+                  <a:srgbClr val="212121"/>
+                </a:solidFill>
+                <a:effectLst/>
+                <a:latin typeface="Calibri" panose="020F0502020204030204" pitchFamily="34" charset="0"/>
+                <a:cs typeface="Calibri" panose="020F0502020204030204" pitchFamily="34" charset="0"/>
+              </a:rPr>
+              <a:t> (</a:t>
+            </a:r>
+            <a:r>
+              <a:rPr lang="en-US" sz="1200" b="0" i="0" u="none" strike="noStrike" dirty="0" err="1">
+                <a:solidFill>
+                  <a:srgbClr val="212121"/>
+                </a:solidFill>
+                <a:effectLst/>
+                <a:latin typeface="Calibri" panose="020F0502020204030204" pitchFamily="34" charset="0"/>
+                <a:cs typeface="Calibri" panose="020F0502020204030204" pitchFamily="34" charset="0"/>
+              </a:rPr>
+              <a:t>işveren</a:t>
+            </a:r>
+            <a:r>
+              <a:rPr lang="en-US" sz="1200" b="0" i="0" u="none" strike="noStrike" dirty="0">
+                <a:solidFill>
+                  <a:srgbClr val="212121"/>
+                </a:solidFill>
+                <a:effectLst/>
+                <a:latin typeface="Calibri" panose="020F0502020204030204" pitchFamily="34" charset="0"/>
+                <a:cs typeface="Calibri" panose="020F0502020204030204" pitchFamily="34" charset="0"/>
+              </a:rPr>
+              <a:t>)</a:t>
+            </a:r>
+          </a:p>
+          <a:p>
+            <a:pPr algn="l">
+              <a:spcAft>
+                <a:spcPts val="0"/>
+              </a:spcAft>
+              <a:buFont typeface="Arial" panose="020B0604020202020204" pitchFamily="34" charset="0"/>
+              <a:buChar char="•"/>
+            </a:pPr>
+            <a:r>
+              <a:rPr lang="en-US" sz="1200" b="0" i="0" u="none" strike="noStrike" dirty="0" err="1">
+                <a:solidFill>
+                  <a:srgbClr val="212121"/>
+                </a:solidFill>
+                <a:effectLst/>
+                <a:latin typeface="Calibri" panose="020F0502020204030204" pitchFamily="34" charset="0"/>
+                <a:cs typeface="Calibri" panose="020F0502020204030204" pitchFamily="34" charset="0"/>
+              </a:rPr>
+              <a:t>mülakat</a:t>
+            </a:r>
+            <a:r>
+              <a:rPr lang="en-US" sz="1200" b="0" i="0" u="none" strike="noStrike" dirty="0">
+                <a:solidFill>
+                  <a:srgbClr val="212121"/>
+                </a:solidFill>
+                <a:effectLst/>
+                <a:latin typeface="Calibri" panose="020F0502020204030204" pitchFamily="34" charset="0"/>
+                <a:cs typeface="Calibri" panose="020F0502020204030204" pitchFamily="34" charset="0"/>
+              </a:rPr>
+              <a:t> </a:t>
+            </a:r>
+            <a:r>
+              <a:rPr lang="en-US" sz="1200" b="0" i="0" u="none" strike="noStrike" dirty="0" err="1">
+                <a:solidFill>
+                  <a:srgbClr val="212121"/>
+                </a:solidFill>
+                <a:effectLst/>
+                <a:latin typeface="Calibri" panose="020F0502020204030204" pitchFamily="34" charset="0"/>
+                <a:cs typeface="Calibri" panose="020F0502020204030204" pitchFamily="34" charset="0"/>
+              </a:rPr>
+              <a:t>değerlendirmesi</a:t>
+            </a:r>
+            <a:endParaRPr lang="en-US" sz="1200" b="0" i="0" u="none" strike="noStrike" dirty="0">
+              <a:solidFill>
+                <a:srgbClr val="212121"/>
+              </a:solidFill>
+              <a:effectLst/>
+              <a:latin typeface="Calibri" panose="020F0502020204030204" pitchFamily="34" charset="0"/>
+              <a:cs typeface="Calibri" panose="020F0502020204030204" pitchFamily="34" charset="0"/>
+            </a:endParaRPr>
+          </a:p>
+          <a:p>
+            <a:pPr algn="l">
+              <a:spcAft>
+                <a:spcPts val="0"/>
+              </a:spcAft>
+              <a:buFont typeface="Arial" panose="020B0604020202020204" pitchFamily="34" charset="0"/>
+              <a:buChar char="•"/>
+            </a:pPr>
+            <a:r>
+              <a:rPr lang="en-US" sz="1200" b="0" i="0" u="none" strike="noStrike" dirty="0" err="1">
+                <a:solidFill>
+                  <a:srgbClr val="212121"/>
+                </a:solidFill>
+                <a:effectLst/>
+                <a:latin typeface="Calibri" panose="020F0502020204030204" pitchFamily="34" charset="0"/>
+                <a:cs typeface="Calibri" panose="020F0502020204030204" pitchFamily="34" charset="0"/>
+              </a:rPr>
+              <a:t>otomatik</a:t>
+            </a:r>
+            <a:r>
+              <a:rPr lang="en-US" sz="1200" b="0" i="0" u="none" strike="noStrike" dirty="0">
+                <a:solidFill>
+                  <a:srgbClr val="212121"/>
+                </a:solidFill>
+                <a:effectLst/>
+                <a:latin typeface="Calibri" panose="020F0502020204030204" pitchFamily="34" charset="0"/>
+                <a:cs typeface="Calibri" panose="020F0502020204030204" pitchFamily="34" charset="0"/>
+              </a:rPr>
+              <a:t> </a:t>
+            </a:r>
+            <a:r>
+              <a:rPr lang="en-US" sz="1200" b="0" i="0" u="none" strike="noStrike" dirty="0" err="1">
+                <a:solidFill>
+                  <a:srgbClr val="212121"/>
+                </a:solidFill>
+                <a:effectLst/>
+                <a:latin typeface="Calibri" panose="020F0502020204030204" pitchFamily="34" charset="0"/>
+                <a:cs typeface="Calibri" panose="020F0502020204030204" pitchFamily="34" charset="0"/>
+              </a:rPr>
+              <a:t>değerlendirme</a:t>
+            </a:r>
+            <a:r>
+              <a:rPr lang="en-US" sz="1200" b="0" i="0" u="none" strike="noStrike" dirty="0">
+                <a:solidFill>
+                  <a:srgbClr val="212121"/>
+                </a:solidFill>
+                <a:effectLst/>
+                <a:latin typeface="Calibri" panose="020F0502020204030204" pitchFamily="34" charset="0"/>
+                <a:cs typeface="Calibri" panose="020F0502020204030204" pitchFamily="34" charset="0"/>
+              </a:rPr>
+              <a:t> </a:t>
+            </a:r>
+          </a:p>
+          <a:p>
+            <a:pPr algn="l">
+              <a:spcAft>
+                <a:spcPts val="0"/>
+              </a:spcAft>
+              <a:buFont typeface="Arial" panose="020B0604020202020204" pitchFamily="34" charset="0"/>
+              <a:buChar char="•"/>
+            </a:pPr>
+            <a:r>
+              <a:rPr lang="en-US" sz="1200" b="0" i="0" u="none" strike="noStrike" dirty="0" err="1">
+                <a:solidFill>
+                  <a:srgbClr val="212121"/>
+                </a:solidFill>
+                <a:effectLst/>
+                <a:latin typeface="Calibri" panose="020F0502020204030204" pitchFamily="34" charset="0"/>
+                <a:cs typeface="Calibri" panose="020F0502020204030204" pitchFamily="34" charset="0"/>
+              </a:rPr>
+              <a:t>referans</a:t>
+            </a:r>
+            <a:r>
+              <a:rPr lang="en-US" sz="1200" b="0" i="0" u="none" strike="noStrike" dirty="0">
+                <a:solidFill>
+                  <a:srgbClr val="212121"/>
+                </a:solidFill>
+                <a:effectLst/>
+                <a:latin typeface="Calibri" panose="020F0502020204030204" pitchFamily="34" charset="0"/>
+                <a:cs typeface="Calibri" panose="020F0502020204030204" pitchFamily="34" charset="0"/>
+              </a:rPr>
+              <a:t> check</a:t>
+            </a:r>
+          </a:p>
+          <a:p>
+            <a:pPr algn="l">
+              <a:spcAft>
+                <a:spcPts val="0"/>
+              </a:spcAft>
+              <a:buFont typeface="Arial" panose="020B0604020202020204" pitchFamily="34" charset="0"/>
+              <a:buChar char="•"/>
+            </a:pPr>
+            <a:r>
+              <a:rPr lang="en-US" sz="1200" b="0" i="0" u="none" strike="noStrike" dirty="0" err="1">
+                <a:solidFill>
+                  <a:srgbClr val="212121"/>
+                </a:solidFill>
+                <a:effectLst/>
+                <a:latin typeface="Calibri" panose="020F0502020204030204" pitchFamily="34" charset="0"/>
+                <a:cs typeface="Calibri" panose="020F0502020204030204" pitchFamily="34" charset="0"/>
+              </a:rPr>
+              <a:t>kariyer.nete</a:t>
+            </a:r>
+            <a:r>
+              <a:rPr lang="en-US" sz="1200" b="0" i="0" u="none" strike="noStrike" dirty="0">
+                <a:solidFill>
+                  <a:srgbClr val="212121"/>
+                </a:solidFill>
+                <a:effectLst/>
+                <a:latin typeface="Calibri" panose="020F0502020204030204" pitchFamily="34" charset="0"/>
+                <a:cs typeface="Calibri" panose="020F0502020204030204" pitchFamily="34" charset="0"/>
+              </a:rPr>
+              <a:t> </a:t>
+            </a:r>
+            <a:r>
+              <a:rPr lang="en-US" sz="1200" b="0" i="0" u="none" strike="noStrike" dirty="0" err="1">
+                <a:solidFill>
+                  <a:srgbClr val="212121"/>
+                </a:solidFill>
+                <a:effectLst/>
+                <a:latin typeface="Calibri" panose="020F0502020204030204" pitchFamily="34" charset="0"/>
+                <a:cs typeface="Calibri" panose="020F0502020204030204" pitchFamily="34" charset="0"/>
+              </a:rPr>
+              <a:t>gelmeden</a:t>
+            </a:r>
+            <a:r>
+              <a:rPr lang="en-US" sz="1200" b="0" i="0" u="none" strike="noStrike" dirty="0">
+                <a:solidFill>
+                  <a:srgbClr val="212121"/>
+                </a:solidFill>
+                <a:effectLst/>
+                <a:latin typeface="Calibri" panose="020F0502020204030204" pitchFamily="34" charset="0"/>
+                <a:cs typeface="Calibri" panose="020F0502020204030204" pitchFamily="34" charset="0"/>
+              </a:rPr>
+              <a:t> </a:t>
+            </a:r>
+            <a:r>
+              <a:rPr lang="en-US" sz="1200" b="0" i="0" u="none" strike="noStrike" dirty="0" err="1">
+                <a:solidFill>
+                  <a:srgbClr val="212121"/>
+                </a:solidFill>
+                <a:effectLst/>
+                <a:latin typeface="Calibri" panose="020F0502020204030204" pitchFamily="34" charset="0"/>
+                <a:cs typeface="Calibri" panose="020F0502020204030204" pitchFamily="34" charset="0"/>
+              </a:rPr>
+              <a:t>adayları</a:t>
+            </a:r>
+            <a:r>
+              <a:rPr lang="en-US" sz="1200" b="0" i="0" u="none" strike="noStrike" dirty="0">
+                <a:solidFill>
+                  <a:srgbClr val="212121"/>
+                </a:solidFill>
+                <a:effectLst/>
+                <a:latin typeface="Calibri" panose="020F0502020204030204" pitchFamily="34" charset="0"/>
+                <a:cs typeface="Calibri" panose="020F0502020204030204" pitchFamily="34" charset="0"/>
+              </a:rPr>
+              <a:t> </a:t>
+            </a:r>
+            <a:r>
+              <a:rPr lang="en-US" sz="1200" b="0" i="0" u="none" strike="noStrike" dirty="0" err="1">
+                <a:solidFill>
+                  <a:srgbClr val="212121"/>
+                </a:solidFill>
+                <a:effectLst/>
+                <a:latin typeface="Calibri" panose="020F0502020204030204" pitchFamily="34" charset="0"/>
+                <a:cs typeface="Calibri" panose="020F0502020204030204" pitchFamily="34" charset="0"/>
+              </a:rPr>
+              <a:t>bulma</a:t>
+            </a:r>
+            <a:r>
+              <a:rPr lang="en-US" sz="1200" b="0" i="0" u="none" strike="noStrike" dirty="0">
+                <a:solidFill>
+                  <a:srgbClr val="212121"/>
+                </a:solidFill>
+                <a:effectLst/>
+                <a:latin typeface="Calibri" panose="020F0502020204030204" pitchFamily="34" charset="0"/>
+                <a:cs typeface="Calibri" panose="020F0502020204030204" pitchFamily="34" charset="0"/>
+              </a:rPr>
+              <a:t>?</a:t>
+            </a:r>
+          </a:p>
+          <a:p>
+            <a:pPr algn="l">
+              <a:spcAft>
+                <a:spcPts val="0"/>
+              </a:spcAft>
+            </a:pPr>
+            <a:r>
+              <a:rPr lang="en-US" sz="1200" b="0" i="0" u="none" strike="noStrike" dirty="0">
+                <a:solidFill>
+                  <a:srgbClr val="212121"/>
+                </a:solidFill>
+                <a:effectLst/>
+                <a:latin typeface="Calibri" panose="020F0502020204030204" pitchFamily="34" charset="0"/>
+                <a:cs typeface="Calibri" panose="020F0502020204030204" pitchFamily="34" charset="0"/>
+              </a:rPr>
+              <a:t> </a:t>
+            </a:r>
+          </a:p>
+          <a:p>
+            <a:pPr algn="l">
+              <a:spcAft>
+                <a:spcPts val="0"/>
+              </a:spcAft>
+            </a:pPr>
+            <a:r>
+              <a:rPr lang="en-US" sz="1200" b="1" i="0" u="none" strike="noStrike" dirty="0" err="1">
+                <a:solidFill>
+                  <a:srgbClr val="212121"/>
+                </a:solidFill>
+                <a:effectLst/>
+                <a:latin typeface="Calibri" panose="020F0502020204030204" pitchFamily="34" charset="0"/>
+                <a:cs typeface="Calibri" panose="020F0502020204030204" pitchFamily="34" charset="0"/>
+              </a:rPr>
+              <a:t>Şansınızı</a:t>
+            </a:r>
+            <a:r>
+              <a:rPr lang="en-US" sz="1200" b="1" i="0" u="none" strike="noStrike" dirty="0">
+                <a:solidFill>
+                  <a:srgbClr val="212121"/>
+                </a:solidFill>
+                <a:effectLst/>
+                <a:latin typeface="Calibri" panose="020F0502020204030204" pitchFamily="34" charset="0"/>
+                <a:cs typeface="Calibri" panose="020F0502020204030204" pitchFamily="34" charset="0"/>
+              </a:rPr>
+              <a:t> </a:t>
+            </a:r>
+            <a:r>
+              <a:rPr lang="en-US" sz="1200" b="1" i="0" u="none" strike="noStrike" dirty="0" err="1">
+                <a:solidFill>
+                  <a:srgbClr val="212121"/>
+                </a:solidFill>
+                <a:effectLst/>
+                <a:latin typeface="Calibri" panose="020F0502020204030204" pitchFamily="34" charset="0"/>
+                <a:cs typeface="Calibri" panose="020F0502020204030204" pitchFamily="34" charset="0"/>
+              </a:rPr>
+              <a:t>deneyebilirsiniz</a:t>
+            </a:r>
+            <a:r>
+              <a:rPr lang="en-US" sz="1200" b="1" i="0" u="none" strike="noStrike" dirty="0">
+                <a:solidFill>
+                  <a:srgbClr val="212121"/>
+                </a:solidFill>
+                <a:effectLst/>
+                <a:latin typeface="Calibri" panose="020F0502020204030204" pitchFamily="34" charset="0"/>
+                <a:cs typeface="Calibri" panose="020F0502020204030204" pitchFamily="34" charset="0"/>
+              </a:rPr>
+              <a:t>, </a:t>
+            </a:r>
+            <a:r>
+              <a:rPr lang="en-US" sz="1200" b="1" i="0" u="none" strike="noStrike" dirty="0" err="1">
+                <a:solidFill>
+                  <a:srgbClr val="212121"/>
+                </a:solidFill>
+                <a:effectLst/>
+                <a:latin typeface="Calibri" panose="020F0502020204030204" pitchFamily="34" charset="0"/>
+                <a:cs typeface="Calibri" panose="020F0502020204030204" pitchFamily="34" charset="0"/>
+              </a:rPr>
+              <a:t>mesela</a:t>
+            </a:r>
+            <a:r>
+              <a:rPr lang="en-US" sz="1200" b="1" i="0" u="none" strike="noStrike" dirty="0">
+                <a:solidFill>
+                  <a:srgbClr val="212121"/>
+                </a:solidFill>
+                <a:effectLst/>
+                <a:latin typeface="Calibri" panose="020F0502020204030204" pitchFamily="34" charset="0"/>
+                <a:cs typeface="Calibri" panose="020F0502020204030204" pitchFamily="34" charset="0"/>
+              </a:rPr>
+              <a:t>: </a:t>
+            </a:r>
+            <a:endParaRPr lang="en-US" sz="1200" b="0" i="0" u="none" strike="noStrike" dirty="0">
+              <a:solidFill>
+                <a:srgbClr val="212121"/>
+              </a:solidFill>
+              <a:effectLst/>
+              <a:latin typeface="Calibri" panose="020F0502020204030204" pitchFamily="34" charset="0"/>
+              <a:cs typeface="Calibri" panose="020F0502020204030204" pitchFamily="34" charset="0"/>
+            </a:endParaRPr>
+          </a:p>
+          <a:p>
+            <a:pPr algn="l">
+              <a:spcAft>
+                <a:spcPts val="0"/>
+              </a:spcAft>
+              <a:buFont typeface="Arial" panose="020B0604020202020204" pitchFamily="34" charset="0"/>
+              <a:buChar char="•"/>
+            </a:pPr>
+            <a:r>
+              <a:rPr lang="en-US" sz="1200" b="0" i="0" u="none" strike="noStrike" dirty="0" err="1">
+                <a:solidFill>
+                  <a:srgbClr val="212121"/>
+                </a:solidFill>
+                <a:effectLst/>
+                <a:latin typeface="Calibri" panose="020F0502020204030204" pitchFamily="34" charset="0"/>
+                <a:cs typeface="Calibri" panose="020F0502020204030204" pitchFamily="34" charset="0"/>
+              </a:rPr>
+              <a:t>İşverenler</a:t>
+            </a:r>
+            <a:r>
+              <a:rPr lang="en-US" sz="1200" b="0" i="0" u="none" strike="noStrike" dirty="0">
+                <a:solidFill>
+                  <a:srgbClr val="212121"/>
+                </a:solidFill>
+                <a:effectLst/>
+                <a:latin typeface="Calibri" panose="020F0502020204030204" pitchFamily="34" charset="0"/>
+                <a:cs typeface="Calibri" panose="020F0502020204030204" pitchFamily="34" charset="0"/>
+              </a:rPr>
+              <a:t> </a:t>
+            </a:r>
+            <a:r>
+              <a:rPr lang="en-US" sz="1200" b="0" i="0" u="none" strike="noStrike" dirty="0" err="1">
+                <a:solidFill>
+                  <a:srgbClr val="212121"/>
+                </a:solidFill>
+                <a:effectLst/>
+                <a:latin typeface="Calibri" panose="020F0502020204030204" pitchFamily="34" charset="0"/>
+                <a:cs typeface="Calibri" panose="020F0502020204030204" pitchFamily="34" charset="0"/>
+              </a:rPr>
+              <a:t>için</a:t>
+            </a:r>
+            <a:r>
+              <a:rPr lang="en-US" sz="1200" b="0" i="0" u="none" strike="noStrike" dirty="0">
+                <a:solidFill>
+                  <a:srgbClr val="212121"/>
+                </a:solidFill>
+                <a:effectLst/>
+                <a:latin typeface="Calibri" panose="020F0502020204030204" pitchFamily="34" charset="0"/>
+                <a:cs typeface="Calibri" panose="020F0502020204030204" pitchFamily="34" charset="0"/>
+              </a:rPr>
+              <a:t> </a:t>
+            </a:r>
+            <a:r>
+              <a:rPr lang="en-US" sz="1200" b="0" i="0" u="none" strike="noStrike" dirty="0" err="1">
+                <a:solidFill>
+                  <a:srgbClr val="212121"/>
+                </a:solidFill>
+                <a:effectLst/>
+                <a:latin typeface="Calibri" panose="020F0502020204030204" pitchFamily="34" charset="0"/>
+                <a:cs typeface="Calibri" panose="020F0502020204030204" pitchFamily="34" charset="0"/>
+              </a:rPr>
+              <a:t>bir</a:t>
+            </a:r>
+            <a:r>
+              <a:rPr lang="en-US" sz="1200" b="0" i="0" u="none" strike="noStrike" dirty="0">
+                <a:solidFill>
+                  <a:srgbClr val="212121"/>
+                </a:solidFill>
+                <a:effectLst/>
+                <a:latin typeface="Calibri" panose="020F0502020204030204" pitchFamily="34" charset="0"/>
+                <a:cs typeface="Calibri" panose="020F0502020204030204" pitchFamily="34" charset="0"/>
+              </a:rPr>
+              <a:t> e-</a:t>
+            </a:r>
+            <a:r>
+              <a:rPr lang="en-US" sz="1200" b="0" i="0" u="none" strike="noStrike" dirty="0" err="1">
+                <a:solidFill>
+                  <a:srgbClr val="212121"/>
+                </a:solidFill>
+                <a:effectLst/>
+                <a:latin typeface="Calibri" panose="020F0502020204030204" pitchFamily="34" charset="0"/>
+                <a:cs typeface="Calibri" panose="020F0502020204030204" pitchFamily="34" charset="0"/>
+              </a:rPr>
+              <a:t>ticaret</a:t>
+            </a:r>
+            <a:r>
+              <a:rPr lang="en-US" sz="1200" b="0" i="0" u="none" strike="noStrike" dirty="0">
+                <a:solidFill>
+                  <a:srgbClr val="212121"/>
+                </a:solidFill>
+                <a:effectLst/>
+                <a:latin typeface="Calibri" panose="020F0502020204030204" pitchFamily="34" charset="0"/>
+                <a:cs typeface="Calibri" panose="020F0502020204030204" pitchFamily="34" charset="0"/>
+              </a:rPr>
+              <a:t> </a:t>
+            </a:r>
+            <a:r>
+              <a:rPr lang="en-US" sz="1200" b="0" i="0" u="none" strike="noStrike" dirty="0" err="1">
+                <a:solidFill>
+                  <a:srgbClr val="212121"/>
+                </a:solidFill>
+                <a:effectLst/>
+                <a:latin typeface="Calibri" panose="020F0502020204030204" pitchFamily="34" charset="0"/>
+                <a:cs typeface="Calibri" panose="020F0502020204030204" pitchFamily="34" charset="0"/>
+              </a:rPr>
+              <a:t>yan</a:t>
+            </a:r>
+            <a:r>
+              <a:rPr lang="en-US" sz="1200" b="0" i="0" u="none" strike="noStrike" dirty="0">
+                <a:solidFill>
+                  <a:srgbClr val="212121"/>
+                </a:solidFill>
+                <a:effectLst/>
+                <a:latin typeface="Calibri" panose="020F0502020204030204" pitchFamily="34" charset="0"/>
+                <a:cs typeface="Calibri" panose="020F0502020204030204" pitchFamily="34" charset="0"/>
+              </a:rPr>
+              <a:t> </a:t>
+            </a:r>
+            <a:r>
+              <a:rPr lang="en-US" sz="1200" b="0" i="0" u="none" strike="noStrike" dirty="0" err="1">
+                <a:solidFill>
+                  <a:srgbClr val="212121"/>
+                </a:solidFill>
+                <a:effectLst/>
+                <a:latin typeface="Calibri" panose="020F0502020204030204" pitchFamily="34" charset="0"/>
+                <a:cs typeface="Calibri" panose="020F0502020204030204" pitchFamily="34" charset="0"/>
+              </a:rPr>
+              <a:t>ürünü</a:t>
+            </a:r>
+            <a:r>
+              <a:rPr lang="en-US" sz="1200" b="0" i="0" u="none" strike="noStrike" dirty="0">
+                <a:solidFill>
+                  <a:srgbClr val="212121"/>
+                </a:solidFill>
+                <a:effectLst/>
+                <a:latin typeface="Calibri" panose="020F0502020204030204" pitchFamily="34" charset="0"/>
+                <a:cs typeface="Calibri" panose="020F0502020204030204" pitchFamily="34" charset="0"/>
+              </a:rPr>
+              <a:t> : </a:t>
+            </a:r>
+            <a:r>
+              <a:rPr lang="en-US" sz="1200" b="0" i="0" u="none" strike="noStrike" dirty="0" err="1">
+                <a:solidFill>
+                  <a:srgbClr val="212121"/>
+                </a:solidFill>
+                <a:effectLst/>
+                <a:latin typeface="Calibri" panose="020F0502020204030204" pitchFamily="34" charset="0"/>
+                <a:cs typeface="Calibri" panose="020F0502020204030204" pitchFamily="34" charset="0"/>
+              </a:rPr>
+              <a:t>kurumsal</a:t>
+            </a:r>
+            <a:r>
+              <a:rPr lang="en-US" sz="1200" b="0" i="0" u="none" strike="noStrike" dirty="0">
+                <a:solidFill>
+                  <a:srgbClr val="212121"/>
+                </a:solidFill>
+                <a:effectLst/>
+                <a:latin typeface="Calibri" panose="020F0502020204030204" pitchFamily="34" charset="0"/>
+                <a:cs typeface="Calibri" panose="020F0502020204030204" pitchFamily="34" charset="0"/>
+              </a:rPr>
+              <a:t> </a:t>
+            </a:r>
+            <a:r>
+              <a:rPr lang="en-US" sz="1200" b="0" i="0" u="none" strike="noStrike" dirty="0" err="1">
+                <a:solidFill>
+                  <a:srgbClr val="212121"/>
+                </a:solidFill>
+                <a:effectLst/>
+                <a:latin typeface="Calibri" panose="020F0502020204030204" pitchFamily="34" charset="0"/>
+                <a:cs typeface="Calibri" panose="020F0502020204030204" pitchFamily="34" charset="0"/>
+              </a:rPr>
+              <a:t>hediye</a:t>
+            </a:r>
+            <a:r>
+              <a:rPr lang="en-US" sz="1200" b="0" i="0" u="none" strike="noStrike" dirty="0">
+                <a:solidFill>
+                  <a:srgbClr val="212121"/>
+                </a:solidFill>
+                <a:effectLst/>
+                <a:latin typeface="Calibri" panose="020F0502020204030204" pitchFamily="34" charset="0"/>
+                <a:cs typeface="Calibri" panose="020F0502020204030204" pitchFamily="34" charset="0"/>
+              </a:rPr>
+              <a:t>,</a:t>
+            </a:r>
+          </a:p>
+          <a:p>
+            <a:pPr algn="l">
+              <a:spcAft>
+                <a:spcPts val="0"/>
+              </a:spcAft>
+              <a:buFont typeface="Arial" panose="020B0604020202020204" pitchFamily="34" charset="0"/>
+              <a:buChar char="•"/>
+            </a:pPr>
+            <a:r>
+              <a:rPr lang="en-US" sz="1200" b="0" i="0" u="none" strike="noStrike" dirty="0">
+                <a:solidFill>
+                  <a:srgbClr val="212121"/>
+                </a:solidFill>
+                <a:effectLst/>
+                <a:latin typeface="Calibri" panose="020F0502020204030204" pitchFamily="34" charset="0"/>
+                <a:cs typeface="Calibri" panose="020F0502020204030204" pitchFamily="34" charset="0"/>
+              </a:rPr>
+              <a:t>Yeni </a:t>
+            </a:r>
+            <a:r>
+              <a:rPr lang="en-US" sz="1200" b="0" i="0" u="none" strike="noStrike" dirty="0" err="1">
+                <a:solidFill>
+                  <a:srgbClr val="212121"/>
+                </a:solidFill>
+                <a:effectLst/>
+                <a:latin typeface="Calibri" panose="020F0502020204030204" pitchFamily="34" charset="0"/>
+                <a:cs typeface="Calibri" panose="020F0502020204030204" pitchFamily="34" charset="0"/>
+              </a:rPr>
+              <a:t>çalışanlar</a:t>
+            </a:r>
+            <a:r>
+              <a:rPr lang="en-US" sz="1200" b="0" i="0" u="none" strike="noStrike" dirty="0">
+                <a:solidFill>
+                  <a:srgbClr val="212121"/>
+                </a:solidFill>
+                <a:effectLst/>
+                <a:latin typeface="Calibri" panose="020F0502020204030204" pitchFamily="34" charset="0"/>
+                <a:cs typeface="Calibri" panose="020F0502020204030204" pitchFamily="34" charset="0"/>
+              </a:rPr>
+              <a:t> </a:t>
+            </a:r>
+            <a:r>
+              <a:rPr lang="en-US" sz="1200" b="0" i="0" u="none" strike="noStrike" dirty="0" err="1">
+                <a:solidFill>
+                  <a:srgbClr val="212121"/>
+                </a:solidFill>
+                <a:effectLst/>
+                <a:latin typeface="Calibri" panose="020F0502020204030204" pitchFamily="34" charset="0"/>
+                <a:cs typeface="Calibri" panose="020F0502020204030204" pitchFamily="34" charset="0"/>
+              </a:rPr>
+              <a:t>için</a:t>
+            </a:r>
+            <a:r>
+              <a:rPr lang="en-US" sz="1200" b="0" i="0" u="none" strike="noStrike" dirty="0">
+                <a:solidFill>
+                  <a:srgbClr val="212121"/>
+                </a:solidFill>
+                <a:effectLst/>
+                <a:latin typeface="Calibri" panose="020F0502020204030204" pitchFamily="34" charset="0"/>
+                <a:cs typeface="Calibri" panose="020F0502020204030204" pitchFamily="34" charset="0"/>
+              </a:rPr>
+              <a:t> </a:t>
+            </a:r>
+            <a:r>
+              <a:rPr lang="en-US" sz="1200" b="0" i="0" u="none" strike="noStrike" dirty="0" err="1">
+                <a:solidFill>
+                  <a:srgbClr val="212121"/>
+                </a:solidFill>
+                <a:effectLst/>
+                <a:latin typeface="Calibri" panose="020F0502020204030204" pitchFamily="34" charset="0"/>
+                <a:cs typeface="Calibri" panose="020F0502020204030204" pitchFamily="34" charset="0"/>
+              </a:rPr>
+              <a:t>otomatikleştirilmiş</a:t>
+            </a:r>
+            <a:r>
+              <a:rPr lang="en-US" sz="1200" b="0" i="0" u="none" strike="noStrike" dirty="0">
+                <a:solidFill>
+                  <a:srgbClr val="212121"/>
+                </a:solidFill>
+                <a:effectLst/>
+                <a:latin typeface="Calibri" panose="020F0502020204030204" pitchFamily="34" charset="0"/>
+                <a:cs typeface="Calibri" panose="020F0502020204030204" pitchFamily="34" charset="0"/>
+              </a:rPr>
+              <a:t> on-boarding,</a:t>
+            </a:r>
+          </a:p>
+          <a:p>
+            <a:pPr algn="l">
+              <a:spcAft>
+                <a:spcPts val="0"/>
+              </a:spcAft>
+              <a:buFont typeface="Arial" panose="020B0604020202020204" pitchFamily="34" charset="0"/>
+              <a:buChar char="•"/>
+            </a:pPr>
+            <a:r>
+              <a:rPr lang="en-US" sz="1200" b="0" i="0" u="none" strike="noStrike" dirty="0" err="1">
+                <a:solidFill>
+                  <a:srgbClr val="212121"/>
+                </a:solidFill>
+                <a:effectLst/>
+                <a:latin typeface="Calibri" panose="020F0502020204030204" pitchFamily="34" charset="0"/>
+                <a:cs typeface="Calibri" panose="020F0502020204030204" pitchFamily="34" charset="0"/>
+              </a:rPr>
+              <a:t>Genç</a:t>
+            </a:r>
+            <a:r>
+              <a:rPr lang="en-US" sz="1200" b="0" i="0" u="none" strike="noStrike" dirty="0">
+                <a:solidFill>
+                  <a:srgbClr val="212121"/>
+                </a:solidFill>
+                <a:effectLst/>
+                <a:latin typeface="Calibri" panose="020F0502020204030204" pitchFamily="34" charset="0"/>
+                <a:cs typeface="Calibri" panose="020F0502020204030204" pitchFamily="34" charset="0"/>
+              </a:rPr>
+              <a:t> </a:t>
+            </a:r>
+            <a:r>
+              <a:rPr lang="en-US" sz="1200" b="0" i="0" u="none" strike="noStrike" dirty="0" err="1">
+                <a:solidFill>
+                  <a:srgbClr val="212121"/>
+                </a:solidFill>
+                <a:effectLst/>
+                <a:latin typeface="Calibri" panose="020F0502020204030204" pitchFamily="34" charset="0"/>
+                <a:cs typeface="Calibri" panose="020F0502020204030204" pitchFamily="34" charset="0"/>
+              </a:rPr>
+              <a:t>kullanıcıların</a:t>
+            </a:r>
+            <a:r>
+              <a:rPr lang="en-US" sz="1200" b="0" i="0" u="none" strike="noStrike" dirty="0">
+                <a:solidFill>
+                  <a:srgbClr val="212121"/>
+                </a:solidFill>
+                <a:effectLst/>
+                <a:latin typeface="Calibri" panose="020F0502020204030204" pitchFamily="34" charset="0"/>
+                <a:cs typeface="Calibri" panose="020F0502020204030204" pitchFamily="34" charset="0"/>
+              </a:rPr>
+              <a:t> </a:t>
+            </a:r>
+            <a:r>
+              <a:rPr lang="en-US" sz="1200" b="0" i="0" u="none" strike="noStrike" dirty="0" err="1">
+                <a:solidFill>
+                  <a:srgbClr val="212121"/>
+                </a:solidFill>
+                <a:effectLst/>
+                <a:latin typeface="Calibri" panose="020F0502020204030204" pitchFamily="34" charset="0"/>
+                <a:cs typeface="Calibri" panose="020F0502020204030204" pitchFamily="34" charset="0"/>
+              </a:rPr>
+              <a:t>çekimi</a:t>
+            </a:r>
+            <a:endParaRPr lang="en-US" sz="1200" b="0" i="0" u="none" strike="noStrike" dirty="0">
+              <a:solidFill>
+                <a:srgbClr val="212121"/>
+              </a:solidFill>
+              <a:effectLst/>
+              <a:latin typeface="Calibri" panose="020F0502020204030204" pitchFamily="34" charset="0"/>
+              <a:cs typeface="Calibri" panose="020F0502020204030204" pitchFamily="34" charset="0"/>
+            </a:endParaRPr>
+          </a:p>
+          <a:p>
+            <a:pPr algn="l">
+              <a:spcAft>
+                <a:spcPts val="0"/>
+              </a:spcAft>
+              <a:buFont typeface="Arial" panose="020B0604020202020204" pitchFamily="34" charset="0"/>
+              <a:buChar char="•"/>
+            </a:pPr>
+            <a:endParaRPr lang="en-US" sz="1200" dirty="0">
+              <a:solidFill>
+                <a:srgbClr val="212121"/>
+              </a:solidFill>
+              <a:latin typeface="Calibri" panose="020F0502020204030204" pitchFamily="34" charset="0"/>
+              <a:cs typeface="Calibri" panose="020F0502020204030204" pitchFamily="34" charset="0"/>
+            </a:endParaRPr>
+          </a:p>
+          <a:p>
+            <a:pPr algn="l">
+              <a:spcAft>
+                <a:spcPts val="0"/>
+              </a:spcAft>
+            </a:pPr>
+            <a:r>
+              <a:rPr lang="en-US" sz="1200" b="1" i="0" u="none" strike="noStrike" dirty="0" err="1">
+                <a:solidFill>
+                  <a:srgbClr val="212121"/>
+                </a:solidFill>
+                <a:effectLst/>
+                <a:latin typeface="Calibri" panose="020F0502020204030204" pitchFamily="34" charset="0"/>
+                <a:cs typeface="Calibri" panose="020F0502020204030204" pitchFamily="34" charset="0"/>
+              </a:rPr>
+              <a:t>Değerlendirme</a:t>
+            </a:r>
+            <a:r>
+              <a:rPr lang="en-US" sz="1200" b="1" i="0" u="none" strike="noStrike" dirty="0">
+                <a:solidFill>
+                  <a:srgbClr val="212121"/>
+                </a:solidFill>
+                <a:effectLst/>
+                <a:latin typeface="Calibri" panose="020F0502020204030204" pitchFamily="34" charset="0"/>
+                <a:cs typeface="Calibri" panose="020F0502020204030204" pitchFamily="34" charset="0"/>
+              </a:rPr>
+              <a:t> </a:t>
+            </a:r>
+            <a:r>
+              <a:rPr lang="en-US" sz="1200" b="1" i="0" u="none" strike="noStrike" dirty="0" err="1">
+                <a:solidFill>
+                  <a:srgbClr val="212121"/>
+                </a:solidFill>
+                <a:effectLst/>
+                <a:latin typeface="Calibri" panose="020F0502020204030204" pitchFamily="34" charset="0"/>
+                <a:cs typeface="Calibri" panose="020F0502020204030204" pitchFamily="34" charset="0"/>
+              </a:rPr>
+              <a:t>Kriterleri</a:t>
+            </a:r>
+            <a:r>
+              <a:rPr lang="en-US" sz="1200" b="1" i="0" u="none" strike="noStrike" dirty="0">
+                <a:solidFill>
+                  <a:srgbClr val="212121"/>
+                </a:solidFill>
+                <a:effectLst/>
+                <a:latin typeface="Calibri" panose="020F0502020204030204" pitchFamily="34" charset="0"/>
+                <a:cs typeface="Calibri" panose="020F0502020204030204" pitchFamily="34" charset="0"/>
+              </a:rPr>
+              <a:t> : </a:t>
+            </a:r>
+            <a:endParaRPr lang="en-US" sz="1200" b="0" i="0" u="none" strike="noStrike" dirty="0">
+              <a:solidFill>
+                <a:srgbClr val="212121"/>
+              </a:solidFill>
+              <a:effectLst/>
+              <a:latin typeface="Calibri" panose="020F0502020204030204" pitchFamily="34" charset="0"/>
+              <a:cs typeface="Calibri" panose="020F0502020204030204" pitchFamily="34" charset="0"/>
+            </a:endParaRPr>
+          </a:p>
+          <a:p>
+            <a:pPr algn="l">
+              <a:spcAft>
+                <a:spcPts val="0"/>
+              </a:spcAft>
+              <a:buFont typeface="Arial" panose="020B0604020202020204" pitchFamily="34" charset="0"/>
+              <a:buChar char="•"/>
+            </a:pPr>
+            <a:r>
+              <a:rPr lang="en-US" sz="1200" b="0" i="0" u="none" strike="noStrike" dirty="0" err="1">
+                <a:solidFill>
+                  <a:srgbClr val="212121"/>
+                </a:solidFill>
+                <a:effectLst/>
+                <a:latin typeface="Calibri" panose="020F0502020204030204" pitchFamily="34" charset="0"/>
+                <a:cs typeface="Calibri" panose="020F0502020204030204" pitchFamily="34" charset="0"/>
+              </a:rPr>
+              <a:t>Problemin</a:t>
+            </a:r>
+            <a:r>
+              <a:rPr lang="en-US" sz="1200" b="0" i="0" u="none" strike="noStrike" dirty="0">
+                <a:solidFill>
+                  <a:srgbClr val="212121"/>
+                </a:solidFill>
+                <a:effectLst/>
+                <a:latin typeface="Calibri" panose="020F0502020204030204" pitchFamily="34" charset="0"/>
+                <a:cs typeface="Calibri" panose="020F0502020204030204" pitchFamily="34" charset="0"/>
+              </a:rPr>
+              <a:t> alt </a:t>
+            </a:r>
+            <a:r>
+              <a:rPr lang="en-US" sz="1200" b="0" i="0" u="none" strike="noStrike" dirty="0" err="1">
+                <a:solidFill>
+                  <a:srgbClr val="212121"/>
+                </a:solidFill>
+                <a:effectLst/>
+                <a:latin typeface="Calibri" panose="020F0502020204030204" pitchFamily="34" charset="0"/>
+                <a:cs typeface="Calibri" panose="020F0502020204030204" pitchFamily="34" charset="0"/>
+              </a:rPr>
+              <a:t>parçalarıyla</a:t>
+            </a:r>
+            <a:r>
+              <a:rPr lang="en-US" sz="1200" b="0" i="0" u="none" strike="noStrike" dirty="0">
+                <a:solidFill>
+                  <a:srgbClr val="212121"/>
+                </a:solidFill>
+                <a:effectLst/>
+                <a:latin typeface="Calibri" panose="020F0502020204030204" pitchFamily="34" charset="0"/>
+                <a:cs typeface="Calibri" panose="020F0502020204030204" pitchFamily="34" charset="0"/>
+              </a:rPr>
+              <a:t> </a:t>
+            </a:r>
+            <a:r>
+              <a:rPr lang="en-US" sz="1200" b="0" i="0" u="none" strike="noStrike" dirty="0" err="1">
+                <a:solidFill>
+                  <a:srgbClr val="212121"/>
+                </a:solidFill>
+                <a:effectLst/>
+                <a:latin typeface="Calibri" panose="020F0502020204030204" pitchFamily="34" charset="0"/>
+                <a:cs typeface="Calibri" panose="020F0502020204030204" pitchFamily="34" charset="0"/>
+              </a:rPr>
+              <a:t>beraber</a:t>
+            </a:r>
+            <a:r>
+              <a:rPr lang="en-US" sz="1200" b="0" i="0" u="none" strike="noStrike" dirty="0">
+                <a:solidFill>
+                  <a:srgbClr val="212121"/>
+                </a:solidFill>
+                <a:effectLst/>
+                <a:latin typeface="Calibri" panose="020F0502020204030204" pitchFamily="34" charset="0"/>
+                <a:cs typeface="Calibri" panose="020F0502020204030204" pitchFamily="34" charset="0"/>
+              </a:rPr>
+              <a:t> net </a:t>
+            </a:r>
+            <a:r>
+              <a:rPr lang="en-US" sz="1200" b="0" i="0" u="none" strike="noStrike" dirty="0" err="1">
+                <a:solidFill>
+                  <a:srgbClr val="212121"/>
+                </a:solidFill>
+                <a:effectLst/>
+                <a:latin typeface="Calibri" panose="020F0502020204030204" pitchFamily="34" charset="0"/>
+                <a:cs typeface="Calibri" panose="020F0502020204030204" pitchFamily="34" charset="0"/>
+              </a:rPr>
+              <a:t>ifadesi</a:t>
+            </a:r>
+            <a:endParaRPr lang="en-US" sz="1200" b="0" i="0" u="none" strike="noStrike" dirty="0">
+              <a:solidFill>
+                <a:srgbClr val="212121"/>
+              </a:solidFill>
+              <a:effectLst/>
+              <a:latin typeface="Calibri" panose="020F0502020204030204" pitchFamily="34" charset="0"/>
+              <a:cs typeface="Calibri" panose="020F0502020204030204" pitchFamily="34" charset="0"/>
+            </a:endParaRPr>
+          </a:p>
+          <a:p>
+            <a:pPr marL="742950" lvl="1" indent="-285750" algn="l">
+              <a:spcAft>
+                <a:spcPts val="0"/>
+              </a:spcAft>
+              <a:buFont typeface="Courier New" panose="02070309020205020404" pitchFamily="49" charset="0"/>
+              <a:buChar char="o"/>
+            </a:pPr>
+            <a:r>
+              <a:rPr lang="en-US" sz="1200" b="0" i="0" u="none" strike="noStrike" dirty="0" err="1">
+                <a:solidFill>
+                  <a:srgbClr val="212121"/>
+                </a:solidFill>
+                <a:effectLst/>
+                <a:latin typeface="Calibri" panose="020F0502020204030204" pitchFamily="34" charset="0"/>
+                <a:cs typeface="Calibri" panose="020F0502020204030204" pitchFamily="34" charset="0"/>
+              </a:rPr>
+              <a:t>Hedeflere</a:t>
+            </a:r>
+            <a:r>
+              <a:rPr lang="en-US" sz="1200" b="0" i="0" u="none" strike="noStrike" dirty="0">
+                <a:solidFill>
+                  <a:srgbClr val="212121"/>
+                </a:solidFill>
+                <a:effectLst/>
+                <a:latin typeface="Calibri" panose="020F0502020204030204" pitchFamily="34" charset="0"/>
+                <a:cs typeface="Calibri" panose="020F0502020204030204" pitchFamily="34" charset="0"/>
+              </a:rPr>
+              <a:t> </a:t>
+            </a:r>
+            <a:r>
+              <a:rPr lang="en-US" sz="1200" b="0" i="0" u="none" strike="noStrike" dirty="0" err="1">
+                <a:solidFill>
+                  <a:srgbClr val="212121"/>
+                </a:solidFill>
+                <a:effectLst/>
+                <a:latin typeface="Calibri" panose="020F0502020204030204" pitchFamily="34" charset="0"/>
+                <a:cs typeface="Calibri" panose="020F0502020204030204" pitchFamily="34" charset="0"/>
+              </a:rPr>
+              <a:t>uygunluk</a:t>
+            </a:r>
+            <a:endParaRPr lang="en-US" sz="1200" b="0" i="0" u="none" strike="noStrike" dirty="0">
+              <a:solidFill>
+                <a:srgbClr val="212121"/>
+              </a:solidFill>
+              <a:effectLst/>
+              <a:latin typeface="Calibri" panose="020F0502020204030204" pitchFamily="34" charset="0"/>
+              <a:cs typeface="Calibri" panose="020F0502020204030204" pitchFamily="34" charset="0"/>
+            </a:endParaRPr>
+          </a:p>
+          <a:p>
+            <a:pPr algn="l">
+              <a:spcAft>
+                <a:spcPts val="0"/>
+              </a:spcAft>
+              <a:buFont typeface="Arial" panose="020B0604020202020204" pitchFamily="34" charset="0"/>
+              <a:buChar char="•"/>
+            </a:pPr>
+            <a:r>
+              <a:rPr lang="en-US" sz="1200" b="0" i="0" u="none" strike="noStrike" dirty="0" err="1">
+                <a:solidFill>
+                  <a:srgbClr val="212121"/>
+                </a:solidFill>
+                <a:effectLst/>
+                <a:latin typeface="Calibri" panose="020F0502020204030204" pitchFamily="34" charset="0"/>
+                <a:cs typeface="Calibri" panose="020F0502020204030204" pitchFamily="34" charset="0"/>
+              </a:rPr>
+              <a:t>Muhtelif</a:t>
+            </a:r>
+            <a:r>
+              <a:rPr lang="en-US" sz="1200" b="0" i="0" u="none" strike="noStrike" dirty="0">
+                <a:solidFill>
+                  <a:srgbClr val="212121"/>
+                </a:solidFill>
+                <a:effectLst/>
+                <a:latin typeface="Calibri" panose="020F0502020204030204" pitchFamily="34" charset="0"/>
+                <a:cs typeface="Calibri" panose="020F0502020204030204" pitchFamily="34" charset="0"/>
+              </a:rPr>
+              <a:t> </a:t>
+            </a:r>
+            <a:r>
+              <a:rPr lang="en-US" sz="1200" b="0" i="0" u="none" strike="noStrike" dirty="0" err="1">
+                <a:solidFill>
+                  <a:srgbClr val="212121"/>
+                </a:solidFill>
+                <a:effectLst/>
+                <a:latin typeface="Calibri" panose="020F0502020204030204" pitchFamily="34" charset="0"/>
+                <a:cs typeface="Calibri" panose="020F0502020204030204" pitchFamily="34" charset="0"/>
+              </a:rPr>
+              <a:t>çözüm</a:t>
+            </a:r>
+            <a:r>
+              <a:rPr lang="en-US" sz="1200" b="0" i="0" u="none" strike="noStrike" dirty="0">
+                <a:solidFill>
+                  <a:srgbClr val="212121"/>
+                </a:solidFill>
+                <a:effectLst/>
+                <a:latin typeface="Calibri" panose="020F0502020204030204" pitchFamily="34" charset="0"/>
+                <a:cs typeface="Calibri" panose="020F0502020204030204" pitchFamily="34" charset="0"/>
+              </a:rPr>
+              <a:t> </a:t>
+            </a:r>
+            <a:r>
+              <a:rPr lang="en-US" sz="1200" b="0" i="0" u="none" strike="noStrike" dirty="0" err="1">
+                <a:solidFill>
+                  <a:srgbClr val="212121"/>
+                </a:solidFill>
+                <a:effectLst/>
+                <a:latin typeface="Calibri" panose="020F0502020204030204" pitchFamily="34" charset="0"/>
+                <a:cs typeface="Calibri" panose="020F0502020204030204" pitchFamily="34" charset="0"/>
+              </a:rPr>
+              <a:t>yöntemleri</a:t>
+            </a:r>
+            <a:r>
+              <a:rPr lang="en-US" sz="1200" b="0" i="0" u="none" strike="noStrike" dirty="0">
+                <a:solidFill>
+                  <a:srgbClr val="212121"/>
+                </a:solidFill>
+                <a:effectLst/>
+                <a:latin typeface="Calibri" panose="020F0502020204030204" pitchFamily="34" charset="0"/>
+                <a:cs typeface="Calibri" panose="020F0502020204030204" pitchFamily="34" charset="0"/>
+              </a:rPr>
+              <a:t> </a:t>
+            </a:r>
+            <a:r>
+              <a:rPr lang="en-US" sz="1200" b="0" i="0" u="none" strike="noStrike" dirty="0" err="1">
+                <a:solidFill>
+                  <a:srgbClr val="212121"/>
+                </a:solidFill>
+                <a:effectLst/>
+                <a:latin typeface="Calibri" panose="020F0502020204030204" pitchFamily="34" charset="0"/>
+                <a:cs typeface="Calibri" panose="020F0502020204030204" pitchFamily="34" charset="0"/>
+              </a:rPr>
+              <a:t>ve</a:t>
+            </a:r>
+            <a:r>
+              <a:rPr lang="en-US" sz="1200" b="0" i="0" u="none" strike="noStrike" dirty="0">
+                <a:solidFill>
+                  <a:srgbClr val="212121"/>
+                </a:solidFill>
+                <a:effectLst/>
+                <a:latin typeface="Calibri" panose="020F0502020204030204" pitchFamily="34" charset="0"/>
+                <a:cs typeface="Calibri" panose="020F0502020204030204" pitchFamily="34" charset="0"/>
+              </a:rPr>
+              <a:t> </a:t>
+            </a:r>
+            <a:r>
+              <a:rPr lang="en-US" sz="1200" b="0" i="0" u="none" strike="noStrike" dirty="0" err="1">
+                <a:solidFill>
+                  <a:srgbClr val="212121"/>
+                </a:solidFill>
+                <a:effectLst/>
+                <a:latin typeface="Calibri" panose="020F0502020204030204" pitchFamily="34" charset="0"/>
+                <a:cs typeface="Calibri" panose="020F0502020204030204" pitchFamily="34" charset="0"/>
+              </a:rPr>
+              <a:t>seçim</a:t>
+            </a:r>
+            <a:r>
+              <a:rPr lang="en-US" sz="1200" b="0" i="0" u="none" strike="noStrike" dirty="0">
+                <a:solidFill>
+                  <a:srgbClr val="212121"/>
+                </a:solidFill>
+                <a:effectLst/>
+                <a:latin typeface="Calibri" panose="020F0502020204030204" pitchFamily="34" charset="0"/>
+                <a:cs typeface="Calibri" panose="020F0502020204030204" pitchFamily="34" charset="0"/>
+              </a:rPr>
+              <a:t> </a:t>
+            </a:r>
+            <a:r>
+              <a:rPr lang="en-US" sz="1200" b="0" i="0" u="none" strike="noStrike" dirty="0" err="1">
+                <a:solidFill>
+                  <a:srgbClr val="212121"/>
+                </a:solidFill>
+                <a:effectLst/>
+                <a:latin typeface="Calibri" panose="020F0502020204030204" pitchFamily="34" charset="0"/>
+                <a:cs typeface="Calibri" panose="020F0502020204030204" pitchFamily="34" charset="0"/>
+              </a:rPr>
+              <a:t>kararının</a:t>
+            </a:r>
+            <a:r>
+              <a:rPr lang="en-US" sz="1200" b="0" i="0" u="none" strike="noStrike" dirty="0">
+                <a:solidFill>
+                  <a:srgbClr val="212121"/>
+                </a:solidFill>
+                <a:effectLst/>
+                <a:latin typeface="Calibri" panose="020F0502020204030204" pitchFamily="34" charset="0"/>
+                <a:cs typeface="Calibri" panose="020F0502020204030204" pitchFamily="34" charset="0"/>
+              </a:rPr>
+              <a:t> </a:t>
+            </a:r>
+            <a:r>
+              <a:rPr lang="en-US" sz="1200" b="0" i="0" u="none" strike="noStrike" dirty="0" err="1">
+                <a:solidFill>
+                  <a:srgbClr val="212121"/>
+                </a:solidFill>
+                <a:effectLst/>
+                <a:latin typeface="Calibri" panose="020F0502020204030204" pitchFamily="34" charset="0"/>
+                <a:cs typeface="Calibri" panose="020F0502020204030204" pitchFamily="34" charset="0"/>
+              </a:rPr>
+              <a:t>sebepleri</a:t>
+            </a:r>
+            <a:endParaRPr lang="en-US" sz="1200" b="0" i="0" u="none" strike="noStrike" dirty="0">
+              <a:solidFill>
+                <a:srgbClr val="212121"/>
+              </a:solidFill>
+              <a:effectLst/>
+              <a:latin typeface="Calibri" panose="020F0502020204030204" pitchFamily="34" charset="0"/>
+              <a:cs typeface="Calibri" panose="020F0502020204030204" pitchFamily="34" charset="0"/>
+            </a:endParaRPr>
+          </a:p>
+          <a:p>
+            <a:pPr algn="l">
+              <a:spcAft>
+                <a:spcPts val="0"/>
+              </a:spcAft>
+              <a:buFont typeface="Arial" panose="020B0604020202020204" pitchFamily="34" charset="0"/>
+              <a:buChar char="•"/>
+            </a:pPr>
+            <a:r>
+              <a:rPr lang="en-US" sz="1200" b="0" i="0" u="none" strike="noStrike" dirty="0" err="1">
+                <a:solidFill>
+                  <a:srgbClr val="212121"/>
+                </a:solidFill>
+                <a:effectLst/>
+                <a:latin typeface="Calibri" panose="020F0502020204030204" pitchFamily="34" charset="0"/>
+                <a:cs typeface="Calibri" panose="020F0502020204030204" pitchFamily="34" charset="0"/>
+              </a:rPr>
+              <a:t>Teknolojinin</a:t>
+            </a:r>
+            <a:r>
+              <a:rPr lang="en-US" sz="1200" b="0" i="0" u="none" strike="noStrike" dirty="0">
+                <a:solidFill>
+                  <a:srgbClr val="212121"/>
+                </a:solidFill>
+                <a:effectLst/>
+                <a:latin typeface="Calibri" panose="020F0502020204030204" pitchFamily="34" charset="0"/>
+                <a:cs typeface="Calibri" panose="020F0502020204030204" pitchFamily="34" charset="0"/>
+              </a:rPr>
+              <a:t> </a:t>
+            </a:r>
+            <a:r>
+              <a:rPr lang="en-US" sz="1200" b="0" i="0" u="none" strike="noStrike" dirty="0" err="1">
+                <a:solidFill>
+                  <a:srgbClr val="212121"/>
+                </a:solidFill>
+                <a:effectLst/>
+                <a:latin typeface="Calibri" panose="020F0502020204030204" pitchFamily="34" charset="0"/>
+                <a:cs typeface="Calibri" panose="020F0502020204030204" pitchFamily="34" charset="0"/>
+              </a:rPr>
+              <a:t>kullanımı</a:t>
+            </a:r>
+            <a:endParaRPr lang="en-US" sz="1200" b="0" i="0" u="none" strike="noStrike" dirty="0">
+              <a:solidFill>
+                <a:srgbClr val="212121"/>
+              </a:solidFill>
+              <a:effectLst/>
+              <a:latin typeface="Calibri" panose="020F0502020204030204" pitchFamily="34" charset="0"/>
+              <a:cs typeface="Calibri" panose="020F0502020204030204" pitchFamily="34" charset="0"/>
+            </a:endParaRPr>
+          </a:p>
+          <a:p>
+            <a:pPr marL="742950" lvl="1" indent="-285750" algn="l">
+              <a:spcAft>
+                <a:spcPts val="0"/>
+              </a:spcAft>
+              <a:buFont typeface="Courier New" panose="02070309020205020404" pitchFamily="49" charset="0"/>
+              <a:buChar char="o"/>
+            </a:pPr>
+            <a:r>
+              <a:rPr lang="en-US" sz="1200" b="0" i="0" u="none" strike="noStrike" dirty="0" err="1">
+                <a:solidFill>
+                  <a:srgbClr val="212121"/>
+                </a:solidFill>
+                <a:effectLst/>
+                <a:latin typeface="Calibri" panose="020F0502020204030204" pitchFamily="34" charset="0"/>
+                <a:cs typeface="Calibri" panose="020F0502020204030204" pitchFamily="34" charset="0"/>
+              </a:rPr>
+              <a:t>Mimari</a:t>
+            </a:r>
+            <a:r>
+              <a:rPr lang="en-US" sz="1200" b="0" i="0" u="none" strike="noStrike" dirty="0">
+                <a:solidFill>
+                  <a:srgbClr val="212121"/>
+                </a:solidFill>
+                <a:effectLst/>
+                <a:latin typeface="Calibri" panose="020F0502020204030204" pitchFamily="34" charset="0"/>
+                <a:cs typeface="Calibri" panose="020F0502020204030204" pitchFamily="34" charset="0"/>
+              </a:rPr>
+              <a:t> </a:t>
+            </a:r>
+            <a:r>
+              <a:rPr lang="en-US" sz="1200" b="0" i="0" u="none" strike="noStrike" dirty="0" err="1">
+                <a:solidFill>
+                  <a:srgbClr val="212121"/>
+                </a:solidFill>
+                <a:effectLst/>
+                <a:latin typeface="Calibri" panose="020F0502020204030204" pitchFamily="34" charset="0"/>
+                <a:cs typeface="Calibri" panose="020F0502020204030204" pitchFamily="34" charset="0"/>
+              </a:rPr>
+              <a:t>şema</a:t>
+            </a:r>
+            <a:endParaRPr lang="en-US" sz="1200" b="0" i="0" u="none" strike="noStrike" dirty="0">
+              <a:solidFill>
+                <a:srgbClr val="212121"/>
+              </a:solidFill>
+              <a:effectLst/>
+              <a:latin typeface="Calibri" panose="020F0502020204030204" pitchFamily="34" charset="0"/>
+              <a:cs typeface="Calibri" panose="020F0502020204030204" pitchFamily="34" charset="0"/>
+            </a:endParaRPr>
+          </a:p>
+          <a:p>
+            <a:pPr marL="742950" lvl="1" indent="-285750" algn="l">
+              <a:spcAft>
+                <a:spcPts val="0"/>
+              </a:spcAft>
+              <a:buFont typeface="Courier New" panose="02070309020205020404" pitchFamily="49" charset="0"/>
+              <a:buChar char="o"/>
+            </a:pPr>
+            <a:r>
+              <a:rPr lang="en-US" sz="1200" b="0" i="0" u="none" strike="noStrike" dirty="0" err="1">
+                <a:solidFill>
+                  <a:srgbClr val="212121"/>
+                </a:solidFill>
+                <a:effectLst/>
+                <a:latin typeface="Calibri" panose="020F0502020204030204" pitchFamily="34" charset="0"/>
+                <a:cs typeface="Calibri" panose="020F0502020204030204" pitchFamily="34" charset="0"/>
+              </a:rPr>
+              <a:t>Modüllerin</a:t>
+            </a:r>
+            <a:r>
+              <a:rPr lang="en-US" sz="1200" b="0" i="0" u="none" strike="noStrike" dirty="0">
+                <a:solidFill>
+                  <a:srgbClr val="212121"/>
+                </a:solidFill>
+                <a:effectLst/>
+                <a:latin typeface="Calibri" panose="020F0502020204030204" pitchFamily="34" charset="0"/>
+                <a:cs typeface="Calibri" panose="020F0502020204030204" pitchFamily="34" charset="0"/>
+              </a:rPr>
+              <a:t> </a:t>
+            </a:r>
+            <a:r>
+              <a:rPr lang="en-US" sz="1200" b="0" i="0" u="none" strike="noStrike" dirty="0" err="1">
+                <a:solidFill>
+                  <a:srgbClr val="212121"/>
+                </a:solidFill>
+                <a:effectLst/>
+                <a:latin typeface="Calibri" panose="020F0502020204030204" pitchFamily="34" charset="0"/>
+                <a:cs typeface="Calibri" panose="020F0502020204030204" pitchFamily="34" charset="0"/>
+              </a:rPr>
+              <a:t>çalışma</a:t>
+            </a:r>
+            <a:r>
+              <a:rPr lang="en-US" sz="1200" b="0" i="0" u="none" strike="noStrike" dirty="0">
+                <a:solidFill>
+                  <a:srgbClr val="212121"/>
+                </a:solidFill>
+                <a:effectLst/>
+                <a:latin typeface="Calibri" panose="020F0502020204030204" pitchFamily="34" charset="0"/>
+                <a:cs typeface="Calibri" panose="020F0502020204030204" pitchFamily="34" charset="0"/>
+              </a:rPr>
+              <a:t> </a:t>
+            </a:r>
+            <a:r>
+              <a:rPr lang="en-US" sz="1200" b="0" i="0" u="none" strike="noStrike" dirty="0" err="1">
+                <a:solidFill>
+                  <a:srgbClr val="212121"/>
+                </a:solidFill>
+                <a:effectLst/>
+                <a:latin typeface="Calibri" panose="020F0502020204030204" pitchFamily="34" charset="0"/>
+                <a:cs typeface="Calibri" panose="020F0502020204030204" pitchFamily="34" charset="0"/>
+              </a:rPr>
+              <a:t>şekli</a:t>
+            </a:r>
+            <a:r>
+              <a:rPr lang="en-US" sz="1200" b="0" i="0" u="none" strike="noStrike" dirty="0">
+                <a:solidFill>
+                  <a:srgbClr val="212121"/>
+                </a:solidFill>
+                <a:effectLst/>
+                <a:latin typeface="Calibri" panose="020F0502020204030204" pitchFamily="34" charset="0"/>
+                <a:cs typeface="Calibri" panose="020F0502020204030204" pitchFamily="34" charset="0"/>
+              </a:rPr>
+              <a:t>, </a:t>
+            </a:r>
+            <a:r>
+              <a:rPr lang="en-US" sz="1200" b="0" i="0" u="none" strike="noStrike" dirty="0" err="1">
+                <a:solidFill>
+                  <a:srgbClr val="212121"/>
+                </a:solidFill>
+                <a:effectLst/>
+                <a:latin typeface="Calibri" panose="020F0502020204030204" pitchFamily="34" charset="0"/>
+                <a:cs typeface="Calibri" panose="020F0502020204030204" pitchFamily="34" charset="0"/>
+              </a:rPr>
+              <a:t>kullanım</a:t>
+            </a:r>
+            <a:r>
+              <a:rPr lang="en-US" sz="1200" b="0" i="0" u="none" strike="noStrike" dirty="0">
+                <a:solidFill>
+                  <a:srgbClr val="212121"/>
+                </a:solidFill>
+                <a:effectLst/>
+                <a:latin typeface="Calibri" panose="020F0502020204030204" pitchFamily="34" charset="0"/>
+                <a:cs typeface="Calibri" panose="020F0502020204030204" pitchFamily="34" charset="0"/>
+              </a:rPr>
+              <a:t> </a:t>
+            </a:r>
+            <a:r>
+              <a:rPr lang="en-US" sz="1200" b="0" i="0" u="none" strike="noStrike" dirty="0" err="1">
+                <a:solidFill>
+                  <a:srgbClr val="212121"/>
+                </a:solidFill>
+                <a:effectLst/>
+                <a:latin typeface="Calibri" panose="020F0502020204030204" pitchFamily="34" charset="0"/>
+                <a:cs typeface="Calibri" panose="020F0502020204030204" pitchFamily="34" charset="0"/>
+              </a:rPr>
+              <a:t>sebebi</a:t>
+            </a:r>
+            <a:endParaRPr lang="en-US" sz="1200" b="0" i="0" u="none" strike="noStrike" dirty="0">
+              <a:solidFill>
+                <a:srgbClr val="212121"/>
+              </a:solidFill>
+              <a:effectLst/>
+              <a:latin typeface="Calibri" panose="020F0502020204030204" pitchFamily="34" charset="0"/>
+              <a:cs typeface="Calibri" panose="020F0502020204030204" pitchFamily="34" charset="0"/>
+            </a:endParaRPr>
+          </a:p>
+          <a:p>
+            <a:pPr marL="742950" lvl="1" indent="-285750" algn="l">
+              <a:spcAft>
+                <a:spcPts val="0"/>
+              </a:spcAft>
+              <a:buFont typeface="Courier New" panose="02070309020205020404" pitchFamily="49" charset="0"/>
+              <a:buChar char="o"/>
+            </a:pPr>
+            <a:r>
+              <a:rPr lang="en-US" sz="1200" b="0" i="0" u="none" strike="noStrike" dirty="0" err="1">
+                <a:solidFill>
+                  <a:srgbClr val="212121"/>
+                </a:solidFill>
+                <a:effectLst/>
+                <a:latin typeface="Calibri" panose="020F0502020204030204" pitchFamily="34" charset="0"/>
+                <a:cs typeface="Calibri" panose="020F0502020204030204" pitchFamily="34" charset="0"/>
+              </a:rPr>
+              <a:t>Uygulanabilirlik</a:t>
+            </a:r>
+            <a:endParaRPr lang="en-US" sz="1200" b="0" i="0" u="none" strike="noStrike" dirty="0">
+              <a:solidFill>
+                <a:srgbClr val="212121"/>
+              </a:solidFill>
+              <a:effectLst/>
+              <a:latin typeface="Calibri" panose="020F0502020204030204" pitchFamily="34" charset="0"/>
+              <a:cs typeface="Calibri" panose="020F0502020204030204" pitchFamily="34" charset="0"/>
+            </a:endParaRPr>
+          </a:p>
+          <a:p>
+            <a:pPr marL="742950" lvl="1" indent="-285750" algn="l">
+              <a:spcAft>
+                <a:spcPts val="0"/>
+              </a:spcAft>
+              <a:buFont typeface="Courier New" panose="02070309020205020404" pitchFamily="49" charset="0"/>
+              <a:buChar char="o"/>
+            </a:pPr>
+            <a:r>
+              <a:rPr lang="en-US" sz="1200" b="0" i="0" u="none" strike="noStrike" dirty="0" err="1">
+                <a:solidFill>
+                  <a:srgbClr val="212121"/>
+                </a:solidFill>
+                <a:effectLst/>
+                <a:latin typeface="Calibri" panose="020F0502020204030204" pitchFamily="34" charset="0"/>
+                <a:cs typeface="Calibri" panose="020F0502020204030204" pitchFamily="34" charset="0"/>
+              </a:rPr>
+              <a:t>Maliyet</a:t>
+            </a:r>
+            <a:endParaRPr lang="en-US" sz="1200" b="0" i="0" u="none" strike="noStrike" dirty="0">
+              <a:solidFill>
+                <a:srgbClr val="212121"/>
+              </a:solidFill>
+              <a:effectLst/>
+              <a:latin typeface="Calibri" panose="020F0502020204030204" pitchFamily="34" charset="0"/>
+              <a:cs typeface="Calibri" panose="020F0502020204030204" pitchFamily="34" charset="0"/>
+            </a:endParaRPr>
+          </a:p>
+          <a:p>
+            <a:pPr algn="l">
+              <a:spcAft>
+                <a:spcPts val="0"/>
+              </a:spcAft>
+              <a:buFont typeface="Arial" panose="020B0604020202020204" pitchFamily="34" charset="0"/>
+              <a:buChar char="•"/>
+            </a:pPr>
+            <a:r>
+              <a:rPr lang="en-US" sz="1200" b="0" i="0" u="none" strike="noStrike" dirty="0" err="1">
+                <a:solidFill>
+                  <a:srgbClr val="212121"/>
+                </a:solidFill>
+                <a:effectLst/>
+                <a:latin typeface="Calibri" panose="020F0502020204030204" pitchFamily="34" charset="0"/>
+                <a:cs typeface="Calibri" panose="020F0502020204030204" pitchFamily="34" charset="0"/>
+              </a:rPr>
+              <a:t>Değişim</a:t>
+            </a:r>
+            <a:r>
+              <a:rPr lang="en-US" sz="1200" b="0" i="0" u="none" strike="noStrike" dirty="0">
+                <a:solidFill>
+                  <a:srgbClr val="212121"/>
+                </a:solidFill>
+                <a:effectLst/>
+                <a:latin typeface="Calibri" panose="020F0502020204030204" pitchFamily="34" charset="0"/>
+                <a:cs typeface="Calibri" panose="020F0502020204030204" pitchFamily="34" charset="0"/>
+              </a:rPr>
+              <a:t> </a:t>
+            </a:r>
+            <a:r>
+              <a:rPr lang="en-US" sz="1200" b="0" i="0" u="none" strike="noStrike" dirty="0" err="1">
+                <a:solidFill>
+                  <a:srgbClr val="212121"/>
+                </a:solidFill>
+                <a:effectLst/>
+                <a:latin typeface="Calibri" panose="020F0502020204030204" pitchFamily="34" charset="0"/>
+                <a:cs typeface="Calibri" panose="020F0502020204030204" pitchFamily="34" charset="0"/>
+              </a:rPr>
+              <a:t>büyüklüğü</a:t>
+            </a:r>
+            <a:r>
+              <a:rPr lang="en-US" sz="1200" b="0" i="0" u="none" strike="noStrike" dirty="0">
+                <a:solidFill>
+                  <a:srgbClr val="212121"/>
+                </a:solidFill>
+                <a:effectLst/>
+                <a:latin typeface="Calibri" panose="020F0502020204030204" pitchFamily="34" charset="0"/>
+                <a:cs typeface="Calibri" panose="020F0502020204030204" pitchFamily="34" charset="0"/>
+              </a:rPr>
+              <a:t> / </a:t>
+            </a:r>
+            <a:r>
+              <a:rPr lang="en-US" sz="1200" b="0" i="0" u="none" strike="noStrike" dirty="0" err="1">
+                <a:solidFill>
+                  <a:srgbClr val="212121"/>
+                </a:solidFill>
+                <a:effectLst/>
+                <a:latin typeface="Calibri" panose="020F0502020204030204" pitchFamily="34" charset="0"/>
+                <a:cs typeface="Calibri" panose="020F0502020204030204" pitchFamily="34" charset="0"/>
+              </a:rPr>
+              <a:t>yenilik</a:t>
+            </a:r>
+            <a:r>
+              <a:rPr lang="en-US" sz="1200" b="0" i="0" u="none" strike="noStrike" dirty="0">
+                <a:solidFill>
+                  <a:srgbClr val="212121"/>
+                </a:solidFill>
+                <a:effectLst/>
+                <a:latin typeface="Calibri" panose="020F0502020204030204" pitchFamily="34" charset="0"/>
+                <a:cs typeface="Calibri" panose="020F0502020204030204" pitchFamily="34" charset="0"/>
+              </a:rPr>
+              <a:t> </a:t>
+            </a:r>
+            <a:r>
+              <a:rPr lang="en-US" sz="1200" b="0" i="0" u="none" strike="noStrike" dirty="0" err="1">
+                <a:solidFill>
+                  <a:srgbClr val="212121"/>
+                </a:solidFill>
+                <a:effectLst/>
+                <a:latin typeface="Calibri" panose="020F0502020204030204" pitchFamily="34" charset="0"/>
+                <a:cs typeface="Calibri" panose="020F0502020204030204" pitchFamily="34" charset="0"/>
+              </a:rPr>
+              <a:t>katsayısı</a:t>
+            </a:r>
+            <a:endParaRPr lang="en-US" sz="1200" b="0" i="0" u="none" strike="noStrike" dirty="0">
+              <a:solidFill>
+                <a:srgbClr val="212121"/>
+              </a:solidFill>
+              <a:effectLst/>
+              <a:latin typeface="Calibri" panose="020F0502020204030204" pitchFamily="34" charset="0"/>
+              <a:cs typeface="Calibri" panose="020F0502020204030204" pitchFamily="34" charset="0"/>
+            </a:endParaRPr>
+          </a:p>
+          <a:p>
+            <a:pPr algn="l">
+              <a:spcAft>
+                <a:spcPts val="0"/>
+              </a:spcAft>
+              <a:buFont typeface="Arial" panose="020B0604020202020204" pitchFamily="34" charset="0"/>
+              <a:buChar char="•"/>
+            </a:pPr>
+            <a:r>
+              <a:rPr lang="en-US" sz="1200" b="0" i="0" u="none" strike="noStrike" dirty="0" err="1">
+                <a:solidFill>
+                  <a:srgbClr val="212121"/>
+                </a:solidFill>
+                <a:effectLst/>
+                <a:latin typeface="Calibri" panose="020F0502020204030204" pitchFamily="34" charset="0"/>
+                <a:cs typeface="Calibri" panose="020F0502020204030204" pitchFamily="34" charset="0"/>
+              </a:rPr>
+              <a:t>Hedef</a:t>
+            </a:r>
+            <a:r>
+              <a:rPr lang="en-US" sz="1200" b="0" i="0" u="none" strike="noStrike" dirty="0">
+                <a:solidFill>
+                  <a:srgbClr val="212121"/>
+                </a:solidFill>
+                <a:effectLst/>
+                <a:latin typeface="Calibri" panose="020F0502020204030204" pitchFamily="34" charset="0"/>
+                <a:cs typeface="Calibri" panose="020F0502020204030204" pitchFamily="34" charset="0"/>
+              </a:rPr>
+              <a:t> / </a:t>
+            </a:r>
+            <a:r>
+              <a:rPr lang="en-US" sz="1200" b="0" i="0" u="none" strike="noStrike" dirty="0" err="1">
+                <a:solidFill>
+                  <a:srgbClr val="212121"/>
+                </a:solidFill>
+                <a:effectLst/>
+                <a:latin typeface="Calibri" panose="020F0502020204030204" pitchFamily="34" charset="0"/>
+                <a:cs typeface="Calibri" panose="020F0502020204030204" pitchFamily="34" charset="0"/>
+              </a:rPr>
+              <a:t>Ölçüm</a:t>
+            </a:r>
+            <a:r>
+              <a:rPr lang="en-US" sz="1200" b="0" i="0" u="none" strike="noStrike" dirty="0">
+                <a:solidFill>
+                  <a:srgbClr val="212121"/>
+                </a:solidFill>
+                <a:effectLst/>
+                <a:latin typeface="Calibri" panose="020F0502020204030204" pitchFamily="34" charset="0"/>
+                <a:cs typeface="Calibri" panose="020F0502020204030204" pitchFamily="34" charset="0"/>
+              </a:rPr>
+              <a:t> </a:t>
+            </a:r>
+            <a:r>
+              <a:rPr lang="en-US" sz="1200" b="0" i="0" u="none" strike="noStrike" dirty="0" err="1">
+                <a:solidFill>
+                  <a:srgbClr val="212121"/>
+                </a:solidFill>
+                <a:effectLst/>
+                <a:latin typeface="Calibri" panose="020F0502020204030204" pitchFamily="34" charset="0"/>
+                <a:cs typeface="Calibri" panose="020F0502020204030204" pitchFamily="34" charset="0"/>
+              </a:rPr>
+              <a:t>metodu</a:t>
+            </a:r>
+            <a:endParaRPr lang="en-US" sz="1200" b="0" i="0" u="none" strike="noStrike" dirty="0">
+              <a:solidFill>
+                <a:srgbClr val="212121"/>
+              </a:solidFill>
+              <a:effectLst/>
+              <a:latin typeface="Calibri" panose="020F0502020204030204" pitchFamily="34" charset="0"/>
+              <a:cs typeface="Calibri" panose="020F0502020204030204" pitchFamily="34" charset="0"/>
+            </a:endParaRPr>
+          </a:p>
+          <a:p>
+            <a:pPr algn="l">
+              <a:spcAft>
+                <a:spcPts val="0"/>
+              </a:spcAft>
+              <a:buFont typeface="Arial" panose="020B0604020202020204" pitchFamily="34" charset="0"/>
+              <a:buChar char="•"/>
+            </a:pPr>
+            <a:r>
+              <a:rPr lang="en-US" sz="1200" b="0" i="0" u="none" strike="noStrike" dirty="0" err="1">
+                <a:solidFill>
+                  <a:srgbClr val="212121"/>
+                </a:solidFill>
+                <a:effectLst/>
+                <a:latin typeface="Calibri" panose="020F0502020204030204" pitchFamily="34" charset="0"/>
+                <a:cs typeface="Calibri" panose="020F0502020204030204" pitchFamily="34" charset="0"/>
+              </a:rPr>
+              <a:t>Pazarlama</a:t>
+            </a:r>
+            <a:r>
+              <a:rPr lang="en-US" sz="1200" b="0" i="0" u="none" strike="noStrike" dirty="0">
+                <a:solidFill>
+                  <a:srgbClr val="212121"/>
+                </a:solidFill>
+                <a:effectLst/>
+                <a:latin typeface="Calibri" panose="020F0502020204030204" pitchFamily="34" charset="0"/>
+                <a:cs typeface="Calibri" panose="020F0502020204030204" pitchFamily="34" charset="0"/>
+              </a:rPr>
+              <a:t> </a:t>
+            </a:r>
+            <a:r>
+              <a:rPr lang="en-US" sz="1200" b="0" i="0" u="none" strike="noStrike" dirty="0" err="1">
+                <a:solidFill>
+                  <a:srgbClr val="212121"/>
+                </a:solidFill>
+                <a:effectLst/>
+                <a:latin typeface="Calibri" panose="020F0502020204030204" pitchFamily="34" charset="0"/>
+                <a:cs typeface="Calibri" panose="020F0502020204030204" pitchFamily="34" charset="0"/>
+              </a:rPr>
+              <a:t>stratejisi</a:t>
+            </a:r>
+            <a:endParaRPr lang="en-US" sz="1200" b="0" i="0" u="none" strike="noStrike" dirty="0">
+              <a:solidFill>
+                <a:srgbClr val="212121"/>
+              </a:solidFill>
+              <a:effectLst/>
+              <a:latin typeface="Calibri" panose="020F0502020204030204" pitchFamily="34" charset="0"/>
+              <a:cs typeface="Calibri" panose="020F0502020204030204" pitchFamily="34" charset="0"/>
+            </a:endParaRPr>
+          </a:p>
+          <a:p>
+            <a:pPr algn="l">
+              <a:spcAft>
+                <a:spcPts val="0"/>
+              </a:spcAft>
+              <a:buFont typeface="Arial" panose="020B0604020202020204" pitchFamily="34" charset="0"/>
+              <a:buChar char="•"/>
+            </a:pPr>
+            <a:endParaRPr lang="en-US" sz="1200" b="0" i="0" u="none" strike="noStrike" dirty="0">
+              <a:solidFill>
+                <a:srgbClr val="212121"/>
+              </a:solidFill>
+              <a:effectLst/>
+              <a:latin typeface="Calibri" panose="020F0502020204030204" pitchFamily="34" charset="0"/>
+              <a:cs typeface="Calibri" panose="020F0502020204030204" pitchFamily="34" charset="0"/>
+            </a:endParaRPr>
+          </a:p>
+          <a:p>
+            <a:pPr algn="l">
+              <a:spcAft>
+                <a:spcPts val="0"/>
+              </a:spcAft>
+            </a:pPr>
+            <a:r>
+              <a:rPr lang="en-US" sz="1200" b="0" i="0" u="none" strike="noStrike" dirty="0">
+                <a:solidFill>
+                  <a:srgbClr val="212121"/>
+                </a:solidFill>
+                <a:effectLst/>
+                <a:latin typeface="Calibri" panose="020F0502020204030204" pitchFamily="34" charset="0"/>
+                <a:cs typeface="Calibri" panose="020F0502020204030204" pitchFamily="34" charset="0"/>
+              </a:rPr>
+              <a:t> </a:t>
+            </a:r>
+          </a:p>
+        </p:txBody>
+      </p:sp>
+    </p:spTree>
+    <p:extLst>
+      <p:ext uri="{BB962C8B-B14F-4D97-AF65-F5344CB8AC3E}">
+        <p14:creationId xmlns:p14="http://schemas.microsoft.com/office/powerpoint/2010/main" val="3463063787"/>
+      </p:ext>
+    </p:extLst>
+  </p:cSld>
+  <p:clrMapOvr>
+    <a:masterClrMapping/>
+  </p:clrMapOvr>
+</p:sld>
+</file>
+
+<file path=ppt/slides/slide5.xml><?xml version="1.0" encoding="utf-8"?>
+<p:sld xmlns:a="http://schemas.openxmlformats.org/drawingml/2006/main" xmlns:r="http://schemas.openxmlformats.org/officeDocument/2006/relationships" xmlns:p="http://schemas.openxmlformats.org/presentationml/2006/main">
+  <p:cSld>
+    <p:spTree>
+      <p:nvGrpSpPr>
+        <p:cNvPr id="1" name=""/>
+        <p:cNvGrpSpPr/>
+        <p:nvPr/>
+      </p:nvGrpSpPr>
+      <p:grpSpPr>
+        <a:xfrm>
+          <a:off x="0" y="0"/>
+          <a:ext cx="0" cy="0"/>
+          <a:chOff x="0" y="0"/>
+          <a:chExt cx="0" cy="0"/>
+        </a:xfrm>
+      </p:grpSpPr>
+      <p:sp>
+        <p:nvSpPr>
+          <p:cNvPr id="3" name="TextBox 2">
+            <a:extLst>
+              <a:ext uri="{FF2B5EF4-FFF2-40B4-BE49-F238E27FC236}">
+                <a16:creationId xmlns:a16="http://schemas.microsoft.com/office/drawing/2014/main" id="{AC904DED-0753-4B48-487B-C7F43703AEA1}"/>
+              </a:ext>
+            </a:extLst>
+          </p:cNvPr>
+          <p:cNvSpPr txBox="1"/>
+          <p:nvPr/>
+        </p:nvSpPr>
+        <p:spPr>
+          <a:xfrm>
+            <a:off x="164592" y="158874"/>
+            <a:ext cx="11862816" cy="5816977"/>
+          </a:xfrm>
+          <a:prstGeom prst="rect">
+            <a:avLst/>
+          </a:prstGeom>
+          <a:noFill/>
+        </p:spPr>
+        <p:txBody>
+          <a:bodyPr wrap="square">
+            <a:spAutoFit/>
+          </a:bodyPr>
+          <a:lstStyle/>
+          <a:p>
+            <a:pPr algn="l">
+              <a:spcAft>
+                <a:spcPts val="0"/>
+              </a:spcAft>
+              <a:buFont typeface="Arial" panose="020B0604020202020204" pitchFamily="34" charset="0"/>
+              <a:buChar char="•"/>
+            </a:pPr>
+            <a:endParaRPr lang="en-US" sz="1200" b="0" i="0" u="none" strike="noStrike" dirty="0">
+              <a:solidFill>
+                <a:srgbClr val="212121"/>
+              </a:solidFill>
+              <a:effectLst/>
+              <a:latin typeface="Calibri" panose="020F0502020204030204" pitchFamily="34" charset="0"/>
+              <a:cs typeface="Calibri" panose="020F0502020204030204" pitchFamily="34" charset="0"/>
+            </a:endParaRPr>
+          </a:p>
+          <a:p>
+            <a:pPr algn="l">
+              <a:spcAft>
+                <a:spcPts val="0"/>
+              </a:spcAft>
+            </a:pPr>
+            <a:r>
+              <a:rPr lang="en-US" sz="1200" b="0" i="0" u="none" strike="noStrike" dirty="0">
+                <a:solidFill>
+                  <a:srgbClr val="212121"/>
+                </a:solidFill>
+                <a:effectLst/>
+                <a:latin typeface="Calibri" panose="020F0502020204030204" pitchFamily="34" charset="0"/>
+                <a:cs typeface="Calibri" panose="020F0502020204030204" pitchFamily="34" charset="0"/>
+              </a:rPr>
+              <a:t> </a:t>
+            </a:r>
+          </a:p>
+          <a:p>
+            <a:pPr algn="l">
+              <a:spcAft>
+                <a:spcPts val="0"/>
+              </a:spcAft>
+            </a:pPr>
+            <a:r>
+              <a:rPr lang="en-US" sz="1200" b="1" i="0" u="none" strike="noStrike" dirty="0">
+                <a:solidFill>
+                  <a:srgbClr val="212121"/>
+                </a:solidFill>
+                <a:effectLst/>
+                <a:latin typeface="Calibri" panose="020F0502020204030204" pitchFamily="34" charset="0"/>
+                <a:cs typeface="Calibri" panose="020F0502020204030204" pitchFamily="34" charset="0"/>
+              </a:rPr>
+              <a:t>Problem </a:t>
+            </a:r>
+            <a:r>
+              <a:rPr lang="en-US" sz="1200" b="1" i="0" u="none" strike="noStrike" dirty="0" err="1">
+                <a:solidFill>
+                  <a:srgbClr val="212121"/>
+                </a:solidFill>
+                <a:effectLst/>
+                <a:latin typeface="Calibri" panose="020F0502020204030204" pitchFamily="34" charset="0"/>
+                <a:cs typeface="Calibri" panose="020F0502020204030204" pitchFamily="34" charset="0"/>
+              </a:rPr>
+              <a:t>ve</a:t>
+            </a:r>
+            <a:r>
+              <a:rPr lang="en-US" sz="1200" b="1" i="0" u="none" strike="noStrike" dirty="0">
+                <a:solidFill>
+                  <a:srgbClr val="212121"/>
+                </a:solidFill>
+                <a:effectLst/>
+                <a:latin typeface="Calibri" panose="020F0502020204030204" pitchFamily="34" charset="0"/>
+                <a:cs typeface="Calibri" panose="020F0502020204030204" pitchFamily="34" charset="0"/>
+              </a:rPr>
+              <a:t> </a:t>
+            </a:r>
+            <a:r>
+              <a:rPr lang="en-US" sz="1200" b="1" i="0" u="none" strike="noStrike" dirty="0" err="1">
+                <a:solidFill>
+                  <a:srgbClr val="212121"/>
+                </a:solidFill>
+                <a:effectLst/>
+                <a:latin typeface="Calibri" panose="020F0502020204030204" pitchFamily="34" charset="0"/>
+                <a:cs typeface="Calibri" panose="020F0502020204030204" pitchFamily="34" charset="0"/>
+              </a:rPr>
+              <a:t>değerlendirme</a:t>
+            </a:r>
+            <a:r>
+              <a:rPr lang="en-US" sz="1200" b="1" i="0" u="none" strike="noStrike" dirty="0">
+                <a:solidFill>
+                  <a:srgbClr val="212121"/>
+                </a:solidFill>
+                <a:effectLst/>
+                <a:latin typeface="Calibri" panose="020F0502020204030204" pitchFamily="34" charset="0"/>
+                <a:cs typeface="Calibri" panose="020F0502020204030204" pitchFamily="34" charset="0"/>
+              </a:rPr>
+              <a:t> </a:t>
+            </a:r>
+            <a:r>
+              <a:rPr lang="en-US" sz="1200" b="1" i="0" u="none" strike="noStrike" dirty="0" err="1">
+                <a:solidFill>
+                  <a:srgbClr val="212121"/>
+                </a:solidFill>
+                <a:effectLst/>
+                <a:latin typeface="Calibri" panose="020F0502020204030204" pitchFamily="34" charset="0"/>
+                <a:cs typeface="Calibri" panose="020F0502020204030204" pitchFamily="34" charset="0"/>
+              </a:rPr>
+              <a:t>kriterleri</a:t>
+            </a:r>
+            <a:r>
+              <a:rPr lang="en-US" sz="1200" b="1" i="0" u="none" strike="noStrike" dirty="0">
+                <a:solidFill>
+                  <a:srgbClr val="212121"/>
+                </a:solidFill>
+                <a:effectLst/>
+                <a:latin typeface="Calibri" panose="020F0502020204030204" pitchFamily="34" charset="0"/>
+                <a:cs typeface="Calibri" panose="020F0502020204030204" pitchFamily="34" charset="0"/>
+              </a:rPr>
+              <a:t> alt </a:t>
+            </a:r>
+            <a:r>
+              <a:rPr lang="en-US" sz="1200" b="1" i="0" u="none" strike="noStrike" dirty="0" err="1">
+                <a:solidFill>
+                  <a:srgbClr val="212121"/>
+                </a:solidFill>
+                <a:effectLst/>
+                <a:latin typeface="Calibri" panose="020F0502020204030204" pitchFamily="34" charset="0"/>
+                <a:cs typeface="Calibri" panose="020F0502020204030204" pitchFamily="34" charset="0"/>
+              </a:rPr>
+              <a:t>maddesi</a:t>
+            </a:r>
+            <a:r>
+              <a:rPr lang="en-US" sz="1200" b="1" i="0" u="none" strike="noStrike" dirty="0">
+                <a:solidFill>
+                  <a:srgbClr val="212121"/>
+                </a:solidFill>
+                <a:effectLst/>
+                <a:latin typeface="Calibri" panose="020F0502020204030204" pitchFamily="34" charset="0"/>
+                <a:cs typeface="Calibri" panose="020F0502020204030204" pitchFamily="34" charset="0"/>
+              </a:rPr>
+              <a:t>  </a:t>
+            </a:r>
+            <a:r>
+              <a:rPr lang="en-US" sz="1200" b="1" i="0" u="none" strike="noStrike" dirty="0" err="1">
+                <a:solidFill>
+                  <a:srgbClr val="212121"/>
+                </a:solidFill>
+                <a:effectLst/>
+                <a:latin typeface="Calibri" panose="020F0502020204030204" pitchFamily="34" charset="0"/>
+                <a:cs typeface="Calibri" panose="020F0502020204030204" pitchFamily="34" charset="0"/>
+              </a:rPr>
+              <a:t>örnekler</a:t>
+            </a:r>
+            <a:endParaRPr lang="en-US" sz="1200" b="0" i="0" u="none" strike="noStrike" dirty="0">
+              <a:solidFill>
+                <a:srgbClr val="212121"/>
+              </a:solidFill>
+              <a:effectLst/>
+              <a:latin typeface="Calibri" panose="020F0502020204030204" pitchFamily="34" charset="0"/>
+              <a:cs typeface="Calibri" panose="020F0502020204030204" pitchFamily="34" charset="0"/>
+            </a:endParaRPr>
+          </a:p>
+          <a:p>
+            <a:pPr algn="l">
+              <a:spcAft>
+                <a:spcPts val="0"/>
+              </a:spcAft>
+            </a:pPr>
+            <a:r>
+              <a:rPr lang="en-US" sz="1200" b="0" i="0" u="none" strike="noStrike" dirty="0">
+                <a:solidFill>
+                  <a:srgbClr val="212121"/>
+                </a:solidFill>
+                <a:effectLst/>
+                <a:latin typeface="Calibri" panose="020F0502020204030204" pitchFamily="34" charset="0"/>
+                <a:cs typeface="Calibri" panose="020F0502020204030204" pitchFamily="34" charset="0"/>
+              </a:rPr>
+              <a:t> </a:t>
+            </a:r>
+          </a:p>
+          <a:p>
+            <a:pPr algn="l">
+              <a:spcAft>
+                <a:spcPts val="0"/>
+              </a:spcAft>
+            </a:pPr>
+            <a:r>
+              <a:rPr lang="en-US" sz="1200" b="1" i="0" u="none" strike="noStrike" dirty="0" err="1">
+                <a:solidFill>
+                  <a:srgbClr val="212121"/>
+                </a:solidFill>
+                <a:effectLst/>
+                <a:latin typeface="Calibri" panose="020F0502020204030204" pitchFamily="34" charset="0"/>
+                <a:cs typeface="Calibri" panose="020F0502020204030204" pitchFamily="34" charset="0"/>
+              </a:rPr>
+              <a:t>Sorun</a:t>
+            </a:r>
+            <a:r>
+              <a:rPr lang="en-US" sz="1200" b="1" i="0" u="none" strike="noStrike" dirty="0">
+                <a:solidFill>
+                  <a:srgbClr val="212121"/>
+                </a:solidFill>
+                <a:effectLst/>
+                <a:latin typeface="Calibri" panose="020F0502020204030204" pitchFamily="34" charset="0"/>
+                <a:cs typeface="Calibri" panose="020F0502020204030204" pitchFamily="34" charset="0"/>
+              </a:rPr>
+              <a:t>: </a:t>
+            </a:r>
+            <a:r>
+              <a:rPr lang="en-US" sz="1200" b="1" i="0" u="none" strike="noStrike" dirty="0" err="1">
+                <a:solidFill>
+                  <a:srgbClr val="212121"/>
+                </a:solidFill>
+                <a:effectLst/>
+                <a:latin typeface="Calibri" panose="020F0502020204030204" pitchFamily="34" charset="0"/>
+                <a:cs typeface="Calibri" panose="020F0502020204030204" pitchFamily="34" charset="0"/>
+              </a:rPr>
+              <a:t>Verimsiz</a:t>
+            </a:r>
+            <a:r>
+              <a:rPr lang="en-US" sz="1200" b="1" i="0" u="none" strike="noStrike" dirty="0">
+                <a:solidFill>
+                  <a:srgbClr val="212121"/>
+                </a:solidFill>
+                <a:effectLst/>
+                <a:latin typeface="Calibri" panose="020F0502020204030204" pitchFamily="34" charset="0"/>
+                <a:cs typeface="Calibri" panose="020F0502020204030204" pitchFamily="34" charset="0"/>
+              </a:rPr>
+              <a:t> </a:t>
+            </a:r>
+            <a:r>
+              <a:rPr lang="en-US" sz="1200" b="1" i="0" u="none" strike="noStrike" dirty="0" err="1">
+                <a:solidFill>
+                  <a:srgbClr val="212121"/>
+                </a:solidFill>
+                <a:effectLst/>
+                <a:latin typeface="Calibri" panose="020F0502020204030204" pitchFamily="34" charset="0"/>
+                <a:cs typeface="Calibri" panose="020F0502020204030204" pitchFamily="34" charset="0"/>
+              </a:rPr>
+              <a:t>iş</a:t>
+            </a:r>
+            <a:r>
+              <a:rPr lang="en-US" sz="1200" b="1" i="0" u="none" strike="noStrike" dirty="0">
+                <a:solidFill>
+                  <a:srgbClr val="212121"/>
+                </a:solidFill>
+                <a:effectLst/>
+                <a:latin typeface="Calibri" panose="020F0502020204030204" pitchFamily="34" charset="0"/>
+                <a:cs typeface="Calibri" panose="020F0502020204030204" pitchFamily="34" charset="0"/>
+              </a:rPr>
+              <a:t> </a:t>
+            </a:r>
+            <a:r>
+              <a:rPr lang="en-US" sz="1200" b="1" i="0" u="none" strike="noStrike" dirty="0" err="1">
+                <a:solidFill>
+                  <a:srgbClr val="212121"/>
+                </a:solidFill>
+                <a:effectLst/>
+                <a:latin typeface="Calibri" panose="020F0502020204030204" pitchFamily="34" charset="0"/>
+                <a:cs typeface="Calibri" panose="020F0502020204030204" pitchFamily="34" charset="0"/>
+              </a:rPr>
+              <a:t>eşleştirme</a:t>
+            </a:r>
+            <a:r>
+              <a:rPr lang="en-US" sz="1200" b="1" i="0" u="none" strike="noStrike" dirty="0">
+                <a:solidFill>
+                  <a:srgbClr val="212121"/>
+                </a:solidFill>
+                <a:effectLst/>
+                <a:latin typeface="Calibri" panose="020F0502020204030204" pitchFamily="34" charset="0"/>
+                <a:cs typeface="Calibri" panose="020F0502020204030204" pitchFamily="34" charset="0"/>
+              </a:rPr>
+              <a:t> </a:t>
+            </a:r>
+            <a:r>
+              <a:rPr lang="en-US" sz="1200" b="1" i="0" u="none" strike="noStrike" dirty="0" err="1">
+                <a:solidFill>
+                  <a:srgbClr val="212121"/>
+                </a:solidFill>
+                <a:effectLst/>
+                <a:latin typeface="Calibri" panose="020F0502020204030204" pitchFamily="34" charset="0"/>
+                <a:cs typeface="Calibri" panose="020F0502020204030204" pitchFamily="34" charset="0"/>
+              </a:rPr>
+              <a:t>süreci</a:t>
+            </a:r>
+            <a:endParaRPr lang="en-US" sz="1200" b="0" i="0" u="none" strike="noStrike" dirty="0">
+              <a:solidFill>
+                <a:srgbClr val="212121"/>
+              </a:solidFill>
+              <a:effectLst/>
+              <a:latin typeface="Calibri" panose="020F0502020204030204" pitchFamily="34" charset="0"/>
+              <a:cs typeface="Calibri" panose="020F0502020204030204" pitchFamily="34" charset="0"/>
+            </a:endParaRPr>
+          </a:p>
+          <a:p>
+            <a:pPr algn="l">
+              <a:spcAft>
+                <a:spcPts val="0"/>
+              </a:spcAft>
+            </a:pPr>
+            <a:r>
+              <a:rPr lang="en-US" sz="1200" b="0" i="0" u="none" strike="noStrike" dirty="0" err="1">
+                <a:solidFill>
+                  <a:srgbClr val="212121"/>
+                </a:solidFill>
+                <a:effectLst/>
+                <a:latin typeface="Calibri" panose="020F0502020204030204" pitchFamily="34" charset="0"/>
+                <a:cs typeface="Calibri" panose="020F0502020204030204" pitchFamily="34" charset="0"/>
+              </a:rPr>
+              <a:t>Değerlendirme</a:t>
+            </a:r>
+            <a:r>
+              <a:rPr lang="en-US" sz="1200" b="0" i="0" u="none" strike="noStrike" dirty="0">
+                <a:solidFill>
+                  <a:srgbClr val="212121"/>
+                </a:solidFill>
+                <a:effectLst/>
+                <a:latin typeface="Calibri" panose="020F0502020204030204" pitchFamily="34" charset="0"/>
+                <a:cs typeface="Calibri" panose="020F0502020204030204" pitchFamily="34" charset="0"/>
+              </a:rPr>
+              <a:t> </a:t>
+            </a:r>
+            <a:r>
+              <a:rPr lang="en-US" sz="1200" b="0" i="0" u="none" strike="noStrike" dirty="0" err="1">
+                <a:solidFill>
+                  <a:srgbClr val="212121"/>
+                </a:solidFill>
+                <a:effectLst/>
+                <a:latin typeface="Calibri" panose="020F0502020204030204" pitchFamily="34" charset="0"/>
+                <a:cs typeface="Calibri" panose="020F0502020204030204" pitchFamily="34" charset="0"/>
+              </a:rPr>
+              <a:t>ölçütleri</a:t>
+            </a:r>
+            <a:r>
+              <a:rPr lang="en-US" sz="1200" b="0" i="0" u="none" strike="noStrike" dirty="0">
+                <a:solidFill>
+                  <a:srgbClr val="212121"/>
+                </a:solidFill>
+                <a:effectLst/>
+                <a:latin typeface="Calibri" panose="020F0502020204030204" pitchFamily="34" charset="0"/>
+                <a:cs typeface="Calibri" panose="020F0502020204030204" pitchFamily="34" charset="0"/>
+              </a:rPr>
+              <a:t>:</a:t>
+            </a:r>
+          </a:p>
+          <a:p>
+            <a:pPr algn="l">
+              <a:spcAft>
+                <a:spcPts val="0"/>
+              </a:spcAft>
+              <a:buFont typeface="Arial" panose="020B0604020202020204" pitchFamily="34" charset="0"/>
+              <a:buChar char="•"/>
+            </a:pPr>
+            <a:r>
+              <a:rPr lang="en-US" sz="1200" b="0" i="0" u="none" strike="noStrike" dirty="0" err="1">
+                <a:solidFill>
+                  <a:srgbClr val="212121"/>
+                </a:solidFill>
+                <a:effectLst/>
+                <a:latin typeface="Calibri" panose="020F0502020204030204" pitchFamily="34" charset="0"/>
+                <a:cs typeface="Calibri" panose="020F0502020204030204" pitchFamily="34" charset="0"/>
+              </a:rPr>
+              <a:t>İş</a:t>
+            </a:r>
+            <a:r>
+              <a:rPr lang="en-US" sz="1200" b="0" i="0" u="none" strike="noStrike" dirty="0">
+                <a:solidFill>
+                  <a:srgbClr val="212121"/>
+                </a:solidFill>
+                <a:effectLst/>
+                <a:latin typeface="Calibri" panose="020F0502020204030204" pitchFamily="34" charset="0"/>
+                <a:cs typeface="Calibri" panose="020F0502020204030204" pitchFamily="34" charset="0"/>
+              </a:rPr>
+              <a:t> </a:t>
+            </a:r>
+            <a:r>
+              <a:rPr lang="en-US" sz="1200" b="0" i="0" u="none" strike="noStrike" dirty="0" err="1">
+                <a:solidFill>
+                  <a:srgbClr val="212121"/>
+                </a:solidFill>
+                <a:effectLst/>
+                <a:latin typeface="Calibri" panose="020F0502020204030204" pitchFamily="34" charset="0"/>
+                <a:cs typeface="Calibri" panose="020F0502020204030204" pitchFamily="34" charset="0"/>
+              </a:rPr>
+              <a:t>eşleştirme</a:t>
+            </a:r>
+            <a:r>
+              <a:rPr lang="en-US" sz="1200" b="0" i="0" u="none" strike="noStrike" dirty="0">
+                <a:solidFill>
+                  <a:srgbClr val="212121"/>
+                </a:solidFill>
+                <a:effectLst/>
+                <a:latin typeface="Calibri" panose="020F0502020204030204" pitchFamily="34" charset="0"/>
+                <a:cs typeface="Calibri" panose="020F0502020204030204" pitchFamily="34" charset="0"/>
+              </a:rPr>
+              <a:t> </a:t>
+            </a:r>
+            <a:r>
+              <a:rPr lang="en-US" sz="1200" b="0" i="0" u="none" strike="noStrike" dirty="0" err="1">
+                <a:solidFill>
+                  <a:srgbClr val="212121"/>
+                </a:solidFill>
+                <a:effectLst/>
+                <a:latin typeface="Calibri" panose="020F0502020204030204" pitchFamily="34" charset="0"/>
+                <a:cs typeface="Calibri" panose="020F0502020204030204" pitchFamily="34" charset="0"/>
+              </a:rPr>
+              <a:t>algoritmasının</a:t>
+            </a:r>
+            <a:r>
+              <a:rPr lang="en-US" sz="1200" b="0" i="0" u="none" strike="noStrike" dirty="0">
+                <a:solidFill>
+                  <a:srgbClr val="212121"/>
+                </a:solidFill>
+                <a:effectLst/>
+                <a:latin typeface="Calibri" panose="020F0502020204030204" pitchFamily="34" charset="0"/>
+                <a:cs typeface="Calibri" panose="020F0502020204030204" pitchFamily="34" charset="0"/>
+              </a:rPr>
+              <a:t> </a:t>
+            </a:r>
+            <a:r>
+              <a:rPr lang="en-US" sz="1200" b="0" i="0" u="none" strike="noStrike" dirty="0" err="1">
+                <a:solidFill>
+                  <a:srgbClr val="212121"/>
+                </a:solidFill>
+                <a:effectLst/>
+                <a:latin typeface="Calibri" panose="020F0502020204030204" pitchFamily="34" charset="0"/>
+                <a:cs typeface="Calibri" panose="020F0502020204030204" pitchFamily="34" charset="0"/>
+              </a:rPr>
+              <a:t>doğruluğu</a:t>
+            </a:r>
+            <a:endParaRPr lang="en-US" sz="1200" b="0" i="0" u="none" strike="noStrike" dirty="0">
+              <a:solidFill>
+                <a:srgbClr val="212121"/>
+              </a:solidFill>
+              <a:effectLst/>
+              <a:latin typeface="Calibri" panose="020F0502020204030204" pitchFamily="34" charset="0"/>
+              <a:cs typeface="Calibri" panose="020F0502020204030204" pitchFamily="34" charset="0"/>
+            </a:endParaRPr>
+          </a:p>
+          <a:p>
+            <a:pPr algn="l">
+              <a:spcAft>
+                <a:spcPts val="0"/>
+              </a:spcAft>
+              <a:buFont typeface="Arial" panose="020B0604020202020204" pitchFamily="34" charset="0"/>
+              <a:buChar char="•"/>
+            </a:pPr>
+            <a:r>
+              <a:rPr lang="en-US" sz="1200" b="0" i="0" u="none" strike="noStrike" dirty="0" err="1">
+                <a:solidFill>
+                  <a:srgbClr val="212121"/>
+                </a:solidFill>
+                <a:effectLst/>
+                <a:latin typeface="Calibri" panose="020F0502020204030204" pitchFamily="34" charset="0"/>
+                <a:cs typeface="Calibri" panose="020F0502020204030204" pitchFamily="34" charset="0"/>
+              </a:rPr>
+              <a:t>İş</a:t>
+            </a:r>
+            <a:r>
+              <a:rPr lang="en-US" sz="1200" b="0" i="0" u="none" strike="noStrike" dirty="0">
+                <a:solidFill>
+                  <a:srgbClr val="212121"/>
+                </a:solidFill>
+                <a:effectLst/>
+                <a:latin typeface="Calibri" panose="020F0502020204030204" pitchFamily="34" charset="0"/>
+                <a:cs typeface="Calibri" panose="020F0502020204030204" pitchFamily="34" charset="0"/>
+              </a:rPr>
+              <a:t> </a:t>
+            </a:r>
+            <a:r>
+              <a:rPr lang="en-US" sz="1200" b="0" i="0" u="none" strike="noStrike" dirty="0" err="1">
+                <a:solidFill>
+                  <a:srgbClr val="212121"/>
+                </a:solidFill>
+                <a:effectLst/>
+                <a:latin typeface="Calibri" panose="020F0502020204030204" pitchFamily="34" charset="0"/>
+                <a:cs typeface="Calibri" panose="020F0502020204030204" pitchFamily="34" charset="0"/>
+              </a:rPr>
+              <a:t>arayanın</a:t>
+            </a:r>
+            <a:r>
+              <a:rPr lang="en-US" sz="1200" b="0" i="0" u="none" strike="noStrike" dirty="0">
+                <a:solidFill>
+                  <a:srgbClr val="212121"/>
+                </a:solidFill>
+                <a:effectLst/>
+                <a:latin typeface="Calibri" panose="020F0502020204030204" pitchFamily="34" charset="0"/>
+                <a:cs typeface="Calibri" panose="020F0502020204030204" pitchFamily="34" charset="0"/>
+              </a:rPr>
+              <a:t> </a:t>
+            </a:r>
+            <a:r>
+              <a:rPr lang="en-US" sz="1200" b="0" i="0" u="none" strike="noStrike" dirty="0" err="1">
+                <a:solidFill>
+                  <a:srgbClr val="212121"/>
+                </a:solidFill>
+                <a:effectLst/>
+                <a:latin typeface="Calibri" panose="020F0502020204030204" pitchFamily="34" charset="0"/>
+                <a:cs typeface="Calibri" panose="020F0502020204030204" pitchFamily="34" charset="0"/>
+              </a:rPr>
+              <a:t>uygun</a:t>
+            </a:r>
+            <a:r>
+              <a:rPr lang="en-US" sz="1200" b="0" i="0" u="none" strike="noStrike" dirty="0">
+                <a:solidFill>
+                  <a:srgbClr val="212121"/>
+                </a:solidFill>
+                <a:effectLst/>
+                <a:latin typeface="Calibri" panose="020F0502020204030204" pitchFamily="34" charset="0"/>
+                <a:cs typeface="Calibri" panose="020F0502020204030204" pitchFamily="34" charset="0"/>
+              </a:rPr>
+              <a:t> </a:t>
+            </a:r>
+            <a:r>
+              <a:rPr lang="en-US" sz="1200" b="0" i="0" u="none" strike="noStrike" dirty="0" err="1">
+                <a:solidFill>
+                  <a:srgbClr val="212121"/>
+                </a:solidFill>
+                <a:effectLst/>
+                <a:latin typeface="Calibri" panose="020F0502020204030204" pitchFamily="34" charset="0"/>
+                <a:cs typeface="Calibri" panose="020F0502020204030204" pitchFamily="34" charset="0"/>
+              </a:rPr>
+              <a:t>iş</a:t>
+            </a:r>
+            <a:r>
+              <a:rPr lang="en-US" sz="1200" b="0" i="0" u="none" strike="noStrike" dirty="0">
+                <a:solidFill>
+                  <a:srgbClr val="212121"/>
+                </a:solidFill>
+                <a:effectLst/>
+                <a:latin typeface="Calibri" panose="020F0502020204030204" pitchFamily="34" charset="0"/>
+                <a:cs typeface="Calibri" panose="020F0502020204030204" pitchFamily="34" charset="0"/>
+              </a:rPr>
+              <a:t> </a:t>
+            </a:r>
+            <a:r>
+              <a:rPr lang="en-US" sz="1200" b="0" i="0" u="none" strike="noStrike" dirty="0" err="1">
+                <a:solidFill>
+                  <a:srgbClr val="212121"/>
+                </a:solidFill>
+                <a:effectLst/>
+                <a:latin typeface="Calibri" panose="020F0502020204030204" pitchFamily="34" charset="0"/>
+                <a:cs typeface="Calibri" panose="020F0502020204030204" pitchFamily="34" charset="0"/>
+              </a:rPr>
+              <a:t>önerilerini</a:t>
+            </a:r>
+            <a:r>
+              <a:rPr lang="en-US" sz="1200" b="0" i="0" u="none" strike="noStrike" dirty="0">
+                <a:solidFill>
+                  <a:srgbClr val="212121"/>
+                </a:solidFill>
+                <a:effectLst/>
+                <a:latin typeface="Calibri" panose="020F0502020204030204" pitchFamily="34" charset="0"/>
+                <a:cs typeface="Calibri" panose="020F0502020204030204" pitchFamily="34" charset="0"/>
+              </a:rPr>
+              <a:t> </a:t>
+            </a:r>
+            <a:r>
+              <a:rPr lang="en-US" sz="1200" b="0" i="0" u="none" strike="noStrike" dirty="0" err="1">
+                <a:solidFill>
+                  <a:srgbClr val="212121"/>
+                </a:solidFill>
+                <a:effectLst/>
+                <a:latin typeface="Calibri" panose="020F0502020204030204" pitchFamily="34" charset="0"/>
+                <a:cs typeface="Calibri" panose="020F0502020204030204" pitchFamily="34" charset="0"/>
+              </a:rPr>
+              <a:t>alması</a:t>
+            </a:r>
+            <a:r>
+              <a:rPr lang="en-US" sz="1200" b="0" i="0" u="none" strike="noStrike" dirty="0">
+                <a:solidFill>
+                  <a:srgbClr val="212121"/>
+                </a:solidFill>
+                <a:effectLst/>
+                <a:latin typeface="Calibri" panose="020F0502020204030204" pitchFamily="34" charset="0"/>
+                <a:cs typeface="Calibri" panose="020F0502020204030204" pitchFamily="34" charset="0"/>
+              </a:rPr>
+              <a:t> </a:t>
+            </a:r>
+            <a:r>
+              <a:rPr lang="en-US" sz="1200" b="0" i="0" u="none" strike="noStrike" dirty="0" err="1">
+                <a:solidFill>
+                  <a:srgbClr val="212121"/>
+                </a:solidFill>
+                <a:effectLst/>
+                <a:latin typeface="Calibri" panose="020F0502020204030204" pitchFamily="34" charset="0"/>
+                <a:cs typeface="Calibri" panose="020F0502020204030204" pitchFamily="34" charset="0"/>
+              </a:rPr>
+              <a:t>için</a:t>
+            </a:r>
+            <a:r>
+              <a:rPr lang="en-US" sz="1200" b="0" i="0" u="none" strike="noStrike" dirty="0">
+                <a:solidFill>
+                  <a:srgbClr val="212121"/>
+                </a:solidFill>
+                <a:effectLst/>
+                <a:latin typeface="Calibri" panose="020F0502020204030204" pitchFamily="34" charset="0"/>
+                <a:cs typeface="Calibri" panose="020F0502020204030204" pitchFamily="34" charset="0"/>
+              </a:rPr>
+              <a:t> </a:t>
+            </a:r>
+            <a:r>
+              <a:rPr lang="en-US" sz="1200" b="0" i="0" u="none" strike="noStrike" dirty="0" err="1">
+                <a:solidFill>
+                  <a:srgbClr val="212121"/>
+                </a:solidFill>
+                <a:effectLst/>
+                <a:latin typeface="Calibri" panose="020F0502020204030204" pitchFamily="34" charset="0"/>
+                <a:cs typeface="Calibri" panose="020F0502020204030204" pitchFamily="34" charset="0"/>
+              </a:rPr>
+              <a:t>geçen</a:t>
+            </a:r>
+            <a:r>
+              <a:rPr lang="en-US" sz="1200" b="0" i="0" u="none" strike="noStrike" dirty="0">
+                <a:solidFill>
+                  <a:srgbClr val="212121"/>
+                </a:solidFill>
+                <a:effectLst/>
+                <a:latin typeface="Calibri" panose="020F0502020204030204" pitchFamily="34" charset="0"/>
+                <a:cs typeface="Calibri" panose="020F0502020204030204" pitchFamily="34" charset="0"/>
+              </a:rPr>
+              <a:t> </a:t>
+            </a:r>
+            <a:r>
+              <a:rPr lang="en-US" sz="1200" b="0" i="0" u="none" strike="noStrike" dirty="0" err="1">
+                <a:solidFill>
+                  <a:srgbClr val="212121"/>
+                </a:solidFill>
+                <a:effectLst/>
+                <a:latin typeface="Calibri" panose="020F0502020204030204" pitchFamily="34" charset="0"/>
+                <a:cs typeface="Calibri" panose="020F0502020204030204" pitchFamily="34" charset="0"/>
+              </a:rPr>
+              <a:t>süre</a:t>
+            </a:r>
+            <a:endParaRPr lang="en-US" sz="1200" b="0" i="0" u="none" strike="noStrike" dirty="0">
+              <a:solidFill>
+                <a:srgbClr val="212121"/>
+              </a:solidFill>
+              <a:effectLst/>
+              <a:latin typeface="Calibri" panose="020F0502020204030204" pitchFamily="34" charset="0"/>
+              <a:cs typeface="Calibri" panose="020F0502020204030204" pitchFamily="34" charset="0"/>
+            </a:endParaRPr>
+          </a:p>
+          <a:p>
+            <a:pPr algn="l">
+              <a:spcAft>
+                <a:spcPts val="0"/>
+              </a:spcAft>
+              <a:buFont typeface="Arial" panose="020B0604020202020204" pitchFamily="34" charset="0"/>
+              <a:buChar char="•"/>
+            </a:pPr>
+            <a:r>
+              <a:rPr lang="en-US" sz="1200" b="0" i="0" u="none" strike="noStrike" dirty="0" err="1">
+                <a:solidFill>
+                  <a:srgbClr val="212121"/>
+                </a:solidFill>
+                <a:effectLst/>
+                <a:latin typeface="Calibri" panose="020F0502020204030204" pitchFamily="34" charset="0"/>
+                <a:cs typeface="Calibri" panose="020F0502020204030204" pitchFamily="34" charset="0"/>
+              </a:rPr>
+              <a:t>İş</a:t>
+            </a:r>
+            <a:r>
+              <a:rPr lang="en-US" sz="1200" b="0" i="0" u="none" strike="noStrike" dirty="0">
+                <a:solidFill>
+                  <a:srgbClr val="212121"/>
+                </a:solidFill>
+                <a:effectLst/>
+                <a:latin typeface="Calibri" panose="020F0502020204030204" pitchFamily="34" charset="0"/>
+                <a:cs typeface="Calibri" panose="020F0502020204030204" pitchFamily="34" charset="0"/>
+              </a:rPr>
+              <a:t> </a:t>
+            </a:r>
+            <a:r>
+              <a:rPr lang="en-US" sz="1200" b="0" i="0" u="none" strike="noStrike" dirty="0" err="1">
+                <a:solidFill>
+                  <a:srgbClr val="212121"/>
+                </a:solidFill>
+                <a:effectLst/>
+                <a:latin typeface="Calibri" panose="020F0502020204030204" pitchFamily="34" charset="0"/>
+                <a:cs typeface="Calibri" panose="020F0502020204030204" pitchFamily="34" charset="0"/>
+              </a:rPr>
+              <a:t>arayanlara</a:t>
+            </a:r>
+            <a:r>
+              <a:rPr lang="en-US" sz="1200" b="0" i="0" u="none" strike="noStrike" dirty="0">
+                <a:solidFill>
+                  <a:srgbClr val="212121"/>
+                </a:solidFill>
+                <a:effectLst/>
+                <a:latin typeface="Calibri" panose="020F0502020204030204" pitchFamily="34" charset="0"/>
+                <a:cs typeface="Calibri" panose="020F0502020204030204" pitchFamily="34" charset="0"/>
+              </a:rPr>
+              <a:t> </a:t>
+            </a:r>
+            <a:r>
+              <a:rPr lang="en-US" sz="1200" b="0" i="0" u="none" strike="noStrike" dirty="0" err="1">
+                <a:solidFill>
+                  <a:srgbClr val="212121"/>
+                </a:solidFill>
+                <a:effectLst/>
+                <a:latin typeface="Calibri" panose="020F0502020204030204" pitchFamily="34" charset="0"/>
+                <a:cs typeface="Calibri" panose="020F0502020204030204" pitchFamily="34" charset="0"/>
+              </a:rPr>
+              <a:t>sunulan</a:t>
+            </a:r>
+            <a:r>
+              <a:rPr lang="en-US" sz="1200" b="0" i="0" u="none" strike="noStrike" dirty="0">
+                <a:solidFill>
+                  <a:srgbClr val="212121"/>
+                </a:solidFill>
+                <a:effectLst/>
+                <a:latin typeface="Calibri" panose="020F0502020204030204" pitchFamily="34" charset="0"/>
+                <a:cs typeface="Calibri" panose="020F0502020204030204" pitchFamily="34" charset="0"/>
+              </a:rPr>
+              <a:t> </a:t>
+            </a:r>
+            <a:r>
+              <a:rPr lang="en-US" sz="1200" b="0" i="0" u="none" strike="noStrike" dirty="0" err="1">
+                <a:solidFill>
+                  <a:srgbClr val="212121"/>
+                </a:solidFill>
+                <a:effectLst/>
+                <a:latin typeface="Calibri" panose="020F0502020204030204" pitchFamily="34" charset="0"/>
+                <a:cs typeface="Calibri" panose="020F0502020204030204" pitchFamily="34" charset="0"/>
+              </a:rPr>
+              <a:t>iş</a:t>
+            </a:r>
+            <a:r>
+              <a:rPr lang="en-US" sz="1200" b="0" i="0" u="none" strike="noStrike" dirty="0">
+                <a:solidFill>
+                  <a:srgbClr val="212121"/>
+                </a:solidFill>
+                <a:effectLst/>
+                <a:latin typeface="Calibri" panose="020F0502020204030204" pitchFamily="34" charset="0"/>
+                <a:cs typeface="Calibri" panose="020F0502020204030204" pitchFamily="34" charset="0"/>
+              </a:rPr>
+              <a:t> </a:t>
+            </a:r>
+            <a:r>
+              <a:rPr lang="en-US" sz="1200" b="0" i="0" u="none" strike="noStrike" dirty="0" err="1">
+                <a:solidFill>
+                  <a:srgbClr val="212121"/>
+                </a:solidFill>
+                <a:effectLst/>
+                <a:latin typeface="Calibri" panose="020F0502020204030204" pitchFamily="34" charset="0"/>
+                <a:cs typeface="Calibri" panose="020F0502020204030204" pitchFamily="34" charset="0"/>
+              </a:rPr>
+              <a:t>önerilerinin</a:t>
+            </a:r>
+            <a:r>
+              <a:rPr lang="en-US" sz="1200" b="0" i="0" u="none" strike="noStrike" dirty="0">
+                <a:solidFill>
+                  <a:srgbClr val="212121"/>
+                </a:solidFill>
+                <a:effectLst/>
+                <a:latin typeface="Calibri" panose="020F0502020204030204" pitchFamily="34" charset="0"/>
+                <a:cs typeface="Calibri" panose="020F0502020204030204" pitchFamily="34" charset="0"/>
+              </a:rPr>
+              <a:t> </a:t>
+            </a:r>
+            <a:r>
+              <a:rPr lang="en-US" sz="1200" b="0" i="0" u="none" strike="noStrike" dirty="0" err="1">
+                <a:solidFill>
+                  <a:srgbClr val="212121"/>
+                </a:solidFill>
+                <a:effectLst/>
+                <a:latin typeface="Calibri" panose="020F0502020204030204" pitchFamily="34" charset="0"/>
+                <a:cs typeface="Calibri" panose="020F0502020204030204" pitchFamily="34" charset="0"/>
+              </a:rPr>
+              <a:t>sayısı</a:t>
+            </a:r>
+            <a:endParaRPr lang="en-US" sz="1200" b="0" i="0" u="none" strike="noStrike" dirty="0">
+              <a:solidFill>
+                <a:srgbClr val="212121"/>
+              </a:solidFill>
+              <a:effectLst/>
+              <a:latin typeface="Calibri" panose="020F0502020204030204" pitchFamily="34" charset="0"/>
+              <a:cs typeface="Calibri" panose="020F0502020204030204" pitchFamily="34" charset="0"/>
+            </a:endParaRPr>
+          </a:p>
+          <a:p>
+            <a:pPr algn="l">
+              <a:spcAft>
+                <a:spcPts val="0"/>
+              </a:spcAft>
+              <a:buFont typeface="Arial" panose="020B0604020202020204" pitchFamily="34" charset="0"/>
+              <a:buChar char="•"/>
+            </a:pPr>
+            <a:r>
+              <a:rPr lang="en-US" sz="1200" b="0" i="0" u="none" strike="noStrike" dirty="0" err="1">
+                <a:solidFill>
+                  <a:srgbClr val="212121"/>
+                </a:solidFill>
+                <a:effectLst/>
+                <a:latin typeface="Calibri" panose="020F0502020204030204" pitchFamily="34" charset="0"/>
+                <a:cs typeface="Calibri" panose="020F0502020204030204" pitchFamily="34" charset="0"/>
+              </a:rPr>
+              <a:t>Kullanıcılardan</a:t>
+            </a:r>
+            <a:r>
+              <a:rPr lang="en-US" sz="1200" b="0" i="0" u="none" strike="noStrike" dirty="0">
+                <a:solidFill>
+                  <a:srgbClr val="212121"/>
+                </a:solidFill>
+                <a:effectLst/>
+                <a:latin typeface="Calibri" panose="020F0502020204030204" pitchFamily="34" charset="0"/>
+                <a:cs typeface="Calibri" panose="020F0502020204030204" pitchFamily="34" charset="0"/>
+              </a:rPr>
+              <a:t> </a:t>
+            </a:r>
+            <a:r>
+              <a:rPr lang="en-US" sz="1200" b="0" i="0" u="none" strike="noStrike" dirty="0" err="1">
+                <a:solidFill>
+                  <a:srgbClr val="212121"/>
+                </a:solidFill>
+                <a:effectLst/>
+                <a:latin typeface="Calibri" panose="020F0502020204030204" pitchFamily="34" charset="0"/>
+                <a:cs typeface="Calibri" panose="020F0502020204030204" pitchFamily="34" charset="0"/>
+              </a:rPr>
+              <a:t>iş</a:t>
+            </a:r>
+            <a:r>
+              <a:rPr lang="en-US" sz="1200" b="0" i="0" u="none" strike="noStrike" dirty="0">
+                <a:solidFill>
+                  <a:srgbClr val="212121"/>
+                </a:solidFill>
+                <a:effectLst/>
+                <a:latin typeface="Calibri" panose="020F0502020204030204" pitchFamily="34" charset="0"/>
+                <a:cs typeface="Calibri" panose="020F0502020204030204" pitchFamily="34" charset="0"/>
+              </a:rPr>
+              <a:t> </a:t>
+            </a:r>
+            <a:r>
+              <a:rPr lang="en-US" sz="1200" b="0" i="0" u="none" strike="noStrike" dirty="0" err="1">
+                <a:solidFill>
+                  <a:srgbClr val="212121"/>
+                </a:solidFill>
+                <a:effectLst/>
+                <a:latin typeface="Calibri" panose="020F0502020204030204" pitchFamily="34" charset="0"/>
+                <a:cs typeface="Calibri" panose="020F0502020204030204" pitchFamily="34" charset="0"/>
+              </a:rPr>
+              <a:t>eşleştirmelerinin</a:t>
+            </a:r>
+            <a:r>
+              <a:rPr lang="en-US" sz="1200" b="0" i="0" u="none" strike="noStrike" dirty="0">
+                <a:solidFill>
+                  <a:srgbClr val="212121"/>
+                </a:solidFill>
+                <a:effectLst/>
+                <a:latin typeface="Calibri" panose="020F0502020204030204" pitchFamily="34" charset="0"/>
+                <a:cs typeface="Calibri" panose="020F0502020204030204" pitchFamily="34" charset="0"/>
+              </a:rPr>
+              <a:t> </a:t>
+            </a:r>
+            <a:r>
+              <a:rPr lang="en-US" sz="1200" b="0" i="0" u="none" strike="noStrike" dirty="0" err="1">
+                <a:solidFill>
+                  <a:srgbClr val="212121"/>
+                </a:solidFill>
+                <a:effectLst/>
+                <a:latin typeface="Calibri" panose="020F0502020204030204" pitchFamily="34" charset="0"/>
+                <a:cs typeface="Calibri" panose="020F0502020204030204" pitchFamily="34" charset="0"/>
+              </a:rPr>
+              <a:t>kalitesiyle</a:t>
+            </a:r>
+            <a:r>
+              <a:rPr lang="en-US" sz="1200" b="0" i="0" u="none" strike="noStrike" dirty="0">
+                <a:solidFill>
+                  <a:srgbClr val="212121"/>
+                </a:solidFill>
+                <a:effectLst/>
+                <a:latin typeface="Calibri" panose="020F0502020204030204" pitchFamily="34" charset="0"/>
+                <a:cs typeface="Calibri" panose="020F0502020204030204" pitchFamily="34" charset="0"/>
+              </a:rPr>
+              <a:t> </a:t>
+            </a:r>
+            <a:r>
+              <a:rPr lang="en-US" sz="1200" b="0" i="0" u="none" strike="noStrike" dirty="0" err="1">
+                <a:solidFill>
+                  <a:srgbClr val="212121"/>
+                </a:solidFill>
+                <a:effectLst/>
+                <a:latin typeface="Calibri" panose="020F0502020204030204" pitchFamily="34" charset="0"/>
+                <a:cs typeface="Calibri" panose="020F0502020204030204" pitchFamily="34" charset="0"/>
+              </a:rPr>
+              <a:t>ilgili</a:t>
+            </a:r>
+            <a:r>
+              <a:rPr lang="en-US" sz="1200" b="0" i="0" u="none" strike="noStrike" dirty="0">
+                <a:solidFill>
+                  <a:srgbClr val="212121"/>
+                </a:solidFill>
+                <a:effectLst/>
+                <a:latin typeface="Calibri" panose="020F0502020204030204" pitchFamily="34" charset="0"/>
+                <a:cs typeface="Calibri" panose="020F0502020204030204" pitchFamily="34" charset="0"/>
+              </a:rPr>
+              <a:t> </a:t>
+            </a:r>
+            <a:r>
+              <a:rPr lang="en-US" sz="1200" b="0" i="0" u="none" strike="noStrike" dirty="0" err="1">
+                <a:solidFill>
+                  <a:srgbClr val="212121"/>
+                </a:solidFill>
+                <a:effectLst/>
+                <a:latin typeface="Calibri" panose="020F0502020204030204" pitchFamily="34" charset="0"/>
+                <a:cs typeface="Calibri" panose="020F0502020204030204" pitchFamily="34" charset="0"/>
+              </a:rPr>
+              <a:t>geri</a:t>
+            </a:r>
+            <a:r>
+              <a:rPr lang="en-US" sz="1200" b="0" i="0" u="none" strike="noStrike" dirty="0">
+                <a:solidFill>
+                  <a:srgbClr val="212121"/>
+                </a:solidFill>
+                <a:effectLst/>
+                <a:latin typeface="Calibri" panose="020F0502020204030204" pitchFamily="34" charset="0"/>
+                <a:cs typeface="Calibri" panose="020F0502020204030204" pitchFamily="34" charset="0"/>
+              </a:rPr>
+              <a:t> </a:t>
+            </a:r>
+            <a:r>
+              <a:rPr lang="en-US" sz="1200" b="0" i="0" u="none" strike="noStrike" dirty="0" err="1">
+                <a:solidFill>
+                  <a:srgbClr val="212121"/>
+                </a:solidFill>
+                <a:effectLst/>
+                <a:latin typeface="Calibri" panose="020F0502020204030204" pitchFamily="34" charset="0"/>
+                <a:cs typeface="Calibri" panose="020F0502020204030204" pitchFamily="34" charset="0"/>
+              </a:rPr>
+              <a:t>bildirimler</a:t>
+            </a:r>
+            <a:endParaRPr lang="en-US" sz="1200" b="0" i="0" u="none" strike="noStrike" dirty="0">
+              <a:solidFill>
+                <a:srgbClr val="212121"/>
+              </a:solidFill>
+              <a:effectLst/>
+              <a:latin typeface="Calibri" panose="020F0502020204030204" pitchFamily="34" charset="0"/>
+              <a:cs typeface="Calibri" panose="020F0502020204030204" pitchFamily="34" charset="0"/>
+            </a:endParaRPr>
+          </a:p>
+          <a:p>
+            <a:pPr algn="l">
+              <a:spcAft>
+                <a:spcPts val="0"/>
+              </a:spcAft>
+            </a:pPr>
+            <a:r>
+              <a:rPr lang="en-US" sz="1200" b="0" i="0" u="none" strike="noStrike" dirty="0">
+                <a:solidFill>
+                  <a:srgbClr val="212121"/>
+                </a:solidFill>
+                <a:effectLst/>
+                <a:latin typeface="Calibri" panose="020F0502020204030204" pitchFamily="34" charset="0"/>
+                <a:cs typeface="Calibri" panose="020F0502020204030204" pitchFamily="34" charset="0"/>
+              </a:rPr>
+              <a:t> </a:t>
+            </a:r>
+          </a:p>
+          <a:p>
+            <a:pPr algn="l">
+              <a:spcAft>
+                <a:spcPts val="0"/>
+              </a:spcAft>
+            </a:pPr>
+            <a:r>
+              <a:rPr lang="en-US" sz="1200" b="1" i="0" u="none" strike="noStrike" dirty="0" err="1">
+                <a:solidFill>
+                  <a:srgbClr val="212121"/>
+                </a:solidFill>
+                <a:effectLst/>
+                <a:latin typeface="Calibri" panose="020F0502020204030204" pitchFamily="34" charset="0"/>
+                <a:cs typeface="Calibri" panose="020F0502020204030204" pitchFamily="34" charset="0"/>
+              </a:rPr>
+              <a:t>Sorun</a:t>
+            </a:r>
+            <a:r>
+              <a:rPr lang="en-US" sz="1200" b="1" i="0" u="none" strike="noStrike" dirty="0">
+                <a:solidFill>
+                  <a:srgbClr val="212121"/>
+                </a:solidFill>
+                <a:effectLst/>
+                <a:latin typeface="Calibri" panose="020F0502020204030204" pitchFamily="34" charset="0"/>
+                <a:cs typeface="Calibri" panose="020F0502020204030204" pitchFamily="34" charset="0"/>
+              </a:rPr>
+              <a:t>: </a:t>
+            </a:r>
+            <a:r>
+              <a:rPr lang="en-US" sz="1200" b="1" i="0" u="none" strike="noStrike" dirty="0" err="1">
+                <a:solidFill>
+                  <a:srgbClr val="212121"/>
+                </a:solidFill>
+                <a:effectLst/>
+                <a:latin typeface="Calibri" panose="020F0502020204030204" pitchFamily="34" charset="0"/>
+                <a:cs typeface="Calibri" panose="020F0502020204030204" pitchFamily="34" charset="0"/>
+              </a:rPr>
+              <a:t>Düşük</a:t>
+            </a:r>
+            <a:r>
+              <a:rPr lang="en-US" sz="1200" b="1" i="0" u="none" strike="noStrike" dirty="0">
+                <a:solidFill>
+                  <a:srgbClr val="212121"/>
+                </a:solidFill>
+                <a:effectLst/>
+                <a:latin typeface="Calibri" panose="020F0502020204030204" pitchFamily="34" charset="0"/>
+                <a:cs typeface="Calibri" panose="020F0502020204030204" pitchFamily="34" charset="0"/>
+              </a:rPr>
+              <a:t> </a:t>
+            </a:r>
+            <a:r>
+              <a:rPr lang="en-US" sz="1200" b="1" i="0" u="none" strike="noStrike" dirty="0" err="1">
+                <a:solidFill>
+                  <a:srgbClr val="212121"/>
+                </a:solidFill>
+                <a:effectLst/>
+                <a:latin typeface="Calibri" panose="020F0502020204030204" pitchFamily="34" charset="0"/>
+                <a:cs typeface="Calibri" panose="020F0502020204030204" pitchFamily="34" charset="0"/>
+              </a:rPr>
+              <a:t>işveren</a:t>
+            </a:r>
+            <a:r>
+              <a:rPr lang="en-US" sz="1200" b="1" i="0" u="none" strike="noStrike" dirty="0">
+                <a:solidFill>
+                  <a:srgbClr val="212121"/>
+                </a:solidFill>
+                <a:effectLst/>
+                <a:latin typeface="Calibri" panose="020F0502020204030204" pitchFamily="34" charset="0"/>
+                <a:cs typeface="Calibri" panose="020F0502020204030204" pitchFamily="34" charset="0"/>
+              </a:rPr>
+              <a:t> </a:t>
+            </a:r>
+            <a:r>
+              <a:rPr lang="en-US" sz="1200" b="1" i="0" u="none" strike="noStrike" dirty="0" err="1">
+                <a:solidFill>
+                  <a:srgbClr val="212121"/>
+                </a:solidFill>
+                <a:effectLst/>
+                <a:latin typeface="Calibri" panose="020F0502020204030204" pitchFamily="34" charset="0"/>
+                <a:cs typeface="Calibri" panose="020F0502020204030204" pitchFamily="34" charset="0"/>
+              </a:rPr>
+              <a:t>etkileşimi</a:t>
+            </a:r>
+            <a:r>
+              <a:rPr lang="en-US" sz="1200" b="1" i="0" u="none" strike="noStrike" dirty="0">
+                <a:solidFill>
+                  <a:srgbClr val="212121"/>
+                </a:solidFill>
+                <a:effectLst/>
+                <a:latin typeface="Calibri" panose="020F0502020204030204" pitchFamily="34" charset="0"/>
+                <a:cs typeface="Calibri" panose="020F0502020204030204" pitchFamily="34" charset="0"/>
+              </a:rPr>
+              <a:t> </a:t>
+            </a:r>
+            <a:r>
+              <a:rPr lang="en-US" sz="1200" b="1" i="0" u="none" strike="noStrike" dirty="0" err="1">
+                <a:solidFill>
+                  <a:srgbClr val="212121"/>
+                </a:solidFill>
+                <a:effectLst/>
+                <a:latin typeface="Calibri" panose="020F0502020204030204" pitchFamily="34" charset="0"/>
+                <a:cs typeface="Calibri" panose="020F0502020204030204" pitchFamily="34" charset="0"/>
+              </a:rPr>
+              <a:t>ve</a:t>
+            </a:r>
+            <a:r>
+              <a:rPr lang="en-US" sz="1200" b="1" i="0" u="none" strike="noStrike" dirty="0">
+                <a:solidFill>
+                  <a:srgbClr val="212121"/>
+                </a:solidFill>
+                <a:effectLst/>
+                <a:latin typeface="Calibri" panose="020F0502020204030204" pitchFamily="34" charset="0"/>
+                <a:cs typeface="Calibri" panose="020F0502020204030204" pitchFamily="34" charset="0"/>
+              </a:rPr>
+              <a:t> </a:t>
+            </a:r>
+            <a:r>
+              <a:rPr lang="en-US" sz="1200" b="1" i="0" u="none" strike="noStrike" dirty="0" err="1">
+                <a:solidFill>
+                  <a:srgbClr val="212121"/>
+                </a:solidFill>
+                <a:effectLst/>
+                <a:latin typeface="Calibri" panose="020F0502020204030204" pitchFamily="34" charset="0"/>
+                <a:cs typeface="Calibri" panose="020F0502020204030204" pitchFamily="34" charset="0"/>
+              </a:rPr>
+              <a:t>iş</a:t>
+            </a:r>
+            <a:r>
+              <a:rPr lang="en-US" sz="1200" b="1" i="0" u="none" strike="noStrike" dirty="0">
+                <a:solidFill>
+                  <a:srgbClr val="212121"/>
+                </a:solidFill>
+                <a:effectLst/>
+                <a:latin typeface="Calibri" panose="020F0502020204030204" pitchFamily="34" charset="0"/>
+                <a:cs typeface="Calibri" panose="020F0502020204030204" pitchFamily="34" charset="0"/>
+              </a:rPr>
+              <a:t> </a:t>
+            </a:r>
+            <a:r>
+              <a:rPr lang="en-US" sz="1200" b="1" i="0" u="none" strike="noStrike" dirty="0" err="1">
+                <a:solidFill>
+                  <a:srgbClr val="212121"/>
+                </a:solidFill>
+                <a:effectLst/>
+                <a:latin typeface="Calibri" panose="020F0502020204030204" pitchFamily="34" charset="0"/>
+                <a:cs typeface="Calibri" panose="020F0502020204030204" pitchFamily="34" charset="0"/>
+              </a:rPr>
+              <a:t>ilanı</a:t>
+            </a:r>
+            <a:r>
+              <a:rPr lang="en-US" sz="1200" b="1" i="0" u="none" strike="noStrike" dirty="0">
+                <a:solidFill>
+                  <a:srgbClr val="212121"/>
+                </a:solidFill>
+                <a:effectLst/>
+                <a:latin typeface="Calibri" panose="020F0502020204030204" pitchFamily="34" charset="0"/>
+                <a:cs typeface="Calibri" panose="020F0502020204030204" pitchFamily="34" charset="0"/>
+              </a:rPr>
+              <a:t> </a:t>
+            </a:r>
+            <a:r>
+              <a:rPr lang="en-US" sz="1200" b="1" i="0" u="none" strike="noStrike" dirty="0" err="1">
+                <a:solidFill>
+                  <a:srgbClr val="212121"/>
+                </a:solidFill>
+                <a:effectLst/>
+                <a:latin typeface="Calibri" panose="020F0502020204030204" pitchFamily="34" charset="0"/>
+                <a:cs typeface="Calibri" panose="020F0502020204030204" pitchFamily="34" charset="0"/>
+              </a:rPr>
+              <a:t>yayınlama</a:t>
+            </a:r>
+            <a:r>
+              <a:rPr lang="en-US" sz="1200" b="1" i="0" u="none" strike="noStrike" dirty="0">
+                <a:solidFill>
+                  <a:srgbClr val="212121"/>
+                </a:solidFill>
+                <a:effectLst/>
+                <a:latin typeface="Calibri" panose="020F0502020204030204" pitchFamily="34" charset="0"/>
+                <a:cs typeface="Calibri" panose="020F0502020204030204" pitchFamily="34" charset="0"/>
+              </a:rPr>
+              <a:t> </a:t>
+            </a:r>
+            <a:r>
+              <a:rPr lang="en-US" sz="1200" b="1" i="0" u="none" strike="noStrike" dirty="0" err="1">
+                <a:solidFill>
+                  <a:srgbClr val="212121"/>
+                </a:solidFill>
+                <a:effectLst/>
+                <a:latin typeface="Calibri" panose="020F0502020204030204" pitchFamily="34" charset="0"/>
+                <a:cs typeface="Calibri" panose="020F0502020204030204" pitchFamily="34" charset="0"/>
+              </a:rPr>
+              <a:t>oranları</a:t>
+            </a:r>
+            <a:endParaRPr lang="en-US" sz="1200" b="0" i="0" u="none" strike="noStrike" dirty="0">
+              <a:solidFill>
+                <a:srgbClr val="212121"/>
+              </a:solidFill>
+              <a:effectLst/>
+              <a:latin typeface="Calibri" panose="020F0502020204030204" pitchFamily="34" charset="0"/>
+              <a:cs typeface="Calibri" panose="020F0502020204030204" pitchFamily="34" charset="0"/>
+            </a:endParaRPr>
+          </a:p>
+          <a:p>
+            <a:pPr algn="l">
+              <a:spcAft>
+                <a:spcPts val="0"/>
+              </a:spcAft>
+            </a:pPr>
+            <a:r>
+              <a:rPr lang="en-US" sz="1200" b="0" i="0" u="none" strike="noStrike" dirty="0" err="1">
+                <a:solidFill>
+                  <a:srgbClr val="212121"/>
+                </a:solidFill>
+                <a:effectLst/>
+                <a:latin typeface="Calibri" panose="020F0502020204030204" pitchFamily="34" charset="0"/>
+                <a:cs typeface="Calibri" panose="020F0502020204030204" pitchFamily="34" charset="0"/>
+              </a:rPr>
+              <a:t>Değerlendirme</a:t>
+            </a:r>
+            <a:r>
+              <a:rPr lang="en-US" sz="1200" b="0" i="0" u="none" strike="noStrike" dirty="0">
+                <a:solidFill>
+                  <a:srgbClr val="212121"/>
+                </a:solidFill>
+                <a:effectLst/>
+                <a:latin typeface="Calibri" panose="020F0502020204030204" pitchFamily="34" charset="0"/>
+                <a:cs typeface="Calibri" panose="020F0502020204030204" pitchFamily="34" charset="0"/>
+              </a:rPr>
+              <a:t> </a:t>
+            </a:r>
+            <a:r>
+              <a:rPr lang="en-US" sz="1200" b="0" i="0" u="none" strike="noStrike" dirty="0" err="1">
+                <a:solidFill>
+                  <a:srgbClr val="212121"/>
+                </a:solidFill>
+                <a:effectLst/>
+                <a:latin typeface="Calibri" panose="020F0502020204030204" pitchFamily="34" charset="0"/>
+                <a:cs typeface="Calibri" panose="020F0502020204030204" pitchFamily="34" charset="0"/>
+              </a:rPr>
+              <a:t>ölçütleri</a:t>
+            </a:r>
+            <a:r>
+              <a:rPr lang="en-US" sz="1200" b="0" i="0" u="none" strike="noStrike" dirty="0">
+                <a:solidFill>
+                  <a:srgbClr val="212121"/>
+                </a:solidFill>
+                <a:effectLst/>
+                <a:latin typeface="Calibri" panose="020F0502020204030204" pitchFamily="34" charset="0"/>
+                <a:cs typeface="Calibri" panose="020F0502020204030204" pitchFamily="34" charset="0"/>
+              </a:rPr>
+              <a:t>:</a:t>
+            </a:r>
+          </a:p>
+          <a:p>
+            <a:pPr algn="l">
+              <a:spcAft>
+                <a:spcPts val="0"/>
+              </a:spcAft>
+              <a:buFont typeface="Arial" panose="020B0604020202020204" pitchFamily="34" charset="0"/>
+              <a:buChar char="•"/>
+            </a:pPr>
+            <a:r>
+              <a:rPr lang="en-US" sz="1200" b="0" i="0" u="none" strike="noStrike" dirty="0" err="1">
+                <a:solidFill>
+                  <a:srgbClr val="212121"/>
+                </a:solidFill>
+                <a:effectLst/>
+                <a:latin typeface="Calibri" panose="020F0502020204030204" pitchFamily="34" charset="0"/>
+                <a:cs typeface="Calibri" panose="020F0502020204030204" pitchFamily="34" charset="0"/>
+              </a:rPr>
+              <a:t>Ayda</a:t>
+            </a:r>
+            <a:r>
+              <a:rPr lang="en-US" sz="1200" b="0" i="0" u="none" strike="noStrike" dirty="0">
+                <a:solidFill>
+                  <a:srgbClr val="212121"/>
+                </a:solidFill>
+                <a:effectLst/>
+                <a:latin typeface="Calibri" panose="020F0502020204030204" pitchFamily="34" charset="0"/>
+                <a:cs typeface="Calibri" panose="020F0502020204030204" pitchFamily="34" charset="0"/>
+              </a:rPr>
+              <a:t> </a:t>
+            </a:r>
+            <a:r>
+              <a:rPr lang="en-US" sz="1200" b="0" i="0" u="none" strike="noStrike" dirty="0" err="1">
+                <a:solidFill>
+                  <a:srgbClr val="212121"/>
+                </a:solidFill>
+                <a:effectLst/>
+                <a:latin typeface="Calibri" panose="020F0502020204030204" pitchFamily="34" charset="0"/>
+                <a:cs typeface="Calibri" panose="020F0502020204030204" pitchFamily="34" charset="0"/>
+              </a:rPr>
+              <a:t>yayınlanan</a:t>
+            </a:r>
+            <a:r>
+              <a:rPr lang="en-US" sz="1200" b="0" i="0" u="none" strike="noStrike" dirty="0">
+                <a:solidFill>
+                  <a:srgbClr val="212121"/>
+                </a:solidFill>
+                <a:effectLst/>
+                <a:latin typeface="Calibri" panose="020F0502020204030204" pitchFamily="34" charset="0"/>
+                <a:cs typeface="Calibri" panose="020F0502020204030204" pitchFamily="34" charset="0"/>
+              </a:rPr>
+              <a:t> </a:t>
+            </a:r>
+            <a:r>
+              <a:rPr lang="en-US" sz="1200" b="0" i="0" u="none" strike="noStrike" dirty="0" err="1">
+                <a:solidFill>
+                  <a:srgbClr val="212121"/>
+                </a:solidFill>
+                <a:effectLst/>
+                <a:latin typeface="Calibri" panose="020F0502020204030204" pitchFamily="34" charset="0"/>
+                <a:cs typeface="Calibri" panose="020F0502020204030204" pitchFamily="34" charset="0"/>
+              </a:rPr>
+              <a:t>iş</a:t>
+            </a:r>
+            <a:r>
+              <a:rPr lang="en-US" sz="1200" b="0" i="0" u="none" strike="noStrike" dirty="0">
+                <a:solidFill>
+                  <a:srgbClr val="212121"/>
+                </a:solidFill>
+                <a:effectLst/>
+                <a:latin typeface="Calibri" panose="020F0502020204030204" pitchFamily="34" charset="0"/>
+                <a:cs typeface="Calibri" panose="020F0502020204030204" pitchFamily="34" charset="0"/>
+              </a:rPr>
+              <a:t> </a:t>
+            </a:r>
+            <a:r>
+              <a:rPr lang="en-US" sz="1200" b="0" i="0" u="none" strike="noStrike" dirty="0" err="1">
+                <a:solidFill>
+                  <a:srgbClr val="212121"/>
+                </a:solidFill>
+                <a:effectLst/>
+                <a:latin typeface="Calibri" panose="020F0502020204030204" pitchFamily="34" charset="0"/>
+                <a:cs typeface="Calibri" panose="020F0502020204030204" pitchFamily="34" charset="0"/>
+              </a:rPr>
+              <a:t>ilanları</a:t>
+            </a:r>
+            <a:r>
+              <a:rPr lang="en-US" sz="1200" b="0" i="0" u="none" strike="noStrike" dirty="0">
+                <a:solidFill>
+                  <a:srgbClr val="212121"/>
+                </a:solidFill>
+                <a:effectLst/>
+                <a:latin typeface="Calibri" panose="020F0502020204030204" pitchFamily="34" charset="0"/>
+                <a:cs typeface="Calibri" panose="020F0502020204030204" pitchFamily="34" charset="0"/>
+              </a:rPr>
+              <a:t> </a:t>
+            </a:r>
+            <a:r>
+              <a:rPr lang="en-US" sz="1200" b="0" i="0" u="none" strike="noStrike" dirty="0" err="1">
+                <a:solidFill>
+                  <a:srgbClr val="212121"/>
+                </a:solidFill>
+                <a:effectLst/>
+                <a:latin typeface="Calibri" panose="020F0502020204030204" pitchFamily="34" charset="0"/>
+                <a:cs typeface="Calibri" panose="020F0502020204030204" pitchFamily="34" charset="0"/>
+              </a:rPr>
+              <a:t>sayısı</a:t>
+            </a:r>
+            <a:endParaRPr lang="en-US" sz="1200" b="0" i="0" u="none" strike="noStrike" dirty="0">
+              <a:solidFill>
+                <a:srgbClr val="212121"/>
+              </a:solidFill>
+              <a:effectLst/>
+              <a:latin typeface="Calibri" panose="020F0502020204030204" pitchFamily="34" charset="0"/>
+              <a:cs typeface="Calibri" panose="020F0502020204030204" pitchFamily="34" charset="0"/>
+            </a:endParaRPr>
+          </a:p>
+          <a:p>
+            <a:pPr algn="l">
+              <a:spcAft>
+                <a:spcPts val="0"/>
+              </a:spcAft>
+              <a:buFont typeface="Arial" panose="020B0604020202020204" pitchFamily="34" charset="0"/>
+              <a:buChar char="•"/>
+            </a:pPr>
+            <a:r>
+              <a:rPr lang="en-US" sz="1200" b="0" i="0" u="none" strike="noStrike" dirty="0" err="1">
+                <a:solidFill>
+                  <a:srgbClr val="212121"/>
+                </a:solidFill>
+                <a:effectLst/>
+                <a:latin typeface="Calibri" panose="020F0502020204030204" pitchFamily="34" charset="0"/>
+                <a:cs typeface="Calibri" panose="020F0502020204030204" pitchFamily="34" charset="0"/>
+              </a:rPr>
+              <a:t>Platformu</a:t>
+            </a:r>
+            <a:r>
+              <a:rPr lang="en-US" sz="1200" b="0" i="0" u="none" strike="noStrike" dirty="0">
+                <a:solidFill>
+                  <a:srgbClr val="212121"/>
+                </a:solidFill>
+                <a:effectLst/>
+                <a:latin typeface="Calibri" panose="020F0502020204030204" pitchFamily="34" charset="0"/>
+                <a:cs typeface="Calibri" panose="020F0502020204030204" pitchFamily="34" charset="0"/>
+              </a:rPr>
+              <a:t> </a:t>
+            </a:r>
+            <a:r>
+              <a:rPr lang="en-US" sz="1200" b="0" i="0" u="none" strike="noStrike" dirty="0" err="1">
+                <a:solidFill>
+                  <a:srgbClr val="212121"/>
+                </a:solidFill>
+                <a:effectLst/>
+                <a:latin typeface="Calibri" panose="020F0502020204030204" pitchFamily="34" charset="0"/>
+                <a:cs typeface="Calibri" panose="020F0502020204030204" pitchFamily="34" charset="0"/>
+              </a:rPr>
+              <a:t>düzenli</a:t>
+            </a:r>
+            <a:r>
+              <a:rPr lang="en-US" sz="1200" b="0" i="0" u="none" strike="noStrike" dirty="0">
+                <a:solidFill>
+                  <a:srgbClr val="212121"/>
+                </a:solidFill>
+                <a:effectLst/>
+                <a:latin typeface="Calibri" panose="020F0502020204030204" pitchFamily="34" charset="0"/>
+                <a:cs typeface="Calibri" panose="020F0502020204030204" pitchFamily="34" charset="0"/>
+              </a:rPr>
+              <a:t> </a:t>
+            </a:r>
+            <a:r>
+              <a:rPr lang="en-US" sz="1200" b="0" i="0" u="none" strike="noStrike" dirty="0" err="1">
+                <a:solidFill>
+                  <a:srgbClr val="212121"/>
+                </a:solidFill>
+                <a:effectLst/>
+                <a:latin typeface="Calibri" panose="020F0502020204030204" pitchFamily="34" charset="0"/>
+                <a:cs typeface="Calibri" panose="020F0502020204030204" pitchFamily="34" charset="0"/>
+              </a:rPr>
+              <a:t>olarak</a:t>
+            </a:r>
+            <a:r>
+              <a:rPr lang="en-US" sz="1200" b="0" i="0" u="none" strike="noStrike" dirty="0">
+                <a:solidFill>
+                  <a:srgbClr val="212121"/>
+                </a:solidFill>
+                <a:effectLst/>
+                <a:latin typeface="Calibri" panose="020F0502020204030204" pitchFamily="34" charset="0"/>
+                <a:cs typeface="Calibri" panose="020F0502020204030204" pitchFamily="34" charset="0"/>
+              </a:rPr>
+              <a:t> </a:t>
+            </a:r>
+            <a:r>
+              <a:rPr lang="en-US" sz="1200" b="0" i="0" u="none" strike="noStrike" dirty="0" err="1">
+                <a:solidFill>
+                  <a:srgbClr val="212121"/>
+                </a:solidFill>
+                <a:effectLst/>
+                <a:latin typeface="Calibri" panose="020F0502020204030204" pitchFamily="34" charset="0"/>
+                <a:cs typeface="Calibri" panose="020F0502020204030204" pitchFamily="34" charset="0"/>
+              </a:rPr>
+              <a:t>kullanan</a:t>
+            </a:r>
+            <a:r>
+              <a:rPr lang="en-US" sz="1200" b="0" i="0" u="none" strike="noStrike" dirty="0">
+                <a:solidFill>
+                  <a:srgbClr val="212121"/>
+                </a:solidFill>
+                <a:effectLst/>
+                <a:latin typeface="Calibri" panose="020F0502020204030204" pitchFamily="34" charset="0"/>
+                <a:cs typeface="Calibri" panose="020F0502020204030204" pitchFamily="34" charset="0"/>
+              </a:rPr>
+              <a:t> </a:t>
+            </a:r>
+            <a:r>
+              <a:rPr lang="en-US" sz="1200" b="0" i="0" u="none" strike="noStrike" dirty="0" err="1">
+                <a:solidFill>
+                  <a:srgbClr val="212121"/>
+                </a:solidFill>
+                <a:effectLst/>
+                <a:latin typeface="Calibri" panose="020F0502020204030204" pitchFamily="34" charset="0"/>
+                <a:cs typeface="Calibri" panose="020F0502020204030204" pitchFamily="34" charset="0"/>
+              </a:rPr>
+              <a:t>işverenlerin</a:t>
+            </a:r>
+            <a:r>
+              <a:rPr lang="en-US" sz="1200" b="0" i="0" u="none" strike="noStrike" dirty="0">
+                <a:solidFill>
+                  <a:srgbClr val="212121"/>
+                </a:solidFill>
+                <a:effectLst/>
+                <a:latin typeface="Calibri" panose="020F0502020204030204" pitchFamily="34" charset="0"/>
+                <a:cs typeface="Calibri" panose="020F0502020204030204" pitchFamily="34" charset="0"/>
+              </a:rPr>
+              <a:t> </a:t>
+            </a:r>
+            <a:r>
+              <a:rPr lang="en-US" sz="1200" b="0" i="0" u="none" strike="noStrike" dirty="0" err="1">
+                <a:solidFill>
+                  <a:srgbClr val="212121"/>
+                </a:solidFill>
+                <a:effectLst/>
+                <a:latin typeface="Calibri" panose="020F0502020204030204" pitchFamily="34" charset="0"/>
+                <a:cs typeface="Calibri" panose="020F0502020204030204" pitchFamily="34" charset="0"/>
+              </a:rPr>
+              <a:t>sayısı</a:t>
+            </a:r>
+            <a:endParaRPr lang="en-US" sz="1200" b="0" i="0" u="none" strike="noStrike" dirty="0">
+              <a:solidFill>
+                <a:srgbClr val="212121"/>
+              </a:solidFill>
+              <a:effectLst/>
+              <a:latin typeface="Calibri" panose="020F0502020204030204" pitchFamily="34" charset="0"/>
+              <a:cs typeface="Calibri" panose="020F0502020204030204" pitchFamily="34" charset="0"/>
+            </a:endParaRPr>
+          </a:p>
+          <a:p>
+            <a:pPr algn="l">
+              <a:spcAft>
+                <a:spcPts val="0"/>
+              </a:spcAft>
+              <a:buFont typeface="Arial" panose="020B0604020202020204" pitchFamily="34" charset="0"/>
+              <a:buChar char="•"/>
+            </a:pPr>
+            <a:r>
+              <a:rPr lang="en-US" sz="1200" b="0" i="0" u="none" strike="noStrike" dirty="0" err="1">
+                <a:solidFill>
+                  <a:srgbClr val="212121"/>
+                </a:solidFill>
+                <a:effectLst/>
+                <a:latin typeface="Calibri" panose="020F0502020204030204" pitchFamily="34" charset="0"/>
+                <a:cs typeface="Calibri" panose="020F0502020204030204" pitchFamily="34" charset="0"/>
+              </a:rPr>
+              <a:t>İşverenlerden</a:t>
+            </a:r>
+            <a:r>
+              <a:rPr lang="en-US" sz="1200" b="0" i="0" u="none" strike="noStrike" dirty="0">
+                <a:solidFill>
+                  <a:srgbClr val="212121"/>
+                </a:solidFill>
+                <a:effectLst/>
+                <a:latin typeface="Calibri" panose="020F0502020204030204" pitchFamily="34" charset="0"/>
+                <a:cs typeface="Calibri" panose="020F0502020204030204" pitchFamily="34" charset="0"/>
+              </a:rPr>
+              <a:t> </a:t>
+            </a:r>
+            <a:r>
+              <a:rPr lang="en-US" sz="1200" b="0" i="0" u="none" strike="noStrike" dirty="0" err="1">
+                <a:solidFill>
+                  <a:srgbClr val="212121"/>
+                </a:solidFill>
+                <a:effectLst/>
+                <a:latin typeface="Calibri" panose="020F0502020204030204" pitchFamily="34" charset="0"/>
+                <a:cs typeface="Calibri" panose="020F0502020204030204" pitchFamily="34" charset="0"/>
+              </a:rPr>
+              <a:t>platformun</a:t>
+            </a:r>
+            <a:r>
+              <a:rPr lang="en-US" sz="1200" b="0" i="0" u="none" strike="noStrike" dirty="0">
+                <a:solidFill>
+                  <a:srgbClr val="212121"/>
+                </a:solidFill>
+                <a:effectLst/>
+                <a:latin typeface="Calibri" panose="020F0502020204030204" pitchFamily="34" charset="0"/>
+                <a:cs typeface="Calibri" panose="020F0502020204030204" pitchFamily="34" charset="0"/>
+              </a:rPr>
+              <a:t> </a:t>
+            </a:r>
+            <a:r>
+              <a:rPr lang="en-US" sz="1200" b="0" i="0" u="none" strike="noStrike" dirty="0" err="1">
+                <a:solidFill>
+                  <a:srgbClr val="212121"/>
+                </a:solidFill>
+                <a:effectLst/>
+                <a:latin typeface="Calibri" panose="020F0502020204030204" pitchFamily="34" charset="0"/>
+                <a:cs typeface="Calibri" panose="020F0502020204030204" pitchFamily="34" charset="0"/>
+              </a:rPr>
+              <a:t>kullanım</a:t>
+            </a:r>
+            <a:r>
+              <a:rPr lang="en-US" sz="1200" b="0" i="0" u="none" strike="noStrike" dirty="0">
+                <a:solidFill>
+                  <a:srgbClr val="212121"/>
+                </a:solidFill>
+                <a:effectLst/>
+                <a:latin typeface="Calibri" panose="020F0502020204030204" pitchFamily="34" charset="0"/>
+                <a:cs typeface="Calibri" panose="020F0502020204030204" pitchFamily="34" charset="0"/>
+              </a:rPr>
+              <a:t> </a:t>
+            </a:r>
+            <a:r>
+              <a:rPr lang="en-US" sz="1200" b="0" i="0" u="none" strike="noStrike" dirty="0" err="1">
+                <a:solidFill>
+                  <a:srgbClr val="212121"/>
+                </a:solidFill>
+                <a:effectLst/>
+                <a:latin typeface="Calibri" panose="020F0502020204030204" pitchFamily="34" charset="0"/>
+                <a:cs typeface="Calibri" panose="020F0502020204030204" pitchFamily="34" charset="0"/>
+              </a:rPr>
+              <a:t>kolaylığı</a:t>
+            </a:r>
+            <a:r>
+              <a:rPr lang="en-US" sz="1200" b="0" i="0" u="none" strike="noStrike" dirty="0">
+                <a:solidFill>
+                  <a:srgbClr val="212121"/>
+                </a:solidFill>
+                <a:effectLst/>
+                <a:latin typeface="Calibri" panose="020F0502020204030204" pitchFamily="34" charset="0"/>
+                <a:cs typeface="Calibri" panose="020F0502020204030204" pitchFamily="34" charset="0"/>
+              </a:rPr>
+              <a:t> </a:t>
+            </a:r>
+            <a:r>
+              <a:rPr lang="en-US" sz="1200" b="0" i="0" u="none" strike="noStrike" dirty="0" err="1">
+                <a:solidFill>
+                  <a:srgbClr val="212121"/>
+                </a:solidFill>
+                <a:effectLst/>
+                <a:latin typeface="Calibri" panose="020F0502020204030204" pitchFamily="34" charset="0"/>
+                <a:cs typeface="Calibri" panose="020F0502020204030204" pitchFamily="34" charset="0"/>
+              </a:rPr>
+              <a:t>hakkındaki</a:t>
+            </a:r>
+            <a:r>
+              <a:rPr lang="en-US" sz="1200" b="0" i="0" u="none" strike="noStrike" dirty="0">
+                <a:solidFill>
+                  <a:srgbClr val="212121"/>
+                </a:solidFill>
+                <a:effectLst/>
+                <a:latin typeface="Calibri" panose="020F0502020204030204" pitchFamily="34" charset="0"/>
+                <a:cs typeface="Calibri" panose="020F0502020204030204" pitchFamily="34" charset="0"/>
+              </a:rPr>
+              <a:t> </a:t>
+            </a:r>
+            <a:r>
+              <a:rPr lang="en-US" sz="1200" b="0" i="0" u="none" strike="noStrike" dirty="0" err="1">
+                <a:solidFill>
+                  <a:srgbClr val="212121"/>
+                </a:solidFill>
+                <a:effectLst/>
+                <a:latin typeface="Calibri" panose="020F0502020204030204" pitchFamily="34" charset="0"/>
+                <a:cs typeface="Calibri" panose="020F0502020204030204" pitchFamily="34" charset="0"/>
+              </a:rPr>
+              <a:t>geri</a:t>
+            </a:r>
+            <a:r>
+              <a:rPr lang="en-US" sz="1200" b="0" i="0" u="none" strike="noStrike" dirty="0">
+                <a:solidFill>
+                  <a:srgbClr val="212121"/>
+                </a:solidFill>
+                <a:effectLst/>
+                <a:latin typeface="Calibri" panose="020F0502020204030204" pitchFamily="34" charset="0"/>
+                <a:cs typeface="Calibri" panose="020F0502020204030204" pitchFamily="34" charset="0"/>
+              </a:rPr>
+              <a:t> </a:t>
+            </a:r>
+            <a:r>
+              <a:rPr lang="en-US" sz="1200" b="0" i="0" u="none" strike="noStrike" dirty="0" err="1">
+                <a:solidFill>
+                  <a:srgbClr val="212121"/>
+                </a:solidFill>
+                <a:effectLst/>
+                <a:latin typeface="Calibri" panose="020F0502020204030204" pitchFamily="34" charset="0"/>
+                <a:cs typeface="Calibri" panose="020F0502020204030204" pitchFamily="34" charset="0"/>
+              </a:rPr>
+              <a:t>bildirimler</a:t>
+            </a:r>
+            <a:endParaRPr lang="en-US" sz="1200" b="0" i="0" u="none" strike="noStrike" dirty="0">
+              <a:solidFill>
+                <a:srgbClr val="212121"/>
+              </a:solidFill>
+              <a:effectLst/>
+              <a:latin typeface="Calibri" panose="020F0502020204030204" pitchFamily="34" charset="0"/>
+              <a:cs typeface="Calibri" panose="020F0502020204030204" pitchFamily="34" charset="0"/>
+            </a:endParaRPr>
+          </a:p>
+          <a:p>
+            <a:pPr algn="l">
+              <a:spcAft>
+                <a:spcPts val="0"/>
+              </a:spcAft>
+              <a:buFont typeface="Arial" panose="020B0604020202020204" pitchFamily="34" charset="0"/>
+              <a:buChar char="•"/>
+            </a:pPr>
+            <a:r>
+              <a:rPr lang="en-US" sz="1200" b="0" i="0" u="none" strike="noStrike" dirty="0" err="1">
+                <a:solidFill>
+                  <a:srgbClr val="212121"/>
+                </a:solidFill>
+                <a:effectLst/>
+                <a:latin typeface="Calibri" panose="020F0502020204030204" pitchFamily="34" charset="0"/>
+                <a:cs typeface="Calibri" panose="020F0502020204030204" pitchFamily="34" charset="0"/>
+              </a:rPr>
+              <a:t>İşveren</a:t>
+            </a:r>
+            <a:r>
+              <a:rPr lang="en-US" sz="1200" b="0" i="0" u="none" strike="noStrike" dirty="0">
+                <a:solidFill>
+                  <a:srgbClr val="212121"/>
+                </a:solidFill>
+                <a:effectLst/>
+                <a:latin typeface="Calibri" panose="020F0502020204030204" pitchFamily="34" charset="0"/>
+                <a:cs typeface="Calibri" panose="020F0502020204030204" pitchFamily="34" charset="0"/>
+              </a:rPr>
+              <a:t> </a:t>
+            </a:r>
+            <a:r>
+              <a:rPr lang="en-US" sz="1200" b="0" i="0" u="none" strike="noStrike" dirty="0" err="1">
+                <a:solidFill>
+                  <a:srgbClr val="212121"/>
+                </a:solidFill>
+                <a:effectLst/>
+                <a:latin typeface="Calibri" panose="020F0502020204030204" pitchFamily="34" charset="0"/>
+                <a:cs typeface="Calibri" panose="020F0502020204030204" pitchFamily="34" charset="0"/>
+              </a:rPr>
+              <a:t>etkileşimini</a:t>
+            </a:r>
+            <a:r>
+              <a:rPr lang="en-US" sz="1200" b="0" i="0" u="none" strike="noStrike" dirty="0">
+                <a:solidFill>
+                  <a:srgbClr val="212121"/>
+                </a:solidFill>
+                <a:effectLst/>
+                <a:latin typeface="Calibri" panose="020F0502020204030204" pitchFamily="34" charset="0"/>
+                <a:cs typeface="Calibri" panose="020F0502020204030204" pitchFamily="34" charset="0"/>
+              </a:rPr>
+              <a:t> </a:t>
+            </a:r>
+            <a:r>
+              <a:rPr lang="en-US" sz="1200" b="0" i="0" u="none" strike="noStrike" dirty="0" err="1">
+                <a:solidFill>
+                  <a:srgbClr val="212121"/>
+                </a:solidFill>
+                <a:effectLst/>
+                <a:latin typeface="Calibri" panose="020F0502020204030204" pitchFamily="34" charset="0"/>
+                <a:cs typeface="Calibri" panose="020F0502020204030204" pitchFamily="34" charset="0"/>
+              </a:rPr>
+              <a:t>artırmayı</a:t>
+            </a:r>
+            <a:r>
+              <a:rPr lang="en-US" sz="1200" b="0" i="0" u="none" strike="noStrike" dirty="0">
+                <a:solidFill>
+                  <a:srgbClr val="212121"/>
+                </a:solidFill>
+                <a:effectLst/>
+                <a:latin typeface="Calibri" panose="020F0502020204030204" pitchFamily="34" charset="0"/>
+                <a:cs typeface="Calibri" panose="020F0502020204030204" pitchFamily="34" charset="0"/>
+              </a:rPr>
+              <a:t> </a:t>
+            </a:r>
+            <a:r>
+              <a:rPr lang="en-US" sz="1200" b="0" i="0" u="none" strike="noStrike" dirty="0" err="1">
+                <a:solidFill>
+                  <a:srgbClr val="212121"/>
+                </a:solidFill>
+                <a:effectLst/>
+                <a:latin typeface="Calibri" panose="020F0502020204030204" pitchFamily="34" charset="0"/>
+                <a:cs typeface="Calibri" panose="020F0502020204030204" pitchFamily="34" charset="0"/>
+              </a:rPr>
+              <a:t>amaçlayan</a:t>
+            </a:r>
+            <a:r>
+              <a:rPr lang="en-US" sz="1200" b="0" i="0" u="none" strike="noStrike" dirty="0">
+                <a:solidFill>
+                  <a:srgbClr val="212121"/>
+                </a:solidFill>
+                <a:effectLst/>
+                <a:latin typeface="Calibri" panose="020F0502020204030204" pitchFamily="34" charset="0"/>
+                <a:cs typeface="Calibri" panose="020F0502020204030204" pitchFamily="34" charset="0"/>
+              </a:rPr>
+              <a:t> </a:t>
+            </a:r>
+            <a:r>
+              <a:rPr lang="en-US" sz="1200" b="0" i="0" u="none" strike="noStrike" dirty="0" err="1">
+                <a:solidFill>
+                  <a:srgbClr val="212121"/>
+                </a:solidFill>
+                <a:effectLst/>
+                <a:latin typeface="Calibri" panose="020F0502020204030204" pitchFamily="34" charset="0"/>
+                <a:cs typeface="Calibri" panose="020F0502020204030204" pitchFamily="34" charset="0"/>
+              </a:rPr>
+              <a:t>pazarlama</a:t>
+            </a:r>
+            <a:r>
+              <a:rPr lang="en-US" sz="1200" b="0" i="0" u="none" strike="noStrike" dirty="0">
+                <a:solidFill>
+                  <a:srgbClr val="212121"/>
+                </a:solidFill>
+                <a:effectLst/>
+                <a:latin typeface="Calibri" panose="020F0502020204030204" pitchFamily="34" charset="0"/>
+                <a:cs typeface="Calibri" panose="020F0502020204030204" pitchFamily="34" charset="0"/>
+              </a:rPr>
+              <a:t> </a:t>
+            </a:r>
+            <a:r>
+              <a:rPr lang="en-US" sz="1200" b="0" i="0" u="none" strike="noStrike" dirty="0" err="1">
+                <a:solidFill>
+                  <a:srgbClr val="212121"/>
+                </a:solidFill>
+                <a:effectLst/>
+                <a:latin typeface="Calibri" panose="020F0502020204030204" pitchFamily="34" charset="0"/>
+                <a:cs typeface="Calibri" panose="020F0502020204030204" pitchFamily="34" charset="0"/>
+              </a:rPr>
+              <a:t>kampanyalarının</a:t>
+            </a:r>
+            <a:r>
+              <a:rPr lang="en-US" sz="1200" b="0" i="0" u="none" strike="noStrike" dirty="0">
+                <a:solidFill>
+                  <a:srgbClr val="212121"/>
+                </a:solidFill>
+                <a:effectLst/>
+                <a:latin typeface="Calibri" panose="020F0502020204030204" pitchFamily="34" charset="0"/>
+                <a:cs typeface="Calibri" panose="020F0502020204030204" pitchFamily="34" charset="0"/>
+              </a:rPr>
+              <a:t> </a:t>
+            </a:r>
+            <a:r>
+              <a:rPr lang="en-US" sz="1200" b="0" i="0" u="none" strike="noStrike" dirty="0" err="1">
+                <a:solidFill>
+                  <a:srgbClr val="212121"/>
+                </a:solidFill>
+                <a:effectLst/>
+                <a:latin typeface="Calibri" panose="020F0502020204030204" pitchFamily="34" charset="0"/>
+                <a:cs typeface="Calibri" panose="020F0502020204030204" pitchFamily="34" charset="0"/>
+              </a:rPr>
+              <a:t>etkinliği</a:t>
+            </a:r>
+            <a:endParaRPr lang="en-US" sz="1200" b="0" i="0" u="none" strike="noStrike" dirty="0">
+              <a:solidFill>
+                <a:srgbClr val="212121"/>
+              </a:solidFill>
+              <a:effectLst/>
+              <a:latin typeface="Calibri" panose="020F0502020204030204" pitchFamily="34" charset="0"/>
+              <a:cs typeface="Calibri" panose="020F0502020204030204" pitchFamily="34" charset="0"/>
+            </a:endParaRPr>
+          </a:p>
+          <a:p>
+            <a:pPr algn="l">
+              <a:spcAft>
+                <a:spcPts val="0"/>
+              </a:spcAft>
+            </a:pPr>
+            <a:r>
+              <a:rPr lang="en-US" sz="1200" b="0" i="0" u="none" strike="noStrike" dirty="0">
+                <a:solidFill>
+                  <a:srgbClr val="212121"/>
+                </a:solidFill>
+                <a:effectLst/>
+                <a:latin typeface="Calibri" panose="020F0502020204030204" pitchFamily="34" charset="0"/>
+                <a:cs typeface="Calibri" panose="020F0502020204030204" pitchFamily="34" charset="0"/>
+              </a:rPr>
+              <a:t>Not: </a:t>
+            </a:r>
+            <a:r>
+              <a:rPr lang="en-US" sz="1200" b="0" i="0" u="none" strike="noStrike" dirty="0" err="1">
+                <a:solidFill>
+                  <a:srgbClr val="212121"/>
+                </a:solidFill>
+                <a:effectLst/>
+                <a:latin typeface="Calibri" panose="020F0502020204030204" pitchFamily="34" charset="0"/>
+                <a:cs typeface="Calibri" panose="020F0502020204030204" pitchFamily="34" charset="0"/>
+              </a:rPr>
+              <a:t>Ölçütler</a:t>
+            </a:r>
+            <a:r>
+              <a:rPr lang="en-US" sz="1200" b="0" i="0" u="none" strike="noStrike" dirty="0">
+                <a:solidFill>
+                  <a:srgbClr val="212121"/>
+                </a:solidFill>
+                <a:effectLst/>
+                <a:latin typeface="Calibri" panose="020F0502020204030204" pitchFamily="34" charset="0"/>
+                <a:cs typeface="Calibri" panose="020F0502020204030204" pitchFamily="34" charset="0"/>
+              </a:rPr>
+              <a:t>, her </a:t>
+            </a:r>
+            <a:r>
+              <a:rPr lang="en-US" sz="1200" b="0" i="0" u="none" strike="noStrike" dirty="0" err="1">
+                <a:solidFill>
+                  <a:srgbClr val="212121"/>
+                </a:solidFill>
+                <a:effectLst/>
+                <a:latin typeface="Calibri" panose="020F0502020204030204" pitchFamily="34" charset="0"/>
+                <a:cs typeface="Calibri" panose="020F0502020204030204" pitchFamily="34" charset="0"/>
+              </a:rPr>
+              <a:t>spesifik</a:t>
+            </a:r>
+            <a:r>
+              <a:rPr lang="en-US" sz="1200" b="0" i="0" u="none" strike="noStrike" dirty="0">
+                <a:solidFill>
+                  <a:srgbClr val="212121"/>
+                </a:solidFill>
+                <a:effectLst/>
+                <a:latin typeface="Calibri" panose="020F0502020204030204" pitchFamily="34" charset="0"/>
+                <a:cs typeface="Calibri" panose="020F0502020204030204" pitchFamily="34" charset="0"/>
+              </a:rPr>
+              <a:t> </a:t>
+            </a:r>
+            <a:r>
+              <a:rPr lang="en-US" sz="1200" b="0" i="0" u="none" strike="noStrike" dirty="0" err="1">
+                <a:solidFill>
+                  <a:srgbClr val="212121"/>
+                </a:solidFill>
+                <a:effectLst/>
+                <a:latin typeface="Calibri" panose="020F0502020204030204" pitchFamily="34" charset="0"/>
+                <a:cs typeface="Calibri" panose="020F0502020204030204" pitchFamily="34" charset="0"/>
+              </a:rPr>
+              <a:t>sorun</a:t>
+            </a:r>
+            <a:r>
+              <a:rPr lang="en-US" sz="1200" b="0" i="0" u="none" strike="noStrike" dirty="0">
+                <a:solidFill>
+                  <a:srgbClr val="212121"/>
+                </a:solidFill>
+                <a:effectLst/>
+                <a:latin typeface="Calibri" panose="020F0502020204030204" pitchFamily="34" charset="0"/>
+                <a:cs typeface="Calibri" panose="020F0502020204030204" pitchFamily="34" charset="0"/>
+              </a:rPr>
+              <a:t> </a:t>
+            </a:r>
+            <a:r>
+              <a:rPr lang="en-US" sz="1200" b="0" i="0" u="none" strike="noStrike" dirty="0" err="1">
+                <a:solidFill>
+                  <a:srgbClr val="212121"/>
+                </a:solidFill>
+                <a:effectLst/>
+                <a:latin typeface="Calibri" panose="020F0502020204030204" pitchFamily="34" charset="0"/>
+                <a:cs typeface="Calibri" panose="020F0502020204030204" pitchFamily="34" charset="0"/>
+              </a:rPr>
+              <a:t>için</a:t>
+            </a:r>
+            <a:r>
+              <a:rPr lang="en-US" sz="1200" b="0" i="0" u="none" strike="noStrike" dirty="0">
+                <a:solidFill>
+                  <a:srgbClr val="212121"/>
+                </a:solidFill>
+                <a:effectLst/>
+                <a:latin typeface="Calibri" panose="020F0502020204030204" pitchFamily="34" charset="0"/>
+                <a:cs typeface="Calibri" panose="020F0502020204030204" pitchFamily="34" charset="0"/>
+              </a:rPr>
+              <a:t> </a:t>
+            </a:r>
+            <a:r>
+              <a:rPr lang="en-US" sz="1200" b="0" i="0" u="none" strike="noStrike" dirty="0" err="1">
+                <a:solidFill>
+                  <a:srgbClr val="212121"/>
+                </a:solidFill>
+                <a:effectLst/>
+                <a:latin typeface="Calibri" panose="020F0502020204030204" pitchFamily="34" charset="0"/>
+                <a:cs typeface="Calibri" panose="020F0502020204030204" pitchFamily="34" charset="0"/>
+              </a:rPr>
+              <a:t>özelleştirilmeli</a:t>
+            </a:r>
+            <a:r>
+              <a:rPr lang="en-US" sz="1200" b="0" i="0" u="none" strike="noStrike" dirty="0">
+                <a:solidFill>
+                  <a:srgbClr val="212121"/>
+                </a:solidFill>
+                <a:effectLst/>
+                <a:latin typeface="Calibri" panose="020F0502020204030204" pitchFamily="34" charset="0"/>
+                <a:cs typeface="Calibri" panose="020F0502020204030204" pitchFamily="34" charset="0"/>
+              </a:rPr>
+              <a:t> </a:t>
+            </a:r>
+            <a:r>
+              <a:rPr lang="en-US" sz="1200" b="0" i="0" u="none" strike="noStrike" dirty="0" err="1">
+                <a:solidFill>
+                  <a:srgbClr val="212121"/>
+                </a:solidFill>
+                <a:effectLst/>
+                <a:latin typeface="Calibri" panose="020F0502020204030204" pitchFamily="34" charset="0"/>
+                <a:cs typeface="Calibri" panose="020F0502020204030204" pitchFamily="34" charset="0"/>
+              </a:rPr>
+              <a:t>ve</a:t>
+            </a:r>
+            <a:r>
+              <a:rPr lang="en-US" sz="1200" b="0" i="0" u="none" strike="noStrike" dirty="0">
+                <a:solidFill>
+                  <a:srgbClr val="212121"/>
+                </a:solidFill>
+                <a:effectLst/>
+                <a:latin typeface="Calibri" panose="020F0502020204030204" pitchFamily="34" charset="0"/>
+                <a:cs typeface="Calibri" panose="020F0502020204030204" pitchFamily="34" charset="0"/>
+              </a:rPr>
+              <a:t> </a:t>
+            </a:r>
+            <a:r>
+              <a:rPr lang="en-US" sz="1200" b="0" i="0" u="none" strike="noStrike" dirty="0" err="1">
+                <a:solidFill>
+                  <a:srgbClr val="212121"/>
+                </a:solidFill>
+                <a:effectLst/>
+                <a:latin typeface="Calibri" panose="020F0502020204030204" pitchFamily="34" charset="0"/>
+                <a:cs typeface="Calibri" panose="020F0502020204030204" pitchFamily="34" charset="0"/>
+              </a:rPr>
+              <a:t>önerilen</a:t>
+            </a:r>
+            <a:r>
+              <a:rPr lang="en-US" sz="1200" b="0" i="0" u="none" strike="noStrike" dirty="0">
+                <a:solidFill>
+                  <a:srgbClr val="212121"/>
+                </a:solidFill>
+                <a:effectLst/>
+                <a:latin typeface="Calibri" panose="020F0502020204030204" pitchFamily="34" charset="0"/>
+                <a:cs typeface="Calibri" panose="020F0502020204030204" pitchFamily="34" charset="0"/>
+              </a:rPr>
+              <a:t> </a:t>
+            </a:r>
+            <a:r>
+              <a:rPr lang="en-US" sz="1200" b="0" i="0" u="none" strike="noStrike" dirty="0" err="1">
+                <a:solidFill>
+                  <a:srgbClr val="212121"/>
+                </a:solidFill>
+                <a:effectLst/>
+                <a:latin typeface="Calibri" panose="020F0502020204030204" pitchFamily="34" charset="0"/>
+                <a:cs typeface="Calibri" panose="020F0502020204030204" pitchFamily="34" charset="0"/>
+              </a:rPr>
+              <a:t>çözümlerin</a:t>
+            </a:r>
+            <a:r>
+              <a:rPr lang="en-US" sz="1200" b="0" i="0" u="none" strike="noStrike" dirty="0">
+                <a:solidFill>
+                  <a:srgbClr val="212121"/>
+                </a:solidFill>
+                <a:effectLst/>
+                <a:latin typeface="Calibri" panose="020F0502020204030204" pitchFamily="34" charset="0"/>
+                <a:cs typeface="Calibri" panose="020F0502020204030204" pitchFamily="34" charset="0"/>
+              </a:rPr>
+              <a:t> </a:t>
+            </a:r>
+            <a:r>
+              <a:rPr lang="en-US" sz="1200" b="0" i="0" u="none" strike="noStrike" dirty="0" err="1">
+                <a:solidFill>
+                  <a:srgbClr val="212121"/>
+                </a:solidFill>
+                <a:effectLst/>
+                <a:latin typeface="Calibri" panose="020F0502020204030204" pitchFamily="34" charset="0"/>
+                <a:cs typeface="Calibri" panose="020F0502020204030204" pitchFamily="34" charset="0"/>
+              </a:rPr>
+              <a:t>etkililiğini</a:t>
+            </a:r>
+            <a:r>
+              <a:rPr lang="en-US" sz="1200" b="0" i="0" u="none" strike="noStrike" dirty="0">
+                <a:solidFill>
+                  <a:srgbClr val="212121"/>
+                </a:solidFill>
+                <a:effectLst/>
+                <a:latin typeface="Calibri" panose="020F0502020204030204" pitchFamily="34" charset="0"/>
+                <a:cs typeface="Calibri" panose="020F0502020204030204" pitchFamily="34" charset="0"/>
+              </a:rPr>
+              <a:t> </a:t>
+            </a:r>
+            <a:r>
+              <a:rPr lang="en-US" sz="1200" b="0" i="0" u="none" strike="noStrike" dirty="0" err="1">
+                <a:solidFill>
+                  <a:srgbClr val="212121"/>
+                </a:solidFill>
+                <a:effectLst/>
+                <a:latin typeface="Calibri" panose="020F0502020204030204" pitchFamily="34" charset="0"/>
+                <a:cs typeface="Calibri" panose="020F0502020204030204" pitchFamily="34" charset="0"/>
+              </a:rPr>
+              <a:t>ölçmenin</a:t>
+            </a:r>
+            <a:r>
+              <a:rPr lang="en-US" sz="1200" b="0" i="0" u="none" strike="noStrike" dirty="0">
+                <a:solidFill>
+                  <a:srgbClr val="212121"/>
+                </a:solidFill>
+                <a:effectLst/>
+                <a:latin typeface="Calibri" panose="020F0502020204030204" pitchFamily="34" charset="0"/>
+                <a:cs typeface="Calibri" panose="020F0502020204030204" pitchFamily="34" charset="0"/>
+              </a:rPr>
+              <a:t> </a:t>
+            </a:r>
+            <a:r>
+              <a:rPr lang="en-US" sz="1200" b="0" i="0" u="none" strike="noStrike" dirty="0" err="1">
+                <a:solidFill>
+                  <a:srgbClr val="212121"/>
+                </a:solidFill>
+                <a:effectLst/>
+                <a:latin typeface="Calibri" panose="020F0502020204030204" pitchFamily="34" charset="0"/>
+                <a:cs typeface="Calibri" panose="020F0502020204030204" pitchFamily="34" charset="0"/>
+              </a:rPr>
+              <a:t>bir</a:t>
+            </a:r>
+            <a:r>
+              <a:rPr lang="en-US" sz="1200" b="0" i="0" u="none" strike="noStrike" dirty="0">
+                <a:solidFill>
+                  <a:srgbClr val="212121"/>
+                </a:solidFill>
+                <a:effectLst/>
+                <a:latin typeface="Calibri" panose="020F0502020204030204" pitchFamily="34" charset="0"/>
+                <a:cs typeface="Calibri" panose="020F0502020204030204" pitchFamily="34" charset="0"/>
+              </a:rPr>
+              <a:t> </a:t>
+            </a:r>
+            <a:r>
+              <a:rPr lang="en-US" sz="1200" b="0" i="0" u="none" strike="noStrike" dirty="0" err="1">
+                <a:solidFill>
+                  <a:srgbClr val="212121"/>
+                </a:solidFill>
+                <a:effectLst/>
+                <a:latin typeface="Calibri" panose="020F0502020204030204" pitchFamily="34" charset="0"/>
+                <a:cs typeface="Calibri" panose="020F0502020204030204" pitchFamily="34" charset="0"/>
+              </a:rPr>
+              <a:t>yolunu</a:t>
+            </a:r>
+            <a:r>
+              <a:rPr lang="en-US" sz="1200" b="0" i="0" u="none" strike="noStrike" dirty="0">
+                <a:solidFill>
+                  <a:srgbClr val="212121"/>
+                </a:solidFill>
+                <a:effectLst/>
+                <a:latin typeface="Calibri" panose="020F0502020204030204" pitchFamily="34" charset="0"/>
+                <a:cs typeface="Calibri" panose="020F0502020204030204" pitchFamily="34" charset="0"/>
+              </a:rPr>
+              <a:t> </a:t>
+            </a:r>
+            <a:r>
+              <a:rPr lang="en-US" sz="1200" b="0" i="0" u="none" strike="noStrike" dirty="0" err="1">
+                <a:solidFill>
+                  <a:srgbClr val="212121"/>
+                </a:solidFill>
+                <a:effectLst/>
+                <a:latin typeface="Calibri" panose="020F0502020204030204" pitchFamily="34" charset="0"/>
+                <a:cs typeface="Calibri" panose="020F0502020204030204" pitchFamily="34" charset="0"/>
+              </a:rPr>
+              <a:t>sağlamalıdır</a:t>
+            </a:r>
+            <a:r>
+              <a:rPr lang="en-US" sz="1200" b="0" i="0" u="none" strike="noStrike" dirty="0">
+                <a:solidFill>
+                  <a:srgbClr val="212121"/>
+                </a:solidFill>
+                <a:effectLst/>
+                <a:latin typeface="Calibri" panose="020F0502020204030204" pitchFamily="34" charset="0"/>
+                <a:cs typeface="Calibri" panose="020F0502020204030204" pitchFamily="34" charset="0"/>
+              </a:rPr>
+              <a:t>.</a:t>
+            </a:r>
+          </a:p>
+          <a:p>
+            <a:pPr algn="l">
+              <a:spcAft>
+                <a:spcPts val="0"/>
+              </a:spcAft>
+            </a:pPr>
+            <a:r>
+              <a:rPr lang="en-US" sz="1200" b="0" i="0" u="none" strike="noStrike" dirty="0">
+                <a:solidFill>
+                  <a:srgbClr val="212121"/>
+                </a:solidFill>
+                <a:effectLst/>
+                <a:latin typeface="Calibri" panose="020F0502020204030204" pitchFamily="34" charset="0"/>
+                <a:cs typeface="Calibri" panose="020F0502020204030204" pitchFamily="34" charset="0"/>
+              </a:rPr>
+              <a:t> </a:t>
+            </a:r>
+          </a:p>
+          <a:p>
+            <a:pPr algn="l">
+              <a:spcAft>
+                <a:spcPts val="0"/>
+              </a:spcAft>
+            </a:pPr>
+            <a:r>
+              <a:rPr lang="en-US" sz="1200" b="0" i="0" u="none" strike="noStrike" dirty="0">
+                <a:solidFill>
+                  <a:srgbClr val="212121"/>
+                </a:solidFill>
+                <a:effectLst/>
+                <a:latin typeface="Calibri" panose="020F0502020204030204" pitchFamily="34" charset="0"/>
+                <a:cs typeface="Calibri" panose="020F0502020204030204" pitchFamily="34" charset="0"/>
+              </a:rPr>
+              <a:t> </a:t>
+            </a:r>
+          </a:p>
+          <a:p>
+            <a:pPr algn="l">
+              <a:spcAft>
+                <a:spcPts val="0"/>
+              </a:spcAft>
+            </a:pPr>
+            <a:r>
+              <a:rPr lang="en-US" sz="1200" b="1" i="0" u="none" strike="noStrike" dirty="0" err="1">
+                <a:solidFill>
+                  <a:srgbClr val="212121"/>
+                </a:solidFill>
+                <a:effectLst/>
+                <a:latin typeface="Calibri" panose="020F0502020204030204" pitchFamily="34" charset="0"/>
+                <a:cs typeface="Calibri" panose="020F0502020204030204" pitchFamily="34" charset="0"/>
+              </a:rPr>
+              <a:t>Sorun</a:t>
+            </a:r>
+            <a:r>
+              <a:rPr lang="en-US" sz="1200" b="1" i="0" u="none" strike="noStrike" dirty="0">
+                <a:solidFill>
+                  <a:srgbClr val="212121"/>
+                </a:solidFill>
+                <a:effectLst/>
+                <a:latin typeface="Calibri" panose="020F0502020204030204" pitchFamily="34" charset="0"/>
+                <a:cs typeface="Calibri" panose="020F0502020204030204" pitchFamily="34" charset="0"/>
+              </a:rPr>
+              <a:t>: </a:t>
+            </a:r>
+            <a:r>
+              <a:rPr lang="en-US" sz="1200" b="1" i="0" u="none" strike="noStrike" dirty="0" err="1">
+                <a:solidFill>
+                  <a:srgbClr val="212121"/>
+                </a:solidFill>
+                <a:effectLst/>
+                <a:latin typeface="Calibri" panose="020F0502020204030204" pitchFamily="34" charset="0"/>
+                <a:cs typeface="Calibri" panose="020F0502020204030204" pitchFamily="34" charset="0"/>
+              </a:rPr>
+              <a:t>İlan</a:t>
+            </a:r>
+            <a:r>
+              <a:rPr lang="en-US" sz="1200" b="1" i="0" u="none" strike="noStrike" dirty="0">
+                <a:solidFill>
+                  <a:srgbClr val="212121"/>
+                </a:solidFill>
+                <a:effectLst/>
+                <a:latin typeface="Calibri" panose="020F0502020204030204" pitchFamily="34" charset="0"/>
+                <a:cs typeface="Calibri" panose="020F0502020204030204" pitchFamily="34" charset="0"/>
+              </a:rPr>
+              <a:t> </a:t>
+            </a:r>
+            <a:r>
+              <a:rPr lang="en-US" sz="1200" b="1" i="0" u="none" strike="noStrike" dirty="0" err="1">
+                <a:solidFill>
+                  <a:srgbClr val="212121"/>
+                </a:solidFill>
+                <a:effectLst/>
+                <a:latin typeface="Calibri" panose="020F0502020204030204" pitchFamily="34" charset="0"/>
+                <a:cs typeface="Calibri" panose="020F0502020204030204" pitchFamily="34" charset="0"/>
+              </a:rPr>
+              <a:t>eşleştirme</a:t>
+            </a:r>
+            <a:r>
+              <a:rPr lang="en-US" sz="1200" b="1" i="0" u="none" strike="noStrike" dirty="0">
+                <a:solidFill>
+                  <a:srgbClr val="212121"/>
+                </a:solidFill>
+                <a:effectLst/>
+                <a:latin typeface="Calibri" panose="020F0502020204030204" pitchFamily="34" charset="0"/>
+                <a:cs typeface="Calibri" panose="020F0502020204030204" pitchFamily="34" charset="0"/>
+              </a:rPr>
+              <a:t> </a:t>
+            </a:r>
+            <a:r>
+              <a:rPr lang="en-US" sz="1200" b="1" i="0" u="none" strike="noStrike" dirty="0" err="1">
+                <a:solidFill>
+                  <a:srgbClr val="212121"/>
+                </a:solidFill>
+                <a:effectLst/>
+                <a:latin typeface="Calibri" panose="020F0502020204030204" pitchFamily="34" charset="0"/>
+                <a:cs typeface="Calibri" panose="020F0502020204030204" pitchFamily="34" charset="0"/>
+              </a:rPr>
+              <a:t>veriminin</a:t>
+            </a:r>
+            <a:r>
+              <a:rPr lang="en-US" sz="1200" b="1" i="0" u="none" strike="noStrike" dirty="0">
+                <a:solidFill>
+                  <a:srgbClr val="212121"/>
+                </a:solidFill>
+                <a:effectLst/>
+                <a:latin typeface="Calibri" panose="020F0502020204030204" pitchFamily="34" charset="0"/>
+                <a:cs typeface="Calibri" panose="020F0502020204030204" pitchFamily="34" charset="0"/>
+              </a:rPr>
+              <a:t> </a:t>
+            </a:r>
+            <a:r>
+              <a:rPr lang="en-US" sz="1200" b="1" i="0" u="none" strike="noStrike" dirty="0" err="1">
+                <a:solidFill>
+                  <a:srgbClr val="212121"/>
+                </a:solidFill>
+                <a:effectLst/>
+                <a:latin typeface="Calibri" panose="020F0502020204030204" pitchFamily="34" charset="0"/>
+                <a:cs typeface="Calibri" panose="020F0502020204030204" pitchFamily="34" charset="0"/>
+              </a:rPr>
+              <a:t>arttırılması</a:t>
+            </a:r>
+            <a:endParaRPr lang="en-US" sz="1200" b="0" i="0" u="none" strike="noStrike" dirty="0">
+              <a:solidFill>
+                <a:srgbClr val="212121"/>
+              </a:solidFill>
+              <a:effectLst/>
+              <a:latin typeface="Calibri" panose="020F0502020204030204" pitchFamily="34" charset="0"/>
+              <a:cs typeface="Calibri" panose="020F0502020204030204" pitchFamily="34" charset="0"/>
+            </a:endParaRPr>
+          </a:p>
+          <a:p>
+            <a:pPr algn="l">
+              <a:spcAft>
+                <a:spcPts val="0"/>
+              </a:spcAft>
+            </a:pPr>
+            <a:r>
+              <a:rPr lang="en-US" sz="1200" b="0" i="0" u="none" strike="noStrike" dirty="0" err="1">
+                <a:solidFill>
+                  <a:srgbClr val="212121"/>
+                </a:solidFill>
+                <a:effectLst/>
+                <a:latin typeface="Calibri" panose="020F0502020204030204" pitchFamily="34" charset="0"/>
+                <a:cs typeface="Calibri" panose="020F0502020204030204" pitchFamily="34" charset="0"/>
+              </a:rPr>
+              <a:t>Önerdiğimiz</a:t>
+            </a:r>
+            <a:r>
+              <a:rPr lang="en-US" sz="1200" b="0" i="0" u="none" strike="noStrike" dirty="0">
+                <a:solidFill>
+                  <a:srgbClr val="212121"/>
+                </a:solidFill>
+                <a:effectLst/>
+                <a:latin typeface="Calibri" panose="020F0502020204030204" pitchFamily="34" charset="0"/>
+                <a:cs typeface="Calibri" panose="020F0502020204030204" pitchFamily="34" charset="0"/>
+              </a:rPr>
+              <a:t> </a:t>
+            </a:r>
+            <a:r>
+              <a:rPr lang="en-US" sz="1200" b="0" i="0" u="none" strike="noStrike" dirty="0" err="1">
+                <a:solidFill>
+                  <a:srgbClr val="212121"/>
+                </a:solidFill>
+                <a:effectLst/>
+                <a:latin typeface="Calibri" panose="020F0502020204030204" pitchFamily="34" charset="0"/>
+                <a:cs typeface="Calibri" panose="020F0502020204030204" pitchFamily="34" charset="0"/>
+              </a:rPr>
+              <a:t>bir</a:t>
+            </a:r>
+            <a:r>
+              <a:rPr lang="en-US" sz="1200" b="0" i="0" u="none" strike="noStrike" dirty="0">
+                <a:solidFill>
+                  <a:srgbClr val="212121"/>
+                </a:solidFill>
+                <a:effectLst/>
+                <a:latin typeface="Calibri" panose="020F0502020204030204" pitchFamily="34" charset="0"/>
+                <a:cs typeface="Calibri" panose="020F0502020204030204" pitchFamily="34" charset="0"/>
+              </a:rPr>
+              <a:t> </a:t>
+            </a:r>
+            <a:r>
+              <a:rPr lang="en-US" sz="1200" b="0" i="0" u="none" strike="noStrike" dirty="0" err="1">
+                <a:solidFill>
+                  <a:srgbClr val="212121"/>
+                </a:solidFill>
+                <a:effectLst/>
+                <a:latin typeface="Calibri" panose="020F0502020204030204" pitchFamily="34" charset="0"/>
+                <a:cs typeface="Calibri" panose="020F0502020204030204" pitchFamily="34" charset="0"/>
+              </a:rPr>
+              <a:t>çözüm</a:t>
+            </a:r>
+            <a:r>
+              <a:rPr lang="en-US" sz="1200" b="0" i="0" u="none" strike="noStrike" dirty="0">
+                <a:solidFill>
+                  <a:srgbClr val="212121"/>
+                </a:solidFill>
+                <a:effectLst/>
+                <a:latin typeface="Calibri" panose="020F0502020204030204" pitchFamily="34" charset="0"/>
+                <a:cs typeface="Calibri" panose="020F0502020204030204" pitchFamily="34" charset="0"/>
+              </a:rPr>
+              <a:t>, </a:t>
+            </a:r>
+            <a:r>
+              <a:rPr lang="en-US" sz="1200" b="0" i="0" u="none" strike="noStrike" dirty="0" err="1">
+                <a:solidFill>
+                  <a:srgbClr val="212121"/>
+                </a:solidFill>
+                <a:effectLst/>
+                <a:latin typeface="Calibri" panose="020F0502020204030204" pitchFamily="34" charset="0"/>
+                <a:cs typeface="Calibri" panose="020F0502020204030204" pitchFamily="34" charset="0"/>
+              </a:rPr>
+              <a:t>Kariyer.net'teki</a:t>
+            </a:r>
+            <a:r>
+              <a:rPr lang="en-US" sz="1200" b="0" i="0" u="none" strike="noStrike" dirty="0">
+                <a:solidFill>
+                  <a:srgbClr val="212121"/>
+                </a:solidFill>
+                <a:effectLst/>
+                <a:latin typeface="Calibri" panose="020F0502020204030204" pitchFamily="34" charset="0"/>
+                <a:cs typeface="Calibri" panose="020F0502020204030204" pitchFamily="34" charset="0"/>
+              </a:rPr>
+              <a:t> </a:t>
+            </a:r>
+            <a:r>
+              <a:rPr lang="en-US" sz="1200" b="0" i="0" u="none" strike="noStrike" dirty="0" err="1">
+                <a:solidFill>
+                  <a:srgbClr val="212121"/>
+                </a:solidFill>
+                <a:effectLst/>
+                <a:latin typeface="Calibri" panose="020F0502020204030204" pitchFamily="34" charset="0"/>
+                <a:cs typeface="Calibri" panose="020F0502020204030204" pitchFamily="34" charset="0"/>
+              </a:rPr>
+              <a:t>iş</a:t>
+            </a:r>
+            <a:r>
+              <a:rPr lang="en-US" sz="1200" b="0" i="0" u="none" strike="noStrike" dirty="0">
+                <a:solidFill>
+                  <a:srgbClr val="212121"/>
+                </a:solidFill>
+                <a:effectLst/>
+                <a:latin typeface="Calibri" panose="020F0502020204030204" pitchFamily="34" charset="0"/>
+                <a:cs typeface="Calibri" panose="020F0502020204030204" pitchFamily="34" charset="0"/>
+              </a:rPr>
+              <a:t> </a:t>
+            </a:r>
+            <a:r>
+              <a:rPr lang="en-US" sz="1200" b="0" i="0" u="none" strike="noStrike" dirty="0" err="1">
+                <a:solidFill>
+                  <a:srgbClr val="212121"/>
+                </a:solidFill>
+                <a:effectLst/>
+                <a:latin typeface="Calibri" panose="020F0502020204030204" pitchFamily="34" charset="0"/>
+                <a:cs typeface="Calibri" panose="020F0502020204030204" pitchFamily="34" charset="0"/>
+              </a:rPr>
+              <a:t>eşleştirme</a:t>
+            </a:r>
+            <a:r>
+              <a:rPr lang="en-US" sz="1200" b="0" i="0" u="none" strike="noStrike" dirty="0">
+                <a:solidFill>
+                  <a:srgbClr val="212121"/>
+                </a:solidFill>
+                <a:effectLst/>
+                <a:latin typeface="Calibri" panose="020F0502020204030204" pitchFamily="34" charset="0"/>
+                <a:cs typeface="Calibri" panose="020F0502020204030204" pitchFamily="34" charset="0"/>
+              </a:rPr>
+              <a:t> </a:t>
+            </a:r>
+            <a:r>
+              <a:rPr lang="en-US" sz="1200" b="0" i="0" u="none" strike="noStrike" dirty="0" err="1">
+                <a:solidFill>
+                  <a:srgbClr val="212121"/>
+                </a:solidFill>
+                <a:effectLst/>
+                <a:latin typeface="Calibri" panose="020F0502020204030204" pitchFamily="34" charset="0"/>
+                <a:cs typeface="Calibri" panose="020F0502020204030204" pitchFamily="34" charset="0"/>
+              </a:rPr>
+              <a:t>sürecini</a:t>
+            </a:r>
+            <a:r>
+              <a:rPr lang="en-US" sz="1200" b="0" i="0" u="none" strike="noStrike" dirty="0">
+                <a:solidFill>
+                  <a:srgbClr val="212121"/>
+                </a:solidFill>
+                <a:effectLst/>
+                <a:latin typeface="Calibri" panose="020F0502020204030204" pitchFamily="34" charset="0"/>
+                <a:cs typeface="Calibri" panose="020F0502020204030204" pitchFamily="34" charset="0"/>
+              </a:rPr>
+              <a:t> </a:t>
+            </a:r>
+            <a:r>
+              <a:rPr lang="en-US" sz="1200" b="0" i="0" u="none" strike="noStrike" dirty="0" err="1">
+                <a:solidFill>
+                  <a:srgbClr val="212121"/>
+                </a:solidFill>
+                <a:effectLst/>
+                <a:latin typeface="Calibri" panose="020F0502020204030204" pitchFamily="34" charset="0"/>
+                <a:cs typeface="Calibri" panose="020F0502020204030204" pitchFamily="34" charset="0"/>
+              </a:rPr>
+              <a:t>iyileştirmek</a:t>
+            </a:r>
+            <a:r>
+              <a:rPr lang="en-US" sz="1200" b="0" i="0" u="none" strike="noStrike" dirty="0">
+                <a:solidFill>
+                  <a:srgbClr val="212121"/>
+                </a:solidFill>
+                <a:effectLst/>
+                <a:latin typeface="Calibri" panose="020F0502020204030204" pitchFamily="34" charset="0"/>
+                <a:cs typeface="Calibri" panose="020F0502020204030204" pitchFamily="34" charset="0"/>
+              </a:rPr>
+              <a:t> </a:t>
+            </a:r>
+            <a:r>
+              <a:rPr lang="en-US" sz="1200" b="0" i="0" u="none" strike="noStrike" dirty="0" err="1">
+                <a:solidFill>
+                  <a:srgbClr val="212121"/>
+                </a:solidFill>
+                <a:effectLst/>
+                <a:latin typeface="Calibri" panose="020F0502020204030204" pitchFamily="34" charset="0"/>
+                <a:cs typeface="Calibri" panose="020F0502020204030204" pitchFamily="34" charset="0"/>
+              </a:rPr>
+              <a:t>için</a:t>
+            </a:r>
+            <a:r>
+              <a:rPr lang="en-US" sz="1200" b="0" i="0" u="none" strike="noStrike" dirty="0">
+                <a:solidFill>
+                  <a:srgbClr val="212121"/>
+                </a:solidFill>
+                <a:effectLst/>
+                <a:latin typeface="Calibri" panose="020F0502020204030204" pitchFamily="34" charset="0"/>
+                <a:cs typeface="Calibri" panose="020F0502020204030204" pitchFamily="34" charset="0"/>
+              </a:rPr>
+              <a:t> </a:t>
+            </a:r>
+            <a:r>
+              <a:rPr lang="en-US" sz="1200" b="0" i="0" u="none" strike="noStrike" dirty="0" err="1">
+                <a:solidFill>
+                  <a:srgbClr val="212121"/>
+                </a:solidFill>
+                <a:effectLst/>
+                <a:latin typeface="Calibri" panose="020F0502020204030204" pitchFamily="34" charset="0"/>
+                <a:cs typeface="Calibri" panose="020F0502020204030204" pitchFamily="34" charset="0"/>
+              </a:rPr>
+              <a:t>doğal</a:t>
+            </a:r>
+            <a:r>
+              <a:rPr lang="en-US" sz="1200" b="0" i="0" u="none" strike="noStrike" dirty="0">
+                <a:solidFill>
+                  <a:srgbClr val="212121"/>
+                </a:solidFill>
+                <a:effectLst/>
+                <a:latin typeface="Calibri" panose="020F0502020204030204" pitchFamily="34" charset="0"/>
+                <a:cs typeface="Calibri" panose="020F0502020204030204" pitchFamily="34" charset="0"/>
+              </a:rPr>
+              <a:t> </a:t>
+            </a:r>
+            <a:r>
+              <a:rPr lang="en-US" sz="1200" b="0" i="0" u="none" strike="noStrike" dirty="0" err="1">
+                <a:solidFill>
+                  <a:srgbClr val="212121"/>
+                </a:solidFill>
+                <a:effectLst/>
+                <a:latin typeface="Calibri" panose="020F0502020204030204" pitchFamily="34" charset="0"/>
+                <a:cs typeface="Calibri" panose="020F0502020204030204" pitchFamily="34" charset="0"/>
+              </a:rPr>
+              <a:t>dil</a:t>
+            </a:r>
+            <a:r>
+              <a:rPr lang="en-US" sz="1200" b="0" i="0" u="none" strike="noStrike" dirty="0">
+                <a:solidFill>
+                  <a:srgbClr val="212121"/>
+                </a:solidFill>
+                <a:effectLst/>
+                <a:latin typeface="Calibri" panose="020F0502020204030204" pitchFamily="34" charset="0"/>
+                <a:cs typeface="Calibri" panose="020F0502020204030204" pitchFamily="34" charset="0"/>
+              </a:rPr>
+              <a:t> </a:t>
+            </a:r>
+            <a:r>
+              <a:rPr lang="en-US" sz="1200" b="0" i="0" u="none" strike="noStrike" dirty="0" err="1">
+                <a:solidFill>
+                  <a:srgbClr val="212121"/>
+                </a:solidFill>
+                <a:effectLst/>
+                <a:latin typeface="Calibri" panose="020F0502020204030204" pitchFamily="34" charset="0"/>
+                <a:cs typeface="Calibri" panose="020F0502020204030204" pitchFamily="34" charset="0"/>
+              </a:rPr>
+              <a:t>işleme</a:t>
+            </a:r>
+            <a:r>
+              <a:rPr lang="en-US" sz="1200" b="0" i="0" u="none" strike="noStrike" dirty="0">
+                <a:solidFill>
+                  <a:srgbClr val="212121"/>
+                </a:solidFill>
+                <a:effectLst/>
+                <a:latin typeface="Calibri" panose="020F0502020204030204" pitchFamily="34" charset="0"/>
+                <a:cs typeface="Calibri" panose="020F0502020204030204" pitchFamily="34" charset="0"/>
+              </a:rPr>
+              <a:t> </a:t>
+            </a:r>
+            <a:r>
+              <a:rPr lang="en-US" sz="1200" b="0" i="0" u="none" strike="noStrike" dirty="0" err="1">
+                <a:solidFill>
+                  <a:srgbClr val="212121"/>
+                </a:solidFill>
+                <a:effectLst/>
+                <a:latin typeface="Calibri" panose="020F0502020204030204" pitchFamily="34" charset="0"/>
+                <a:cs typeface="Calibri" panose="020F0502020204030204" pitchFamily="34" charset="0"/>
+              </a:rPr>
+              <a:t>tekniklerini</a:t>
+            </a:r>
+            <a:r>
+              <a:rPr lang="en-US" sz="1200" b="0" i="0" u="none" strike="noStrike" dirty="0">
+                <a:solidFill>
+                  <a:srgbClr val="212121"/>
+                </a:solidFill>
+                <a:effectLst/>
+                <a:latin typeface="Calibri" panose="020F0502020204030204" pitchFamily="34" charset="0"/>
+                <a:cs typeface="Calibri" panose="020F0502020204030204" pitchFamily="34" charset="0"/>
+              </a:rPr>
+              <a:t> </a:t>
+            </a:r>
+            <a:r>
+              <a:rPr lang="en-US" sz="1200" b="0" i="0" u="none" strike="noStrike" dirty="0" err="1">
+                <a:solidFill>
+                  <a:srgbClr val="212121"/>
+                </a:solidFill>
+                <a:effectLst/>
+                <a:latin typeface="Calibri" panose="020F0502020204030204" pitchFamily="34" charset="0"/>
+                <a:cs typeface="Calibri" panose="020F0502020204030204" pitchFamily="34" charset="0"/>
+              </a:rPr>
+              <a:t>kullanan</a:t>
+            </a:r>
+            <a:r>
+              <a:rPr lang="en-US" sz="1200" b="0" i="0" u="none" strike="noStrike" dirty="0">
+                <a:solidFill>
+                  <a:srgbClr val="212121"/>
+                </a:solidFill>
+                <a:effectLst/>
+                <a:latin typeface="Calibri" panose="020F0502020204030204" pitchFamily="34" charset="0"/>
+                <a:cs typeface="Calibri" panose="020F0502020204030204" pitchFamily="34" charset="0"/>
+              </a:rPr>
+              <a:t> </a:t>
+            </a:r>
+            <a:r>
+              <a:rPr lang="en-US" sz="1200" b="0" i="0" u="none" strike="noStrike" dirty="0" err="1">
+                <a:solidFill>
+                  <a:srgbClr val="212121"/>
+                </a:solidFill>
+                <a:effectLst/>
+                <a:latin typeface="Calibri" panose="020F0502020204030204" pitchFamily="34" charset="0"/>
+                <a:cs typeface="Calibri" panose="020F0502020204030204" pitchFamily="34" charset="0"/>
+              </a:rPr>
+              <a:t>bir</a:t>
+            </a:r>
+            <a:r>
+              <a:rPr lang="en-US" sz="1200" b="0" i="0" u="none" strike="noStrike" dirty="0">
+                <a:solidFill>
+                  <a:srgbClr val="212121"/>
+                </a:solidFill>
+                <a:effectLst/>
+                <a:latin typeface="Calibri" panose="020F0502020204030204" pitchFamily="34" charset="0"/>
+                <a:cs typeface="Calibri" panose="020F0502020204030204" pitchFamily="34" charset="0"/>
+              </a:rPr>
+              <a:t> </a:t>
+            </a:r>
+            <a:r>
+              <a:rPr lang="en-US" sz="1200" b="0" i="0" u="none" strike="noStrike" dirty="0" err="1">
+                <a:solidFill>
+                  <a:srgbClr val="212121"/>
+                </a:solidFill>
+                <a:effectLst/>
+                <a:latin typeface="Calibri" panose="020F0502020204030204" pitchFamily="34" charset="0"/>
+                <a:cs typeface="Calibri" panose="020F0502020204030204" pitchFamily="34" charset="0"/>
+              </a:rPr>
+              <a:t>makine</a:t>
+            </a:r>
+            <a:r>
+              <a:rPr lang="en-US" sz="1200" b="0" i="0" u="none" strike="noStrike" dirty="0">
+                <a:solidFill>
+                  <a:srgbClr val="212121"/>
+                </a:solidFill>
+                <a:effectLst/>
+                <a:latin typeface="Calibri" panose="020F0502020204030204" pitchFamily="34" charset="0"/>
+                <a:cs typeface="Calibri" panose="020F0502020204030204" pitchFamily="34" charset="0"/>
+              </a:rPr>
+              <a:t> </a:t>
+            </a:r>
+            <a:r>
+              <a:rPr lang="en-US" sz="1200" b="0" i="0" u="none" strike="noStrike" dirty="0" err="1">
+                <a:solidFill>
+                  <a:srgbClr val="212121"/>
+                </a:solidFill>
+                <a:effectLst/>
+                <a:latin typeface="Calibri" panose="020F0502020204030204" pitchFamily="34" charset="0"/>
+                <a:cs typeface="Calibri" panose="020F0502020204030204" pitchFamily="34" charset="0"/>
+              </a:rPr>
+              <a:t>öğrenimi</a:t>
+            </a:r>
+            <a:r>
+              <a:rPr lang="en-US" sz="1200" b="0" i="0" u="none" strike="noStrike" dirty="0">
+                <a:solidFill>
+                  <a:srgbClr val="212121"/>
+                </a:solidFill>
+                <a:effectLst/>
+                <a:latin typeface="Calibri" panose="020F0502020204030204" pitchFamily="34" charset="0"/>
+                <a:cs typeface="Calibri" panose="020F0502020204030204" pitchFamily="34" charset="0"/>
+              </a:rPr>
+              <a:t> </a:t>
+            </a:r>
+            <a:r>
+              <a:rPr lang="en-US" sz="1200" b="0" i="0" u="none" strike="noStrike" dirty="0" err="1">
+                <a:solidFill>
+                  <a:srgbClr val="212121"/>
+                </a:solidFill>
+                <a:effectLst/>
+                <a:latin typeface="Calibri" panose="020F0502020204030204" pitchFamily="34" charset="0"/>
+                <a:cs typeface="Calibri" panose="020F0502020204030204" pitchFamily="34" charset="0"/>
+              </a:rPr>
+              <a:t>algoritması</a:t>
+            </a:r>
+            <a:r>
+              <a:rPr lang="en-US" sz="1200" b="0" i="0" u="none" strike="noStrike" dirty="0">
+                <a:solidFill>
+                  <a:srgbClr val="212121"/>
+                </a:solidFill>
+                <a:effectLst/>
+                <a:latin typeface="Calibri" panose="020F0502020204030204" pitchFamily="34" charset="0"/>
+                <a:cs typeface="Calibri" panose="020F0502020204030204" pitchFamily="34" charset="0"/>
+              </a:rPr>
+              <a:t> </a:t>
+            </a:r>
+            <a:r>
+              <a:rPr lang="en-US" sz="1200" b="0" i="0" u="none" strike="noStrike" dirty="0" err="1">
+                <a:solidFill>
+                  <a:srgbClr val="212121"/>
+                </a:solidFill>
+                <a:effectLst/>
+                <a:latin typeface="Calibri" panose="020F0502020204030204" pitchFamily="34" charset="0"/>
+                <a:cs typeface="Calibri" panose="020F0502020204030204" pitchFamily="34" charset="0"/>
+              </a:rPr>
+              <a:t>geliştirmektir</a:t>
+            </a:r>
+            <a:r>
+              <a:rPr lang="en-US" sz="1200" b="0" i="0" u="none" strike="noStrike" dirty="0">
+                <a:solidFill>
+                  <a:srgbClr val="212121"/>
+                </a:solidFill>
+                <a:effectLst/>
+                <a:latin typeface="Calibri" panose="020F0502020204030204" pitchFamily="34" charset="0"/>
+                <a:cs typeface="Calibri" panose="020F0502020204030204" pitchFamily="34" charset="0"/>
+              </a:rPr>
+              <a:t>. </a:t>
+            </a:r>
+            <a:r>
+              <a:rPr lang="en-US" sz="1200" b="0" i="0" u="none" strike="noStrike" dirty="0" err="1">
+                <a:solidFill>
+                  <a:srgbClr val="212121"/>
+                </a:solidFill>
+                <a:effectLst/>
+                <a:latin typeface="Calibri" panose="020F0502020204030204" pitchFamily="34" charset="0"/>
+                <a:cs typeface="Calibri" panose="020F0502020204030204" pitchFamily="34" charset="0"/>
+              </a:rPr>
+              <a:t>Algoritma</a:t>
+            </a:r>
+            <a:r>
+              <a:rPr lang="en-US" sz="1200" b="0" i="0" u="none" strike="noStrike" dirty="0">
+                <a:solidFill>
+                  <a:srgbClr val="212121"/>
+                </a:solidFill>
+                <a:effectLst/>
+                <a:latin typeface="Calibri" panose="020F0502020204030204" pitchFamily="34" charset="0"/>
+                <a:cs typeface="Calibri" panose="020F0502020204030204" pitchFamily="34" charset="0"/>
+              </a:rPr>
+              <a:t> </a:t>
+            </a:r>
+            <a:r>
+              <a:rPr lang="en-US" sz="1200" b="0" i="0" u="none" strike="noStrike" dirty="0" err="1">
+                <a:solidFill>
+                  <a:srgbClr val="212121"/>
+                </a:solidFill>
+                <a:effectLst/>
+                <a:latin typeface="Calibri" panose="020F0502020204030204" pitchFamily="34" charset="0"/>
+                <a:cs typeface="Calibri" panose="020F0502020204030204" pitchFamily="34" charset="0"/>
+              </a:rPr>
+              <a:t>iş</a:t>
+            </a:r>
+            <a:r>
+              <a:rPr lang="en-US" sz="1200" b="0" i="0" u="none" strike="noStrike" dirty="0">
+                <a:solidFill>
+                  <a:srgbClr val="212121"/>
+                </a:solidFill>
+                <a:effectLst/>
+                <a:latin typeface="Calibri" panose="020F0502020204030204" pitchFamily="34" charset="0"/>
+                <a:cs typeface="Calibri" panose="020F0502020204030204" pitchFamily="34" charset="0"/>
+              </a:rPr>
+              <a:t> </a:t>
+            </a:r>
+            <a:r>
+              <a:rPr lang="en-US" sz="1200" b="0" i="0" u="none" strike="noStrike" dirty="0" err="1">
+                <a:solidFill>
+                  <a:srgbClr val="212121"/>
+                </a:solidFill>
+                <a:effectLst/>
+                <a:latin typeface="Calibri" panose="020F0502020204030204" pitchFamily="34" charset="0"/>
+                <a:cs typeface="Calibri" panose="020F0502020204030204" pitchFamily="34" charset="0"/>
+              </a:rPr>
+              <a:t>arayanların</a:t>
+            </a:r>
+            <a:r>
+              <a:rPr lang="en-US" sz="1200" b="0" i="0" u="none" strike="noStrike" dirty="0">
+                <a:solidFill>
+                  <a:srgbClr val="212121"/>
+                </a:solidFill>
+                <a:effectLst/>
+                <a:latin typeface="Calibri" panose="020F0502020204030204" pitchFamily="34" charset="0"/>
+                <a:cs typeface="Calibri" panose="020F0502020204030204" pitchFamily="34" charset="0"/>
+              </a:rPr>
+              <a:t> </a:t>
+            </a:r>
+            <a:r>
+              <a:rPr lang="en-US" sz="1200" b="0" i="0" u="none" strike="noStrike" dirty="0" err="1">
+                <a:solidFill>
+                  <a:srgbClr val="212121"/>
+                </a:solidFill>
+                <a:effectLst/>
+                <a:latin typeface="Calibri" panose="020F0502020204030204" pitchFamily="34" charset="0"/>
+                <a:cs typeface="Calibri" panose="020F0502020204030204" pitchFamily="34" charset="0"/>
+              </a:rPr>
+              <a:t>becerilerini</a:t>
+            </a:r>
+            <a:r>
+              <a:rPr lang="en-US" sz="1200" b="0" i="0" u="none" strike="noStrike" dirty="0">
+                <a:solidFill>
+                  <a:srgbClr val="212121"/>
+                </a:solidFill>
+                <a:effectLst/>
+                <a:latin typeface="Calibri" panose="020F0502020204030204" pitchFamily="34" charset="0"/>
+                <a:cs typeface="Calibri" panose="020F0502020204030204" pitchFamily="34" charset="0"/>
+              </a:rPr>
+              <a:t> </a:t>
+            </a:r>
+            <a:r>
+              <a:rPr lang="en-US" sz="1200" b="0" i="0" u="none" strike="noStrike" dirty="0" err="1">
+                <a:solidFill>
+                  <a:srgbClr val="212121"/>
+                </a:solidFill>
+                <a:effectLst/>
+                <a:latin typeface="Calibri" panose="020F0502020204030204" pitchFamily="34" charset="0"/>
+                <a:cs typeface="Calibri" panose="020F0502020204030204" pitchFamily="34" charset="0"/>
+              </a:rPr>
+              <a:t>ve</a:t>
+            </a:r>
+            <a:r>
+              <a:rPr lang="en-US" sz="1200" b="0" i="0" u="none" strike="noStrike" dirty="0">
+                <a:solidFill>
+                  <a:srgbClr val="212121"/>
+                </a:solidFill>
+                <a:effectLst/>
+                <a:latin typeface="Calibri" panose="020F0502020204030204" pitchFamily="34" charset="0"/>
+                <a:cs typeface="Calibri" panose="020F0502020204030204" pitchFamily="34" charset="0"/>
+              </a:rPr>
+              <a:t> </a:t>
+            </a:r>
+            <a:r>
+              <a:rPr lang="en-US" sz="1200" b="0" i="0" u="none" strike="noStrike" dirty="0" err="1">
+                <a:solidFill>
+                  <a:srgbClr val="212121"/>
+                </a:solidFill>
+                <a:effectLst/>
+                <a:latin typeface="Calibri" panose="020F0502020204030204" pitchFamily="34" charset="0"/>
+                <a:cs typeface="Calibri" panose="020F0502020204030204" pitchFamily="34" charset="0"/>
+              </a:rPr>
+              <a:t>deneyimlerini</a:t>
+            </a:r>
+            <a:r>
+              <a:rPr lang="en-US" sz="1200" b="0" i="0" u="none" strike="noStrike" dirty="0">
+                <a:solidFill>
+                  <a:srgbClr val="212121"/>
+                </a:solidFill>
+                <a:effectLst/>
+                <a:latin typeface="Calibri" panose="020F0502020204030204" pitchFamily="34" charset="0"/>
+                <a:cs typeface="Calibri" panose="020F0502020204030204" pitchFamily="34" charset="0"/>
+              </a:rPr>
+              <a:t>, </a:t>
+            </a:r>
+            <a:r>
+              <a:rPr lang="en-US" sz="1200" b="0" i="0" u="none" strike="noStrike" dirty="0" err="1">
+                <a:solidFill>
+                  <a:srgbClr val="212121"/>
+                </a:solidFill>
+                <a:effectLst/>
+                <a:latin typeface="Calibri" panose="020F0502020204030204" pitchFamily="34" charset="0"/>
+                <a:cs typeface="Calibri" panose="020F0502020204030204" pitchFamily="34" charset="0"/>
+              </a:rPr>
+              <a:t>işverenlerin</a:t>
+            </a:r>
+            <a:r>
+              <a:rPr lang="en-US" sz="1200" b="0" i="0" u="none" strike="noStrike" dirty="0">
+                <a:solidFill>
+                  <a:srgbClr val="212121"/>
+                </a:solidFill>
+                <a:effectLst/>
+                <a:latin typeface="Calibri" panose="020F0502020204030204" pitchFamily="34" charset="0"/>
+                <a:cs typeface="Calibri" panose="020F0502020204030204" pitchFamily="34" charset="0"/>
+              </a:rPr>
+              <a:t> </a:t>
+            </a:r>
+            <a:r>
+              <a:rPr lang="en-US" sz="1200" b="0" i="0" u="none" strike="noStrike" dirty="0" err="1">
+                <a:solidFill>
+                  <a:srgbClr val="212121"/>
+                </a:solidFill>
+                <a:effectLst/>
+                <a:latin typeface="Calibri" panose="020F0502020204030204" pitchFamily="34" charset="0"/>
+                <a:cs typeface="Calibri" panose="020F0502020204030204" pitchFamily="34" charset="0"/>
+              </a:rPr>
+              <a:t>açık</a:t>
+            </a:r>
+            <a:r>
+              <a:rPr lang="en-US" sz="1200" b="0" i="0" u="none" strike="noStrike" dirty="0">
+                <a:solidFill>
+                  <a:srgbClr val="212121"/>
+                </a:solidFill>
+                <a:effectLst/>
+                <a:latin typeface="Calibri" panose="020F0502020204030204" pitchFamily="34" charset="0"/>
+                <a:cs typeface="Calibri" panose="020F0502020204030204" pitchFamily="34" charset="0"/>
+              </a:rPr>
+              <a:t> </a:t>
+            </a:r>
+            <a:r>
+              <a:rPr lang="en-US" sz="1200" b="0" i="0" u="none" strike="noStrike" dirty="0" err="1">
+                <a:solidFill>
+                  <a:srgbClr val="212121"/>
+                </a:solidFill>
+                <a:effectLst/>
+                <a:latin typeface="Calibri" panose="020F0502020204030204" pitchFamily="34" charset="0"/>
+                <a:cs typeface="Calibri" panose="020F0502020204030204" pitchFamily="34" charset="0"/>
+              </a:rPr>
+              <a:t>pozisyonları</a:t>
+            </a:r>
+            <a:r>
+              <a:rPr lang="en-US" sz="1200" b="0" i="0" u="none" strike="noStrike" dirty="0">
+                <a:solidFill>
+                  <a:srgbClr val="212121"/>
+                </a:solidFill>
+                <a:effectLst/>
+                <a:latin typeface="Calibri" panose="020F0502020204030204" pitchFamily="34" charset="0"/>
+                <a:cs typeface="Calibri" panose="020F0502020204030204" pitchFamily="34" charset="0"/>
+              </a:rPr>
+              <a:t> </a:t>
+            </a:r>
+            <a:r>
+              <a:rPr lang="en-US" sz="1200" b="0" i="0" u="none" strike="noStrike" dirty="0" err="1">
+                <a:solidFill>
+                  <a:srgbClr val="212121"/>
+                </a:solidFill>
+                <a:effectLst/>
+                <a:latin typeface="Calibri" panose="020F0502020204030204" pitchFamily="34" charset="0"/>
+                <a:cs typeface="Calibri" panose="020F0502020204030204" pitchFamily="34" charset="0"/>
+              </a:rPr>
+              <a:t>için</a:t>
+            </a:r>
+            <a:r>
+              <a:rPr lang="en-US" sz="1200" b="0" i="0" u="none" strike="noStrike" dirty="0">
+                <a:solidFill>
+                  <a:srgbClr val="212121"/>
+                </a:solidFill>
+                <a:effectLst/>
+                <a:latin typeface="Calibri" panose="020F0502020204030204" pitchFamily="34" charset="0"/>
+                <a:cs typeface="Calibri" panose="020F0502020204030204" pitchFamily="34" charset="0"/>
+              </a:rPr>
+              <a:t> </a:t>
+            </a:r>
+            <a:r>
+              <a:rPr lang="en-US" sz="1200" b="0" i="0" u="none" strike="noStrike" dirty="0" err="1">
+                <a:solidFill>
+                  <a:srgbClr val="212121"/>
+                </a:solidFill>
+                <a:effectLst/>
+                <a:latin typeface="Calibri" panose="020F0502020204030204" pitchFamily="34" charset="0"/>
+                <a:cs typeface="Calibri" panose="020F0502020204030204" pitchFamily="34" charset="0"/>
+              </a:rPr>
+              <a:t>gereksinimlerini</a:t>
+            </a:r>
+            <a:r>
+              <a:rPr lang="en-US" sz="1200" b="0" i="0" u="none" strike="noStrike" dirty="0">
+                <a:solidFill>
+                  <a:srgbClr val="212121"/>
+                </a:solidFill>
+                <a:effectLst/>
+                <a:latin typeface="Calibri" panose="020F0502020204030204" pitchFamily="34" charset="0"/>
+                <a:cs typeface="Calibri" panose="020F0502020204030204" pitchFamily="34" charset="0"/>
+              </a:rPr>
+              <a:t> </a:t>
+            </a:r>
+            <a:r>
+              <a:rPr lang="en-US" sz="1200" b="0" i="0" u="none" strike="noStrike" dirty="0" err="1">
+                <a:solidFill>
+                  <a:srgbClr val="212121"/>
+                </a:solidFill>
+                <a:effectLst/>
+                <a:latin typeface="Calibri" panose="020F0502020204030204" pitchFamily="34" charset="0"/>
+                <a:cs typeface="Calibri" panose="020F0502020204030204" pitchFamily="34" charset="0"/>
+              </a:rPr>
+              <a:t>daha</a:t>
+            </a:r>
+            <a:r>
+              <a:rPr lang="en-US" sz="1200" b="0" i="0" u="none" strike="noStrike" dirty="0">
+                <a:solidFill>
+                  <a:srgbClr val="212121"/>
+                </a:solidFill>
+                <a:effectLst/>
+                <a:latin typeface="Calibri" panose="020F0502020204030204" pitchFamily="34" charset="0"/>
+                <a:cs typeface="Calibri" panose="020F0502020204030204" pitchFamily="34" charset="0"/>
+              </a:rPr>
+              <a:t> </a:t>
+            </a:r>
+            <a:r>
+              <a:rPr lang="en-US" sz="1200" b="0" i="0" u="none" strike="noStrike" dirty="0" err="1">
+                <a:solidFill>
+                  <a:srgbClr val="212121"/>
+                </a:solidFill>
+                <a:effectLst/>
+                <a:latin typeface="Calibri" panose="020F0502020204030204" pitchFamily="34" charset="0"/>
+                <a:cs typeface="Calibri" panose="020F0502020204030204" pitchFamily="34" charset="0"/>
+              </a:rPr>
+              <a:t>iyi</a:t>
+            </a:r>
+            <a:r>
+              <a:rPr lang="en-US" sz="1200" b="0" i="0" u="none" strike="noStrike" dirty="0">
+                <a:solidFill>
+                  <a:srgbClr val="212121"/>
+                </a:solidFill>
+                <a:effectLst/>
+                <a:latin typeface="Calibri" panose="020F0502020204030204" pitchFamily="34" charset="0"/>
+                <a:cs typeface="Calibri" panose="020F0502020204030204" pitchFamily="34" charset="0"/>
+              </a:rPr>
+              <a:t> </a:t>
+            </a:r>
+            <a:r>
+              <a:rPr lang="en-US" sz="1200" b="0" i="0" u="none" strike="noStrike" dirty="0" err="1">
+                <a:solidFill>
+                  <a:srgbClr val="212121"/>
+                </a:solidFill>
+                <a:effectLst/>
+                <a:latin typeface="Calibri" panose="020F0502020204030204" pitchFamily="34" charset="0"/>
+                <a:cs typeface="Calibri" panose="020F0502020204030204" pitchFamily="34" charset="0"/>
+              </a:rPr>
+              <a:t>anlamak</a:t>
+            </a:r>
+            <a:r>
+              <a:rPr lang="en-US" sz="1200" b="0" i="0" u="none" strike="noStrike" dirty="0">
+                <a:solidFill>
+                  <a:srgbClr val="212121"/>
+                </a:solidFill>
+                <a:effectLst/>
+                <a:latin typeface="Calibri" panose="020F0502020204030204" pitchFamily="34" charset="0"/>
+                <a:cs typeface="Calibri" panose="020F0502020204030204" pitchFamily="34" charset="0"/>
+              </a:rPr>
+              <a:t> </a:t>
+            </a:r>
+            <a:r>
+              <a:rPr lang="en-US" sz="1200" b="0" i="0" u="none" strike="noStrike" dirty="0" err="1">
+                <a:solidFill>
+                  <a:srgbClr val="212121"/>
+                </a:solidFill>
+                <a:effectLst/>
+                <a:latin typeface="Calibri" panose="020F0502020204030204" pitchFamily="34" charset="0"/>
+                <a:cs typeface="Calibri" panose="020F0502020204030204" pitchFamily="34" charset="0"/>
+              </a:rPr>
+              <a:t>için</a:t>
+            </a:r>
+            <a:r>
+              <a:rPr lang="en-US" sz="1200" b="0" i="0" u="none" strike="noStrike" dirty="0">
+                <a:solidFill>
+                  <a:srgbClr val="212121"/>
+                </a:solidFill>
+                <a:effectLst/>
+                <a:latin typeface="Calibri" panose="020F0502020204030204" pitchFamily="34" charset="0"/>
+                <a:cs typeface="Calibri" panose="020F0502020204030204" pitchFamily="34" charset="0"/>
+              </a:rPr>
+              <a:t> </a:t>
+            </a:r>
+            <a:r>
+              <a:rPr lang="en-US" sz="1200" b="0" i="0" u="none" strike="noStrike" dirty="0" err="1">
+                <a:solidFill>
+                  <a:srgbClr val="212121"/>
+                </a:solidFill>
+                <a:effectLst/>
+                <a:latin typeface="Calibri" panose="020F0502020204030204" pitchFamily="34" charset="0"/>
+                <a:cs typeface="Calibri" panose="020F0502020204030204" pitchFamily="34" charset="0"/>
+              </a:rPr>
+              <a:t>iş</a:t>
+            </a:r>
+            <a:r>
+              <a:rPr lang="en-US" sz="1200" b="0" i="0" u="none" strike="noStrike" dirty="0">
+                <a:solidFill>
+                  <a:srgbClr val="212121"/>
+                </a:solidFill>
+                <a:effectLst/>
+                <a:latin typeface="Calibri" panose="020F0502020204030204" pitchFamily="34" charset="0"/>
+                <a:cs typeface="Calibri" panose="020F0502020204030204" pitchFamily="34" charset="0"/>
+              </a:rPr>
+              <a:t> </a:t>
+            </a:r>
+            <a:r>
+              <a:rPr lang="en-US" sz="1200" b="0" i="0" u="none" strike="noStrike" dirty="0" err="1">
+                <a:solidFill>
+                  <a:srgbClr val="212121"/>
+                </a:solidFill>
+                <a:effectLst/>
+                <a:latin typeface="Calibri" panose="020F0502020204030204" pitchFamily="34" charset="0"/>
+                <a:cs typeface="Calibri" panose="020F0502020204030204" pitchFamily="34" charset="0"/>
+              </a:rPr>
+              <a:t>arayanların</a:t>
+            </a:r>
+            <a:r>
+              <a:rPr lang="en-US" sz="1200" b="0" i="0" u="none" strike="noStrike" dirty="0">
+                <a:solidFill>
+                  <a:srgbClr val="212121"/>
+                </a:solidFill>
+                <a:effectLst/>
+                <a:latin typeface="Calibri" panose="020F0502020204030204" pitchFamily="34" charset="0"/>
+                <a:cs typeface="Calibri" panose="020F0502020204030204" pitchFamily="34" charset="0"/>
+              </a:rPr>
+              <a:t> </a:t>
+            </a:r>
+            <a:r>
+              <a:rPr lang="en-US" sz="1200" b="0" i="0" u="none" strike="noStrike" dirty="0" err="1">
+                <a:solidFill>
+                  <a:srgbClr val="212121"/>
+                </a:solidFill>
+                <a:effectLst/>
+                <a:latin typeface="Calibri" panose="020F0502020204030204" pitchFamily="34" charset="0"/>
+                <a:cs typeface="Calibri" panose="020F0502020204030204" pitchFamily="34" charset="0"/>
+              </a:rPr>
+              <a:t>özgeçmişlerini</a:t>
+            </a:r>
+            <a:r>
+              <a:rPr lang="en-US" sz="1200" b="0" i="0" u="none" strike="noStrike" dirty="0">
+                <a:solidFill>
+                  <a:srgbClr val="212121"/>
+                </a:solidFill>
+                <a:effectLst/>
+                <a:latin typeface="Calibri" panose="020F0502020204030204" pitchFamily="34" charset="0"/>
+                <a:cs typeface="Calibri" panose="020F0502020204030204" pitchFamily="34" charset="0"/>
+              </a:rPr>
+              <a:t> </a:t>
+            </a:r>
+            <a:r>
+              <a:rPr lang="en-US" sz="1200" b="0" i="0" u="none" strike="noStrike" dirty="0" err="1">
+                <a:solidFill>
+                  <a:srgbClr val="212121"/>
+                </a:solidFill>
+                <a:effectLst/>
+                <a:latin typeface="Calibri" panose="020F0502020204030204" pitchFamily="34" charset="0"/>
+                <a:cs typeface="Calibri" panose="020F0502020204030204" pitchFamily="34" charset="0"/>
+              </a:rPr>
+              <a:t>ve</a:t>
+            </a:r>
+            <a:r>
+              <a:rPr lang="en-US" sz="1200" b="0" i="0" u="none" strike="noStrike" dirty="0">
+                <a:solidFill>
+                  <a:srgbClr val="212121"/>
+                </a:solidFill>
+                <a:effectLst/>
+                <a:latin typeface="Calibri" panose="020F0502020204030204" pitchFamily="34" charset="0"/>
+                <a:cs typeface="Calibri" panose="020F0502020204030204" pitchFamily="34" charset="0"/>
+              </a:rPr>
+              <a:t> </a:t>
+            </a:r>
+            <a:r>
+              <a:rPr lang="en-US" sz="1200" b="0" i="0" u="none" strike="noStrike" dirty="0" err="1">
+                <a:solidFill>
+                  <a:srgbClr val="212121"/>
+                </a:solidFill>
+                <a:effectLst/>
+                <a:latin typeface="Calibri" panose="020F0502020204030204" pitchFamily="34" charset="0"/>
+                <a:cs typeface="Calibri" panose="020F0502020204030204" pitchFamily="34" charset="0"/>
+              </a:rPr>
+              <a:t>işverenlerin</a:t>
+            </a:r>
+            <a:r>
+              <a:rPr lang="en-US" sz="1200" b="0" i="0" u="none" strike="noStrike" dirty="0">
+                <a:solidFill>
+                  <a:srgbClr val="212121"/>
+                </a:solidFill>
+                <a:effectLst/>
+                <a:latin typeface="Calibri" panose="020F0502020204030204" pitchFamily="34" charset="0"/>
+                <a:cs typeface="Calibri" panose="020F0502020204030204" pitchFamily="34" charset="0"/>
+              </a:rPr>
+              <a:t> </a:t>
+            </a:r>
+            <a:r>
+              <a:rPr lang="en-US" sz="1200" b="0" i="0" u="none" strike="noStrike" dirty="0" err="1">
+                <a:solidFill>
+                  <a:srgbClr val="212121"/>
+                </a:solidFill>
+                <a:effectLst/>
+                <a:latin typeface="Calibri" panose="020F0502020204030204" pitchFamily="34" charset="0"/>
+                <a:cs typeface="Calibri" panose="020F0502020204030204" pitchFamily="34" charset="0"/>
+              </a:rPr>
+              <a:t>iş</a:t>
+            </a:r>
+            <a:r>
+              <a:rPr lang="en-US" sz="1200" b="0" i="0" u="none" strike="noStrike" dirty="0">
+                <a:solidFill>
+                  <a:srgbClr val="212121"/>
+                </a:solidFill>
+                <a:effectLst/>
+                <a:latin typeface="Calibri" panose="020F0502020204030204" pitchFamily="34" charset="0"/>
+                <a:cs typeface="Calibri" panose="020F0502020204030204" pitchFamily="34" charset="0"/>
+              </a:rPr>
+              <a:t> </a:t>
+            </a:r>
+            <a:r>
+              <a:rPr lang="en-US" sz="1200" b="0" i="0" u="none" strike="noStrike" dirty="0" err="1">
+                <a:solidFill>
+                  <a:srgbClr val="212121"/>
+                </a:solidFill>
+                <a:effectLst/>
+                <a:latin typeface="Calibri" panose="020F0502020204030204" pitchFamily="34" charset="0"/>
+                <a:cs typeface="Calibri" panose="020F0502020204030204" pitchFamily="34" charset="0"/>
+              </a:rPr>
+              <a:t>ilanlarını</a:t>
+            </a:r>
+            <a:r>
+              <a:rPr lang="en-US" sz="1200" b="0" i="0" u="none" strike="noStrike" dirty="0">
+                <a:solidFill>
+                  <a:srgbClr val="212121"/>
+                </a:solidFill>
+                <a:effectLst/>
+                <a:latin typeface="Calibri" panose="020F0502020204030204" pitchFamily="34" charset="0"/>
+                <a:cs typeface="Calibri" panose="020F0502020204030204" pitchFamily="34" charset="0"/>
+              </a:rPr>
+              <a:t> </a:t>
+            </a:r>
+            <a:r>
+              <a:rPr lang="en-US" sz="1200" b="0" i="0" u="none" strike="noStrike" dirty="0" err="1">
+                <a:solidFill>
+                  <a:srgbClr val="212121"/>
+                </a:solidFill>
+                <a:effectLst/>
+                <a:latin typeface="Calibri" panose="020F0502020204030204" pitchFamily="34" charset="0"/>
+                <a:cs typeface="Calibri" panose="020F0502020204030204" pitchFamily="34" charset="0"/>
+              </a:rPr>
+              <a:t>analiz</a:t>
+            </a:r>
+            <a:r>
+              <a:rPr lang="en-US" sz="1200" b="0" i="0" u="none" strike="noStrike" dirty="0">
+                <a:solidFill>
+                  <a:srgbClr val="212121"/>
+                </a:solidFill>
+                <a:effectLst/>
+                <a:latin typeface="Calibri" panose="020F0502020204030204" pitchFamily="34" charset="0"/>
+                <a:cs typeface="Calibri" panose="020F0502020204030204" pitchFamily="34" charset="0"/>
+              </a:rPr>
+              <a:t> </a:t>
+            </a:r>
+            <a:r>
+              <a:rPr lang="en-US" sz="1200" b="0" i="0" u="none" strike="noStrike" dirty="0" err="1">
+                <a:solidFill>
+                  <a:srgbClr val="212121"/>
+                </a:solidFill>
+                <a:effectLst/>
+                <a:latin typeface="Calibri" panose="020F0502020204030204" pitchFamily="34" charset="0"/>
+                <a:cs typeface="Calibri" panose="020F0502020204030204" pitchFamily="34" charset="0"/>
+              </a:rPr>
+              <a:t>edebilir</a:t>
+            </a:r>
+            <a:r>
+              <a:rPr lang="en-US" sz="1200" b="0" i="0" u="none" strike="noStrike" dirty="0">
+                <a:solidFill>
+                  <a:srgbClr val="212121"/>
+                </a:solidFill>
+                <a:effectLst/>
+                <a:latin typeface="Calibri" panose="020F0502020204030204" pitchFamily="34" charset="0"/>
+                <a:cs typeface="Calibri" panose="020F0502020204030204" pitchFamily="34" charset="0"/>
+              </a:rPr>
+              <a:t>. ..</a:t>
+            </a:r>
+            <a:r>
+              <a:rPr lang="en-US" sz="1200" b="1" i="0" u="none" strike="noStrike" dirty="0" err="1">
+                <a:solidFill>
+                  <a:srgbClr val="212121"/>
+                </a:solidFill>
+                <a:effectLst/>
+                <a:latin typeface="Calibri" panose="020F0502020204030204" pitchFamily="34" charset="0"/>
+                <a:cs typeface="Calibri" panose="020F0502020204030204" pitchFamily="34" charset="0"/>
+              </a:rPr>
+              <a:t>Hangi</a:t>
+            </a:r>
+            <a:r>
+              <a:rPr lang="en-US" sz="1200" b="1" i="0" u="none" strike="noStrike" dirty="0">
+                <a:solidFill>
+                  <a:srgbClr val="212121"/>
+                </a:solidFill>
+                <a:effectLst/>
+                <a:latin typeface="Calibri" panose="020F0502020204030204" pitchFamily="34" charset="0"/>
+                <a:cs typeface="Calibri" panose="020F0502020204030204" pitchFamily="34" charset="0"/>
+              </a:rPr>
+              <a:t> </a:t>
+            </a:r>
+            <a:r>
+              <a:rPr lang="en-US" sz="1200" b="1" i="0" u="none" strike="noStrike" dirty="0" err="1">
+                <a:solidFill>
+                  <a:srgbClr val="212121"/>
+                </a:solidFill>
+                <a:effectLst/>
+                <a:latin typeface="Calibri" panose="020F0502020204030204" pitchFamily="34" charset="0"/>
+                <a:cs typeface="Calibri" panose="020F0502020204030204" pitchFamily="34" charset="0"/>
+              </a:rPr>
+              <a:t>algoritmalar</a:t>
+            </a:r>
+            <a:r>
+              <a:rPr lang="en-US" sz="1200" b="1" i="0" u="none" strike="noStrike" dirty="0">
+                <a:solidFill>
+                  <a:srgbClr val="212121"/>
+                </a:solidFill>
+                <a:effectLst/>
+                <a:latin typeface="Calibri" panose="020F0502020204030204" pitchFamily="34" charset="0"/>
+                <a:cs typeface="Calibri" panose="020F0502020204030204" pitchFamily="34" charset="0"/>
+              </a:rPr>
+              <a:t>, </a:t>
+            </a:r>
+            <a:r>
+              <a:rPr lang="en-US" sz="1200" b="1" i="0" u="none" strike="noStrike" dirty="0" err="1">
+                <a:solidFill>
+                  <a:srgbClr val="212121"/>
+                </a:solidFill>
+                <a:effectLst/>
+                <a:latin typeface="Calibri" panose="020F0502020204030204" pitchFamily="34" charset="0"/>
+                <a:cs typeface="Calibri" panose="020F0502020204030204" pitchFamily="34" charset="0"/>
+              </a:rPr>
+              <a:t>literatür</a:t>
+            </a:r>
+            <a:r>
+              <a:rPr lang="en-US" sz="1200" b="1" i="0" u="none" strike="noStrike" dirty="0">
+                <a:solidFill>
+                  <a:srgbClr val="212121"/>
+                </a:solidFill>
+                <a:effectLst/>
+                <a:latin typeface="Calibri" panose="020F0502020204030204" pitchFamily="34" charset="0"/>
+                <a:cs typeface="Calibri" panose="020F0502020204030204" pitchFamily="34" charset="0"/>
+              </a:rPr>
+              <a:t> </a:t>
+            </a:r>
+            <a:r>
+              <a:rPr lang="en-US" sz="1200" b="1" i="0" u="none" strike="noStrike" dirty="0" err="1">
+                <a:solidFill>
+                  <a:srgbClr val="212121"/>
+                </a:solidFill>
+                <a:effectLst/>
+                <a:latin typeface="Calibri" panose="020F0502020204030204" pitchFamily="34" charset="0"/>
+                <a:cs typeface="Calibri" panose="020F0502020204030204" pitchFamily="34" charset="0"/>
+              </a:rPr>
+              <a:t>durumu</a:t>
+            </a:r>
+            <a:endParaRPr lang="en-US" sz="1200" b="0" i="0" u="none" strike="noStrike" dirty="0">
+              <a:solidFill>
+                <a:srgbClr val="212121"/>
+              </a:solidFill>
+              <a:effectLst/>
+              <a:latin typeface="Calibri" panose="020F0502020204030204" pitchFamily="34" charset="0"/>
+              <a:cs typeface="Calibri" panose="020F0502020204030204" pitchFamily="34" charset="0"/>
+            </a:endParaRPr>
+          </a:p>
+          <a:p>
+            <a:pPr algn="l">
+              <a:spcAft>
+                <a:spcPts val="0"/>
+              </a:spcAft>
+            </a:pPr>
+            <a:r>
+              <a:rPr lang="en-US" sz="1200" b="0" i="0" u="none" strike="noStrike" dirty="0">
+                <a:solidFill>
+                  <a:srgbClr val="212121"/>
+                </a:solidFill>
+                <a:effectLst/>
+                <a:latin typeface="Calibri" panose="020F0502020204030204" pitchFamily="34" charset="0"/>
+                <a:cs typeface="Calibri" panose="020F0502020204030204" pitchFamily="34" charset="0"/>
+              </a:rPr>
+              <a:t> </a:t>
+            </a:r>
+          </a:p>
+          <a:p>
+            <a:pPr algn="l">
+              <a:spcAft>
+                <a:spcPts val="0"/>
+              </a:spcAft>
+            </a:pPr>
+            <a:r>
+              <a:rPr lang="en-US" sz="1200" b="0" i="0" u="none" strike="noStrike" dirty="0" err="1">
+                <a:solidFill>
+                  <a:srgbClr val="212121"/>
+                </a:solidFill>
+                <a:effectLst/>
+                <a:latin typeface="Calibri" panose="020F0502020204030204" pitchFamily="34" charset="0"/>
+                <a:cs typeface="Calibri" panose="020F0502020204030204" pitchFamily="34" charset="0"/>
+              </a:rPr>
+              <a:t>Algoritma</a:t>
+            </a:r>
+            <a:r>
+              <a:rPr lang="en-US" sz="1200" b="0" i="0" u="none" strike="noStrike" dirty="0">
+                <a:solidFill>
+                  <a:srgbClr val="212121"/>
+                </a:solidFill>
+                <a:effectLst/>
+                <a:latin typeface="Calibri" panose="020F0502020204030204" pitchFamily="34" charset="0"/>
+                <a:cs typeface="Calibri" panose="020F0502020204030204" pitchFamily="34" charset="0"/>
+              </a:rPr>
+              <a:t> </a:t>
+            </a:r>
+            <a:r>
+              <a:rPr lang="en-US" sz="1200" b="0" i="0" u="none" strike="noStrike" dirty="0" err="1">
+                <a:solidFill>
+                  <a:srgbClr val="212121"/>
+                </a:solidFill>
+                <a:effectLst/>
+                <a:latin typeface="Calibri" panose="020F0502020204030204" pitchFamily="34" charset="0"/>
+                <a:cs typeface="Calibri" panose="020F0502020204030204" pitchFamily="34" charset="0"/>
+              </a:rPr>
+              <a:t>iş</a:t>
+            </a:r>
+            <a:r>
+              <a:rPr lang="en-US" sz="1200" b="0" i="0" u="none" strike="noStrike" dirty="0">
+                <a:solidFill>
+                  <a:srgbClr val="212121"/>
+                </a:solidFill>
+                <a:effectLst/>
+                <a:latin typeface="Calibri" panose="020F0502020204030204" pitchFamily="34" charset="0"/>
+                <a:cs typeface="Calibri" panose="020F0502020204030204" pitchFamily="34" charset="0"/>
+              </a:rPr>
+              <a:t> </a:t>
+            </a:r>
+            <a:r>
+              <a:rPr lang="en-US" sz="1200" b="0" i="0" u="none" strike="noStrike" dirty="0" err="1">
+                <a:solidFill>
+                  <a:srgbClr val="212121"/>
+                </a:solidFill>
+                <a:effectLst/>
+                <a:latin typeface="Calibri" panose="020F0502020204030204" pitchFamily="34" charset="0"/>
+                <a:cs typeface="Calibri" panose="020F0502020204030204" pitchFamily="34" charset="0"/>
+              </a:rPr>
+              <a:t>arayanların</a:t>
+            </a:r>
+            <a:r>
+              <a:rPr lang="en-US" sz="1200" b="0" i="0" u="none" strike="noStrike" dirty="0">
+                <a:solidFill>
+                  <a:srgbClr val="212121"/>
+                </a:solidFill>
+                <a:effectLst/>
+                <a:latin typeface="Calibri" panose="020F0502020204030204" pitchFamily="34" charset="0"/>
+                <a:cs typeface="Calibri" panose="020F0502020204030204" pitchFamily="34" charset="0"/>
+              </a:rPr>
+              <a:t> </a:t>
+            </a:r>
+            <a:r>
+              <a:rPr lang="en-US" sz="1200" b="0" i="0" u="none" strike="noStrike" dirty="0" err="1">
+                <a:solidFill>
+                  <a:srgbClr val="212121"/>
+                </a:solidFill>
+                <a:effectLst/>
+                <a:latin typeface="Calibri" panose="020F0502020204030204" pitchFamily="34" charset="0"/>
+                <a:cs typeface="Calibri" panose="020F0502020204030204" pitchFamily="34" charset="0"/>
+              </a:rPr>
+              <a:t>becerilerini</a:t>
+            </a:r>
+            <a:r>
+              <a:rPr lang="en-US" sz="1200" b="0" i="0" u="none" strike="noStrike" dirty="0">
+                <a:solidFill>
+                  <a:srgbClr val="212121"/>
+                </a:solidFill>
+                <a:effectLst/>
+                <a:latin typeface="Calibri" panose="020F0502020204030204" pitchFamily="34" charset="0"/>
+                <a:cs typeface="Calibri" panose="020F0502020204030204" pitchFamily="34" charset="0"/>
+              </a:rPr>
+              <a:t> </a:t>
+            </a:r>
+            <a:r>
+              <a:rPr lang="en-US" sz="1200" b="0" i="0" u="none" strike="noStrike" dirty="0" err="1">
+                <a:solidFill>
+                  <a:srgbClr val="212121"/>
+                </a:solidFill>
+                <a:effectLst/>
+                <a:latin typeface="Calibri" panose="020F0502020204030204" pitchFamily="34" charset="0"/>
+                <a:cs typeface="Calibri" panose="020F0502020204030204" pitchFamily="34" charset="0"/>
+              </a:rPr>
+              <a:t>ve</a:t>
+            </a:r>
+            <a:r>
+              <a:rPr lang="en-US" sz="1200" b="0" i="0" u="none" strike="noStrike" dirty="0">
+                <a:solidFill>
+                  <a:srgbClr val="212121"/>
+                </a:solidFill>
+                <a:effectLst/>
+                <a:latin typeface="Calibri" panose="020F0502020204030204" pitchFamily="34" charset="0"/>
+                <a:cs typeface="Calibri" panose="020F0502020204030204" pitchFamily="34" charset="0"/>
+              </a:rPr>
+              <a:t> </a:t>
+            </a:r>
+            <a:r>
+              <a:rPr lang="en-US" sz="1200" b="0" i="0" u="none" strike="noStrike" dirty="0" err="1">
+                <a:solidFill>
+                  <a:srgbClr val="212121"/>
+                </a:solidFill>
+                <a:effectLst/>
+                <a:latin typeface="Calibri" panose="020F0502020204030204" pitchFamily="34" charset="0"/>
+                <a:cs typeface="Calibri" panose="020F0502020204030204" pitchFamily="34" charset="0"/>
+              </a:rPr>
+              <a:t>niteliklerini</a:t>
+            </a:r>
+            <a:r>
+              <a:rPr lang="en-US" sz="1200" b="0" i="0" u="none" strike="noStrike" dirty="0">
+                <a:solidFill>
+                  <a:srgbClr val="212121"/>
+                </a:solidFill>
+                <a:effectLst/>
+                <a:latin typeface="Calibri" panose="020F0502020204030204" pitchFamily="34" charset="0"/>
+                <a:cs typeface="Calibri" panose="020F0502020204030204" pitchFamily="34" charset="0"/>
+              </a:rPr>
+              <a:t> </a:t>
+            </a:r>
+            <a:r>
+              <a:rPr lang="en-US" sz="1200" b="0" i="0" u="none" strike="noStrike" dirty="0" err="1">
+                <a:solidFill>
+                  <a:srgbClr val="212121"/>
+                </a:solidFill>
+                <a:effectLst/>
+                <a:latin typeface="Calibri" panose="020F0502020204030204" pitchFamily="34" charset="0"/>
+                <a:cs typeface="Calibri" panose="020F0502020204030204" pitchFamily="34" charset="0"/>
+              </a:rPr>
+              <a:t>eşleştiren</a:t>
+            </a:r>
+            <a:r>
+              <a:rPr lang="en-US" sz="1200" b="0" i="0" u="none" strike="noStrike" dirty="0">
+                <a:solidFill>
+                  <a:srgbClr val="212121"/>
+                </a:solidFill>
+                <a:effectLst/>
+                <a:latin typeface="Calibri" panose="020F0502020204030204" pitchFamily="34" charset="0"/>
+                <a:cs typeface="Calibri" panose="020F0502020204030204" pitchFamily="34" charset="0"/>
+              </a:rPr>
+              <a:t> </a:t>
+            </a:r>
+            <a:r>
+              <a:rPr lang="en-US" sz="1200" b="0" i="0" u="none" strike="noStrike" dirty="0" err="1">
+                <a:solidFill>
+                  <a:srgbClr val="212121"/>
+                </a:solidFill>
+                <a:effectLst/>
+                <a:latin typeface="Calibri" panose="020F0502020204030204" pitchFamily="34" charset="0"/>
+                <a:cs typeface="Calibri" panose="020F0502020204030204" pitchFamily="34" charset="0"/>
+              </a:rPr>
+              <a:t>bir</a:t>
+            </a:r>
+            <a:r>
+              <a:rPr lang="en-US" sz="1200" b="0" i="0" u="none" strike="noStrike" dirty="0">
+                <a:solidFill>
+                  <a:srgbClr val="212121"/>
+                </a:solidFill>
+                <a:effectLst/>
+                <a:latin typeface="Calibri" panose="020F0502020204030204" pitchFamily="34" charset="0"/>
+                <a:cs typeface="Calibri" panose="020F0502020204030204" pitchFamily="34" charset="0"/>
+              </a:rPr>
+              <a:t> </a:t>
+            </a:r>
+            <a:r>
+              <a:rPr lang="en-US" sz="1200" b="0" i="0" u="none" strike="noStrike" dirty="0" err="1">
+                <a:solidFill>
+                  <a:srgbClr val="212121"/>
+                </a:solidFill>
+                <a:effectLst/>
+                <a:latin typeface="Calibri" panose="020F0502020204030204" pitchFamily="34" charset="0"/>
+                <a:cs typeface="Calibri" panose="020F0502020204030204" pitchFamily="34" charset="0"/>
+              </a:rPr>
+              <a:t>yapay</a:t>
+            </a:r>
+            <a:r>
+              <a:rPr lang="en-US" sz="1200" b="0" i="0" u="none" strike="noStrike" dirty="0">
+                <a:solidFill>
+                  <a:srgbClr val="212121"/>
+                </a:solidFill>
+                <a:effectLst/>
+                <a:latin typeface="Calibri" panose="020F0502020204030204" pitchFamily="34" charset="0"/>
+                <a:cs typeface="Calibri" panose="020F0502020204030204" pitchFamily="34" charset="0"/>
+              </a:rPr>
+              <a:t> </a:t>
+            </a:r>
+            <a:r>
+              <a:rPr lang="en-US" sz="1200" b="0" i="0" u="none" strike="noStrike" dirty="0" err="1">
+                <a:solidFill>
+                  <a:srgbClr val="212121"/>
+                </a:solidFill>
+                <a:effectLst/>
+                <a:latin typeface="Calibri" panose="020F0502020204030204" pitchFamily="34" charset="0"/>
+                <a:cs typeface="Calibri" panose="020F0502020204030204" pitchFamily="34" charset="0"/>
+              </a:rPr>
+              <a:t>zeka</a:t>
+            </a:r>
+            <a:r>
+              <a:rPr lang="en-US" sz="1200" b="0" i="0" u="none" strike="noStrike" dirty="0">
+                <a:solidFill>
+                  <a:srgbClr val="212121"/>
+                </a:solidFill>
+                <a:effectLst/>
+                <a:latin typeface="Calibri" panose="020F0502020204030204" pitchFamily="34" charset="0"/>
+                <a:cs typeface="Calibri" panose="020F0502020204030204" pitchFamily="34" charset="0"/>
+              </a:rPr>
+              <a:t> </a:t>
+            </a:r>
+            <a:r>
+              <a:rPr lang="en-US" sz="1200" b="0" i="0" u="none" strike="noStrike" dirty="0" err="1">
+                <a:solidFill>
+                  <a:srgbClr val="212121"/>
+                </a:solidFill>
+                <a:effectLst/>
+                <a:latin typeface="Calibri" panose="020F0502020204030204" pitchFamily="34" charset="0"/>
+                <a:cs typeface="Calibri" panose="020F0502020204030204" pitchFamily="34" charset="0"/>
+              </a:rPr>
+              <a:t>kullanarak</a:t>
+            </a:r>
+            <a:r>
+              <a:rPr lang="en-US" sz="1200" b="0" i="0" u="none" strike="noStrike" dirty="0">
+                <a:solidFill>
+                  <a:srgbClr val="212121"/>
+                </a:solidFill>
+                <a:effectLst/>
+                <a:latin typeface="Calibri" panose="020F0502020204030204" pitchFamily="34" charset="0"/>
+                <a:cs typeface="Calibri" panose="020F0502020204030204" pitchFamily="34" charset="0"/>
+              </a:rPr>
+              <a:t> </a:t>
+            </a:r>
+            <a:r>
+              <a:rPr lang="en-US" sz="1200" b="0" i="0" u="none" strike="noStrike" dirty="0" err="1">
+                <a:solidFill>
+                  <a:srgbClr val="212121"/>
+                </a:solidFill>
+                <a:effectLst/>
+                <a:latin typeface="Calibri" panose="020F0502020204030204" pitchFamily="34" charset="0"/>
+                <a:cs typeface="Calibri" panose="020F0502020204030204" pitchFamily="34" charset="0"/>
+              </a:rPr>
+              <a:t>iş</a:t>
+            </a:r>
+            <a:r>
+              <a:rPr lang="en-US" sz="1200" b="0" i="0" u="none" strike="noStrike" dirty="0">
+                <a:solidFill>
+                  <a:srgbClr val="212121"/>
+                </a:solidFill>
+                <a:effectLst/>
+                <a:latin typeface="Calibri" panose="020F0502020204030204" pitchFamily="34" charset="0"/>
+                <a:cs typeface="Calibri" panose="020F0502020204030204" pitchFamily="34" charset="0"/>
+              </a:rPr>
+              <a:t> </a:t>
+            </a:r>
+            <a:r>
+              <a:rPr lang="en-US" sz="1200" b="0" i="0" u="none" strike="noStrike" dirty="0" err="1">
+                <a:solidFill>
+                  <a:srgbClr val="212121"/>
+                </a:solidFill>
+                <a:effectLst/>
+                <a:latin typeface="Calibri" panose="020F0502020204030204" pitchFamily="34" charset="0"/>
+                <a:cs typeface="Calibri" panose="020F0502020204030204" pitchFamily="34" charset="0"/>
+              </a:rPr>
+              <a:t>ilanlarını</a:t>
+            </a:r>
+            <a:r>
+              <a:rPr lang="en-US" sz="1200" b="0" i="0" u="none" strike="noStrike" dirty="0">
+                <a:solidFill>
+                  <a:srgbClr val="212121"/>
+                </a:solidFill>
+                <a:effectLst/>
+                <a:latin typeface="Calibri" panose="020F0502020204030204" pitchFamily="34" charset="0"/>
+                <a:cs typeface="Calibri" panose="020F0502020204030204" pitchFamily="34" charset="0"/>
+              </a:rPr>
+              <a:t> </a:t>
+            </a:r>
+            <a:r>
+              <a:rPr lang="en-US" sz="1200" b="0" i="0" u="none" strike="noStrike" dirty="0" err="1">
+                <a:solidFill>
+                  <a:srgbClr val="212121"/>
+                </a:solidFill>
+                <a:effectLst/>
+                <a:latin typeface="Calibri" panose="020F0502020204030204" pitchFamily="34" charset="0"/>
+                <a:cs typeface="Calibri" panose="020F0502020204030204" pitchFamily="34" charset="0"/>
+              </a:rPr>
+              <a:t>sıralayabilir</a:t>
+            </a:r>
+            <a:r>
+              <a:rPr lang="en-US" sz="1200" b="0" i="0" u="none" strike="noStrike" dirty="0">
+                <a:solidFill>
+                  <a:srgbClr val="212121"/>
+                </a:solidFill>
+                <a:effectLst/>
+                <a:latin typeface="Calibri" panose="020F0502020204030204" pitchFamily="34" charset="0"/>
+                <a:cs typeface="Calibri" panose="020F0502020204030204" pitchFamily="34" charset="0"/>
+              </a:rPr>
+              <a:t>. </a:t>
+            </a:r>
+            <a:r>
+              <a:rPr lang="en-US" sz="1200" b="0" i="0" u="none" strike="noStrike" dirty="0" err="1">
+                <a:solidFill>
+                  <a:srgbClr val="212121"/>
+                </a:solidFill>
+                <a:effectLst/>
+                <a:latin typeface="Calibri" panose="020F0502020204030204" pitchFamily="34" charset="0"/>
+                <a:cs typeface="Calibri" panose="020F0502020204030204" pitchFamily="34" charset="0"/>
+              </a:rPr>
+              <a:t>İşverenlerin</a:t>
+            </a:r>
+            <a:r>
+              <a:rPr lang="en-US" sz="1200" b="0" i="0" u="none" strike="noStrike" dirty="0">
+                <a:solidFill>
+                  <a:srgbClr val="212121"/>
+                </a:solidFill>
+                <a:effectLst/>
+                <a:latin typeface="Calibri" panose="020F0502020204030204" pitchFamily="34" charset="0"/>
+                <a:cs typeface="Calibri" panose="020F0502020204030204" pitchFamily="34" charset="0"/>
+              </a:rPr>
+              <a:t> </a:t>
+            </a:r>
+            <a:r>
+              <a:rPr lang="en-US" sz="1200" b="0" i="0" u="none" strike="noStrike" dirty="0" err="1">
+                <a:solidFill>
+                  <a:srgbClr val="212121"/>
+                </a:solidFill>
+                <a:effectLst/>
+                <a:latin typeface="Calibri" panose="020F0502020204030204" pitchFamily="34" charset="0"/>
+                <a:cs typeface="Calibri" panose="020F0502020204030204" pitchFamily="34" charset="0"/>
+              </a:rPr>
+              <a:t>iş</a:t>
+            </a:r>
+            <a:r>
+              <a:rPr lang="en-US" sz="1200" b="0" i="0" u="none" strike="noStrike" dirty="0">
+                <a:solidFill>
+                  <a:srgbClr val="212121"/>
+                </a:solidFill>
+                <a:effectLst/>
+                <a:latin typeface="Calibri" panose="020F0502020204030204" pitchFamily="34" charset="0"/>
+                <a:cs typeface="Calibri" panose="020F0502020204030204" pitchFamily="34" charset="0"/>
+              </a:rPr>
+              <a:t> </a:t>
+            </a:r>
+            <a:r>
+              <a:rPr lang="en-US" sz="1200" b="0" i="0" u="none" strike="noStrike" dirty="0" err="1">
+                <a:solidFill>
+                  <a:srgbClr val="212121"/>
+                </a:solidFill>
+                <a:effectLst/>
+                <a:latin typeface="Calibri" panose="020F0502020204030204" pitchFamily="34" charset="0"/>
+                <a:cs typeface="Calibri" panose="020F0502020204030204" pitchFamily="34" charset="0"/>
+              </a:rPr>
+              <a:t>ilanlarını</a:t>
+            </a:r>
+            <a:r>
+              <a:rPr lang="en-US" sz="1200" b="0" i="0" u="none" strike="noStrike" dirty="0">
+                <a:solidFill>
+                  <a:srgbClr val="212121"/>
+                </a:solidFill>
+                <a:effectLst/>
+                <a:latin typeface="Calibri" panose="020F0502020204030204" pitchFamily="34" charset="0"/>
+                <a:cs typeface="Calibri" panose="020F0502020204030204" pitchFamily="34" charset="0"/>
+              </a:rPr>
+              <a:t> </a:t>
+            </a:r>
+            <a:r>
+              <a:rPr lang="en-US" sz="1200" b="0" i="0" u="none" strike="noStrike" dirty="0" err="1">
+                <a:solidFill>
+                  <a:srgbClr val="212121"/>
+                </a:solidFill>
+                <a:effectLst/>
+                <a:latin typeface="Calibri" panose="020F0502020204030204" pitchFamily="34" charset="0"/>
+                <a:cs typeface="Calibri" panose="020F0502020204030204" pitchFamily="34" charset="0"/>
+              </a:rPr>
+              <a:t>daha</a:t>
+            </a:r>
+            <a:r>
+              <a:rPr lang="en-US" sz="1200" b="0" i="0" u="none" strike="noStrike" dirty="0">
+                <a:solidFill>
+                  <a:srgbClr val="212121"/>
+                </a:solidFill>
+                <a:effectLst/>
+                <a:latin typeface="Calibri" panose="020F0502020204030204" pitchFamily="34" charset="0"/>
+                <a:cs typeface="Calibri" panose="020F0502020204030204" pitchFamily="34" charset="0"/>
+              </a:rPr>
+              <a:t> </a:t>
+            </a:r>
+            <a:r>
+              <a:rPr lang="en-US" sz="1200" b="0" i="0" u="none" strike="noStrike" dirty="0" err="1">
+                <a:solidFill>
+                  <a:srgbClr val="212121"/>
+                </a:solidFill>
+                <a:effectLst/>
+                <a:latin typeface="Calibri" panose="020F0502020204030204" pitchFamily="34" charset="0"/>
+                <a:cs typeface="Calibri" panose="020F0502020204030204" pitchFamily="34" charset="0"/>
+              </a:rPr>
+              <a:t>iyi</a:t>
+            </a:r>
+            <a:r>
+              <a:rPr lang="en-US" sz="1200" b="0" i="0" u="none" strike="noStrike" dirty="0">
+                <a:solidFill>
+                  <a:srgbClr val="212121"/>
+                </a:solidFill>
+                <a:effectLst/>
+                <a:latin typeface="Calibri" panose="020F0502020204030204" pitchFamily="34" charset="0"/>
+                <a:cs typeface="Calibri" panose="020F0502020204030204" pitchFamily="34" charset="0"/>
+              </a:rPr>
+              <a:t> </a:t>
+            </a:r>
+            <a:r>
+              <a:rPr lang="en-US" sz="1200" b="0" i="0" u="none" strike="noStrike" dirty="0" err="1">
+                <a:solidFill>
+                  <a:srgbClr val="212121"/>
+                </a:solidFill>
+                <a:effectLst/>
+                <a:latin typeface="Calibri" panose="020F0502020204030204" pitchFamily="34" charset="0"/>
+                <a:cs typeface="Calibri" panose="020F0502020204030204" pitchFamily="34" charset="0"/>
+              </a:rPr>
+              <a:t>anlamak</a:t>
+            </a:r>
+            <a:r>
+              <a:rPr lang="en-US" sz="1200" b="0" i="0" u="none" strike="noStrike" dirty="0">
+                <a:solidFill>
+                  <a:srgbClr val="212121"/>
+                </a:solidFill>
+                <a:effectLst/>
+                <a:latin typeface="Calibri" panose="020F0502020204030204" pitchFamily="34" charset="0"/>
+                <a:cs typeface="Calibri" panose="020F0502020204030204" pitchFamily="34" charset="0"/>
+              </a:rPr>
+              <a:t> </a:t>
+            </a:r>
+            <a:r>
+              <a:rPr lang="en-US" sz="1200" b="0" i="0" u="none" strike="noStrike" dirty="0" err="1">
+                <a:solidFill>
+                  <a:srgbClr val="212121"/>
+                </a:solidFill>
+                <a:effectLst/>
+                <a:latin typeface="Calibri" panose="020F0502020204030204" pitchFamily="34" charset="0"/>
+                <a:cs typeface="Calibri" panose="020F0502020204030204" pitchFamily="34" charset="0"/>
+              </a:rPr>
+              <a:t>için</a:t>
+            </a:r>
+            <a:r>
+              <a:rPr lang="en-US" sz="1200" b="0" i="0" u="none" strike="noStrike" dirty="0">
+                <a:solidFill>
+                  <a:srgbClr val="212121"/>
+                </a:solidFill>
+                <a:effectLst/>
+                <a:latin typeface="Calibri" panose="020F0502020204030204" pitchFamily="34" charset="0"/>
+                <a:cs typeface="Calibri" panose="020F0502020204030204" pitchFamily="34" charset="0"/>
+              </a:rPr>
+              <a:t> </a:t>
+            </a:r>
+            <a:r>
+              <a:rPr lang="en-US" sz="1200" b="0" i="0" u="none" strike="noStrike" dirty="0" err="1">
+                <a:solidFill>
+                  <a:srgbClr val="212121"/>
+                </a:solidFill>
+                <a:effectLst/>
+                <a:latin typeface="Calibri" panose="020F0502020204030204" pitchFamily="34" charset="0"/>
+                <a:cs typeface="Calibri" panose="020F0502020204030204" pitchFamily="34" charset="0"/>
+              </a:rPr>
+              <a:t>işverenlerin</a:t>
+            </a:r>
+            <a:r>
+              <a:rPr lang="en-US" sz="1200" b="0" i="0" u="none" strike="noStrike" dirty="0">
+                <a:solidFill>
+                  <a:srgbClr val="212121"/>
+                </a:solidFill>
+                <a:effectLst/>
+                <a:latin typeface="Calibri" panose="020F0502020204030204" pitchFamily="34" charset="0"/>
+                <a:cs typeface="Calibri" panose="020F0502020204030204" pitchFamily="34" charset="0"/>
+              </a:rPr>
+              <a:t> </a:t>
+            </a:r>
+            <a:r>
+              <a:rPr lang="en-US" sz="1200" b="0" i="0" u="none" strike="noStrike" dirty="0" err="1">
+                <a:solidFill>
+                  <a:srgbClr val="212121"/>
+                </a:solidFill>
+                <a:effectLst/>
+                <a:latin typeface="Calibri" panose="020F0502020204030204" pitchFamily="34" charset="0"/>
+                <a:cs typeface="Calibri" panose="020F0502020204030204" pitchFamily="34" charset="0"/>
+              </a:rPr>
+              <a:t>iş</a:t>
+            </a:r>
+            <a:r>
+              <a:rPr lang="en-US" sz="1200" b="0" i="0" u="none" strike="noStrike" dirty="0">
+                <a:solidFill>
+                  <a:srgbClr val="212121"/>
+                </a:solidFill>
+                <a:effectLst/>
+                <a:latin typeface="Calibri" panose="020F0502020204030204" pitchFamily="34" charset="0"/>
+                <a:cs typeface="Calibri" panose="020F0502020204030204" pitchFamily="34" charset="0"/>
+              </a:rPr>
+              <a:t> </a:t>
+            </a:r>
+            <a:r>
+              <a:rPr lang="en-US" sz="1200" b="0" i="0" u="none" strike="noStrike" dirty="0" err="1">
+                <a:solidFill>
+                  <a:srgbClr val="212121"/>
+                </a:solidFill>
+                <a:effectLst/>
+                <a:latin typeface="Calibri" panose="020F0502020204030204" pitchFamily="34" charset="0"/>
+                <a:cs typeface="Calibri" panose="020F0502020204030204" pitchFamily="34" charset="0"/>
+              </a:rPr>
+              <a:t>ilanlarını</a:t>
+            </a:r>
+            <a:r>
+              <a:rPr lang="en-US" sz="1200" b="0" i="0" u="none" strike="noStrike" dirty="0">
+                <a:solidFill>
+                  <a:srgbClr val="212121"/>
+                </a:solidFill>
+                <a:effectLst/>
+                <a:latin typeface="Calibri" panose="020F0502020204030204" pitchFamily="34" charset="0"/>
+                <a:cs typeface="Calibri" panose="020F0502020204030204" pitchFamily="34" charset="0"/>
+              </a:rPr>
+              <a:t> </a:t>
+            </a:r>
+            <a:r>
+              <a:rPr lang="en-US" sz="1200" b="0" i="0" u="none" strike="noStrike" dirty="0" err="1">
+                <a:solidFill>
+                  <a:srgbClr val="212121"/>
+                </a:solidFill>
+                <a:effectLst/>
+                <a:latin typeface="Calibri" panose="020F0502020204030204" pitchFamily="34" charset="0"/>
+                <a:cs typeface="Calibri" panose="020F0502020204030204" pitchFamily="34" charset="0"/>
+              </a:rPr>
+              <a:t>analiz</a:t>
+            </a:r>
+            <a:r>
+              <a:rPr lang="en-US" sz="1200" b="0" i="0" u="none" strike="noStrike" dirty="0">
+                <a:solidFill>
+                  <a:srgbClr val="212121"/>
+                </a:solidFill>
+                <a:effectLst/>
+                <a:latin typeface="Calibri" panose="020F0502020204030204" pitchFamily="34" charset="0"/>
+                <a:cs typeface="Calibri" panose="020F0502020204030204" pitchFamily="34" charset="0"/>
+              </a:rPr>
+              <a:t> </a:t>
+            </a:r>
+            <a:r>
+              <a:rPr lang="en-US" sz="1200" b="0" i="0" u="none" strike="noStrike" dirty="0" err="1">
+                <a:solidFill>
+                  <a:srgbClr val="212121"/>
+                </a:solidFill>
+                <a:effectLst/>
+                <a:latin typeface="Calibri" panose="020F0502020204030204" pitchFamily="34" charset="0"/>
+                <a:cs typeface="Calibri" panose="020F0502020204030204" pitchFamily="34" charset="0"/>
+              </a:rPr>
+              <a:t>edebilir</a:t>
+            </a:r>
+            <a:r>
+              <a:rPr lang="en-US" sz="1200" b="0" i="0" u="none" strike="noStrike" dirty="0">
+                <a:solidFill>
+                  <a:srgbClr val="212121"/>
+                </a:solidFill>
+                <a:effectLst/>
+                <a:latin typeface="Calibri" panose="020F0502020204030204" pitchFamily="34" charset="0"/>
+                <a:cs typeface="Calibri" panose="020F0502020204030204" pitchFamily="34" charset="0"/>
+              </a:rPr>
+              <a:t> </a:t>
+            </a:r>
+            <a:r>
+              <a:rPr lang="en-US" sz="1200" b="0" i="0" u="none" strike="noStrike" dirty="0" err="1">
+                <a:solidFill>
+                  <a:srgbClr val="212121"/>
+                </a:solidFill>
+                <a:effectLst/>
+                <a:latin typeface="Calibri" panose="020F0502020204030204" pitchFamily="34" charset="0"/>
+                <a:cs typeface="Calibri" panose="020F0502020204030204" pitchFamily="34" charset="0"/>
+              </a:rPr>
+              <a:t>ve</a:t>
+            </a:r>
+            <a:r>
+              <a:rPr lang="en-US" sz="1200" b="0" i="0" u="none" strike="noStrike" dirty="0">
+                <a:solidFill>
+                  <a:srgbClr val="212121"/>
+                </a:solidFill>
+                <a:effectLst/>
+                <a:latin typeface="Calibri" panose="020F0502020204030204" pitchFamily="34" charset="0"/>
+                <a:cs typeface="Calibri" panose="020F0502020204030204" pitchFamily="34" charset="0"/>
+              </a:rPr>
+              <a:t> </a:t>
+            </a:r>
+            <a:r>
+              <a:rPr lang="en-US" sz="1200" b="0" i="0" u="none" strike="noStrike" dirty="0" err="1">
+                <a:solidFill>
+                  <a:srgbClr val="212121"/>
+                </a:solidFill>
+                <a:effectLst/>
+                <a:latin typeface="Calibri" panose="020F0502020204030204" pitchFamily="34" charset="0"/>
+                <a:cs typeface="Calibri" panose="020F0502020204030204" pitchFamily="34" charset="0"/>
+              </a:rPr>
+              <a:t>onlara</a:t>
+            </a:r>
+            <a:r>
+              <a:rPr lang="en-US" sz="1200" b="0" i="0" u="none" strike="noStrike" dirty="0">
+                <a:solidFill>
+                  <a:srgbClr val="212121"/>
+                </a:solidFill>
+                <a:effectLst/>
+                <a:latin typeface="Calibri" panose="020F0502020204030204" pitchFamily="34" charset="0"/>
+                <a:cs typeface="Calibri" panose="020F0502020204030204" pitchFamily="34" charset="0"/>
+              </a:rPr>
+              <a:t> </a:t>
+            </a:r>
+            <a:r>
+              <a:rPr lang="en-US" sz="1200" b="0" i="0" u="none" strike="noStrike" dirty="0" err="1">
+                <a:solidFill>
+                  <a:srgbClr val="212121"/>
+                </a:solidFill>
+                <a:effectLst/>
+                <a:latin typeface="Calibri" panose="020F0502020204030204" pitchFamily="34" charset="0"/>
+                <a:cs typeface="Calibri" panose="020F0502020204030204" pitchFamily="34" charset="0"/>
+              </a:rPr>
+              <a:t>ilgili</a:t>
+            </a:r>
+            <a:r>
+              <a:rPr lang="en-US" sz="1200" b="0" i="0" u="none" strike="noStrike" dirty="0">
+                <a:solidFill>
+                  <a:srgbClr val="212121"/>
+                </a:solidFill>
+                <a:effectLst/>
+                <a:latin typeface="Calibri" panose="020F0502020204030204" pitchFamily="34" charset="0"/>
+                <a:cs typeface="Calibri" panose="020F0502020204030204" pitchFamily="34" charset="0"/>
+              </a:rPr>
+              <a:t> </a:t>
+            </a:r>
+            <a:r>
+              <a:rPr lang="en-US" sz="1200" b="0" i="0" u="none" strike="noStrike" dirty="0" err="1">
+                <a:solidFill>
+                  <a:srgbClr val="212121"/>
+                </a:solidFill>
+                <a:effectLst/>
+                <a:latin typeface="Calibri" panose="020F0502020204030204" pitchFamily="34" charset="0"/>
+                <a:cs typeface="Calibri" panose="020F0502020204030204" pitchFamily="34" charset="0"/>
+              </a:rPr>
+              <a:t>iş</a:t>
+            </a:r>
+            <a:r>
+              <a:rPr lang="en-US" sz="1200" b="0" i="0" u="none" strike="noStrike" dirty="0">
+                <a:solidFill>
+                  <a:srgbClr val="212121"/>
+                </a:solidFill>
+                <a:effectLst/>
+                <a:latin typeface="Calibri" panose="020F0502020204030204" pitchFamily="34" charset="0"/>
+                <a:cs typeface="Calibri" panose="020F0502020204030204" pitchFamily="34" charset="0"/>
+              </a:rPr>
+              <a:t> </a:t>
+            </a:r>
+            <a:r>
+              <a:rPr lang="en-US" sz="1200" b="0" i="0" u="none" strike="noStrike" dirty="0" err="1">
+                <a:solidFill>
+                  <a:srgbClr val="212121"/>
+                </a:solidFill>
+                <a:effectLst/>
+                <a:latin typeface="Calibri" panose="020F0502020204030204" pitchFamily="34" charset="0"/>
+                <a:cs typeface="Calibri" panose="020F0502020204030204" pitchFamily="34" charset="0"/>
+              </a:rPr>
+              <a:t>arayanları</a:t>
+            </a:r>
+            <a:r>
+              <a:rPr lang="en-US" sz="1200" b="0" i="0" u="none" strike="noStrike" dirty="0">
+                <a:solidFill>
+                  <a:srgbClr val="212121"/>
+                </a:solidFill>
+                <a:effectLst/>
+                <a:latin typeface="Calibri" panose="020F0502020204030204" pitchFamily="34" charset="0"/>
+                <a:cs typeface="Calibri" panose="020F0502020204030204" pitchFamily="34" charset="0"/>
+              </a:rPr>
+              <a:t> </a:t>
+            </a:r>
+            <a:r>
+              <a:rPr lang="en-US" sz="1200" b="0" i="0" u="none" strike="noStrike" dirty="0" err="1">
+                <a:solidFill>
+                  <a:srgbClr val="212121"/>
+                </a:solidFill>
+                <a:effectLst/>
+                <a:latin typeface="Calibri" panose="020F0502020204030204" pitchFamily="34" charset="0"/>
+                <a:cs typeface="Calibri" panose="020F0502020204030204" pitchFamily="34" charset="0"/>
+              </a:rPr>
+              <a:t>öner</a:t>
+            </a:r>
+            <a:r>
+              <a:rPr lang="en-US" sz="1200" b="0" i="0" u="none" strike="noStrike" dirty="0">
+                <a:solidFill>
+                  <a:srgbClr val="212121"/>
+                </a:solidFill>
+                <a:effectLst/>
+                <a:latin typeface="Calibri" panose="020F0502020204030204" pitchFamily="34" charset="0"/>
+                <a:cs typeface="Calibri" panose="020F0502020204030204" pitchFamily="34" charset="0"/>
+              </a:rPr>
+              <a:t>.</a:t>
+            </a:r>
+            <a:r>
+              <a:rPr lang="en-US" sz="1200" b="1" i="0" u="none" strike="noStrike" dirty="0">
+                <a:solidFill>
+                  <a:srgbClr val="212121"/>
+                </a:solidFill>
+                <a:effectLst/>
+                <a:latin typeface="Calibri" panose="020F0502020204030204" pitchFamily="34" charset="0"/>
+                <a:cs typeface="Calibri" panose="020F0502020204030204" pitchFamily="34" charset="0"/>
+              </a:rPr>
+              <a:t> ..</a:t>
+            </a:r>
+            <a:r>
+              <a:rPr lang="en-US" sz="1200" b="1" i="0" u="none" strike="noStrike" dirty="0" err="1">
+                <a:solidFill>
+                  <a:srgbClr val="212121"/>
+                </a:solidFill>
+                <a:effectLst/>
+                <a:latin typeface="Calibri" panose="020F0502020204030204" pitchFamily="34" charset="0"/>
+                <a:cs typeface="Calibri" panose="020F0502020204030204" pitchFamily="34" charset="0"/>
+              </a:rPr>
+              <a:t>modeller</a:t>
+            </a:r>
+            <a:r>
+              <a:rPr lang="en-US" sz="1200" b="1" i="0" u="none" strike="noStrike" dirty="0">
+                <a:solidFill>
+                  <a:srgbClr val="212121"/>
+                </a:solidFill>
+                <a:effectLst/>
+                <a:latin typeface="Calibri" panose="020F0502020204030204" pitchFamily="34" charset="0"/>
+                <a:cs typeface="Calibri" panose="020F0502020204030204" pitchFamily="34" charset="0"/>
+              </a:rPr>
+              <a:t> </a:t>
+            </a:r>
+            <a:r>
+              <a:rPr lang="en-US" sz="1200" b="1" i="0" u="none" strike="noStrike" dirty="0" err="1">
+                <a:solidFill>
+                  <a:srgbClr val="212121"/>
+                </a:solidFill>
+                <a:effectLst/>
+                <a:latin typeface="Calibri" panose="020F0502020204030204" pitchFamily="34" charset="0"/>
+                <a:cs typeface="Calibri" panose="020F0502020204030204" pitchFamily="34" charset="0"/>
+              </a:rPr>
+              <a:t>için</a:t>
+            </a:r>
+            <a:r>
+              <a:rPr lang="en-US" sz="1200" b="1" i="0" u="none" strike="noStrike" dirty="0">
+                <a:solidFill>
+                  <a:srgbClr val="212121"/>
+                </a:solidFill>
+                <a:effectLst/>
+                <a:latin typeface="Calibri" panose="020F0502020204030204" pitchFamily="34" charset="0"/>
+                <a:cs typeface="Calibri" panose="020F0502020204030204" pitchFamily="34" charset="0"/>
+              </a:rPr>
+              <a:t> </a:t>
+            </a:r>
+            <a:r>
+              <a:rPr lang="en-US" sz="1200" b="1" i="0" u="none" strike="noStrike" dirty="0" err="1">
+                <a:solidFill>
+                  <a:srgbClr val="212121"/>
+                </a:solidFill>
+                <a:effectLst/>
+                <a:latin typeface="Calibri" panose="020F0502020204030204" pitchFamily="34" charset="0"/>
+                <a:cs typeface="Calibri" panose="020F0502020204030204" pitchFamily="34" charset="0"/>
+              </a:rPr>
+              <a:t>karşılaşabilecek</a:t>
+            </a:r>
+            <a:r>
+              <a:rPr lang="en-US" sz="1200" b="1" i="0" u="none" strike="noStrike" dirty="0">
+                <a:solidFill>
+                  <a:srgbClr val="212121"/>
+                </a:solidFill>
+                <a:effectLst/>
+                <a:latin typeface="Calibri" panose="020F0502020204030204" pitchFamily="34" charset="0"/>
+                <a:cs typeface="Calibri" panose="020F0502020204030204" pitchFamily="34" charset="0"/>
+              </a:rPr>
+              <a:t> </a:t>
+            </a:r>
+            <a:r>
+              <a:rPr lang="en-US" sz="1200" b="1" i="0" u="none" strike="noStrike" dirty="0" err="1">
+                <a:solidFill>
+                  <a:srgbClr val="212121"/>
+                </a:solidFill>
+                <a:effectLst/>
+                <a:latin typeface="Calibri" panose="020F0502020204030204" pitchFamily="34" charset="0"/>
+                <a:cs typeface="Calibri" panose="020F0502020204030204" pitchFamily="34" charset="0"/>
+              </a:rPr>
+              <a:t>durumlar</a:t>
+            </a:r>
+            <a:r>
+              <a:rPr lang="en-US" sz="1200" b="1" i="0" u="none" strike="noStrike" dirty="0">
+                <a:solidFill>
+                  <a:srgbClr val="212121"/>
+                </a:solidFill>
+                <a:effectLst/>
+                <a:latin typeface="Calibri" panose="020F0502020204030204" pitchFamily="34" charset="0"/>
+                <a:cs typeface="Calibri" panose="020F0502020204030204" pitchFamily="34" charset="0"/>
+              </a:rPr>
+              <a:t> / </a:t>
+            </a:r>
+            <a:r>
+              <a:rPr lang="en-US" sz="1200" b="1" i="0" u="none" strike="noStrike" dirty="0" err="1">
+                <a:solidFill>
+                  <a:srgbClr val="212121"/>
+                </a:solidFill>
+                <a:effectLst/>
+                <a:latin typeface="Calibri" panose="020F0502020204030204" pitchFamily="34" charset="0"/>
+                <a:cs typeface="Calibri" panose="020F0502020204030204" pitchFamily="34" charset="0"/>
+              </a:rPr>
+              <a:t>zorluklar</a:t>
+            </a:r>
+            <a:endParaRPr lang="en-US" sz="1200" b="0" i="0" u="none" strike="noStrike" dirty="0">
+              <a:solidFill>
+                <a:srgbClr val="212121"/>
+              </a:solidFill>
+              <a:effectLst/>
+              <a:latin typeface="Calibri" panose="020F0502020204030204" pitchFamily="34" charset="0"/>
+              <a:cs typeface="Calibri" panose="020F0502020204030204" pitchFamily="34" charset="0"/>
+            </a:endParaRPr>
+          </a:p>
+          <a:p>
+            <a:pPr algn="l">
+              <a:spcAft>
+                <a:spcPts val="0"/>
+              </a:spcAft>
+            </a:pPr>
+            <a:r>
+              <a:rPr lang="en-US" sz="1200" b="0" i="0" u="none" strike="noStrike" dirty="0">
+                <a:solidFill>
+                  <a:srgbClr val="212121"/>
+                </a:solidFill>
+                <a:effectLst/>
+                <a:latin typeface="Calibri" panose="020F0502020204030204" pitchFamily="34" charset="0"/>
+                <a:cs typeface="Calibri" panose="020F0502020204030204" pitchFamily="34" charset="0"/>
+              </a:rPr>
+              <a:t> </a:t>
+            </a:r>
+          </a:p>
+          <a:p>
+            <a:pPr algn="l">
+              <a:spcAft>
+                <a:spcPts val="0"/>
+              </a:spcAft>
+            </a:pPr>
+            <a:r>
+              <a:rPr lang="en-US" sz="1200" b="0" i="0" u="none" strike="noStrike" dirty="0">
+                <a:solidFill>
+                  <a:srgbClr val="212121"/>
+                </a:solidFill>
+                <a:effectLst/>
+                <a:latin typeface="Calibri" panose="020F0502020204030204" pitchFamily="34" charset="0"/>
+                <a:cs typeface="Calibri" panose="020F0502020204030204" pitchFamily="34" charset="0"/>
+              </a:rPr>
+              <a:t>Bu </a:t>
+            </a:r>
+            <a:r>
+              <a:rPr lang="en-US" sz="1200" b="0" i="0" u="none" strike="noStrike" dirty="0" err="1">
+                <a:solidFill>
+                  <a:srgbClr val="212121"/>
+                </a:solidFill>
+                <a:effectLst/>
+                <a:latin typeface="Calibri" panose="020F0502020204030204" pitchFamily="34" charset="0"/>
+                <a:cs typeface="Calibri" panose="020F0502020204030204" pitchFamily="34" charset="0"/>
+              </a:rPr>
+              <a:t>çözümün</a:t>
+            </a:r>
+            <a:r>
+              <a:rPr lang="en-US" sz="1200" b="0" i="0" u="none" strike="noStrike" dirty="0">
+                <a:solidFill>
+                  <a:srgbClr val="212121"/>
+                </a:solidFill>
+                <a:effectLst/>
+                <a:latin typeface="Calibri" panose="020F0502020204030204" pitchFamily="34" charset="0"/>
+                <a:cs typeface="Calibri" panose="020F0502020204030204" pitchFamily="34" charset="0"/>
+              </a:rPr>
+              <a:t> </a:t>
+            </a:r>
+            <a:r>
+              <a:rPr lang="en-US" sz="1200" b="0" i="0" u="none" strike="noStrike" dirty="0" err="1">
+                <a:solidFill>
+                  <a:srgbClr val="212121"/>
+                </a:solidFill>
+                <a:effectLst/>
+                <a:latin typeface="Calibri" panose="020F0502020204030204" pitchFamily="34" charset="0"/>
+                <a:cs typeface="Calibri" panose="020F0502020204030204" pitchFamily="34" charset="0"/>
+              </a:rPr>
+              <a:t>etkililiğini</a:t>
+            </a:r>
+            <a:r>
+              <a:rPr lang="en-US" sz="1200" b="0" i="0" u="none" strike="noStrike" dirty="0">
+                <a:solidFill>
+                  <a:srgbClr val="212121"/>
+                </a:solidFill>
+                <a:effectLst/>
+                <a:latin typeface="Calibri" panose="020F0502020204030204" pitchFamily="34" charset="0"/>
+                <a:cs typeface="Calibri" panose="020F0502020204030204" pitchFamily="34" charset="0"/>
+              </a:rPr>
+              <a:t> </a:t>
+            </a:r>
+            <a:r>
+              <a:rPr lang="en-US" sz="1200" b="0" i="0" u="none" strike="noStrike" dirty="0" err="1">
+                <a:solidFill>
+                  <a:srgbClr val="212121"/>
+                </a:solidFill>
+                <a:effectLst/>
+                <a:latin typeface="Calibri" panose="020F0502020204030204" pitchFamily="34" charset="0"/>
+                <a:cs typeface="Calibri" panose="020F0502020204030204" pitchFamily="34" charset="0"/>
+              </a:rPr>
+              <a:t>değerlendirmek</a:t>
+            </a:r>
+            <a:r>
+              <a:rPr lang="en-US" sz="1200" b="0" i="0" u="none" strike="noStrike" dirty="0">
+                <a:solidFill>
+                  <a:srgbClr val="212121"/>
+                </a:solidFill>
+                <a:effectLst/>
+                <a:latin typeface="Calibri" panose="020F0502020204030204" pitchFamily="34" charset="0"/>
+                <a:cs typeface="Calibri" panose="020F0502020204030204" pitchFamily="34" charset="0"/>
+              </a:rPr>
+              <a:t> </a:t>
+            </a:r>
+            <a:r>
+              <a:rPr lang="en-US" sz="1200" b="0" i="0" u="none" strike="noStrike" dirty="0" err="1">
+                <a:solidFill>
+                  <a:srgbClr val="212121"/>
+                </a:solidFill>
+                <a:effectLst/>
+                <a:latin typeface="Calibri" panose="020F0502020204030204" pitchFamily="34" charset="0"/>
+                <a:cs typeface="Calibri" panose="020F0502020204030204" pitchFamily="34" charset="0"/>
+              </a:rPr>
+              <a:t>için</a:t>
+            </a:r>
+            <a:r>
+              <a:rPr lang="en-US" sz="1200" b="0" i="0" u="none" strike="noStrike" dirty="0">
+                <a:solidFill>
+                  <a:srgbClr val="212121"/>
+                </a:solidFill>
+                <a:effectLst/>
+                <a:latin typeface="Calibri" panose="020F0502020204030204" pitchFamily="34" charset="0"/>
+                <a:cs typeface="Calibri" panose="020F0502020204030204" pitchFamily="34" charset="0"/>
+              </a:rPr>
+              <a:t>, </a:t>
+            </a:r>
+            <a:r>
+              <a:rPr lang="en-US" sz="1200" b="0" i="0" u="none" strike="noStrike" dirty="0" err="1">
+                <a:solidFill>
+                  <a:srgbClr val="212121"/>
+                </a:solidFill>
+                <a:effectLst/>
+                <a:latin typeface="Calibri" panose="020F0502020204030204" pitchFamily="34" charset="0"/>
+                <a:cs typeface="Calibri" panose="020F0502020204030204" pitchFamily="34" charset="0"/>
+              </a:rPr>
+              <a:t>işlem</a:t>
+            </a:r>
+            <a:r>
+              <a:rPr lang="en-US" sz="1200" b="0" i="0" u="none" strike="noStrike" dirty="0">
+                <a:solidFill>
+                  <a:srgbClr val="212121"/>
+                </a:solidFill>
+                <a:effectLst/>
+                <a:latin typeface="Calibri" panose="020F0502020204030204" pitchFamily="34" charset="0"/>
+                <a:cs typeface="Calibri" panose="020F0502020204030204" pitchFamily="34" charset="0"/>
+              </a:rPr>
+              <a:t> </a:t>
+            </a:r>
+            <a:r>
+              <a:rPr lang="en-US" sz="1200" b="0" i="0" u="none" strike="noStrike" dirty="0" err="1">
+                <a:solidFill>
+                  <a:srgbClr val="212121"/>
+                </a:solidFill>
+                <a:effectLst/>
+                <a:latin typeface="Calibri" panose="020F0502020204030204" pitchFamily="34" charset="0"/>
+                <a:cs typeface="Calibri" panose="020F0502020204030204" pitchFamily="34" charset="0"/>
+              </a:rPr>
+              <a:t>süresi</a:t>
+            </a:r>
+            <a:r>
+              <a:rPr lang="en-US" sz="1200" b="0" i="0" u="none" strike="noStrike" dirty="0">
+                <a:solidFill>
+                  <a:srgbClr val="212121"/>
+                </a:solidFill>
+                <a:effectLst/>
+                <a:latin typeface="Calibri" panose="020F0502020204030204" pitchFamily="34" charset="0"/>
+                <a:cs typeface="Calibri" panose="020F0502020204030204" pitchFamily="34" charset="0"/>
+              </a:rPr>
+              <a:t>, </a:t>
+            </a:r>
+            <a:r>
+              <a:rPr lang="en-US" sz="1200" b="0" i="0" u="none" strike="noStrike" dirty="0" err="1">
+                <a:solidFill>
+                  <a:srgbClr val="212121"/>
+                </a:solidFill>
+                <a:effectLst/>
+                <a:latin typeface="Calibri" panose="020F0502020204030204" pitchFamily="34" charset="0"/>
+                <a:cs typeface="Calibri" panose="020F0502020204030204" pitchFamily="34" charset="0"/>
+              </a:rPr>
+              <a:t>iş</a:t>
+            </a:r>
+            <a:r>
+              <a:rPr lang="en-US" sz="1200" b="0" i="0" u="none" strike="noStrike" dirty="0">
+                <a:solidFill>
+                  <a:srgbClr val="212121"/>
+                </a:solidFill>
+                <a:effectLst/>
+                <a:latin typeface="Calibri" panose="020F0502020204030204" pitchFamily="34" charset="0"/>
+                <a:cs typeface="Calibri" panose="020F0502020204030204" pitchFamily="34" charset="0"/>
+              </a:rPr>
+              <a:t> </a:t>
+            </a:r>
+            <a:r>
+              <a:rPr lang="en-US" sz="1200" b="0" i="0" u="none" strike="noStrike" dirty="0" err="1">
+                <a:solidFill>
+                  <a:srgbClr val="212121"/>
+                </a:solidFill>
+                <a:effectLst/>
+                <a:latin typeface="Calibri" panose="020F0502020204030204" pitchFamily="34" charset="0"/>
+                <a:cs typeface="Calibri" panose="020F0502020204030204" pitchFamily="34" charset="0"/>
+              </a:rPr>
+              <a:t>arayanların</a:t>
+            </a:r>
+            <a:r>
+              <a:rPr lang="en-US" sz="1200" b="0" i="0" u="none" strike="noStrike" dirty="0">
+                <a:solidFill>
+                  <a:srgbClr val="212121"/>
+                </a:solidFill>
+                <a:effectLst/>
+                <a:latin typeface="Calibri" panose="020F0502020204030204" pitchFamily="34" charset="0"/>
+                <a:cs typeface="Calibri" panose="020F0502020204030204" pitchFamily="34" charset="0"/>
+              </a:rPr>
+              <a:t> </a:t>
+            </a:r>
+            <a:r>
+              <a:rPr lang="en-US" sz="1200" b="0" i="0" u="none" strike="noStrike" dirty="0" err="1">
+                <a:solidFill>
+                  <a:srgbClr val="212121"/>
+                </a:solidFill>
+                <a:effectLst/>
+                <a:latin typeface="Calibri" panose="020F0502020204030204" pitchFamily="34" charset="0"/>
+                <a:cs typeface="Calibri" panose="020F0502020204030204" pitchFamily="34" charset="0"/>
+              </a:rPr>
+              <a:t>alacakları</a:t>
+            </a:r>
+            <a:r>
+              <a:rPr lang="en-US" sz="1200" b="0" i="0" u="none" strike="noStrike" dirty="0">
+                <a:solidFill>
+                  <a:srgbClr val="212121"/>
+                </a:solidFill>
+                <a:effectLst/>
+                <a:latin typeface="Calibri" panose="020F0502020204030204" pitchFamily="34" charset="0"/>
+                <a:cs typeface="Calibri" panose="020F0502020204030204" pitchFamily="34" charset="0"/>
+              </a:rPr>
+              <a:t> </a:t>
+            </a:r>
+            <a:r>
+              <a:rPr lang="en-US" sz="1200" b="0" i="0" u="none" strike="noStrike" dirty="0" err="1">
+                <a:solidFill>
+                  <a:srgbClr val="212121"/>
+                </a:solidFill>
+                <a:effectLst/>
+                <a:latin typeface="Calibri" panose="020F0502020204030204" pitchFamily="34" charset="0"/>
+                <a:cs typeface="Calibri" panose="020F0502020204030204" pitchFamily="34" charset="0"/>
+              </a:rPr>
+              <a:t>ilgili</a:t>
+            </a:r>
+            <a:r>
+              <a:rPr lang="en-US" sz="1200" b="0" i="0" u="none" strike="noStrike" dirty="0">
+                <a:solidFill>
+                  <a:srgbClr val="212121"/>
+                </a:solidFill>
+                <a:effectLst/>
+                <a:latin typeface="Calibri" panose="020F0502020204030204" pitchFamily="34" charset="0"/>
+                <a:cs typeface="Calibri" panose="020F0502020204030204" pitchFamily="34" charset="0"/>
+              </a:rPr>
+              <a:t> </a:t>
+            </a:r>
+            <a:r>
+              <a:rPr lang="en-US" sz="1200" b="0" i="0" u="none" strike="noStrike" dirty="0" err="1">
+                <a:solidFill>
+                  <a:srgbClr val="212121"/>
+                </a:solidFill>
+                <a:effectLst/>
+                <a:latin typeface="Calibri" panose="020F0502020204030204" pitchFamily="34" charset="0"/>
+                <a:cs typeface="Calibri" panose="020F0502020204030204" pitchFamily="34" charset="0"/>
+              </a:rPr>
+              <a:t>iş</a:t>
+            </a:r>
+            <a:r>
+              <a:rPr lang="en-US" sz="1200" b="0" i="0" u="none" strike="noStrike" dirty="0">
+                <a:solidFill>
+                  <a:srgbClr val="212121"/>
+                </a:solidFill>
+                <a:effectLst/>
+                <a:latin typeface="Calibri" panose="020F0502020204030204" pitchFamily="34" charset="0"/>
+                <a:cs typeface="Calibri" panose="020F0502020204030204" pitchFamily="34" charset="0"/>
+              </a:rPr>
+              <a:t> </a:t>
+            </a:r>
+            <a:r>
+              <a:rPr lang="en-US" sz="1200" b="0" i="0" u="none" strike="noStrike" dirty="0" err="1">
+                <a:solidFill>
+                  <a:srgbClr val="212121"/>
+                </a:solidFill>
+                <a:effectLst/>
+                <a:latin typeface="Calibri" panose="020F0502020204030204" pitchFamily="34" charset="0"/>
+                <a:cs typeface="Calibri" panose="020F0502020204030204" pitchFamily="34" charset="0"/>
+              </a:rPr>
+              <a:t>önerilerinin</a:t>
+            </a:r>
+            <a:r>
+              <a:rPr lang="en-US" sz="1200" b="0" i="0" u="none" strike="noStrike" dirty="0">
+                <a:solidFill>
+                  <a:srgbClr val="212121"/>
+                </a:solidFill>
+                <a:effectLst/>
+                <a:latin typeface="Calibri" panose="020F0502020204030204" pitchFamily="34" charset="0"/>
+                <a:cs typeface="Calibri" panose="020F0502020204030204" pitchFamily="34" charset="0"/>
+              </a:rPr>
+              <a:t> </a:t>
+            </a:r>
+            <a:r>
+              <a:rPr lang="en-US" sz="1200" b="0" i="0" u="none" strike="noStrike" dirty="0" err="1">
+                <a:solidFill>
+                  <a:srgbClr val="212121"/>
+                </a:solidFill>
+                <a:effectLst/>
+                <a:latin typeface="Calibri" panose="020F0502020204030204" pitchFamily="34" charset="0"/>
+                <a:cs typeface="Calibri" panose="020F0502020204030204" pitchFamily="34" charset="0"/>
+              </a:rPr>
+              <a:t>sayısı</a:t>
+            </a:r>
+            <a:r>
+              <a:rPr lang="en-US" sz="1200" b="0" i="0" u="none" strike="noStrike" dirty="0">
+                <a:solidFill>
+                  <a:srgbClr val="212121"/>
+                </a:solidFill>
+                <a:effectLst/>
+                <a:latin typeface="Calibri" panose="020F0502020204030204" pitchFamily="34" charset="0"/>
+                <a:cs typeface="Calibri" panose="020F0502020204030204" pitchFamily="34" charset="0"/>
+              </a:rPr>
+              <a:t>, </a:t>
+            </a:r>
+            <a:r>
+              <a:rPr lang="en-US" sz="1200" b="0" i="0" u="none" strike="noStrike" dirty="0" err="1">
+                <a:solidFill>
+                  <a:srgbClr val="212121"/>
+                </a:solidFill>
+                <a:effectLst/>
+                <a:latin typeface="Calibri" panose="020F0502020204030204" pitchFamily="34" charset="0"/>
+                <a:cs typeface="Calibri" panose="020F0502020204030204" pitchFamily="34" charset="0"/>
+              </a:rPr>
+              <a:t>algoritmanın</a:t>
+            </a:r>
+            <a:r>
+              <a:rPr lang="en-US" sz="1200" b="0" i="0" u="none" strike="noStrike" dirty="0">
+                <a:solidFill>
+                  <a:srgbClr val="212121"/>
+                </a:solidFill>
+                <a:effectLst/>
+                <a:latin typeface="Calibri" panose="020F0502020204030204" pitchFamily="34" charset="0"/>
+                <a:cs typeface="Calibri" panose="020F0502020204030204" pitchFamily="34" charset="0"/>
+              </a:rPr>
+              <a:t> </a:t>
+            </a:r>
+            <a:r>
+              <a:rPr lang="en-US" sz="1200" b="0" i="0" u="none" strike="noStrike" dirty="0" err="1">
+                <a:solidFill>
+                  <a:srgbClr val="212121"/>
+                </a:solidFill>
+                <a:effectLst/>
+                <a:latin typeface="Calibri" panose="020F0502020204030204" pitchFamily="34" charset="0"/>
+                <a:cs typeface="Calibri" panose="020F0502020204030204" pitchFamily="34" charset="0"/>
+              </a:rPr>
+              <a:t>doğruluğu</a:t>
+            </a:r>
+            <a:r>
+              <a:rPr lang="en-US" sz="1200" b="0" i="0" u="none" strike="noStrike" dirty="0">
+                <a:solidFill>
+                  <a:srgbClr val="212121"/>
+                </a:solidFill>
+                <a:effectLst/>
+                <a:latin typeface="Calibri" panose="020F0502020204030204" pitchFamily="34" charset="0"/>
+                <a:cs typeface="Calibri" panose="020F0502020204030204" pitchFamily="34" charset="0"/>
+              </a:rPr>
+              <a:t> </a:t>
+            </a:r>
+            <a:r>
+              <a:rPr lang="en-US" sz="1200" b="0" i="0" u="none" strike="noStrike" dirty="0" err="1">
+                <a:solidFill>
+                  <a:srgbClr val="212121"/>
+                </a:solidFill>
+                <a:effectLst/>
+                <a:latin typeface="Calibri" panose="020F0502020204030204" pitchFamily="34" charset="0"/>
+                <a:cs typeface="Calibri" panose="020F0502020204030204" pitchFamily="34" charset="0"/>
+              </a:rPr>
+              <a:t>ve</a:t>
+            </a:r>
+            <a:r>
+              <a:rPr lang="en-US" sz="1200" b="0" i="0" u="none" strike="noStrike" dirty="0">
+                <a:solidFill>
+                  <a:srgbClr val="212121"/>
+                </a:solidFill>
+                <a:effectLst/>
+                <a:latin typeface="Calibri" panose="020F0502020204030204" pitchFamily="34" charset="0"/>
+                <a:cs typeface="Calibri" panose="020F0502020204030204" pitchFamily="34" charset="0"/>
+              </a:rPr>
+              <a:t> </a:t>
+            </a:r>
+            <a:r>
+              <a:rPr lang="en-US" sz="1200" b="0" i="0" u="none" strike="noStrike" dirty="0" err="1">
+                <a:solidFill>
+                  <a:srgbClr val="212121"/>
+                </a:solidFill>
+                <a:effectLst/>
+                <a:latin typeface="Calibri" panose="020F0502020204030204" pitchFamily="34" charset="0"/>
+                <a:cs typeface="Calibri" panose="020F0502020204030204" pitchFamily="34" charset="0"/>
+              </a:rPr>
+              <a:t>kullanıcılardan</a:t>
+            </a:r>
+            <a:r>
+              <a:rPr lang="en-US" sz="1200" b="0" i="0" u="none" strike="noStrike" dirty="0">
+                <a:solidFill>
+                  <a:srgbClr val="212121"/>
+                </a:solidFill>
+                <a:effectLst/>
+                <a:latin typeface="Calibri" panose="020F0502020204030204" pitchFamily="34" charset="0"/>
+                <a:cs typeface="Calibri" panose="020F0502020204030204" pitchFamily="34" charset="0"/>
+              </a:rPr>
+              <a:t> </a:t>
+            </a:r>
+            <a:r>
+              <a:rPr lang="en-US" sz="1200" b="0" i="0" u="none" strike="noStrike" dirty="0" err="1">
+                <a:solidFill>
+                  <a:srgbClr val="212121"/>
+                </a:solidFill>
+                <a:effectLst/>
+                <a:latin typeface="Calibri" panose="020F0502020204030204" pitchFamily="34" charset="0"/>
+                <a:cs typeface="Calibri" panose="020F0502020204030204" pitchFamily="34" charset="0"/>
+              </a:rPr>
+              <a:t>alınan</a:t>
+            </a:r>
+            <a:r>
+              <a:rPr lang="en-US" sz="1200" b="0" i="0" u="none" strike="noStrike" dirty="0">
+                <a:solidFill>
+                  <a:srgbClr val="212121"/>
+                </a:solidFill>
+                <a:effectLst/>
+                <a:latin typeface="Calibri" panose="020F0502020204030204" pitchFamily="34" charset="0"/>
+                <a:cs typeface="Calibri" panose="020F0502020204030204" pitchFamily="34" charset="0"/>
+              </a:rPr>
+              <a:t> </a:t>
+            </a:r>
+            <a:r>
+              <a:rPr lang="en-US" sz="1200" b="0" i="0" u="none" strike="noStrike" dirty="0" err="1">
+                <a:solidFill>
+                  <a:srgbClr val="212121"/>
+                </a:solidFill>
+                <a:effectLst/>
+                <a:latin typeface="Calibri" panose="020F0502020204030204" pitchFamily="34" charset="0"/>
+                <a:cs typeface="Calibri" panose="020F0502020204030204" pitchFamily="34" charset="0"/>
+              </a:rPr>
+              <a:t>geri</a:t>
+            </a:r>
+            <a:r>
+              <a:rPr lang="en-US" sz="1200" b="0" i="0" u="none" strike="noStrike" dirty="0">
+                <a:solidFill>
+                  <a:srgbClr val="212121"/>
+                </a:solidFill>
+                <a:effectLst/>
+                <a:latin typeface="Calibri" panose="020F0502020204030204" pitchFamily="34" charset="0"/>
+                <a:cs typeface="Calibri" panose="020F0502020204030204" pitchFamily="34" charset="0"/>
+              </a:rPr>
+              <a:t> </a:t>
+            </a:r>
+            <a:r>
+              <a:rPr lang="en-US" sz="1200" b="0" i="0" u="none" strike="noStrike" dirty="0" err="1">
+                <a:solidFill>
+                  <a:srgbClr val="212121"/>
+                </a:solidFill>
+                <a:effectLst/>
+                <a:latin typeface="Calibri" panose="020F0502020204030204" pitchFamily="34" charset="0"/>
+                <a:cs typeface="Calibri" panose="020F0502020204030204" pitchFamily="34" charset="0"/>
+              </a:rPr>
+              <a:t>bildirimler</a:t>
+            </a:r>
+            <a:r>
+              <a:rPr lang="en-US" sz="1200" b="0" i="0" u="none" strike="noStrike" dirty="0">
+                <a:solidFill>
+                  <a:srgbClr val="212121"/>
+                </a:solidFill>
+                <a:effectLst/>
+                <a:latin typeface="Calibri" panose="020F0502020204030204" pitchFamily="34" charset="0"/>
+                <a:cs typeface="Calibri" panose="020F0502020204030204" pitchFamily="34" charset="0"/>
+              </a:rPr>
+              <a:t> </a:t>
+            </a:r>
+            <a:r>
+              <a:rPr lang="en-US" sz="1200" b="0" i="0" u="none" strike="noStrike" dirty="0" err="1">
+                <a:solidFill>
+                  <a:srgbClr val="212121"/>
+                </a:solidFill>
+                <a:effectLst/>
+                <a:latin typeface="Calibri" panose="020F0502020204030204" pitchFamily="34" charset="0"/>
+                <a:cs typeface="Calibri" panose="020F0502020204030204" pitchFamily="34" charset="0"/>
+              </a:rPr>
+              <a:t>gibi</a:t>
+            </a:r>
+            <a:r>
+              <a:rPr lang="en-US" sz="1200" b="0" i="0" u="none" strike="noStrike" dirty="0">
+                <a:solidFill>
+                  <a:srgbClr val="212121"/>
+                </a:solidFill>
+                <a:effectLst/>
+                <a:latin typeface="Calibri" panose="020F0502020204030204" pitchFamily="34" charset="0"/>
+                <a:cs typeface="Calibri" panose="020F0502020204030204" pitchFamily="34" charset="0"/>
+              </a:rPr>
+              <a:t> </a:t>
+            </a:r>
+            <a:r>
+              <a:rPr lang="en-US" sz="1200" b="0" i="0" u="none" strike="noStrike" dirty="0" err="1">
+                <a:solidFill>
+                  <a:srgbClr val="212121"/>
+                </a:solidFill>
+                <a:effectLst/>
+                <a:latin typeface="Calibri" panose="020F0502020204030204" pitchFamily="34" charset="0"/>
+                <a:cs typeface="Calibri" panose="020F0502020204030204" pitchFamily="34" charset="0"/>
+              </a:rPr>
+              <a:t>birkaç</a:t>
+            </a:r>
+            <a:r>
+              <a:rPr lang="en-US" sz="1200" b="0" i="0" u="none" strike="noStrike" dirty="0">
+                <a:solidFill>
+                  <a:srgbClr val="212121"/>
+                </a:solidFill>
+                <a:effectLst/>
+                <a:latin typeface="Calibri" panose="020F0502020204030204" pitchFamily="34" charset="0"/>
+                <a:cs typeface="Calibri" panose="020F0502020204030204" pitchFamily="34" charset="0"/>
+              </a:rPr>
+              <a:t> </a:t>
+            </a:r>
+            <a:r>
+              <a:rPr lang="en-US" sz="1200" b="0" i="0" u="none" strike="noStrike" dirty="0" err="1">
+                <a:solidFill>
+                  <a:srgbClr val="212121"/>
+                </a:solidFill>
+                <a:effectLst/>
+                <a:latin typeface="Calibri" panose="020F0502020204030204" pitchFamily="34" charset="0"/>
+                <a:cs typeface="Calibri" panose="020F0502020204030204" pitchFamily="34" charset="0"/>
+              </a:rPr>
+              <a:t>metrik</a:t>
+            </a:r>
+            <a:r>
+              <a:rPr lang="en-US" sz="1200" b="0" i="0" u="none" strike="noStrike" dirty="0">
+                <a:solidFill>
+                  <a:srgbClr val="212121"/>
+                </a:solidFill>
+                <a:effectLst/>
+                <a:latin typeface="Calibri" panose="020F0502020204030204" pitchFamily="34" charset="0"/>
+                <a:cs typeface="Calibri" panose="020F0502020204030204" pitchFamily="34" charset="0"/>
+              </a:rPr>
+              <a:t> </a:t>
+            </a:r>
+            <a:r>
+              <a:rPr lang="en-US" sz="1200" b="0" i="0" u="none" strike="noStrike" dirty="0" err="1">
+                <a:solidFill>
+                  <a:srgbClr val="212121"/>
+                </a:solidFill>
+                <a:effectLst/>
+                <a:latin typeface="Calibri" panose="020F0502020204030204" pitchFamily="34" charset="0"/>
+                <a:cs typeface="Calibri" panose="020F0502020204030204" pitchFamily="34" charset="0"/>
+              </a:rPr>
+              <a:t>kullanılabilir</a:t>
+            </a:r>
+            <a:r>
+              <a:rPr lang="en-US" sz="1200" b="0" i="0" u="none" strike="noStrike" dirty="0">
+                <a:solidFill>
+                  <a:srgbClr val="212121"/>
+                </a:solidFill>
+                <a:effectLst/>
+                <a:latin typeface="Calibri" panose="020F0502020204030204" pitchFamily="34" charset="0"/>
+                <a:cs typeface="Calibri" panose="020F0502020204030204" pitchFamily="34" charset="0"/>
+              </a:rPr>
+              <a:t>.</a:t>
+            </a:r>
+          </a:p>
+          <a:p>
+            <a:pPr algn="l">
+              <a:spcAft>
+                <a:spcPts val="0"/>
+              </a:spcAft>
+            </a:pPr>
+            <a:r>
+              <a:rPr lang="en-US" sz="1200" b="0" i="0" u="none" strike="noStrike" dirty="0">
+                <a:solidFill>
+                  <a:srgbClr val="212121"/>
+                </a:solidFill>
+                <a:effectLst/>
+                <a:latin typeface="Calibri" panose="020F0502020204030204" pitchFamily="34" charset="0"/>
+                <a:cs typeface="Calibri" panose="020F0502020204030204" pitchFamily="34" charset="0"/>
+              </a:rPr>
+              <a:t> </a:t>
+            </a:r>
+          </a:p>
+        </p:txBody>
+      </p:sp>
+    </p:spTree>
+    <p:extLst>
+      <p:ext uri="{BB962C8B-B14F-4D97-AF65-F5344CB8AC3E}">
+        <p14:creationId xmlns:p14="http://schemas.microsoft.com/office/powerpoint/2010/main" val="2473319163"/>
       </p:ext>
     </p:extLst>
   </p:cSld>
